--- a/Troy Tech - Poster/Troy Tech-Poster.pptx
+++ b/Troy Tech - Poster/Troy Tech-Poster.pptx
@@ -7057,6 +7057,36 @@
           </a:p>
         </p:txBody>
       </p:sp>
+      <p:pic>
+        <p:nvPicPr>
+          <p:cNvPr id="3" name="Picture 2"/>
+          <p:cNvPicPr>
+            <a:picLocks noChangeAspect="1"/>
+          </p:cNvPicPr>
+          <p:nvPr/>
+        </p:nvPicPr>
+        <p:blipFill>
+          <a:blip r:embed="rId2">
+            <a:extLst>
+              <a:ext uri="{28A0092B-C50C-407E-A947-70E740481C1C}">
+                <a14:useLocalDpi xmlns:a14="http://schemas.microsoft.com/office/drawing/2010/main" val="0"/>
+              </a:ext>
+            </a:extLst>
+          </a:blip>
+          <a:stretch>
+            <a:fillRect/>
+          </a:stretch>
+        </p:blipFill>
+        <p:spPr>
+          <a:xfrm>
+            <a:off x="10494" y="28964044"/>
+            <a:ext cx="21385831" cy="1303231"/>
+          </a:xfrm>
+          <a:prstGeom prst="rect">
+            <a:avLst/>
+          </a:prstGeom>
+        </p:spPr>
+      </p:pic>
     </p:spTree>
     <p:extLst>
       <p:ext uri="{BB962C8B-B14F-4D97-AF65-F5344CB8AC3E}">

--- a/Troy Tech - Poster/Troy Tech-Poster.pptx
+++ b/Troy Tech - Poster/Troy Tech-Poster.pptx
@@ -6304,7 +6304,7 @@
         <p:spPr>
           <a:xfrm>
             <a:off x="457199" y="9088393"/>
-            <a:ext cx="9164993" cy="3416320"/>
+            <a:ext cx="5050539" cy="3416320"/>
           </a:xfrm>
           <a:prstGeom prst="rect">
             <a:avLst/>
@@ -7085,6 +7085,98 @@
           <a:prstGeom prst="rect">
             <a:avLst/>
           </a:prstGeom>
+        </p:spPr>
+      </p:pic>
+      <p:pic>
+        <p:nvPicPr>
+          <p:cNvPr id="16" name="Picture 15"/>
+          <p:cNvPicPr/>
+          <p:nvPr/>
+        </p:nvPicPr>
+        <p:blipFill>
+          <a:blip r:embed="rId3">
+            <a:extLst>
+              <a:ext uri="{28A0092B-C50C-407E-A947-70E740481C1C}">
+                <a14:useLocalDpi xmlns:a14="http://schemas.microsoft.com/office/drawing/2010/main" val="0"/>
+              </a:ext>
+            </a:extLst>
+          </a:blip>
+          <a:stretch>
+            <a:fillRect/>
+          </a:stretch>
+        </p:blipFill>
+        <p:spPr>
+          <a:xfrm>
+            <a:off x="6217919" y="5354127"/>
+            <a:ext cx="3657601" cy="5009074"/>
+          </a:xfrm>
+          <a:prstGeom prst="rect">
+            <a:avLst/>
+          </a:prstGeom>
+        </p:spPr>
+      </p:pic>
+      <p:pic>
+        <p:nvPicPr>
+          <p:cNvPr id="1027" name="Picture 3"/>
+          <p:cNvPicPr>
+            <a:picLocks noChangeAspect="1" noChangeArrowheads="1"/>
+          </p:cNvPicPr>
+          <p:nvPr/>
+        </p:nvPicPr>
+        <p:blipFill>
+          <a:blip r:embed="rId4">
+            <a:extLst>
+              <a:ext uri="{28A0092B-C50C-407E-A947-70E740481C1C}">
+                <a14:useLocalDpi xmlns:a14="http://schemas.microsoft.com/office/drawing/2010/main" val="0"/>
+              </a:ext>
+            </a:extLst>
+          </a:blip>
+          <a:srcRect/>
+          <a:stretch>
+            <a:fillRect/>
+          </a:stretch>
+        </p:blipFill>
+        <p:spPr bwMode="auto">
+          <a:xfrm>
+            <a:off x="558799" y="362996"/>
+            <a:ext cx="4191004" cy="1713999"/>
+          </a:xfrm>
+          <a:prstGeom prst="rect">
+            <a:avLst/>
+          </a:prstGeom>
+          <a:noFill/>
+          <a:ln>
+            <a:noFill/>
+          </a:ln>
+          <a:effectLst/>
+          <a:extLst>
+            <a:ext uri="{909E8E84-426E-40DD-AFC4-6F175D3DCCD1}">
+              <a14:hiddenFill xmlns:a14="http://schemas.microsoft.com/office/drawing/2010/main">
+                <a:solidFill>
+                  <a:schemeClr val="accent1"/>
+                </a:solidFill>
+              </a14:hiddenFill>
+            </a:ext>
+            <a:ext uri="{91240B29-F687-4F45-9708-019B960494DF}">
+              <a14:hiddenLine xmlns:a14="http://schemas.microsoft.com/office/drawing/2010/main" w="9525">
+                <a:solidFill>
+                  <a:schemeClr val="tx1"/>
+                </a:solidFill>
+                <a:miter lim="800000"/>
+                <a:headEnd/>
+                <a:tailEnd/>
+              </a14:hiddenLine>
+            </a:ext>
+            <a:ext uri="{AF507438-7753-43E0-B8FC-AC1667EBCBE1}">
+              <a14:hiddenEffects xmlns:a14="http://schemas.microsoft.com/office/drawing/2010/main">
+                <a:effectLst>
+                  <a:outerShdw dist="35921" dir="2700000" algn="ctr" rotWithShape="0">
+                    <a:schemeClr val="bg2"/>
+                  </a:outerShdw>
+                </a:effectLst>
+              </a14:hiddenEffects>
+            </a:ext>
+          </a:extLst>
         </p:spPr>
       </p:pic>
     </p:spTree>

--- a/Troy Tech - Poster/Troy Tech-Poster.pptx
+++ b/Troy Tech - Poster/Troy Tech-Poster.pptx
@@ -106,7 +106,7 @@
   </p:defaultTextStyle>
   <p:extLst>
     <p:ext uri="{EFAFB233-063F-42B5-8137-9DF3F51BA10A}">
-      <p15:sldGuideLst xmlns="" xmlns:p15="http://schemas.microsoft.com/office/powerpoint/2012/main">
+      <p15:sldGuideLst xmlns:p15="http://schemas.microsoft.com/office/powerpoint/2012/main" xmlns="">
         <p15:guide id="1" orient="horz" pos="9533">
           <p15:clr>
             <a:srgbClr val="A4A3A4"/>
@@ -6611,98 +6611,6 @@
           </a:p>
         </p:txBody>
       </p:sp>
-      <p:sp>
-        <p:nvSpPr>
-          <p:cNvPr id="26" name="TextBox 25"/>
-          <p:cNvSpPr txBox="1"/>
-          <p:nvPr/>
-        </p:nvSpPr>
-        <p:spPr>
-          <a:xfrm>
-            <a:off x="457198" y="18827694"/>
-            <a:ext cx="13351264" cy="8956298"/>
-          </a:xfrm>
-          <a:prstGeom prst="rect">
-            <a:avLst/>
-          </a:prstGeom>
-        </p:spPr>
-        <p:style>
-          <a:lnRef idx="2">
-            <a:schemeClr val="accent5"/>
-          </a:lnRef>
-          <a:fillRef idx="1">
-            <a:schemeClr val="lt1"/>
-          </a:fillRef>
-          <a:effectRef idx="0">
-            <a:schemeClr val="accent5"/>
-          </a:effectRef>
-          <a:fontRef idx="minor">
-            <a:schemeClr val="dk1"/>
-          </a:fontRef>
-        </p:style>
-        <p:txBody>
-          <a:bodyPr wrap="square" rtlCol="0">
-            <a:spAutoFit/>
-          </a:bodyPr>
-          <a:lstStyle/>
-          <a:p>
-            <a:r>
-              <a:rPr lang="tr-TR" sz="3600" b="1" dirty="0" smtClean="0"/>
-              <a:t>Overall Block Diagram with System Interconnections</a:t>
-            </a:r>
-            <a:r>
-              <a:rPr lang="tr-TR" sz="3600" b="1" dirty="0" smtClean="0"/>
-              <a:t>:</a:t>
-            </a:r>
-            <a:endParaRPr lang="en-US" sz="3600" b="1" dirty="0" smtClean="0"/>
-          </a:p>
-          <a:p>
-            <a:endParaRPr lang="en-US" sz="3600" b="1" dirty="0"/>
-          </a:p>
-          <a:p>
-            <a:endParaRPr lang="en-US" sz="3600" b="1" dirty="0" smtClean="0"/>
-          </a:p>
-          <a:p>
-            <a:endParaRPr lang="en-US" sz="3600" b="1" dirty="0"/>
-          </a:p>
-          <a:p>
-            <a:endParaRPr lang="en-US" sz="3600" b="1" dirty="0" smtClean="0"/>
-          </a:p>
-          <a:p>
-            <a:endParaRPr lang="en-US" sz="3600" b="1" dirty="0"/>
-          </a:p>
-          <a:p>
-            <a:endParaRPr lang="en-US" sz="3600" b="1" dirty="0" smtClean="0"/>
-          </a:p>
-          <a:p>
-            <a:endParaRPr lang="en-US" sz="3600" b="1" dirty="0"/>
-          </a:p>
-          <a:p>
-            <a:endParaRPr lang="en-US" sz="3600" b="1" dirty="0" smtClean="0"/>
-          </a:p>
-          <a:p>
-            <a:endParaRPr lang="en-US" sz="3600" b="1" dirty="0"/>
-          </a:p>
-          <a:p>
-            <a:endParaRPr lang="en-US" sz="3600" b="1" dirty="0" smtClean="0"/>
-          </a:p>
-          <a:p>
-            <a:endParaRPr lang="en-US" sz="3600" b="1" dirty="0"/>
-          </a:p>
-          <a:p>
-            <a:endParaRPr lang="en-US" sz="3600" b="1" dirty="0" smtClean="0"/>
-          </a:p>
-          <a:p>
-            <a:endParaRPr lang="en-US" sz="3600" b="1" dirty="0"/>
-          </a:p>
-          <a:p>
-            <a:endParaRPr lang="en-US" sz="3600" b="1" dirty="0" smtClean="0"/>
-          </a:p>
-          <a:p>
-            <a:endParaRPr lang="en-US" sz="3600" b="1" dirty="0"/>
-          </a:p>
-        </p:txBody>
-      </p:sp>
       <p:graphicFrame>
         <p:nvGraphicFramePr>
           <p:cNvPr id="30" name="Table 29"/>
@@ -6731,14 +6639,14 @@
                 <a:gridCol w="3768764">
                   <a:extLst>
                     <a:ext uri="{9D8B030D-6E8A-4147-A177-3AD203B41FA5}">
-                      <a16:colId xmlns:a16="http://schemas.microsoft.com/office/drawing/2014/main" xmlns="" val="3936429932"/>
+                      <a16:colId xmlns="" xmlns:a16="http://schemas.microsoft.com/office/drawing/2014/main" val="3936429932"/>
                     </a:ext>
                   </a:extLst>
                 </a:gridCol>
                 <a:gridCol w="2837985">
                   <a:extLst>
                     <a:ext uri="{9D8B030D-6E8A-4147-A177-3AD203B41FA5}">
-                      <a16:colId xmlns:a16="http://schemas.microsoft.com/office/drawing/2014/main" xmlns="" val="2306221773"/>
+                      <a16:colId xmlns="" xmlns:a16="http://schemas.microsoft.com/office/drawing/2014/main" val="2306221773"/>
                     </a:ext>
                   </a:extLst>
                 </a:gridCol>
@@ -6776,7 +6684,7 @@
                 </a:tc>
                 <a:extLst>
                   <a:ext uri="{0D108BD9-81ED-4DB2-BD59-A6C34878D82A}">
-                    <a16:rowId xmlns:a16="http://schemas.microsoft.com/office/drawing/2014/main" xmlns="" val="2765878302"/>
+                    <a16:rowId xmlns="" xmlns:a16="http://schemas.microsoft.com/office/drawing/2014/main" val="2765878302"/>
                   </a:ext>
                 </a:extLst>
               </a:tr>
@@ -6805,7 +6713,7 @@
                 </a:tc>
                 <a:extLst>
                   <a:ext uri="{0D108BD9-81ED-4DB2-BD59-A6C34878D82A}">
-                    <a16:rowId xmlns:a16="http://schemas.microsoft.com/office/drawing/2014/main" xmlns="" val="1324288782"/>
+                    <a16:rowId xmlns="" xmlns:a16="http://schemas.microsoft.com/office/drawing/2014/main" val="1324288782"/>
                   </a:ext>
                 </a:extLst>
               </a:tr>
@@ -6902,7 +6810,7 @@
                 </a:tc>
                 <a:extLst>
                   <a:ext uri="{0D108BD9-81ED-4DB2-BD59-A6C34878D82A}">
-                    <a16:rowId xmlns:a16="http://schemas.microsoft.com/office/drawing/2014/main" xmlns="" val="3526536781"/>
+                    <a16:rowId xmlns="" xmlns:a16="http://schemas.microsoft.com/office/drawing/2014/main" val="3526536781"/>
                   </a:ext>
                 </a:extLst>
               </a:tr>
@@ -6919,11 +6827,14 @@
         <p:spPr>
           <a:xfrm>
             <a:off x="457198" y="12869586"/>
-            <a:ext cx="13351264" cy="5632311"/>
+            <a:ext cx="7962902" cy="5632311"/>
           </a:xfrm>
           <a:prstGeom prst="rect">
             <a:avLst/>
           </a:prstGeom>
+          <a:solidFill>
+            <a:schemeClr val="lt1"/>
+          </a:solidFill>
         </p:spPr>
         <p:style>
           <a:lnRef idx="2">
@@ -6947,11 +6858,7 @@
           <a:p>
             <a:r>
               <a:rPr lang="tr-TR" sz="3600" b="1" dirty="0" smtClean="0"/>
-              <a:t>System Operation</a:t>
-            </a:r>
-            <a:r>
-              <a:rPr lang="tr-TR" sz="3600" b="1" dirty="0" smtClean="0"/>
-              <a:t>:</a:t>
+              <a:t>System Operation:</a:t>
             </a:r>
             <a:endParaRPr lang="en-US" sz="3600" b="1" dirty="0" smtClean="0"/>
           </a:p>
@@ -7140,6 +7047,98 @@
           <a:xfrm>
             <a:off x="558799" y="362996"/>
             <a:ext cx="4191004" cy="1713999"/>
+          </a:xfrm>
+          <a:prstGeom prst="rect">
+            <a:avLst/>
+          </a:prstGeom>
+          <a:noFill/>
+          <a:ln>
+            <a:noFill/>
+          </a:ln>
+          <a:effectLst/>
+          <a:extLst>
+            <a:ext uri="{909E8E84-426E-40DD-AFC4-6F175D3DCCD1}">
+              <a14:hiddenFill xmlns:a14="http://schemas.microsoft.com/office/drawing/2010/main">
+                <a:solidFill>
+                  <a:schemeClr val="accent1"/>
+                </a:solidFill>
+              </a14:hiddenFill>
+            </a:ext>
+            <a:ext uri="{91240B29-F687-4F45-9708-019B960494DF}">
+              <a14:hiddenLine xmlns:a14="http://schemas.microsoft.com/office/drawing/2010/main" w="9525">
+                <a:solidFill>
+                  <a:schemeClr val="tx1"/>
+                </a:solidFill>
+                <a:miter lim="800000"/>
+                <a:headEnd/>
+                <a:tailEnd/>
+              </a14:hiddenLine>
+            </a:ext>
+            <a:ext uri="{AF507438-7753-43E0-B8FC-AC1667EBCBE1}">
+              <a14:hiddenEffects xmlns:a14="http://schemas.microsoft.com/office/drawing/2010/main">
+                <a:effectLst>
+                  <a:outerShdw dist="35921" dir="2700000" algn="ctr" rotWithShape="0">
+                    <a:schemeClr val="bg2"/>
+                  </a:outerShdw>
+                </a:effectLst>
+              </a14:hiddenEffects>
+            </a:ext>
+          </a:extLst>
+        </p:spPr>
+      </p:pic>
+      <p:pic>
+        <p:nvPicPr>
+          <p:cNvPr id="15" name="Picture 14"/>
+          <p:cNvPicPr/>
+          <p:nvPr/>
+        </p:nvPicPr>
+        <p:blipFill>
+          <a:blip r:embed="rId5">
+            <a:extLst>
+              <a:ext uri="{28A0092B-C50C-407E-A947-70E740481C1C}">
+                <a14:useLocalDpi xmlns:a14="http://schemas.microsoft.com/office/drawing/2010/main" val="0"/>
+              </a:ext>
+            </a:extLst>
+          </a:blip>
+          <a:stretch>
+            <a:fillRect/>
+          </a:stretch>
+        </p:blipFill>
+        <p:spPr>
+          <a:xfrm>
+            <a:off x="228599" y="23867974"/>
+            <a:ext cx="13808461" cy="4114800"/>
+          </a:xfrm>
+          <a:prstGeom prst="rect">
+            <a:avLst/>
+          </a:prstGeom>
+        </p:spPr>
+      </p:pic>
+      <p:pic>
+        <p:nvPicPr>
+          <p:cNvPr id="1026" name="Picture 2"/>
+          <p:cNvPicPr>
+            <a:picLocks noChangeAspect="1" noChangeArrowheads="1"/>
+          </p:cNvPicPr>
+          <p:nvPr/>
+        </p:nvPicPr>
+        <p:blipFill>
+          <a:blip r:embed="rId6">
+            <a:extLst>
+              <a:ext uri="{28A0092B-C50C-407E-A947-70E740481C1C}">
+                <a14:useLocalDpi xmlns:a14="http://schemas.microsoft.com/office/drawing/2010/main" val="0"/>
+              </a:ext>
+            </a:extLst>
+          </a:blip>
+          <a:srcRect/>
+          <a:stretch>
+            <a:fillRect/>
+          </a:stretch>
+        </p:blipFill>
+        <p:spPr bwMode="auto">
+          <a:xfrm>
+            <a:off x="9065782" y="12740860"/>
+            <a:ext cx="4322763" cy="5761037"/>
           </a:xfrm>
           <a:prstGeom prst="rect">
             <a:avLst/>
@@ -7457,7 +7456,7 @@
   <a:extraClrSchemeLst/>
   <a:extLst>
     <a:ext uri="{05A4C25C-085E-4340-85A3-A5531E510DB2}">
-      <thm15:themeFamily xmlns="" xmlns:thm15="http://schemas.microsoft.com/office/thememl/2012/main" name="Droplet" id="{8984A317-299A-4E50-B45D-BFC9EDE2337A}" vid="{DEB094D4-7FD8-4F86-93D5-B0F1341EF586}"/>
+      <thm15:themeFamily xmlns:thm15="http://schemas.microsoft.com/office/thememl/2012/main" xmlns="" name="Droplet" id="{8984A317-299A-4E50-B45D-BFC9EDE2337A}" vid="{DEB094D4-7FD8-4F86-93D5-B0F1341EF586}"/>
     </a:ext>
   </a:extLst>
 </a:theme>

--- a/Troy Tech - Poster/Troy Tech-Poster.pptx
+++ b/Troy Tech - Poster/Troy Tech-Poster.pptx
@@ -128,7 +128,7 @@
 </file>
 
 <file path=ppt/slideLayouts/slideLayout1.xml><?xml version="1.0" encoding="utf-8"?>
-<p:sldLayout xmlns:a="http://schemas.openxmlformats.org/drawingml/2006/main" xmlns:r="http://schemas.openxmlformats.org/officeDocument/2006/relationships" xmlns:p="http://schemas.openxmlformats.org/presentationml/2006/main" type="title" preserve="1">
+<p:sldLayout xmlns:a="http://schemas.openxmlformats.org/drawingml/2006/main" xmlns:r="http://schemas.openxmlformats.org/officeDocument/2006/relationships" xmlns:p="http://schemas.openxmlformats.org/presentationml/2006/main" showMasterSp="0" type="title" preserve="1">
   <p:cSld name="Title Slide">
     <p:spTree>
       <p:nvGrpSpPr>
@@ -360,7 +360,7 @@
 </file>
 
 <file path=ppt/slideLayouts/slideLayout10.xml><?xml version="1.0" encoding="utf-8"?>
-<p:sldLayout xmlns:a="http://schemas.openxmlformats.org/drawingml/2006/main" xmlns:r="http://schemas.openxmlformats.org/officeDocument/2006/relationships" xmlns:p="http://schemas.openxmlformats.org/presentationml/2006/main" preserve="1">
+<p:sldLayout xmlns:a="http://schemas.openxmlformats.org/drawingml/2006/main" xmlns:r="http://schemas.openxmlformats.org/officeDocument/2006/relationships" xmlns:p="http://schemas.openxmlformats.org/presentationml/2006/main" showMasterSp="0" preserve="1">
   <p:cSld name="Panoramic Picture with Caption">
     <p:spTree>
       <p:nvGrpSpPr>
@@ -675,7 +675,7 @@
 </file>
 
 <file path=ppt/slideLayouts/slideLayout11.xml><?xml version="1.0" encoding="utf-8"?>
-<p:sldLayout xmlns:a="http://schemas.openxmlformats.org/drawingml/2006/main" xmlns:r="http://schemas.openxmlformats.org/officeDocument/2006/relationships" xmlns:p="http://schemas.openxmlformats.org/presentationml/2006/main" preserve="1">
+<p:sldLayout xmlns:a="http://schemas.openxmlformats.org/drawingml/2006/main" xmlns:r="http://schemas.openxmlformats.org/officeDocument/2006/relationships" xmlns:p="http://schemas.openxmlformats.org/presentationml/2006/main" showMasterSp="0" preserve="1">
   <p:cSld name="Title and Caption">
     <p:spTree>
       <p:nvGrpSpPr>
@@ -897,7 +897,7 @@
 </file>
 
 <file path=ppt/slideLayouts/slideLayout12.xml><?xml version="1.0" encoding="utf-8"?>
-<p:sldLayout xmlns:a="http://schemas.openxmlformats.org/drawingml/2006/main" xmlns:r="http://schemas.openxmlformats.org/officeDocument/2006/relationships" xmlns:p="http://schemas.openxmlformats.org/presentationml/2006/main" preserve="1">
+<p:sldLayout xmlns:a="http://schemas.openxmlformats.org/drawingml/2006/main" xmlns:r="http://schemas.openxmlformats.org/officeDocument/2006/relationships" xmlns:p="http://schemas.openxmlformats.org/presentationml/2006/main" showMasterSp="0" preserve="1">
   <p:cSld name="Quote with Caption">
     <p:spTree>
       <p:nvGrpSpPr>
@@ -1420,7 +1420,7 @@
 </file>
 
 <file path=ppt/slideLayouts/slideLayout13.xml><?xml version="1.0" encoding="utf-8"?>
-<p:sldLayout xmlns:a="http://schemas.openxmlformats.org/drawingml/2006/main" xmlns:r="http://schemas.openxmlformats.org/officeDocument/2006/relationships" xmlns:p="http://schemas.openxmlformats.org/presentationml/2006/main" preserve="1">
+<p:sldLayout xmlns:a="http://schemas.openxmlformats.org/drawingml/2006/main" xmlns:r="http://schemas.openxmlformats.org/officeDocument/2006/relationships" xmlns:p="http://schemas.openxmlformats.org/presentationml/2006/main" showMasterSp="0" preserve="1">
   <p:cSld name="Name Card">
     <p:spTree>
       <p:nvGrpSpPr>
@@ -1642,7 +1642,7 @@
 </file>
 
 <file path=ppt/slideLayouts/slideLayout14.xml><?xml version="1.0" encoding="utf-8"?>
-<p:sldLayout xmlns:a="http://schemas.openxmlformats.org/drawingml/2006/main" xmlns:r="http://schemas.openxmlformats.org/officeDocument/2006/relationships" xmlns:p="http://schemas.openxmlformats.org/presentationml/2006/main" preserve="1">
+<p:sldLayout xmlns:a="http://schemas.openxmlformats.org/drawingml/2006/main" xmlns:r="http://schemas.openxmlformats.org/officeDocument/2006/relationships" xmlns:p="http://schemas.openxmlformats.org/presentationml/2006/main" showMasterSp="0" preserve="1">
   <p:cSld name="3 Column">
     <p:spTree>
       <p:nvGrpSpPr>
@@ -2218,7 +2218,7 @@
 </file>
 
 <file path=ppt/slideLayouts/slideLayout15.xml><?xml version="1.0" encoding="utf-8"?>
-<p:sldLayout xmlns:a="http://schemas.openxmlformats.org/drawingml/2006/main" xmlns:r="http://schemas.openxmlformats.org/officeDocument/2006/relationships" xmlns:p="http://schemas.openxmlformats.org/presentationml/2006/main" preserve="1">
+<p:sldLayout xmlns:a="http://schemas.openxmlformats.org/drawingml/2006/main" xmlns:r="http://schemas.openxmlformats.org/officeDocument/2006/relationships" xmlns:p="http://schemas.openxmlformats.org/presentationml/2006/main" showMasterSp="0" preserve="1">
   <p:cSld name="3 Picture Column">
     <p:spTree>
       <p:nvGrpSpPr>
@@ -3079,7 +3079,7 @@
 </file>
 
 <file path=ppt/slideLayouts/slideLayout16.xml><?xml version="1.0" encoding="utf-8"?>
-<p:sldLayout xmlns:a="http://schemas.openxmlformats.org/drawingml/2006/main" xmlns:r="http://schemas.openxmlformats.org/officeDocument/2006/relationships" xmlns:p="http://schemas.openxmlformats.org/presentationml/2006/main" type="vertTx" preserve="1">
+<p:sldLayout xmlns:a="http://schemas.openxmlformats.org/drawingml/2006/main" xmlns:r="http://schemas.openxmlformats.org/officeDocument/2006/relationships" xmlns:p="http://schemas.openxmlformats.org/presentationml/2006/main" showMasterSp="0" type="vertTx" preserve="1">
   <p:cSld name="Title and Vertical Text">
     <p:spTree>
       <p:nvGrpSpPr>
@@ -3284,7 +3284,7 @@
 </file>
 
 <file path=ppt/slideLayouts/slideLayout17.xml><?xml version="1.0" encoding="utf-8"?>
-<p:sldLayout xmlns:a="http://schemas.openxmlformats.org/drawingml/2006/main" xmlns:r="http://schemas.openxmlformats.org/officeDocument/2006/relationships" xmlns:p="http://schemas.openxmlformats.org/presentationml/2006/main" type="vertTitleAndTx" preserve="1">
+<p:sldLayout xmlns:a="http://schemas.openxmlformats.org/drawingml/2006/main" xmlns:r="http://schemas.openxmlformats.org/officeDocument/2006/relationships" xmlns:p="http://schemas.openxmlformats.org/presentationml/2006/main" showMasterSp="0" type="vertTitleAndTx" preserve="1">
   <p:cSld name="Vertical Title and Text">
     <p:spTree>
       <p:nvGrpSpPr>
@@ -3498,7 +3498,7 @@
 </file>
 
 <file path=ppt/slideLayouts/slideLayout2.xml><?xml version="1.0" encoding="utf-8"?>
-<p:sldLayout xmlns:a="http://schemas.openxmlformats.org/drawingml/2006/main" xmlns:r="http://schemas.openxmlformats.org/officeDocument/2006/relationships" xmlns:p="http://schemas.openxmlformats.org/presentationml/2006/main" type="obj" preserve="1">
+<p:sldLayout xmlns:a="http://schemas.openxmlformats.org/drawingml/2006/main" xmlns:r="http://schemas.openxmlformats.org/officeDocument/2006/relationships" xmlns:p="http://schemas.openxmlformats.org/presentationml/2006/main" showMasterSp="0" type="obj" preserve="1">
   <p:cSld name="Title and Content">
     <p:spTree>
       <p:nvGrpSpPr>
@@ -3703,7 +3703,7 @@
 </file>
 
 <file path=ppt/slideLayouts/slideLayout3.xml><?xml version="1.0" encoding="utf-8"?>
-<p:sldLayout xmlns:a="http://schemas.openxmlformats.org/drawingml/2006/main" xmlns:r="http://schemas.openxmlformats.org/officeDocument/2006/relationships" xmlns:p="http://schemas.openxmlformats.org/presentationml/2006/main" type="secHead" preserve="1">
+<p:sldLayout xmlns:a="http://schemas.openxmlformats.org/drawingml/2006/main" xmlns:r="http://schemas.openxmlformats.org/officeDocument/2006/relationships" xmlns:p="http://schemas.openxmlformats.org/presentationml/2006/main" showMasterSp="0" type="secHead" preserve="1">
   <p:cSld name="Section Header">
     <p:spTree>
       <p:nvGrpSpPr>
@@ -3983,7 +3983,7 @@
 </file>
 
 <file path=ppt/slideLayouts/slideLayout4.xml><?xml version="1.0" encoding="utf-8"?>
-<p:sldLayout xmlns:a="http://schemas.openxmlformats.org/drawingml/2006/main" xmlns:r="http://schemas.openxmlformats.org/officeDocument/2006/relationships" xmlns:p="http://schemas.openxmlformats.org/presentationml/2006/main" type="twoObj" preserve="1">
+<p:sldLayout xmlns:a="http://schemas.openxmlformats.org/drawingml/2006/main" xmlns:r="http://schemas.openxmlformats.org/officeDocument/2006/relationships" xmlns:p="http://schemas.openxmlformats.org/presentationml/2006/main" showMasterSp="0" type="twoObj" preserve="1">
   <p:cSld name="Two Content">
     <p:spTree>
       <p:nvGrpSpPr>
@@ -4250,7 +4250,7 @@
 </file>
 
 <file path=ppt/slideLayouts/slideLayout5.xml><?xml version="1.0" encoding="utf-8"?>
-<p:sldLayout xmlns:a="http://schemas.openxmlformats.org/drawingml/2006/main" xmlns:r="http://schemas.openxmlformats.org/officeDocument/2006/relationships" xmlns:p="http://schemas.openxmlformats.org/presentationml/2006/main" type="twoTxTwoObj" preserve="1">
+<p:sldLayout xmlns:a="http://schemas.openxmlformats.org/drawingml/2006/main" xmlns:r="http://schemas.openxmlformats.org/officeDocument/2006/relationships" xmlns:p="http://schemas.openxmlformats.org/presentationml/2006/main" showMasterSp="0" type="twoTxTwoObj" preserve="1">
   <p:cSld name="Comparison">
     <p:spTree>
       <p:nvGrpSpPr>
@@ -4665,7 +4665,7 @@
 </file>
 
 <file path=ppt/slideLayouts/slideLayout6.xml><?xml version="1.0" encoding="utf-8"?>
-<p:sldLayout xmlns:a="http://schemas.openxmlformats.org/drawingml/2006/main" xmlns:r="http://schemas.openxmlformats.org/officeDocument/2006/relationships" xmlns:p="http://schemas.openxmlformats.org/presentationml/2006/main" type="titleOnly" preserve="1">
+<p:sldLayout xmlns:a="http://schemas.openxmlformats.org/drawingml/2006/main" xmlns:r="http://schemas.openxmlformats.org/officeDocument/2006/relationships" xmlns:p="http://schemas.openxmlformats.org/presentationml/2006/main" showMasterSp="0" type="titleOnly" preserve="1">
   <p:cSld name="Title Only">
     <p:spTree>
       <p:nvGrpSpPr>
@@ -4813,7 +4813,7 @@
 </file>
 
 <file path=ppt/slideLayouts/slideLayout7.xml><?xml version="1.0" encoding="utf-8"?>
-<p:sldLayout xmlns:a="http://schemas.openxmlformats.org/drawingml/2006/main" xmlns:r="http://schemas.openxmlformats.org/officeDocument/2006/relationships" xmlns:p="http://schemas.openxmlformats.org/presentationml/2006/main" type="blank" preserve="1">
+<p:sldLayout xmlns:a="http://schemas.openxmlformats.org/drawingml/2006/main" xmlns:r="http://schemas.openxmlformats.org/officeDocument/2006/relationships" xmlns:p="http://schemas.openxmlformats.org/presentationml/2006/main" showMasterSp="0" type="blank" preserve="1">
   <p:cSld name="Blank">
     <p:spTree>
       <p:nvGrpSpPr>
@@ -4938,7 +4938,7 @@
 </file>
 
 <file path=ppt/slideLayouts/slideLayout8.xml><?xml version="1.0" encoding="utf-8"?>
-<p:sldLayout xmlns:a="http://schemas.openxmlformats.org/drawingml/2006/main" xmlns:r="http://schemas.openxmlformats.org/officeDocument/2006/relationships" xmlns:p="http://schemas.openxmlformats.org/presentationml/2006/main" type="objTx" preserve="1">
+<p:sldLayout xmlns:a="http://schemas.openxmlformats.org/drawingml/2006/main" xmlns:r="http://schemas.openxmlformats.org/officeDocument/2006/relationships" xmlns:p="http://schemas.openxmlformats.org/presentationml/2006/main" showMasterSp="0" type="objTx" preserve="1">
   <p:cSld name="Content with Caption">
     <p:spTree>
       <p:nvGrpSpPr>
@@ -5217,7 +5217,7 @@
 </file>
 
 <file path=ppt/slideLayouts/slideLayout9.xml><?xml version="1.0" encoding="utf-8"?>
-<p:sldLayout xmlns:a="http://schemas.openxmlformats.org/drawingml/2006/main" xmlns:r="http://schemas.openxmlformats.org/officeDocument/2006/relationships" xmlns:p="http://schemas.openxmlformats.org/presentationml/2006/main" type="picTx" preserve="1">
+<p:sldLayout xmlns:a="http://schemas.openxmlformats.org/drawingml/2006/main" xmlns:r="http://schemas.openxmlformats.org/officeDocument/2006/relationships" xmlns:p="http://schemas.openxmlformats.org/presentationml/2006/main" showMasterSp="0" type="picTx" preserve="1">
   <p:cSld name="Picture with Caption">
     <p:spTree>
       <p:nvGrpSpPr>
@@ -5535,9 +5535,12 @@
 <p:sldMaster xmlns:a="http://schemas.openxmlformats.org/drawingml/2006/main" xmlns:r="http://schemas.openxmlformats.org/officeDocument/2006/relationships" xmlns:p="http://schemas.openxmlformats.org/presentationml/2006/main">
   <p:cSld>
     <p:bg>
-      <p:bgRef idx="1003">
-        <a:schemeClr val="bg2"/>
-      </p:bgRef>
+      <p:bgPr>
+        <a:solidFill>
+          <a:schemeClr val="bg1"/>
+        </a:solidFill>
+        <a:effectLst/>
+      </p:bgPr>
     </p:bg>
     <p:spTree>
       <p:nvGrpSpPr>
@@ -6153,16 +6156,6 @@
 <file path=ppt/slides/slide1.xml><?xml version="1.0" encoding="utf-8"?>
 <p:sld xmlns:a="http://schemas.openxmlformats.org/drawingml/2006/main" xmlns:r="http://schemas.openxmlformats.org/officeDocument/2006/relationships" xmlns:p="http://schemas.openxmlformats.org/presentationml/2006/main" showMasterSp="0">
   <p:cSld>
-    <p:bg>
-      <p:bgPr>
-        <a:solidFill>
-          <a:schemeClr val="accent2">
-            <a:alpha val="68000"/>
-          </a:schemeClr>
-        </a:solidFill>
-        <a:effectLst/>
-      </p:bgPr>
-    </p:bg>
     <p:spTree>
       <p:nvGrpSpPr>
         <p:cNvPr id="1" name=""/>
@@ -6185,8 +6178,77 @@
         </p:nvSpPr>
         <p:spPr>
           <a:xfrm>
-            <a:off x="457199" y="288972"/>
-            <a:ext cx="20574000" cy="1862048"/>
+            <a:off x="457198" y="288972"/>
+            <a:ext cx="20758147" cy="1862048"/>
+          </a:xfrm>
+          <a:prstGeom prst="rect">
+            <a:avLst/>
+          </a:prstGeom>
+          <a:solidFill>
+            <a:srgbClr val="FFC000"/>
+          </a:solidFill>
+        </p:spPr>
+        <p:style>
+          <a:lnRef idx="2">
+            <a:schemeClr val="accent5"/>
+          </a:lnRef>
+          <a:fillRef idx="1">
+            <a:schemeClr val="lt1"/>
+          </a:fillRef>
+          <a:effectRef idx="0">
+            <a:schemeClr val="accent5"/>
+          </a:effectRef>
+          <a:fontRef idx="minor">
+            <a:schemeClr val="dk1"/>
+          </a:fontRef>
+        </p:style>
+        <p:txBody>
+          <a:bodyPr wrap="square" rtlCol="0">
+            <a:spAutoFit/>
+          </a:bodyPr>
+          <a:lstStyle/>
+          <a:p>
+            <a:pPr algn="ctr"/>
+            <a:r>
+              <a:rPr lang="en-US" sz="11500" b="1" dirty="0" smtClean="0">
+                <a:solidFill>
+                  <a:schemeClr val="bg1"/>
+                </a:solidFill>
+                <a:effectLst>
+                  <a:outerShdw blurRad="38100" dist="38100" dir="2700000" algn="tl">
+                    <a:srgbClr val="000000">
+                      <a:alpha val="43137"/>
+                    </a:srgbClr>
+                  </a:outerShdw>
+                </a:effectLst>
+              </a:rPr>
+              <a:t>HELEN-V</a:t>
+            </a:r>
+            <a:endParaRPr lang="tr-TR" sz="11500" b="1" dirty="0" smtClean="0">
+              <a:solidFill>
+                <a:schemeClr val="bg1"/>
+              </a:solidFill>
+              <a:effectLst>
+                <a:outerShdw blurRad="38100" dist="38100" dir="2700000" algn="tl">
+                  <a:srgbClr val="000000">
+                    <a:alpha val="43137"/>
+                  </a:srgbClr>
+                </a:outerShdw>
+              </a:effectLst>
+            </a:endParaRPr>
+          </a:p>
+        </p:txBody>
+      </p:sp>
+      <p:sp>
+        <p:nvSpPr>
+          <p:cNvPr id="7" name="TextBox 6"/>
+          <p:cNvSpPr txBox="1"/>
+          <p:nvPr/>
+        </p:nvSpPr>
+        <p:spPr>
+          <a:xfrm>
+            <a:off x="102531" y="6157828"/>
+            <a:ext cx="7564406" cy="3024000"/>
           </a:xfrm>
           <a:prstGeom prst="rect">
             <a:avLst/>
@@ -6212,20 +6274,185 @@
           </a:bodyPr>
           <a:lstStyle/>
           <a:p>
-            <a:pPr algn="ctr"/>
-            <a:r>
-              <a:rPr lang="en-US" sz="11500" b="1" dirty="0" smtClean="0">
-                <a:effectLst>
-                  <a:outerShdw blurRad="38100" dist="38100" dir="2700000" algn="tl">
-                    <a:srgbClr val="000000">
-                      <a:alpha val="43137"/>
-                    </a:srgbClr>
-                  </a:outerShdw>
-                </a:effectLst>
+            <a:r>
+              <a:rPr lang="en-US" sz="3600" b="1" dirty="0" smtClean="0"/>
+              <a:t>  </a:t>
+            </a:r>
+            <a:r>
+              <a:rPr lang="bs-Latn-BA" sz="3600" b="1" dirty="0" smtClean="0"/>
+              <a:t>SHAREHOLDERS</a:t>
+            </a:r>
+            <a:r>
+              <a:rPr lang="bs-Latn-BA" sz="3600" b="1" dirty="0" smtClean="0"/>
+              <a:t>:</a:t>
+            </a:r>
+            <a:endParaRPr lang="en-US" sz="3600" b="1" dirty="0" smtClean="0"/>
+          </a:p>
+          <a:p>
+            <a:endParaRPr lang="en-US" sz="3600" b="1" dirty="0" smtClean="0"/>
+          </a:p>
+          <a:p>
+            <a:endParaRPr lang="en-US" sz="3600" b="1" dirty="0"/>
+          </a:p>
+          <a:p>
+            <a:endParaRPr lang="en-US" sz="3600" b="1" dirty="0" smtClean="0"/>
+          </a:p>
+          <a:p>
+            <a:endParaRPr lang="en-US" sz="3600" b="1" dirty="0"/>
+          </a:p>
+          <a:p>
+            <a:endParaRPr lang="bs-Latn-BA" sz="3600" b="1" dirty="0"/>
+          </a:p>
+        </p:txBody>
+      </p:sp>
+      <p:sp>
+        <p:nvSpPr>
+          <p:cNvPr id="8" name="TextBox 7"/>
+          <p:cNvSpPr txBox="1"/>
+          <p:nvPr/>
+        </p:nvSpPr>
+        <p:spPr>
+          <a:xfrm>
+            <a:off x="530223" y="10422913"/>
+            <a:ext cx="6675630" cy="2592000"/>
+          </a:xfrm>
+          <a:prstGeom prst="rect">
+            <a:avLst/>
+          </a:prstGeom>
+        </p:spPr>
+        <p:style>
+          <a:lnRef idx="2">
+            <a:schemeClr val="accent4"/>
+          </a:lnRef>
+          <a:fillRef idx="1">
+            <a:schemeClr val="lt1"/>
+          </a:fillRef>
+          <a:effectRef idx="0">
+            <a:schemeClr val="accent4"/>
+          </a:effectRef>
+          <a:fontRef idx="minor">
+            <a:schemeClr val="dk1"/>
+          </a:fontRef>
+        </p:style>
+        <p:txBody>
+          <a:bodyPr wrap="square" rtlCol="0">
+            <a:spAutoFit/>
+          </a:bodyPr>
+          <a:lstStyle/>
+          <a:p>
+            <a:r>
+              <a:rPr lang="bs-Latn-BA" sz="3600" b="1" dirty="0">
+                <a:latin typeface="Arial" pitchFamily="34" charset="0"/>
+                <a:cs typeface="Arial" pitchFamily="34" charset="0"/>
               </a:rPr>
-              <a:t>HELEN-V</a:t>
-            </a:r>
-            <a:endParaRPr lang="tr-TR" sz="11500" b="1" dirty="0" smtClean="0">
+              <a:t>DELIVERABLES:</a:t>
+            </a:r>
+          </a:p>
+          <a:p>
+            <a:pPr marL="457200" indent="-457200">
+              <a:buFont typeface="Wingdings" pitchFamily="2" charset="2"/>
+              <a:buChar char="§"/>
+            </a:pPr>
+            <a:r>
+              <a:rPr lang="en-US" sz="3000" dirty="0" smtClean="0">
+                <a:latin typeface="Arial" pitchFamily="34" charset="0"/>
+                <a:cs typeface="Arial" pitchFamily="34" charset="0"/>
+              </a:rPr>
+              <a:t>HELEN V</a:t>
+            </a:r>
+          </a:p>
+          <a:p>
+            <a:pPr marL="457200" indent="-457200">
+              <a:buFont typeface="Wingdings" pitchFamily="2" charset="2"/>
+              <a:buChar char="§"/>
+            </a:pPr>
+            <a:r>
+              <a:rPr lang="en-US" sz="3000" dirty="0" smtClean="0">
+                <a:latin typeface="Arial" pitchFamily="34" charset="0"/>
+                <a:cs typeface="Arial" pitchFamily="34" charset="0"/>
+              </a:rPr>
+              <a:t>Eachine </a:t>
+            </a:r>
+            <a:r>
+              <a:rPr lang="en-US" sz="3000" dirty="0">
+                <a:latin typeface="Arial" pitchFamily="34" charset="0"/>
+                <a:cs typeface="Arial" pitchFamily="34" charset="0"/>
+              </a:rPr>
+              <a:t>ROTG02 FPV </a:t>
+            </a:r>
+            <a:r>
+              <a:rPr lang="en-US" sz="3000" dirty="0" smtClean="0">
+                <a:latin typeface="Arial" pitchFamily="34" charset="0"/>
+                <a:cs typeface="Arial" pitchFamily="34" charset="0"/>
+              </a:rPr>
+              <a:t>Receiver</a:t>
+            </a:r>
+          </a:p>
+          <a:p>
+            <a:pPr marL="457200" indent="-457200">
+              <a:buFont typeface="Wingdings" pitchFamily="2" charset="2"/>
+              <a:buChar char="§"/>
+            </a:pPr>
+            <a:r>
+              <a:rPr lang="en-US" sz="3000" dirty="0" smtClean="0">
+                <a:latin typeface="Arial" pitchFamily="34" charset="0"/>
+                <a:cs typeface="Arial" pitchFamily="34" charset="0"/>
+              </a:rPr>
+              <a:t>Command </a:t>
+            </a:r>
+            <a:r>
+              <a:rPr lang="en-US" sz="3000" dirty="0">
+                <a:latin typeface="Arial" pitchFamily="34" charset="0"/>
+                <a:cs typeface="Arial" pitchFamily="34" charset="0"/>
+              </a:rPr>
+              <a:t>Transmitter </a:t>
+            </a:r>
+            <a:r>
+              <a:rPr lang="en-US" sz="3000" dirty="0" smtClean="0">
+                <a:latin typeface="Arial" pitchFamily="34" charset="0"/>
+                <a:cs typeface="Arial" pitchFamily="34" charset="0"/>
+              </a:rPr>
+              <a:t>Module</a:t>
+            </a:r>
+          </a:p>
+          <a:p>
+            <a:pPr marL="457200" indent="-457200">
+              <a:buFont typeface="Wingdings" pitchFamily="2" charset="2"/>
+              <a:buChar char="§"/>
+            </a:pPr>
+            <a:r>
+              <a:rPr lang="en-US" sz="3000" dirty="0" smtClean="0">
+                <a:latin typeface="Arial" pitchFamily="34" charset="0"/>
+                <a:cs typeface="Arial" pitchFamily="34" charset="0"/>
+              </a:rPr>
+              <a:t>Artengo </a:t>
+            </a:r>
+            <a:r>
+              <a:rPr lang="en-US" sz="3000" dirty="0">
+                <a:latin typeface="Arial" pitchFamily="34" charset="0"/>
+                <a:cs typeface="Arial" pitchFamily="34" charset="0"/>
+              </a:rPr>
+              <a:t>beach volley ball</a:t>
+            </a:r>
+            <a:endParaRPr lang="en-US" sz="3000" dirty="0">
+              <a:latin typeface="Arial" pitchFamily="34" charset="0"/>
+              <a:cs typeface="Arial" pitchFamily="34" charset="0"/>
+            </a:endParaRPr>
+          </a:p>
+          <a:p>
+            <a:endParaRPr lang="en-US" sz="3000" dirty="0">
+              <a:latin typeface="Arial" pitchFamily="34" charset="0"/>
+              <a:cs typeface="Arial" pitchFamily="34" charset="0"/>
+            </a:endParaRPr>
+          </a:p>
+          <a:p>
+            <a:endParaRPr lang="en-US" sz="3000" dirty="0">
+              <a:latin typeface="Arial" pitchFamily="34" charset="0"/>
+              <a:cs typeface="Arial" pitchFamily="34" charset="0"/>
+            </a:endParaRPr>
+          </a:p>
+          <a:p>
+            <a:endParaRPr lang="en-US" sz="3000" b="1" dirty="0">
               <a:effectLst>
                 <a:outerShdw blurRad="38100" dist="38100" dir="2700000" algn="tl">
                   <a:srgbClr val="000000">
@@ -6233,20 +6460,35 @@
                   </a:srgbClr>
                 </a:outerShdw>
               </a:effectLst>
+              <a:latin typeface="Arial" pitchFamily="34" charset="0"/>
+              <a:cs typeface="Arial" pitchFamily="34" charset="0"/>
+            </a:endParaRPr>
+          </a:p>
+          <a:p>
+            <a:endParaRPr lang="bs-Latn-BA" sz="3000" dirty="0">
+              <a:effectLst>
+                <a:outerShdw blurRad="38100" dist="38100" dir="2700000" algn="tl">
+                  <a:srgbClr val="000000">
+                    <a:alpha val="43137"/>
+                  </a:srgbClr>
+                </a:outerShdw>
+              </a:effectLst>
+              <a:latin typeface="Arial" pitchFamily="34" charset="0"/>
+              <a:cs typeface="Arial" pitchFamily="34" charset="0"/>
             </a:endParaRPr>
           </a:p>
         </p:txBody>
       </p:sp>
       <p:sp>
         <p:nvSpPr>
-          <p:cNvPr id="7" name="TextBox 6"/>
+          <p:cNvPr id="21" name="TextBox 20"/>
           <p:cNvSpPr txBox="1"/>
           <p:nvPr/>
         </p:nvSpPr>
         <p:spPr>
           <a:xfrm>
-            <a:off x="457199" y="5279005"/>
-            <a:ext cx="5050539" cy="3416320"/>
+            <a:off x="14596294" y="14564044"/>
+            <a:ext cx="6714305" cy="646331"/>
           </a:xfrm>
           <a:prstGeom prst="rect">
             <a:avLst/>
@@ -6272,140 +6514,32 @@
           </a:bodyPr>
           <a:lstStyle/>
           <a:p>
+            <a:pPr algn="ctr"/>
             <a:r>
               <a:rPr lang="bs-Latn-BA" sz="3600" b="1" dirty="0" smtClean="0"/>
-              <a:t>SHAREHOLDERS:</a:t>
-            </a:r>
-            <a:endParaRPr lang="en-US" sz="3600" b="1" dirty="0" smtClean="0"/>
-          </a:p>
-          <a:p>
-            <a:endParaRPr lang="en-US" sz="3600" b="1" dirty="0" smtClean="0"/>
-          </a:p>
-          <a:p>
+              <a:t>BUDGET</a:t>
+            </a:r>
             <a:endParaRPr lang="en-US" sz="3600" b="1" dirty="0"/>
-          </a:p>
-          <a:p>
-            <a:endParaRPr lang="en-US" sz="3600" b="1" dirty="0" smtClean="0"/>
-          </a:p>
-          <a:p>
-            <a:endParaRPr lang="en-US" sz="3600" b="1" dirty="0"/>
-          </a:p>
-          <a:p>
-            <a:endParaRPr lang="bs-Latn-BA" sz="3600" b="1" dirty="0"/>
           </a:p>
         </p:txBody>
       </p:sp>
       <p:sp>
         <p:nvSpPr>
-          <p:cNvPr id="8" name="TextBox 7"/>
+          <p:cNvPr id="25" name="TextBox 24"/>
           <p:cNvSpPr txBox="1"/>
           <p:nvPr/>
         </p:nvSpPr>
         <p:spPr>
           <a:xfrm>
-            <a:off x="457199" y="9088393"/>
-            <a:ext cx="5050539" cy="3416320"/>
+            <a:off x="355286" y="2333271"/>
+            <a:ext cx="20860059" cy="3492000"/>
           </a:xfrm>
           <a:prstGeom prst="rect">
             <a:avLst/>
           </a:prstGeom>
-        </p:spPr>
-        <p:style>
-          <a:lnRef idx="2">
-            <a:schemeClr val="accent4"/>
-          </a:lnRef>
-          <a:fillRef idx="1">
-            <a:schemeClr val="lt1"/>
-          </a:fillRef>
-          <a:effectRef idx="0">
-            <a:schemeClr val="accent4"/>
-          </a:effectRef>
-          <a:fontRef idx="minor">
-            <a:schemeClr val="dk1"/>
-          </a:fontRef>
-        </p:style>
-        <p:txBody>
-          <a:bodyPr wrap="square" rtlCol="0">
-            <a:spAutoFit/>
-          </a:bodyPr>
-          <a:lstStyle/>
-          <a:p>
-            <a:r>
-              <a:rPr lang="bs-Latn-BA" sz="3600" b="1" dirty="0"/>
-              <a:t>DELIVERABLES:</a:t>
-            </a:r>
-          </a:p>
-          <a:p>
-            <a:endParaRPr lang="en-US" sz="3600" b="1" dirty="0">
-              <a:effectLst>
-                <a:outerShdw blurRad="38100" dist="38100" dir="2700000" algn="tl">
-                  <a:srgbClr val="000000">
-                    <a:alpha val="43137"/>
-                  </a:srgbClr>
-                </a:outerShdw>
-              </a:effectLst>
-            </a:endParaRPr>
-          </a:p>
-          <a:p>
-            <a:endParaRPr lang="en-US" sz="3600" b="1" dirty="0">
-              <a:effectLst>
-                <a:outerShdw blurRad="38100" dist="38100" dir="2700000" algn="tl">
-                  <a:srgbClr val="000000">
-                    <a:alpha val="43137"/>
-                  </a:srgbClr>
-                </a:outerShdw>
-              </a:effectLst>
-            </a:endParaRPr>
-          </a:p>
-          <a:p>
-            <a:endParaRPr lang="en-US" sz="3600" b="1" dirty="0">
-              <a:effectLst>
-                <a:outerShdw blurRad="38100" dist="38100" dir="2700000" algn="tl">
-                  <a:srgbClr val="000000">
-                    <a:alpha val="43137"/>
-                  </a:srgbClr>
-                </a:outerShdw>
-              </a:effectLst>
-            </a:endParaRPr>
-          </a:p>
-          <a:p>
-            <a:endParaRPr lang="en-US" sz="3600" b="1" dirty="0">
-              <a:effectLst>
-                <a:outerShdw blurRad="38100" dist="38100" dir="2700000" algn="tl">
-                  <a:srgbClr val="000000">
-                    <a:alpha val="43137"/>
-                  </a:srgbClr>
-                </a:outerShdw>
-              </a:effectLst>
-            </a:endParaRPr>
-          </a:p>
-          <a:p>
-            <a:endParaRPr lang="bs-Latn-BA" sz="3600" dirty="0">
-              <a:effectLst>
-                <a:outerShdw blurRad="38100" dist="38100" dir="2700000" algn="tl">
-                  <a:srgbClr val="000000">
-                    <a:alpha val="43137"/>
-                  </a:srgbClr>
-                </a:outerShdw>
-              </a:effectLst>
-            </a:endParaRPr>
-          </a:p>
-        </p:txBody>
-      </p:sp>
-      <p:sp>
-        <p:nvSpPr>
-          <p:cNvPr id="9" name="TextBox 8"/>
-          <p:cNvSpPr txBox="1"/>
-          <p:nvPr/>
-        </p:nvSpPr>
-        <p:spPr>
-          <a:xfrm>
-            <a:off x="10503264" y="5279005"/>
-            <a:ext cx="10378760" cy="3416320"/>
-          </a:xfrm>
-          <a:prstGeom prst="rect">
-            <a:avLst/>
-          </a:prstGeom>
+          <a:solidFill>
+            <a:schemeClr val="bg1"/>
+          </a:solidFill>
         </p:spPr>
         <p:style>
           <a:lnRef idx="2">
@@ -6428,186 +6562,166 @@
           <a:lstStyle/>
           <a:p>
             <a:r>
-              <a:rPr lang="bs-Latn-BA" sz="3600" b="1" dirty="0"/>
-              <a:t>Technical Specifications:</a:t>
-            </a:r>
-          </a:p>
-          <a:p>
-            <a:pPr marL="571500" indent="-571500">
-              <a:buFont typeface="Arial" panose="020B0604020202020204" pitchFamily="34" charset="0"/>
-              <a:buChar char="•"/>
+              <a:rPr lang="en-US" sz="4200" b="1" dirty="0" smtClean="0">
+                <a:latin typeface="Arial" pitchFamily="34" charset="0"/>
+                <a:cs typeface="Arial" pitchFamily="34" charset="0"/>
+              </a:rPr>
+              <a:t>Project Description</a:t>
+            </a:r>
+            <a:r>
+              <a:rPr lang="bs-Latn-BA" sz="4200" b="1" dirty="0" smtClean="0">
+                <a:latin typeface="Arial" pitchFamily="34" charset="0"/>
+                <a:cs typeface="Arial" pitchFamily="34" charset="0"/>
+              </a:rPr>
+              <a:t>:</a:t>
+            </a:r>
+            <a:endParaRPr lang="bs-Latn-BA" sz="4200" b="1" dirty="0">
+              <a:latin typeface="Arial" pitchFamily="34" charset="0"/>
+              <a:cs typeface="Arial" pitchFamily="34" charset="0"/>
+            </a:endParaRPr>
+          </a:p>
+          <a:p>
+            <a:pPr algn="ctr"/>
+            <a:r>
+              <a:rPr lang="en-US" sz="3000" dirty="0" smtClean="0">
+                <a:latin typeface="Arial" pitchFamily="34" charset="0"/>
+                <a:cs typeface="Arial" pitchFamily="34" charset="0"/>
+              </a:rPr>
+              <a:t>“Design </a:t>
+            </a:r>
+            <a:r>
+              <a:rPr lang="en-US" sz="3000" dirty="0">
+                <a:latin typeface="Arial" pitchFamily="34" charset="0"/>
+                <a:cs typeface="Arial" pitchFamily="34" charset="0"/>
+              </a:rPr>
+              <a:t>and </a:t>
+            </a:r>
+            <a:r>
+              <a:rPr lang="en-US" sz="3000" dirty="0" smtClean="0">
+                <a:latin typeface="Arial" pitchFamily="34" charset="0"/>
+                <a:cs typeface="Arial" pitchFamily="34" charset="0"/>
+              </a:rPr>
+              <a:t>construct </a:t>
+            </a:r>
+            <a:r>
+              <a:rPr lang="en-US" sz="3000" dirty="0">
+                <a:latin typeface="Arial" pitchFamily="34" charset="0"/>
+                <a:cs typeface="Arial" pitchFamily="34" charset="0"/>
+              </a:rPr>
+              <a:t>one of the two teleoperated robots trying to shoot and score in opponent’s goal</a:t>
+            </a:r>
+            <a:r>
+              <a:rPr lang="en-US" sz="3000" dirty="0" smtClean="0">
+                <a:latin typeface="Arial" pitchFamily="34" charset="0"/>
+                <a:cs typeface="Arial" pitchFamily="34" charset="0"/>
+              </a:rPr>
+              <a:t>.”</a:t>
+            </a:r>
+          </a:p>
+          <a:p>
+            <a:pPr marL="457200" indent="-457200" algn="just">
+              <a:buFont typeface="Wingdings" pitchFamily="2" charset="2"/>
+              <a:buChar char="§"/>
             </a:pPr>
-            <a:endParaRPr lang="en-US" sz="3600" b="1" dirty="0">
-              <a:effectLst>
-                <a:outerShdw blurRad="38100" dist="38100" dir="2700000" algn="tl">
-                  <a:srgbClr val="000000">
-                    <a:alpha val="43137"/>
-                  </a:srgbClr>
-                </a:outerShdw>
-              </a:effectLst>
+            <a:r>
+              <a:rPr lang="en-US" sz="3000" dirty="0" smtClean="0">
+                <a:latin typeface="Arial" pitchFamily="34" charset="0"/>
+                <a:cs typeface="Arial" pitchFamily="34" charset="0"/>
+              </a:rPr>
+              <a:t>Robots </a:t>
+            </a:r>
+            <a:r>
+              <a:rPr lang="en-US" sz="3000" dirty="0">
+                <a:latin typeface="Arial" pitchFamily="34" charset="0"/>
+                <a:cs typeface="Arial" pitchFamily="34" charset="0"/>
+              </a:rPr>
+              <a:t>can hit, push or otherwise drive the ball but not grasp, scoop or otherwise carry it.</a:t>
+            </a:r>
+          </a:p>
+          <a:p>
+            <a:pPr marL="457200" indent="-457200" algn="just">
+              <a:buFont typeface="Wingdings" pitchFamily="2" charset="2"/>
+              <a:buChar char="§"/>
+            </a:pPr>
+            <a:r>
+              <a:rPr lang="en-US" sz="3000" dirty="0" smtClean="0">
+                <a:latin typeface="Arial" pitchFamily="34" charset="0"/>
+                <a:cs typeface="Arial" pitchFamily="34" charset="0"/>
+              </a:rPr>
+              <a:t>Successive </a:t>
+            </a:r>
+            <a:r>
+              <a:rPr lang="en-US" sz="3000" dirty="0">
+                <a:latin typeface="Arial" pitchFamily="34" charset="0"/>
+                <a:cs typeface="Arial" pitchFamily="34" charset="0"/>
+              </a:rPr>
+              <a:t>contacts with the ball are allowed but the ball must be transferred to opponent’s half-field in no more than 20 seconds. </a:t>
+            </a:r>
+            <a:endParaRPr lang="en-US" sz="3000" dirty="0" smtClean="0">
+              <a:latin typeface="Arial" pitchFamily="34" charset="0"/>
+              <a:cs typeface="Arial" pitchFamily="34" charset="0"/>
             </a:endParaRPr>
           </a:p>
           <a:p>
-            <a:pPr marL="571500" indent="-571500">
-              <a:buFont typeface="Arial" panose="020B0604020202020204" pitchFamily="34" charset="0"/>
-              <a:buChar char="•"/>
+            <a:pPr marL="457200" indent="-457200" algn="just">
+              <a:buFont typeface="Wingdings" pitchFamily="2" charset="2"/>
+              <a:buChar char="§"/>
             </a:pPr>
-            <a:endParaRPr lang="en-US" sz="3600" b="1" dirty="0">
-              <a:effectLst>
-                <a:outerShdw blurRad="38100" dist="38100" dir="2700000" algn="tl">
-                  <a:srgbClr val="000000">
-                    <a:alpha val="43137"/>
-                  </a:srgbClr>
-                </a:outerShdw>
-              </a:effectLst>
+            <a:r>
+              <a:rPr lang="en-US" sz="3000" dirty="0" smtClean="0">
+                <a:latin typeface="Arial" pitchFamily="34" charset="0"/>
+                <a:cs typeface="Arial" pitchFamily="34" charset="0"/>
+              </a:rPr>
+              <a:t>The </a:t>
+            </a:r>
+            <a:r>
+              <a:rPr lang="en-US" sz="3000" dirty="0">
+                <a:latin typeface="Arial" pitchFamily="34" charset="0"/>
+                <a:cs typeface="Arial" pitchFamily="34" charset="0"/>
+              </a:rPr>
+              <a:t>player scoring 2 goals more than the opponent wins the game.</a:t>
+            </a:r>
+          </a:p>
+          <a:p>
+            <a:pPr marL="457200" indent="-457200" algn="just">
+              <a:buFont typeface="Wingdings" pitchFamily="2" charset="2"/>
+              <a:buChar char="§"/>
+            </a:pPr>
+            <a:r>
+              <a:rPr lang="en-US" sz="3000" dirty="0">
+                <a:latin typeface="Arial" pitchFamily="34" charset="0"/>
+                <a:cs typeface="Arial" pitchFamily="34" charset="0"/>
+              </a:rPr>
+              <a:t>The game is started, upon command, with robots placed on their own goal lines and the goal at the center of the field.</a:t>
+            </a:r>
+          </a:p>
+          <a:p>
+            <a:pPr algn="just"/>
+            <a:r>
+              <a:rPr lang="en-US" sz="3000" dirty="0" smtClean="0">
+                <a:latin typeface="Arial" pitchFamily="34" charset="0"/>
+                <a:cs typeface="Arial" pitchFamily="34" charset="0"/>
+              </a:rPr>
+              <a:t> </a:t>
+            </a:r>
+            <a:endParaRPr lang="en-US" sz="3000" i="1" dirty="0">
+              <a:latin typeface="Arial" pitchFamily="34" charset="0"/>
+              <a:cs typeface="Arial" pitchFamily="34" charset="0"/>
             </a:endParaRPr>
           </a:p>
           <a:p>
-            <a:pPr marL="571500" indent="-571500">
-              <a:buFont typeface="Arial" panose="020B0604020202020204" pitchFamily="34" charset="0"/>
-              <a:buChar char="•"/>
-            </a:pPr>
-            <a:endParaRPr lang="en-US" sz="3600" b="1" dirty="0">
-              <a:effectLst>
-                <a:outerShdw blurRad="38100" dist="38100" dir="2700000" algn="tl">
-                  <a:srgbClr val="000000">
-                    <a:alpha val="43137"/>
-                  </a:srgbClr>
-                </a:outerShdw>
-              </a:effectLst>
+            <a:pPr algn="just"/>
+            <a:endParaRPr lang="en-US" sz="3600" i="1" dirty="0" smtClean="0">
+              <a:latin typeface="Arial" pitchFamily="34" charset="0"/>
+              <a:cs typeface="Arial" pitchFamily="34" charset="0"/>
             </a:endParaRPr>
           </a:p>
           <a:p>
-            <a:pPr marL="571500" indent="-571500">
-              <a:buFont typeface="Arial" panose="020B0604020202020204" pitchFamily="34" charset="0"/>
-              <a:buChar char="•"/>
-            </a:pPr>
-            <a:endParaRPr lang="en-US" sz="3600" b="1" dirty="0">
-              <a:effectLst>
-                <a:outerShdw blurRad="38100" dist="38100" dir="2700000" algn="tl">
-                  <a:srgbClr val="000000">
-                    <a:alpha val="43137"/>
-                  </a:srgbClr>
-                </a:outerShdw>
-              </a:effectLst>
+            <a:pPr algn="just"/>
+            <a:endParaRPr lang="en-US" sz="3600" i="1" dirty="0">
+              <a:latin typeface="Arial" pitchFamily="34" charset="0"/>
+              <a:cs typeface="Arial" pitchFamily="34" charset="0"/>
             </a:endParaRPr>
-          </a:p>
-          <a:p>
-            <a:pPr marL="571500" indent="-571500">
-              <a:buFont typeface="Arial" panose="020B0604020202020204" pitchFamily="34" charset="0"/>
-              <a:buChar char="•"/>
-            </a:pPr>
-            <a:endParaRPr lang="bs-Latn-BA" sz="3600" dirty="0" smtClean="0">
-              <a:effectLst>
-                <a:outerShdw blurRad="38100" dist="38100" dir="2700000" algn="tl">
-                  <a:srgbClr val="000000">
-                    <a:alpha val="43137"/>
-                  </a:srgbClr>
-                </a:outerShdw>
-              </a:effectLst>
-            </a:endParaRPr>
-          </a:p>
-        </p:txBody>
-      </p:sp>
-      <p:sp>
-        <p:nvSpPr>
-          <p:cNvPr id="21" name="TextBox 20"/>
-          <p:cNvSpPr txBox="1"/>
-          <p:nvPr/>
-        </p:nvSpPr>
-        <p:spPr>
-          <a:xfrm>
-            <a:off x="14219892" y="9088393"/>
-            <a:ext cx="6652921" cy="646331"/>
-          </a:xfrm>
-          <a:prstGeom prst="rect">
-            <a:avLst/>
-          </a:prstGeom>
-        </p:spPr>
-        <p:style>
-          <a:lnRef idx="2">
-            <a:schemeClr val="accent5"/>
-          </a:lnRef>
-          <a:fillRef idx="1">
-            <a:schemeClr val="lt1"/>
-          </a:fillRef>
-          <a:effectRef idx="0">
-            <a:schemeClr val="accent5"/>
-          </a:effectRef>
-          <a:fontRef idx="minor">
-            <a:schemeClr val="dk1"/>
-          </a:fontRef>
-        </p:style>
-        <p:txBody>
-          <a:bodyPr wrap="square" rtlCol="0">
-            <a:spAutoFit/>
-          </a:bodyPr>
-          <a:lstStyle/>
-          <a:p>
-            <a:r>
-              <a:rPr lang="bs-Latn-BA" sz="3600" b="1" dirty="0" smtClean="0"/>
-              <a:t>BUDGET</a:t>
-            </a:r>
-            <a:r>
-              <a:rPr lang="tr-TR" sz="3600" b="1" dirty="0" smtClean="0"/>
-              <a:t>:</a:t>
-            </a:r>
-            <a:endParaRPr lang="en-US" sz="3600" b="1" dirty="0"/>
-          </a:p>
-        </p:txBody>
-      </p:sp>
-      <p:sp>
-        <p:nvSpPr>
-          <p:cNvPr id="25" name="TextBox 24"/>
-          <p:cNvSpPr txBox="1"/>
-          <p:nvPr/>
-        </p:nvSpPr>
-        <p:spPr>
-          <a:xfrm>
-            <a:off x="457199" y="2556610"/>
-            <a:ext cx="20424825" cy="2308324"/>
-          </a:xfrm>
-          <a:prstGeom prst="rect">
-            <a:avLst/>
-          </a:prstGeom>
-        </p:spPr>
-        <p:style>
-          <a:lnRef idx="2">
-            <a:schemeClr val="accent5"/>
-          </a:lnRef>
-          <a:fillRef idx="1">
-            <a:schemeClr val="lt1"/>
-          </a:fillRef>
-          <a:effectRef idx="0">
-            <a:schemeClr val="accent5"/>
-          </a:effectRef>
-          <a:fontRef idx="minor">
-            <a:schemeClr val="dk1"/>
-          </a:fontRef>
-        </p:style>
-        <p:txBody>
-          <a:bodyPr wrap="square" rtlCol="0">
-            <a:spAutoFit/>
-          </a:bodyPr>
-          <a:lstStyle/>
-          <a:p>
-            <a:pPr algn="just"/>
-            <a:r>
-              <a:rPr lang="en-US" sz="3600" i="1" dirty="0" smtClean="0"/>
-              <a:t>Troy Tech</a:t>
-            </a:r>
-          </a:p>
-          <a:p>
-            <a:pPr algn="just"/>
-            <a:endParaRPr lang="en-US" sz="3600" i="1" dirty="0"/>
-          </a:p>
-          <a:p>
-            <a:pPr algn="just"/>
-            <a:endParaRPr lang="en-US" sz="3600" i="1" dirty="0" smtClean="0"/>
-          </a:p>
-          <a:p>
-            <a:pPr algn="just"/>
-            <a:endParaRPr lang="en-US" sz="3600" i="1" dirty="0"/>
           </a:p>
         </p:txBody>
       </p:sp>
@@ -6620,14 +6734,14 @@
           <p:nvPr>
             <p:extLst>
               <p:ext uri="{D42A27DB-BD31-4B8C-83A1-F6EECF244321}">
-                <p14:modId xmlns:p14="http://schemas.microsoft.com/office/powerpoint/2010/main" val="1572647050"/>
+                <p14:modId xmlns:p14="http://schemas.microsoft.com/office/powerpoint/2010/main" val="3225382858"/>
               </p:ext>
             </p:extLst>
           </p:nvPr>
         </p:nvGraphicFramePr>
         <p:xfrm>
-          <a:off x="14242977" y="10021680"/>
-          <a:ext cx="6606749" cy="11247120"/>
+          <a:off x="14596295" y="15231870"/>
+          <a:ext cx="6749230" cy="13507577"/>
         </p:xfrm>
         <a:graphic>
           <a:graphicData uri="http://schemas.openxmlformats.org/drawingml/2006/table">
@@ -6636,14 +6750,16 @@
                 <a:tableStyleId>{5C22544A-7EE6-4342-B048-85BDC9FD1C3A}</a:tableStyleId>
               </a:tblPr>
               <a:tblGrid>
-                <a:gridCol w="3768764">
+                <a:gridCol w="2065989">
                   <a:extLst>
                     <a:ext uri="{9D8B030D-6E8A-4147-A177-3AD203B41FA5}">
                       <a16:colId xmlns="" xmlns:a16="http://schemas.microsoft.com/office/drawing/2014/main" val="3936429932"/>
                     </a:ext>
                   </a:extLst>
                 </a:gridCol>
-                <a:gridCol w="2837985">
+                <a:gridCol w="1435216"/>
+                <a:gridCol w="1790700"/>
+                <a:gridCol w="1457325">
                   <a:extLst>
                     <a:ext uri="{9D8B030D-6E8A-4147-A177-3AD203B41FA5}">
                       <a16:colId xmlns="" xmlns:a16="http://schemas.microsoft.com/office/drawing/2014/main" val="2306221773"/>
@@ -6651,7 +6767,7 @@
                   </a:extLst>
                 </a:gridCol>
               </a:tblGrid>
-              <a:tr h="630808">
+              <a:tr h="1661786">
                 <a:tc>
                   <a:txBody>
                     <a:bodyPr/>
@@ -6662,6 +6778,28 @@
                         <a:rPr lang="bs-Latn-BA" sz="3600" dirty="0"/>
                         <a:t>Item </a:t>
                       </a:r>
+                      <a:endParaRPr lang="en-US" sz="3600" dirty="0"/>
+                    </a:p>
+                  </a:txBody>
+                  <a:tcPr anchor="ctr"/>
+                </a:tc>
+                <a:tc>
+                  <a:txBody>
+                    <a:bodyPr/>
+                    <a:lstStyle/>
+                    <a:p>
+                      <a:pPr algn="ctr"/>
+                      <a:endParaRPr lang="en-US" sz="3600" dirty="0"/>
+                    </a:p>
+                  </a:txBody>
+                  <a:tcPr anchor="ctr"/>
+                </a:tc>
+                <a:tc>
+                  <a:txBody>
+                    <a:bodyPr/>
+                    <a:lstStyle/>
+                    <a:p>
+                      <a:pPr algn="ctr"/>
                       <a:endParaRPr lang="en-US" sz="3600" dirty="0"/>
                     </a:p>
                   </a:txBody>
@@ -6694,28 +6832,141 @@
                     <a:bodyPr/>
                     <a:lstStyle/>
                     <a:p>
-                      <a:pPr algn="ctr"/>
-                      <a:endParaRPr lang="en-US" sz="3600" dirty="0"/>
+                      <a:pPr marL="0" marR="0" algn="ctr">
+                        <a:lnSpc>
+                          <a:spcPct val="107000"/>
+                        </a:lnSpc>
+                        <a:spcBef>
+                          <a:spcPts val="0"/>
+                        </a:spcBef>
+                        <a:spcAft>
+                          <a:spcPts val="800"/>
+                        </a:spcAft>
+                      </a:pPr>
+                      <a:r>
+                        <a:rPr lang="en-US" sz="2400" b="1" dirty="0">
+                          <a:effectLst/>
+                          <a:latin typeface="Calibri"/>
+                          <a:ea typeface="Calibri"/>
+                          <a:cs typeface="Times New Roman"/>
+                        </a:rPr>
+                        <a:t>Product</a:t>
+                      </a:r>
+                      <a:endParaRPr lang="en-US" sz="2400" dirty="0">
+                        <a:effectLst/>
+                        <a:latin typeface="Calibri"/>
+                        <a:ea typeface="Calibri"/>
+                        <a:cs typeface="Times New Roman"/>
+                      </a:endParaRPr>
                     </a:p>
                   </a:txBody>
-                  <a:tcPr anchor="ctr"/>
+                  <a:tcPr marL="63500" marR="63500" marT="63500" marB="63500"/>
                 </a:tc>
                 <a:tc>
                   <a:txBody>
                     <a:bodyPr/>
                     <a:lstStyle/>
                     <a:p>
-                      <a:pPr algn="ctr"/>
-                      <a:endParaRPr lang="en-US" sz="3600" dirty="0"/>
+                      <a:pPr marL="0" marR="0" algn="ctr">
+                        <a:lnSpc>
+                          <a:spcPct val="107000"/>
+                        </a:lnSpc>
+                        <a:spcBef>
+                          <a:spcPts val="0"/>
+                        </a:spcBef>
+                        <a:spcAft>
+                          <a:spcPts val="800"/>
+                        </a:spcAft>
+                      </a:pPr>
+                      <a:r>
+                        <a:rPr lang="en-US" sz="2400" b="1" dirty="0">
+                          <a:effectLst/>
+                          <a:latin typeface="Calibri"/>
+                          <a:ea typeface="Calibri"/>
+                          <a:cs typeface="Times New Roman"/>
+                        </a:rPr>
+                        <a:t>Pieces</a:t>
+                      </a:r>
+                      <a:endParaRPr lang="en-US" sz="2400" dirty="0">
+                        <a:effectLst/>
+                        <a:latin typeface="Calibri"/>
+                        <a:ea typeface="Calibri"/>
+                        <a:cs typeface="Times New Roman"/>
+                      </a:endParaRPr>
                     </a:p>
                   </a:txBody>
-                  <a:tcPr anchor="ctr"/>
+                  <a:tcPr marL="63500" marR="63500" marT="63500" marB="63500"/>
                 </a:tc>
-                <a:extLst>
-                  <a:ext uri="{0D108BD9-81ED-4DB2-BD59-A6C34878D82A}">
-                    <a16:rowId xmlns="" xmlns:a16="http://schemas.microsoft.com/office/drawing/2014/main" val="1324288782"/>
-                  </a:ext>
-                </a:extLst>
+                <a:tc>
+                  <a:txBody>
+                    <a:bodyPr/>
+                    <a:lstStyle/>
+                    <a:p>
+                      <a:pPr marL="0" marR="0" algn="ctr">
+                        <a:lnSpc>
+                          <a:spcPct val="107000"/>
+                        </a:lnSpc>
+                        <a:spcBef>
+                          <a:spcPts val="0"/>
+                        </a:spcBef>
+                        <a:spcAft>
+                          <a:spcPts val="800"/>
+                        </a:spcAft>
+                      </a:pPr>
+                      <a:r>
+                        <a:rPr lang="en-US" sz="2400" b="1">
+                          <a:effectLst/>
+                          <a:latin typeface="Calibri"/>
+                          <a:ea typeface="Calibri"/>
+                          <a:cs typeface="Times New Roman"/>
+                        </a:rPr>
+                        <a:t>Unit Price($)</a:t>
+                      </a:r>
+                      <a:endParaRPr lang="en-US" sz="2400">
+                        <a:effectLst/>
+                        <a:latin typeface="Calibri"/>
+                        <a:ea typeface="Calibri"/>
+                        <a:cs typeface="Times New Roman"/>
+                      </a:endParaRPr>
+                    </a:p>
+                  </a:txBody>
+                  <a:tcPr marL="63500" marR="63500" marT="63500" marB="63500"/>
+                </a:tc>
+                <a:tc>
+                  <a:txBody>
+                    <a:bodyPr/>
+                    <a:lstStyle/>
+                    <a:p>
+                      <a:pPr marL="0" marR="0" algn="ctr">
+                        <a:lnSpc>
+                          <a:spcPct val="107000"/>
+                        </a:lnSpc>
+                        <a:spcBef>
+                          <a:spcPts val="0"/>
+                        </a:spcBef>
+                        <a:spcAft>
+                          <a:spcPts val="800"/>
+                        </a:spcAft>
+                      </a:pPr>
+                      <a:r>
+                        <a:rPr lang="en-US" sz="2400" b="1">
+                          <a:effectLst/>
+                          <a:latin typeface="Calibri"/>
+                          <a:ea typeface="Calibri"/>
+                          <a:cs typeface="Times New Roman"/>
+                        </a:rPr>
+                        <a:t>Total Price($)</a:t>
+                      </a:r>
+                      <a:endParaRPr lang="en-US" sz="2400">
+                        <a:effectLst/>
+                        <a:latin typeface="Calibri"/>
+                        <a:ea typeface="Calibri"/>
+                        <a:cs typeface="Times New Roman"/>
+                      </a:endParaRPr>
+                    </a:p>
+                  </a:txBody>
+                  <a:tcPr marL="63500" marR="63500" marT="63500" marB="63500"/>
+                </a:tc>
               </a:tr>
               <a:tr h="639609">
                 <a:tc>
@@ -6723,90 +6974,1940 @@
                     <a:bodyPr/>
                     <a:lstStyle/>
                     <a:p>
-                      <a:pPr algn="ctr"/>
-                      <a:endParaRPr lang="bs-Latn-BA" sz="3600" dirty="0"/>
+                      <a:pPr marL="0" marR="0" algn="ctr">
+                        <a:lnSpc>
+                          <a:spcPct val="107000"/>
+                        </a:lnSpc>
+                        <a:spcBef>
+                          <a:spcPts val="0"/>
+                        </a:spcBef>
+                        <a:spcAft>
+                          <a:spcPts val="800"/>
+                        </a:spcAft>
+                      </a:pPr>
+                      <a:r>
+                        <a:rPr lang="en-US" sz="2400" dirty="0">
+                          <a:effectLst/>
+                          <a:latin typeface="Calibri"/>
+                          <a:ea typeface="Calibri"/>
+                          <a:cs typeface="Times New Roman"/>
+                        </a:rPr>
+                        <a:t>nrf24l01+</a:t>
+                      </a:r>
                     </a:p>
                   </a:txBody>
-                  <a:tcPr anchor="ctr"/>
+                  <a:tcPr marL="63500" marR="63500" marT="63500" marB="63500"/>
                 </a:tc>
                 <a:tc>
                   <a:txBody>
                     <a:bodyPr/>
                     <a:lstStyle/>
                     <a:p>
-                      <a:pPr algn="ctr"/>
-                      <a:endParaRPr lang="en-US" sz="3600" dirty="0" smtClean="0"/>
-                    </a:p>
-                    <a:p>
-                      <a:pPr algn="ctr"/>
-                      <a:endParaRPr lang="en-US" sz="3600" dirty="0" smtClean="0"/>
-                    </a:p>
-                    <a:p>
-                      <a:pPr algn="ctr"/>
-                      <a:endParaRPr lang="en-US" sz="3600" dirty="0" smtClean="0"/>
-                    </a:p>
-                    <a:p>
-                      <a:pPr algn="ctr"/>
-                      <a:endParaRPr lang="en-US" sz="3600" dirty="0" smtClean="0"/>
-                    </a:p>
-                    <a:p>
-                      <a:pPr algn="ctr"/>
-                      <a:endParaRPr lang="en-US" sz="3600" dirty="0" smtClean="0"/>
-                    </a:p>
-                    <a:p>
-                      <a:pPr algn="ctr"/>
-                      <a:endParaRPr lang="en-US" sz="3600" dirty="0" smtClean="0"/>
-                    </a:p>
-                    <a:p>
-                      <a:pPr algn="ctr"/>
-                      <a:endParaRPr lang="en-US" sz="3600" dirty="0" smtClean="0"/>
-                    </a:p>
-                    <a:p>
-                      <a:pPr algn="ctr"/>
-                      <a:endParaRPr lang="en-US" sz="3600" dirty="0" smtClean="0"/>
-                    </a:p>
-                    <a:p>
-                      <a:pPr algn="ctr"/>
-                      <a:endParaRPr lang="en-US" sz="3600" dirty="0" smtClean="0"/>
-                    </a:p>
-                    <a:p>
-                      <a:pPr algn="ctr"/>
-                      <a:endParaRPr lang="en-US" sz="3600" dirty="0" smtClean="0"/>
-                    </a:p>
-                    <a:p>
-                      <a:pPr algn="ctr"/>
-                      <a:endParaRPr lang="en-US" sz="3600" dirty="0" smtClean="0"/>
-                    </a:p>
-                    <a:p>
-                      <a:pPr algn="ctr"/>
-                      <a:endParaRPr lang="en-US" sz="3600" dirty="0" smtClean="0"/>
-                    </a:p>
-                    <a:p>
-                      <a:pPr algn="ctr"/>
-                      <a:endParaRPr lang="en-US" sz="3600" dirty="0" smtClean="0"/>
-                    </a:p>
-                    <a:p>
-                      <a:pPr algn="ctr"/>
-                      <a:endParaRPr lang="en-US" sz="3600" dirty="0" smtClean="0"/>
-                    </a:p>
-                    <a:p>
-                      <a:pPr algn="ctr"/>
-                      <a:endParaRPr lang="en-US" sz="3600" dirty="0" smtClean="0"/>
-                    </a:p>
-                    <a:p>
-                      <a:pPr algn="ctr"/>
-                      <a:endParaRPr lang="en-US" sz="3600" dirty="0" smtClean="0"/>
-                    </a:p>
-                    <a:p>
-                      <a:pPr algn="ctr"/>
-                      <a:endParaRPr lang="en-US" sz="3600" dirty="0" smtClean="0"/>
-                    </a:p>
-                    <a:p>
-                      <a:pPr algn="ctr"/>
-                      <a:endParaRPr lang="tr-TR" sz="3600" dirty="0" smtClean="0"/>
+                      <a:pPr marL="0" marR="0" algn="ctr">
+                        <a:lnSpc>
+                          <a:spcPct val="107000"/>
+                        </a:lnSpc>
+                        <a:spcBef>
+                          <a:spcPts val="0"/>
+                        </a:spcBef>
+                        <a:spcAft>
+                          <a:spcPts val="800"/>
+                        </a:spcAft>
+                      </a:pPr>
+                      <a:r>
+                        <a:rPr lang="en-US" sz="2400">
+                          <a:effectLst/>
+                          <a:latin typeface="Calibri"/>
+                          <a:ea typeface="Calibri"/>
+                          <a:cs typeface="Times New Roman"/>
+                        </a:rPr>
+                        <a:t>2</a:t>
+                      </a:r>
                     </a:p>
                   </a:txBody>
-                  <a:tcPr anchor="ctr"/>
+                  <a:tcPr marL="63500" marR="63500" marT="63500" marB="63500"/>
+                </a:tc>
+                <a:tc>
+                  <a:txBody>
+                    <a:bodyPr/>
+                    <a:lstStyle/>
+                    <a:p>
+                      <a:pPr marL="0" marR="0" algn="ctr">
+                        <a:lnSpc>
+                          <a:spcPct val="107000"/>
+                        </a:lnSpc>
+                        <a:spcBef>
+                          <a:spcPts val="0"/>
+                        </a:spcBef>
+                        <a:spcAft>
+                          <a:spcPts val="800"/>
+                        </a:spcAft>
+                      </a:pPr>
+                      <a:r>
+                        <a:rPr lang="en-US" sz="2400">
+                          <a:effectLst/>
+                          <a:latin typeface="Calibri"/>
+                          <a:ea typeface="Calibri"/>
+                          <a:cs typeface="Times New Roman"/>
+                        </a:rPr>
+                        <a:t>1.78</a:t>
+                      </a:r>
+                    </a:p>
+                  </a:txBody>
+                  <a:tcPr marL="63500" marR="63500" marT="63500" marB="63500"/>
+                </a:tc>
+                <a:tc>
+                  <a:txBody>
+                    <a:bodyPr/>
+                    <a:lstStyle/>
+                    <a:p>
+                      <a:pPr marL="0" marR="0" algn="ctr">
+                        <a:lnSpc>
+                          <a:spcPct val="107000"/>
+                        </a:lnSpc>
+                        <a:spcBef>
+                          <a:spcPts val="0"/>
+                        </a:spcBef>
+                        <a:spcAft>
+                          <a:spcPts val="800"/>
+                        </a:spcAft>
+                      </a:pPr>
+                      <a:r>
+                        <a:rPr lang="en-US" sz="2400">
+                          <a:effectLst/>
+                          <a:latin typeface="Calibri"/>
+                          <a:ea typeface="Calibri"/>
+                          <a:cs typeface="Times New Roman"/>
+                        </a:rPr>
+                        <a:t>3.56</a:t>
+                      </a:r>
+                    </a:p>
+                  </a:txBody>
+                  <a:tcPr marL="63500" marR="63500" marT="63500" marB="63500"/>
+                </a:tc>
+              </a:tr>
+              <a:tr h="639609">
+                <a:tc>
+                  <a:txBody>
+                    <a:bodyPr/>
+                    <a:lstStyle/>
+                    <a:p>
+                      <a:pPr marL="0" marR="0" algn="ctr">
+                        <a:lnSpc>
+                          <a:spcPct val="107000"/>
+                        </a:lnSpc>
+                        <a:spcBef>
+                          <a:spcPts val="0"/>
+                        </a:spcBef>
+                        <a:spcAft>
+                          <a:spcPts val="800"/>
+                        </a:spcAft>
+                      </a:pPr>
+                      <a:r>
+                        <a:rPr lang="en-US" sz="2400" dirty="0">
+                          <a:effectLst/>
+                          <a:latin typeface="Calibri"/>
+                          <a:ea typeface="Calibri"/>
+                          <a:cs typeface="Times New Roman"/>
+                        </a:rPr>
+                        <a:t>TS5828s</a:t>
+                      </a:r>
+                    </a:p>
+                  </a:txBody>
+                  <a:tcPr marL="63500" marR="63500" marT="63500" marB="63500"/>
+                </a:tc>
+                <a:tc>
+                  <a:txBody>
+                    <a:bodyPr/>
+                    <a:lstStyle/>
+                    <a:p>
+                      <a:pPr marL="0" marR="0" algn="ctr">
+                        <a:lnSpc>
+                          <a:spcPct val="107000"/>
+                        </a:lnSpc>
+                        <a:spcBef>
+                          <a:spcPts val="0"/>
+                        </a:spcBef>
+                        <a:spcAft>
+                          <a:spcPts val="800"/>
+                        </a:spcAft>
+                      </a:pPr>
+                      <a:r>
+                        <a:rPr lang="en-US" sz="2400">
+                          <a:effectLst/>
+                          <a:latin typeface="Calibri"/>
+                          <a:ea typeface="Calibri"/>
+                          <a:cs typeface="Times New Roman"/>
+                        </a:rPr>
+                        <a:t>1</a:t>
+                      </a:r>
+                    </a:p>
+                  </a:txBody>
+                  <a:tcPr marL="63500" marR="63500" marT="63500" marB="63500"/>
+                </a:tc>
+                <a:tc>
+                  <a:txBody>
+                    <a:bodyPr/>
+                    <a:lstStyle/>
+                    <a:p>
+                      <a:pPr marL="0" marR="0" algn="ctr">
+                        <a:lnSpc>
+                          <a:spcPct val="107000"/>
+                        </a:lnSpc>
+                        <a:spcBef>
+                          <a:spcPts val="0"/>
+                        </a:spcBef>
+                        <a:spcAft>
+                          <a:spcPts val="800"/>
+                        </a:spcAft>
+                      </a:pPr>
+                      <a:r>
+                        <a:rPr lang="en-US" sz="2400">
+                          <a:effectLst/>
+                          <a:latin typeface="Calibri"/>
+                          <a:ea typeface="Calibri"/>
+                          <a:cs typeface="Times New Roman"/>
+                        </a:rPr>
+                        <a:t>7.70</a:t>
+                      </a:r>
+                    </a:p>
+                  </a:txBody>
+                  <a:tcPr marL="63500" marR="63500" marT="63500" marB="63500"/>
+                </a:tc>
+                <a:tc>
+                  <a:txBody>
+                    <a:bodyPr/>
+                    <a:lstStyle/>
+                    <a:p>
+                      <a:pPr marL="0" marR="0" algn="ctr">
+                        <a:lnSpc>
+                          <a:spcPct val="107000"/>
+                        </a:lnSpc>
+                        <a:spcBef>
+                          <a:spcPts val="0"/>
+                        </a:spcBef>
+                        <a:spcAft>
+                          <a:spcPts val="800"/>
+                        </a:spcAft>
+                      </a:pPr>
+                      <a:r>
+                        <a:rPr lang="en-US" sz="2400">
+                          <a:effectLst/>
+                          <a:latin typeface="Calibri"/>
+                          <a:ea typeface="Calibri"/>
+                          <a:cs typeface="Times New Roman"/>
+                        </a:rPr>
+                        <a:t>7.70</a:t>
+                      </a:r>
+                    </a:p>
+                  </a:txBody>
+                  <a:tcPr marL="63500" marR="63500" marT="63500" marB="63500"/>
+                </a:tc>
+              </a:tr>
+              <a:tr h="639609">
+                <a:tc>
+                  <a:txBody>
+                    <a:bodyPr/>
+                    <a:lstStyle/>
+                    <a:p>
+                      <a:pPr marL="0" marR="0" algn="ctr">
+                        <a:lnSpc>
+                          <a:spcPct val="107000"/>
+                        </a:lnSpc>
+                        <a:spcBef>
+                          <a:spcPts val="0"/>
+                        </a:spcBef>
+                        <a:spcAft>
+                          <a:spcPts val="800"/>
+                        </a:spcAft>
+                      </a:pPr>
+                      <a:r>
+                        <a:rPr lang="en-US" sz="2400" dirty="0">
+                          <a:effectLst/>
+                          <a:latin typeface="Calibri"/>
+                          <a:ea typeface="Calibri"/>
+                          <a:cs typeface="Times New Roman"/>
+                        </a:rPr>
+                        <a:t>Camera</a:t>
+                      </a:r>
+                    </a:p>
+                  </a:txBody>
+                  <a:tcPr marL="63500" marR="63500" marT="63500" marB="63500"/>
+                </a:tc>
+                <a:tc>
+                  <a:txBody>
+                    <a:bodyPr/>
+                    <a:lstStyle/>
+                    <a:p>
+                      <a:pPr marL="0" marR="0" algn="ctr">
+                        <a:lnSpc>
+                          <a:spcPct val="107000"/>
+                        </a:lnSpc>
+                        <a:spcBef>
+                          <a:spcPts val="0"/>
+                        </a:spcBef>
+                        <a:spcAft>
+                          <a:spcPts val="800"/>
+                        </a:spcAft>
+                      </a:pPr>
+                      <a:r>
+                        <a:rPr lang="en-US" sz="2400">
+                          <a:effectLst/>
+                          <a:latin typeface="Calibri"/>
+                          <a:ea typeface="Calibri"/>
+                          <a:cs typeface="Times New Roman"/>
+                        </a:rPr>
+                        <a:t>1</a:t>
+                      </a:r>
+                    </a:p>
+                  </a:txBody>
+                  <a:tcPr marL="63500" marR="63500" marT="63500" marB="63500"/>
+                </a:tc>
+                <a:tc>
+                  <a:txBody>
+                    <a:bodyPr/>
+                    <a:lstStyle/>
+                    <a:p>
+                      <a:pPr marL="0" marR="0" algn="ctr">
+                        <a:lnSpc>
+                          <a:spcPct val="107000"/>
+                        </a:lnSpc>
+                        <a:spcBef>
+                          <a:spcPts val="0"/>
+                        </a:spcBef>
+                        <a:spcAft>
+                          <a:spcPts val="800"/>
+                        </a:spcAft>
+                      </a:pPr>
+                      <a:r>
+                        <a:rPr lang="en-US" sz="2400">
+                          <a:effectLst/>
+                          <a:latin typeface="Calibri"/>
+                          <a:ea typeface="Calibri"/>
+                          <a:cs typeface="Times New Roman"/>
+                        </a:rPr>
+                        <a:t>6.27</a:t>
+                      </a:r>
+                    </a:p>
+                  </a:txBody>
+                  <a:tcPr marL="63500" marR="63500" marT="63500" marB="63500"/>
+                </a:tc>
+                <a:tc>
+                  <a:txBody>
+                    <a:bodyPr/>
+                    <a:lstStyle/>
+                    <a:p>
+                      <a:pPr marL="0" marR="0" algn="ctr">
+                        <a:lnSpc>
+                          <a:spcPct val="107000"/>
+                        </a:lnSpc>
+                        <a:spcBef>
+                          <a:spcPts val="0"/>
+                        </a:spcBef>
+                        <a:spcAft>
+                          <a:spcPts val="800"/>
+                        </a:spcAft>
+                      </a:pPr>
+                      <a:r>
+                        <a:rPr lang="en-US" sz="2400">
+                          <a:effectLst/>
+                          <a:latin typeface="Calibri"/>
+                          <a:ea typeface="Calibri"/>
+                          <a:cs typeface="Times New Roman"/>
+                        </a:rPr>
+                        <a:t>6.27</a:t>
+                      </a:r>
+                    </a:p>
+                  </a:txBody>
+                  <a:tcPr marL="63500" marR="63500" marT="63500" marB="63500"/>
+                </a:tc>
+              </a:tr>
+              <a:tr h="639609">
+                <a:tc>
+                  <a:txBody>
+                    <a:bodyPr/>
+                    <a:lstStyle/>
+                    <a:p>
+                      <a:pPr marL="0" marR="0" algn="ctr">
+                        <a:lnSpc>
+                          <a:spcPct val="107000"/>
+                        </a:lnSpc>
+                        <a:spcBef>
+                          <a:spcPts val="0"/>
+                        </a:spcBef>
+                        <a:spcAft>
+                          <a:spcPts val="800"/>
+                        </a:spcAft>
+                      </a:pPr>
+                      <a:r>
+                        <a:rPr lang="en-US" sz="2400" dirty="0">
+                          <a:effectLst/>
+                          <a:latin typeface="Calibri"/>
+                          <a:ea typeface="Calibri"/>
+                          <a:cs typeface="Times New Roman"/>
+                        </a:rPr>
+                        <a:t>Video Receiver</a:t>
+                      </a:r>
+                    </a:p>
+                  </a:txBody>
+                  <a:tcPr marL="63500" marR="63500" marT="63500" marB="63500"/>
+                </a:tc>
+                <a:tc>
+                  <a:txBody>
+                    <a:bodyPr/>
+                    <a:lstStyle/>
+                    <a:p>
+                      <a:pPr marL="0" marR="0" algn="ctr">
+                        <a:lnSpc>
+                          <a:spcPct val="107000"/>
+                        </a:lnSpc>
+                        <a:spcBef>
+                          <a:spcPts val="0"/>
+                        </a:spcBef>
+                        <a:spcAft>
+                          <a:spcPts val="800"/>
+                        </a:spcAft>
+                      </a:pPr>
+                      <a:r>
+                        <a:rPr lang="en-US" sz="2400" dirty="0">
+                          <a:effectLst/>
+                          <a:latin typeface="Calibri"/>
+                          <a:ea typeface="Calibri"/>
+                          <a:cs typeface="Times New Roman"/>
+                        </a:rPr>
+                        <a:t>1</a:t>
+                      </a:r>
+                    </a:p>
+                  </a:txBody>
+                  <a:tcPr marL="63500" marR="63500" marT="63500" marB="63500"/>
+                </a:tc>
+                <a:tc>
+                  <a:txBody>
+                    <a:bodyPr/>
+                    <a:lstStyle/>
+                    <a:p>
+                      <a:pPr marL="0" marR="0" algn="ctr">
+                        <a:lnSpc>
+                          <a:spcPct val="107000"/>
+                        </a:lnSpc>
+                        <a:spcBef>
+                          <a:spcPts val="0"/>
+                        </a:spcBef>
+                        <a:spcAft>
+                          <a:spcPts val="800"/>
+                        </a:spcAft>
+                      </a:pPr>
+                      <a:r>
+                        <a:rPr lang="en-US" sz="2400">
+                          <a:effectLst/>
+                          <a:latin typeface="Calibri"/>
+                          <a:ea typeface="Calibri"/>
+                          <a:cs typeface="Times New Roman"/>
+                        </a:rPr>
+                        <a:t>21.99</a:t>
+                      </a:r>
+                    </a:p>
+                  </a:txBody>
+                  <a:tcPr marL="63500" marR="63500" marT="63500" marB="63500"/>
+                </a:tc>
+                <a:tc>
+                  <a:txBody>
+                    <a:bodyPr/>
+                    <a:lstStyle/>
+                    <a:p>
+                      <a:pPr marL="0" marR="0" algn="ctr">
+                        <a:lnSpc>
+                          <a:spcPct val="107000"/>
+                        </a:lnSpc>
+                        <a:spcBef>
+                          <a:spcPts val="0"/>
+                        </a:spcBef>
+                        <a:spcAft>
+                          <a:spcPts val="800"/>
+                        </a:spcAft>
+                      </a:pPr>
+                      <a:r>
+                        <a:rPr lang="en-US" sz="2400" dirty="0">
+                          <a:effectLst/>
+                          <a:latin typeface="Calibri"/>
+                          <a:ea typeface="Calibri"/>
+                          <a:cs typeface="Times New Roman"/>
+                        </a:rPr>
+                        <a:t>21.99</a:t>
+                      </a:r>
+                    </a:p>
+                  </a:txBody>
+                  <a:tcPr marL="63500" marR="63500" marT="63500" marB="63500"/>
+                </a:tc>
+              </a:tr>
+              <a:tr h="639609">
+                <a:tc>
+                  <a:txBody>
+                    <a:bodyPr/>
+                    <a:lstStyle/>
+                    <a:p>
+                      <a:pPr marL="0" marR="0" algn="ctr">
+                        <a:lnSpc>
+                          <a:spcPct val="107000"/>
+                        </a:lnSpc>
+                        <a:spcBef>
+                          <a:spcPts val="0"/>
+                        </a:spcBef>
+                        <a:spcAft>
+                          <a:spcPts val="800"/>
+                        </a:spcAft>
+                      </a:pPr>
+                      <a:r>
+                        <a:rPr lang="en-US" sz="2400" dirty="0" smtClean="0">
+                          <a:effectLst/>
+                          <a:latin typeface="Calibri"/>
+                          <a:ea typeface="Calibri"/>
+                          <a:cs typeface="Times New Roman"/>
+                        </a:rPr>
+                        <a:t>Arduino Uno</a:t>
+                      </a:r>
+                      <a:endParaRPr lang="en-US" sz="2400" dirty="0">
+                        <a:effectLst/>
+                        <a:latin typeface="Calibri"/>
+                        <a:ea typeface="Calibri"/>
+                        <a:cs typeface="Times New Roman"/>
+                      </a:endParaRPr>
+                    </a:p>
+                  </a:txBody>
+                  <a:tcPr marL="63500" marR="63500" marT="63500" marB="63500"/>
+                </a:tc>
+                <a:tc>
+                  <a:txBody>
+                    <a:bodyPr/>
+                    <a:lstStyle/>
+                    <a:p>
+                      <a:pPr marL="0" marR="0" algn="ctr">
+                        <a:lnSpc>
+                          <a:spcPct val="107000"/>
+                        </a:lnSpc>
+                        <a:spcBef>
+                          <a:spcPts val="0"/>
+                        </a:spcBef>
+                        <a:spcAft>
+                          <a:spcPts val="800"/>
+                        </a:spcAft>
+                      </a:pPr>
+                      <a:r>
+                        <a:rPr lang="en-US" sz="2400" dirty="0" smtClean="0">
+                          <a:effectLst/>
+                          <a:latin typeface="Calibri"/>
+                          <a:ea typeface="Calibri"/>
+                          <a:cs typeface="Times New Roman"/>
+                        </a:rPr>
+                        <a:t>1</a:t>
+                      </a:r>
+                      <a:endParaRPr lang="en-US" sz="2400" dirty="0">
+                        <a:effectLst/>
+                        <a:latin typeface="Calibri"/>
+                        <a:ea typeface="Calibri"/>
+                        <a:cs typeface="Times New Roman"/>
+                      </a:endParaRPr>
+                    </a:p>
+                  </a:txBody>
+                  <a:tcPr marL="63500" marR="63500" marT="63500" marB="63500"/>
+                </a:tc>
+                <a:tc>
+                  <a:txBody>
+                    <a:bodyPr/>
+                    <a:lstStyle/>
+                    <a:p>
+                      <a:pPr marL="0" marR="0" algn="ctr">
+                        <a:lnSpc>
+                          <a:spcPct val="107000"/>
+                        </a:lnSpc>
+                        <a:spcBef>
+                          <a:spcPts val="0"/>
+                        </a:spcBef>
+                        <a:spcAft>
+                          <a:spcPts val="800"/>
+                        </a:spcAft>
+                      </a:pPr>
+                      <a:r>
+                        <a:rPr lang="en-US" sz="2400" dirty="0">
+                          <a:effectLst/>
+                          <a:latin typeface="Calibri"/>
+                          <a:ea typeface="Calibri"/>
+                          <a:cs typeface="Times New Roman"/>
+                        </a:rPr>
+                        <a:t>3.21</a:t>
+                      </a:r>
+                    </a:p>
+                  </a:txBody>
+                  <a:tcPr marL="63500" marR="63500" marT="63500" marB="63500"/>
+                </a:tc>
+                <a:tc>
+                  <a:txBody>
+                    <a:bodyPr/>
+                    <a:lstStyle/>
+                    <a:p>
+                      <a:pPr marL="0" marR="0" algn="ctr">
+                        <a:lnSpc>
+                          <a:spcPct val="107000"/>
+                        </a:lnSpc>
+                        <a:spcBef>
+                          <a:spcPts val="0"/>
+                        </a:spcBef>
+                        <a:spcAft>
+                          <a:spcPts val="800"/>
+                        </a:spcAft>
+                      </a:pPr>
+                      <a:r>
+                        <a:rPr lang="en-US" sz="2400">
+                          <a:effectLst/>
+                          <a:latin typeface="Calibri"/>
+                          <a:ea typeface="Calibri"/>
+                          <a:cs typeface="Times New Roman"/>
+                        </a:rPr>
+                        <a:t>3.21</a:t>
+                      </a:r>
+                    </a:p>
+                  </a:txBody>
+                  <a:tcPr marL="63500" marR="63500" marT="63500" marB="63500"/>
+                </a:tc>
+              </a:tr>
+              <a:tr h="639609">
+                <a:tc>
+                  <a:txBody>
+                    <a:bodyPr/>
+                    <a:lstStyle/>
+                    <a:p>
+                      <a:pPr marL="0" marR="0" algn="ctr">
+                        <a:lnSpc>
+                          <a:spcPct val="107000"/>
+                        </a:lnSpc>
+                        <a:spcBef>
+                          <a:spcPts val="0"/>
+                        </a:spcBef>
+                        <a:spcAft>
+                          <a:spcPts val="800"/>
+                        </a:spcAft>
+                      </a:pPr>
+                      <a:r>
+                        <a:rPr lang="en-US" sz="2400" dirty="0">
+                          <a:effectLst/>
+                          <a:latin typeface="Calibri"/>
+                          <a:ea typeface="Calibri"/>
+                          <a:cs typeface="Times New Roman"/>
+                        </a:rPr>
+                        <a:t>Arduino Mega</a:t>
+                      </a:r>
+                    </a:p>
+                  </a:txBody>
+                  <a:tcPr marL="63500" marR="63500" marT="63500" marB="63500"/>
+                </a:tc>
+                <a:tc>
+                  <a:txBody>
+                    <a:bodyPr/>
+                    <a:lstStyle/>
+                    <a:p>
+                      <a:pPr marL="0" marR="0" algn="ctr">
+                        <a:lnSpc>
+                          <a:spcPct val="107000"/>
+                        </a:lnSpc>
+                        <a:spcBef>
+                          <a:spcPts val="0"/>
+                        </a:spcBef>
+                        <a:spcAft>
+                          <a:spcPts val="800"/>
+                        </a:spcAft>
+                      </a:pPr>
+                      <a:r>
+                        <a:rPr lang="en-US" sz="2400" dirty="0">
+                          <a:effectLst/>
+                          <a:latin typeface="Calibri"/>
+                          <a:ea typeface="Calibri"/>
+                          <a:cs typeface="Times New Roman"/>
+                        </a:rPr>
+                        <a:t>1</a:t>
+                      </a:r>
+                    </a:p>
+                  </a:txBody>
+                  <a:tcPr marL="63500" marR="63500" marT="63500" marB="63500"/>
+                </a:tc>
+                <a:tc>
+                  <a:txBody>
+                    <a:bodyPr/>
+                    <a:lstStyle/>
+                    <a:p>
+                      <a:pPr marL="0" marR="0" algn="ctr">
+                        <a:lnSpc>
+                          <a:spcPct val="107000"/>
+                        </a:lnSpc>
+                        <a:spcBef>
+                          <a:spcPts val="0"/>
+                        </a:spcBef>
+                        <a:spcAft>
+                          <a:spcPts val="800"/>
+                        </a:spcAft>
+                      </a:pPr>
+                      <a:r>
+                        <a:rPr lang="en-US" sz="2400">
+                          <a:effectLst/>
+                          <a:latin typeface="Calibri"/>
+                          <a:ea typeface="Calibri"/>
+                          <a:cs typeface="Times New Roman"/>
+                        </a:rPr>
+                        <a:t>5.95</a:t>
+                      </a:r>
+                    </a:p>
+                  </a:txBody>
+                  <a:tcPr marL="63500" marR="63500" marT="63500" marB="63500"/>
+                </a:tc>
+                <a:tc>
+                  <a:txBody>
+                    <a:bodyPr/>
+                    <a:lstStyle/>
+                    <a:p>
+                      <a:pPr marL="0" marR="0" algn="ctr">
+                        <a:lnSpc>
+                          <a:spcPct val="107000"/>
+                        </a:lnSpc>
+                        <a:spcBef>
+                          <a:spcPts val="0"/>
+                        </a:spcBef>
+                        <a:spcAft>
+                          <a:spcPts val="800"/>
+                        </a:spcAft>
+                      </a:pPr>
+                      <a:r>
+                        <a:rPr lang="en-US" sz="2400">
+                          <a:effectLst/>
+                          <a:latin typeface="Calibri"/>
+                          <a:ea typeface="Calibri"/>
+                          <a:cs typeface="Times New Roman"/>
+                        </a:rPr>
+                        <a:t>5.95</a:t>
+                      </a:r>
+                    </a:p>
+                  </a:txBody>
+                  <a:tcPr marL="63500" marR="63500" marT="63500" marB="63500"/>
+                </a:tc>
+              </a:tr>
+              <a:tr h="639609">
+                <a:tc>
+                  <a:txBody>
+                    <a:bodyPr/>
+                    <a:lstStyle/>
+                    <a:p>
+                      <a:pPr marL="0" marR="0" algn="ctr">
+                        <a:lnSpc>
+                          <a:spcPct val="107000"/>
+                        </a:lnSpc>
+                        <a:spcBef>
+                          <a:spcPts val="0"/>
+                        </a:spcBef>
+                        <a:spcAft>
+                          <a:spcPts val="800"/>
+                        </a:spcAft>
+                      </a:pPr>
+                      <a:r>
+                        <a:rPr lang="en-US" sz="2400">
+                          <a:effectLst/>
+                          <a:latin typeface="Calibri"/>
+                          <a:ea typeface="Calibri"/>
+                          <a:cs typeface="Times New Roman"/>
+                        </a:rPr>
+                        <a:t>Joystick</a:t>
+                      </a:r>
+                    </a:p>
+                  </a:txBody>
+                  <a:tcPr marL="63500" marR="63500" marT="63500" marB="63500"/>
+                </a:tc>
+                <a:tc>
+                  <a:txBody>
+                    <a:bodyPr/>
+                    <a:lstStyle/>
+                    <a:p>
+                      <a:pPr marL="0" marR="0" algn="ctr">
+                        <a:lnSpc>
+                          <a:spcPct val="107000"/>
+                        </a:lnSpc>
+                        <a:spcBef>
+                          <a:spcPts val="0"/>
+                        </a:spcBef>
+                        <a:spcAft>
+                          <a:spcPts val="800"/>
+                        </a:spcAft>
+                      </a:pPr>
+                      <a:r>
+                        <a:rPr lang="en-US" sz="2400" dirty="0">
+                          <a:effectLst/>
+                          <a:latin typeface="Calibri"/>
+                          <a:ea typeface="Calibri"/>
+                          <a:cs typeface="Times New Roman"/>
+                        </a:rPr>
+                        <a:t>1</a:t>
+                      </a:r>
+                    </a:p>
+                  </a:txBody>
+                  <a:tcPr marL="63500" marR="63500" marT="63500" marB="63500"/>
+                </a:tc>
+                <a:tc>
+                  <a:txBody>
+                    <a:bodyPr/>
+                    <a:lstStyle/>
+                    <a:p>
+                      <a:pPr marL="0" marR="0" algn="ctr">
+                        <a:lnSpc>
+                          <a:spcPct val="107000"/>
+                        </a:lnSpc>
+                        <a:spcBef>
+                          <a:spcPts val="0"/>
+                        </a:spcBef>
+                        <a:spcAft>
+                          <a:spcPts val="800"/>
+                        </a:spcAft>
+                      </a:pPr>
+                      <a:r>
+                        <a:rPr lang="en-US" sz="2400">
+                          <a:effectLst/>
+                          <a:latin typeface="Calibri"/>
+                          <a:ea typeface="Calibri"/>
+                          <a:cs typeface="Times New Roman"/>
+                        </a:rPr>
+                        <a:t>2.84</a:t>
+                      </a:r>
+                    </a:p>
+                  </a:txBody>
+                  <a:tcPr marL="63500" marR="63500" marT="63500" marB="63500"/>
+                </a:tc>
+                <a:tc>
+                  <a:txBody>
+                    <a:bodyPr/>
+                    <a:lstStyle/>
+                    <a:p>
+                      <a:pPr marL="0" marR="0" algn="ctr">
+                        <a:lnSpc>
+                          <a:spcPct val="107000"/>
+                        </a:lnSpc>
+                        <a:spcBef>
+                          <a:spcPts val="0"/>
+                        </a:spcBef>
+                        <a:spcAft>
+                          <a:spcPts val="800"/>
+                        </a:spcAft>
+                      </a:pPr>
+                      <a:r>
+                        <a:rPr lang="en-US" sz="2400">
+                          <a:effectLst/>
+                          <a:latin typeface="Calibri"/>
+                          <a:ea typeface="Calibri"/>
+                          <a:cs typeface="Times New Roman"/>
+                        </a:rPr>
+                        <a:t>2.84</a:t>
+                      </a:r>
+                    </a:p>
+                  </a:txBody>
+                  <a:tcPr marL="63500" marR="63500" marT="63500" marB="63500"/>
+                </a:tc>
+              </a:tr>
+              <a:tr h="639609">
+                <a:tc>
+                  <a:txBody>
+                    <a:bodyPr/>
+                    <a:lstStyle/>
+                    <a:p>
+                      <a:pPr marL="0" marR="0" algn="ctr">
+                        <a:lnSpc>
+                          <a:spcPct val="107000"/>
+                        </a:lnSpc>
+                        <a:spcBef>
+                          <a:spcPts val="0"/>
+                        </a:spcBef>
+                        <a:spcAft>
+                          <a:spcPts val="800"/>
+                        </a:spcAft>
+                      </a:pPr>
+                      <a:r>
+                        <a:rPr lang="en-US" sz="2400" dirty="0">
+                          <a:effectLst/>
+                          <a:latin typeface="Calibri"/>
+                          <a:ea typeface="Calibri"/>
+                          <a:cs typeface="Times New Roman"/>
+                        </a:rPr>
+                        <a:t>15dBi antenna</a:t>
+                      </a:r>
+                    </a:p>
+                  </a:txBody>
+                  <a:tcPr marL="63500" marR="63500" marT="63500" marB="63500"/>
+                </a:tc>
+                <a:tc>
+                  <a:txBody>
+                    <a:bodyPr/>
+                    <a:lstStyle/>
+                    <a:p>
+                      <a:pPr marL="0" marR="0" algn="ctr">
+                        <a:lnSpc>
+                          <a:spcPct val="107000"/>
+                        </a:lnSpc>
+                        <a:spcBef>
+                          <a:spcPts val="0"/>
+                        </a:spcBef>
+                        <a:spcAft>
+                          <a:spcPts val="800"/>
+                        </a:spcAft>
+                      </a:pPr>
+                      <a:r>
+                        <a:rPr lang="en-US" sz="2400" dirty="0">
+                          <a:effectLst/>
+                          <a:latin typeface="Calibri"/>
+                          <a:ea typeface="Calibri"/>
+                          <a:cs typeface="Times New Roman"/>
+                        </a:rPr>
+                        <a:t>1</a:t>
+                      </a:r>
+                    </a:p>
+                  </a:txBody>
+                  <a:tcPr marL="63500" marR="63500" marT="63500" marB="63500"/>
+                </a:tc>
+                <a:tc>
+                  <a:txBody>
+                    <a:bodyPr/>
+                    <a:lstStyle/>
+                    <a:p>
+                      <a:pPr marL="0" marR="0" algn="ctr">
+                        <a:lnSpc>
+                          <a:spcPct val="107000"/>
+                        </a:lnSpc>
+                        <a:spcBef>
+                          <a:spcPts val="0"/>
+                        </a:spcBef>
+                        <a:spcAft>
+                          <a:spcPts val="800"/>
+                        </a:spcAft>
+                      </a:pPr>
+                      <a:r>
+                        <a:rPr lang="en-US" sz="2400">
+                          <a:effectLst/>
+                          <a:latin typeface="Calibri"/>
+                          <a:ea typeface="Calibri"/>
+                          <a:cs typeface="Times New Roman"/>
+                        </a:rPr>
+                        <a:t>2.24</a:t>
+                      </a:r>
+                    </a:p>
+                  </a:txBody>
+                  <a:tcPr marL="63500" marR="63500" marT="63500" marB="63500"/>
+                </a:tc>
+                <a:tc>
+                  <a:txBody>
+                    <a:bodyPr/>
+                    <a:lstStyle/>
+                    <a:p>
+                      <a:pPr marL="0" marR="0" algn="ctr">
+                        <a:lnSpc>
+                          <a:spcPct val="107000"/>
+                        </a:lnSpc>
+                        <a:spcBef>
+                          <a:spcPts val="0"/>
+                        </a:spcBef>
+                        <a:spcAft>
+                          <a:spcPts val="800"/>
+                        </a:spcAft>
+                      </a:pPr>
+                      <a:r>
+                        <a:rPr lang="en-US" sz="2400">
+                          <a:effectLst/>
+                          <a:latin typeface="Calibri"/>
+                          <a:ea typeface="Calibri"/>
+                          <a:cs typeface="Times New Roman"/>
+                        </a:rPr>
+                        <a:t>2.24</a:t>
+                      </a:r>
+                    </a:p>
+                  </a:txBody>
+                  <a:tcPr marL="63500" marR="63500" marT="63500" marB="63500"/>
+                </a:tc>
+              </a:tr>
+              <a:tr h="639609">
+                <a:tc>
+                  <a:txBody>
+                    <a:bodyPr/>
+                    <a:lstStyle/>
+                    <a:p>
+                      <a:pPr marL="0" marR="0" algn="ctr">
+                        <a:lnSpc>
+                          <a:spcPct val="107000"/>
+                        </a:lnSpc>
+                        <a:spcBef>
+                          <a:spcPts val="0"/>
+                        </a:spcBef>
+                        <a:spcAft>
+                          <a:spcPts val="800"/>
+                        </a:spcAft>
+                      </a:pPr>
+                      <a:r>
+                        <a:rPr lang="en-US" sz="2400">
+                          <a:effectLst/>
+                          <a:latin typeface="Calibri"/>
+                          <a:ea typeface="Calibri"/>
+                          <a:cs typeface="Times New Roman"/>
+                        </a:rPr>
+                        <a:t>12V Battery</a:t>
+                      </a:r>
+                    </a:p>
+                  </a:txBody>
+                  <a:tcPr marL="63500" marR="63500" marT="63500" marB="63500"/>
+                </a:tc>
+                <a:tc>
+                  <a:txBody>
+                    <a:bodyPr/>
+                    <a:lstStyle/>
+                    <a:p>
+                      <a:pPr marL="0" marR="0" algn="ctr">
+                        <a:lnSpc>
+                          <a:spcPct val="107000"/>
+                        </a:lnSpc>
+                        <a:spcBef>
+                          <a:spcPts val="0"/>
+                        </a:spcBef>
+                        <a:spcAft>
+                          <a:spcPts val="800"/>
+                        </a:spcAft>
+                      </a:pPr>
+                      <a:r>
+                        <a:rPr lang="en-US" sz="2400">
+                          <a:effectLst/>
+                          <a:latin typeface="Calibri"/>
+                          <a:ea typeface="Calibri"/>
+                          <a:cs typeface="Times New Roman"/>
+                        </a:rPr>
+                        <a:t>1</a:t>
+                      </a:r>
+                    </a:p>
+                  </a:txBody>
+                  <a:tcPr marL="63500" marR="63500" marT="63500" marB="63500"/>
+                </a:tc>
+                <a:tc>
+                  <a:txBody>
+                    <a:bodyPr/>
+                    <a:lstStyle/>
+                    <a:p>
+                      <a:pPr marL="0" marR="0" algn="ctr">
+                        <a:lnSpc>
+                          <a:spcPct val="107000"/>
+                        </a:lnSpc>
+                        <a:spcBef>
+                          <a:spcPts val="0"/>
+                        </a:spcBef>
+                        <a:spcAft>
+                          <a:spcPts val="800"/>
+                        </a:spcAft>
+                      </a:pPr>
+                      <a:r>
+                        <a:rPr lang="en-US" sz="2400">
+                          <a:effectLst/>
+                          <a:latin typeface="Calibri"/>
+                          <a:ea typeface="Calibri"/>
+                          <a:cs typeface="Times New Roman"/>
+                        </a:rPr>
+                        <a:t>9.55</a:t>
+                      </a:r>
+                    </a:p>
+                  </a:txBody>
+                  <a:tcPr marL="63500" marR="63500" marT="63500" marB="63500"/>
+                </a:tc>
+                <a:tc>
+                  <a:txBody>
+                    <a:bodyPr/>
+                    <a:lstStyle/>
+                    <a:p>
+                      <a:pPr marL="0" marR="0" algn="ctr">
+                        <a:lnSpc>
+                          <a:spcPct val="107000"/>
+                        </a:lnSpc>
+                        <a:spcBef>
+                          <a:spcPts val="0"/>
+                        </a:spcBef>
+                        <a:spcAft>
+                          <a:spcPts val="800"/>
+                        </a:spcAft>
+                      </a:pPr>
+                      <a:r>
+                        <a:rPr lang="en-US" sz="2400">
+                          <a:effectLst/>
+                          <a:latin typeface="Calibri"/>
+                          <a:ea typeface="Calibri"/>
+                          <a:cs typeface="Times New Roman"/>
+                        </a:rPr>
+                        <a:t>9.55</a:t>
+                      </a:r>
+                    </a:p>
+                  </a:txBody>
+                  <a:tcPr marL="63500" marR="63500" marT="63500" marB="63500"/>
+                </a:tc>
+              </a:tr>
+              <a:tr h="639609">
+                <a:tc>
+                  <a:txBody>
+                    <a:bodyPr/>
+                    <a:lstStyle/>
+                    <a:p>
+                      <a:pPr marL="0" marR="0" algn="ctr">
+                        <a:lnSpc>
+                          <a:spcPct val="107000"/>
+                        </a:lnSpc>
+                        <a:spcBef>
+                          <a:spcPts val="0"/>
+                        </a:spcBef>
+                        <a:spcAft>
+                          <a:spcPts val="800"/>
+                        </a:spcAft>
+                      </a:pPr>
+                      <a:r>
+                        <a:rPr lang="en-US" sz="2400">
+                          <a:effectLst/>
+                          <a:latin typeface="Calibri"/>
+                          <a:ea typeface="Calibri"/>
+                          <a:cs typeface="Times New Roman"/>
+                        </a:rPr>
+                        <a:t>Powerbank</a:t>
+                      </a:r>
+                    </a:p>
+                  </a:txBody>
+                  <a:tcPr marL="63500" marR="63500" marT="63500" marB="63500"/>
+                </a:tc>
+                <a:tc>
+                  <a:txBody>
+                    <a:bodyPr/>
+                    <a:lstStyle/>
+                    <a:p>
+                      <a:pPr marL="0" marR="0" algn="ctr">
+                        <a:lnSpc>
+                          <a:spcPct val="107000"/>
+                        </a:lnSpc>
+                        <a:spcBef>
+                          <a:spcPts val="0"/>
+                        </a:spcBef>
+                        <a:spcAft>
+                          <a:spcPts val="800"/>
+                        </a:spcAft>
+                      </a:pPr>
+                      <a:r>
+                        <a:rPr lang="en-US" sz="2400">
+                          <a:effectLst/>
+                          <a:latin typeface="Calibri"/>
+                          <a:ea typeface="Calibri"/>
+                          <a:cs typeface="Times New Roman"/>
+                        </a:rPr>
+                        <a:t>2</a:t>
+                      </a:r>
+                    </a:p>
+                  </a:txBody>
+                  <a:tcPr marL="63500" marR="63500" marT="63500" marB="63500"/>
+                </a:tc>
+                <a:tc>
+                  <a:txBody>
+                    <a:bodyPr/>
+                    <a:lstStyle/>
+                    <a:p>
+                      <a:pPr marL="0" marR="0" algn="ctr">
+                        <a:lnSpc>
+                          <a:spcPct val="107000"/>
+                        </a:lnSpc>
+                        <a:spcBef>
+                          <a:spcPts val="0"/>
+                        </a:spcBef>
+                        <a:spcAft>
+                          <a:spcPts val="800"/>
+                        </a:spcAft>
+                      </a:pPr>
+                      <a:r>
+                        <a:rPr lang="en-US" sz="2400" dirty="0">
+                          <a:effectLst/>
+                          <a:latin typeface="Calibri"/>
+                          <a:ea typeface="Calibri"/>
+                          <a:cs typeface="Times New Roman"/>
+                        </a:rPr>
+                        <a:t>4.75</a:t>
+                      </a:r>
+                    </a:p>
+                  </a:txBody>
+                  <a:tcPr marL="63500" marR="63500" marT="63500" marB="63500"/>
+                </a:tc>
+                <a:tc>
+                  <a:txBody>
+                    <a:bodyPr/>
+                    <a:lstStyle/>
+                    <a:p>
+                      <a:pPr marL="0" marR="0" algn="ctr">
+                        <a:lnSpc>
+                          <a:spcPct val="107000"/>
+                        </a:lnSpc>
+                        <a:spcBef>
+                          <a:spcPts val="0"/>
+                        </a:spcBef>
+                        <a:spcAft>
+                          <a:spcPts val="800"/>
+                        </a:spcAft>
+                      </a:pPr>
+                      <a:r>
+                        <a:rPr lang="en-US" sz="2400">
+                          <a:effectLst/>
+                          <a:latin typeface="Calibri"/>
+                          <a:ea typeface="Calibri"/>
+                          <a:cs typeface="Times New Roman"/>
+                        </a:rPr>
+                        <a:t>9.50</a:t>
+                      </a:r>
+                    </a:p>
+                  </a:txBody>
+                  <a:tcPr marL="63500" marR="63500" marT="63500" marB="63500"/>
+                </a:tc>
+              </a:tr>
+              <a:tr h="639609">
+                <a:tc>
+                  <a:txBody>
+                    <a:bodyPr/>
+                    <a:lstStyle/>
+                    <a:p>
+                      <a:pPr marL="0" marR="0" algn="ctr">
+                        <a:lnSpc>
+                          <a:spcPct val="107000"/>
+                        </a:lnSpc>
+                        <a:spcBef>
+                          <a:spcPts val="0"/>
+                        </a:spcBef>
+                        <a:spcAft>
+                          <a:spcPts val="800"/>
+                        </a:spcAft>
+                      </a:pPr>
+                      <a:r>
+                        <a:rPr lang="en-US" sz="2400" dirty="0">
+                          <a:effectLst/>
+                          <a:latin typeface="Calibri"/>
+                          <a:ea typeface="Calibri"/>
+                          <a:cs typeface="Times New Roman"/>
+                        </a:rPr>
+                        <a:t>DC motor</a:t>
+                      </a:r>
+                    </a:p>
+                  </a:txBody>
+                  <a:tcPr marL="63500" marR="63500" marT="63500" marB="63500"/>
+                </a:tc>
+                <a:tc>
+                  <a:txBody>
+                    <a:bodyPr/>
+                    <a:lstStyle/>
+                    <a:p>
+                      <a:pPr marL="0" marR="0" algn="ctr">
+                        <a:lnSpc>
+                          <a:spcPct val="107000"/>
+                        </a:lnSpc>
+                        <a:spcBef>
+                          <a:spcPts val="0"/>
+                        </a:spcBef>
+                        <a:spcAft>
+                          <a:spcPts val="800"/>
+                        </a:spcAft>
+                      </a:pPr>
+                      <a:r>
+                        <a:rPr lang="en-US" sz="2400">
+                          <a:effectLst/>
+                          <a:latin typeface="Calibri"/>
+                          <a:ea typeface="Calibri"/>
+                          <a:cs typeface="Times New Roman"/>
+                        </a:rPr>
+                        <a:t>3</a:t>
+                      </a:r>
+                    </a:p>
+                  </a:txBody>
+                  <a:tcPr marL="63500" marR="63500" marT="63500" marB="63500"/>
+                </a:tc>
+                <a:tc>
+                  <a:txBody>
+                    <a:bodyPr/>
+                    <a:lstStyle/>
+                    <a:p>
+                      <a:pPr marL="0" marR="0" algn="ctr">
+                        <a:lnSpc>
+                          <a:spcPct val="107000"/>
+                        </a:lnSpc>
+                        <a:spcBef>
+                          <a:spcPts val="0"/>
+                        </a:spcBef>
+                        <a:spcAft>
+                          <a:spcPts val="800"/>
+                        </a:spcAft>
+                      </a:pPr>
+                      <a:r>
+                        <a:rPr lang="en-US" sz="2400" dirty="0">
+                          <a:effectLst/>
+                          <a:latin typeface="Calibri"/>
+                          <a:ea typeface="Calibri"/>
+                          <a:cs typeface="Times New Roman"/>
+                        </a:rPr>
+                        <a:t>8</a:t>
+                      </a:r>
+                    </a:p>
+                  </a:txBody>
+                  <a:tcPr marL="63500" marR="63500" marT="63500" marB="63500"/>
+                </a:tc>
+                <a:tc>
+                  <a:txBody>
+                    <a:bodyPr/>
+                    <a:lstStyle/>
+                    <a:p>
+                      <a:pPr marL="0" marR="0" algn="ctr">
+                        <a:lnSpc>
+                          <a:spcPct val="107000"/>
+                        </a:lnSpc>
+                        <a:spcBef>
+                          <a:spcPts val="0"/>
+                        </a:spcBef>
+                        <a:spcAft>
+                          <a:spcPts val="800"/>
+                        </a:spcAft>
+                      </a:pPr>
+                      <a:r>
+                        <a:rPr lang="en-US" sz="2400">
+                          <a:effectLst/>
+                          <a:latin typeface="Calibri"/>
+                          <a:ea typeface="Calibri"/>
+                          <a:cs typeface="Times New Roman"/>
+                        </a:rPr>
+                        <a:t>24</a:t>
+                      </a:r>
+                    </a:p>
+                  </a:txBody>
+                  <a:tcPr marL="63500" marR="63500" marT="63500" marB="63500"/>
+                </a:tc>
+              </a:tr>
+              <a:tr h="639609">
+                <a:tc>
+                  <a:txBody>
+                    <a:bodyPr/>
+                    <a:lstStyle/>
+                    <a:p>
+                      <a:pPr marL="0" marR="0" algn="ctr">
+                        <a:lnSpc>
+                          <a:spcPct val="107000"/>
+                        </a:lnSpc>
+                        <a:spcBef>
+                          <a:spcPts val="0"/>
+                        </a:spcBef>
+                        <a:spcAft>
+                          <a:spcPts val="800"/>
+                        </a:spcAft>
+                      </a:pPr>
+                      <a:r>
+                        <a:rPr lang="en-US" sz="2400" dirty="0">
+                          <a:effectLst/>
+                          <a:latin typeface="Calibri"/>
+                          <a:ea typeface="Calibri"/>
+                          <a:cs typeface="Times New Roman"/>
+                        </a:rPr>
+                        <a:t>L298n</a:t>
+                      </a:r>
+                    </a:p>
+                  </a:txBody>
+                  <a:tcPr marL="63500" marR="63500" marT="63500" marB="63500"/>
+                </a:tc>
+                <a:tc>
+                  <a:txBody>
+                    <a:bodyPr/>
+                    <a:lstStyle/>
+                    <a:p>
+                      <a:pPr marL="0" marR="0" algn="ctr">
+                        <a:lnSpc>
+                          <a:spcPct val="107000"/>
+                        </a:lnSpc>
+                        <a:spcBef>
+                          <a:spcPts val="0"/>
+                        </a:spcBef>
+                        <a:spcAft>
+                          <a:spcPts val="800"/>
+                        </a:spcAft>
+                      </a:pPr>
+                      <a:r>
+                        <a:rPr lang="en-US" sz="2400">
+                          <a:effectLst/>
+                          <a:latin typeface="Calibri"/>
+                          <a:ea typeface="Calibri"/>
+                          <a:cs typeface="Times New Roman"/>
+                        </a:rPr>
+                        <a:t>2</a:t>
+                      </a:r>
+                    </a:p>
+                  </a:txBody>
+                  <a:tcPr marL="63500" marR="63500" marT="63500" marB="63500"/>
+                </a:tc>
+                <a:tc>
+                  <a:txBody>
+                    <a:bodyPr/>
+                    <a:lstStyle/>
+                    <a:p>
+                      <a:pPr marL="0" marR="0" algn="ctr">
+                        <a:lnSpc>
+                          <a:spcPct val="107000"/>
+                        </a:lnSpc>
+                        <a:spcBef>
+                          <a:spcPts val="0"/>
+                        </a:spcBef>
+                        <a:spcAft>
+                          <a:spcPts val="800"/>
+                        </a:spcAft>
+                      </a:pPr>
+                      <a:r>
+                        <a:rPr lang="en-US" sz="2400" dirty="0">
+                          <a:effectLst/>
+                          <a:latin typeface="Calibri"/>
+                          <a:ea typeface="Calibri"/>
+                          <a:cs typeface="Times New Roman"/>
+                        </a:rPr>
+                        <a:t>1.43</a:t>
+                      </a:r>
+                    </a:p>
+                  </a:txBody>
+                  <a:tcPr marL="63500" marR="63500" marT="63500" marB="63500"/>
+                </a:tc>
+                <a:tc>
+                  <a:txBody>
+                    <a:bodyPr/>
+                    <a:lstStyle/>
+                    <a:p>
+                      <a:pPr marL="0" marR="0" algn="ctr">
+                        <a:lnSpc>
+                          <a:spcPct val="107000"/>
+                        </a:lnSpc>
+                        <a:spcBef>
+                          <a:spcPts val="0"/>
+                        </a:spcBef>
+                        <a:spcAft>
+                          <a:spcPts val="800"/>
+                        </a:spcAft>
+                      </a:pPr>
+                      <a:r>
+                        <a:rPr lang="en-US" sz="2400" dirty="0">
+                          <a:effectLst/>
+                          <a:latin typeface="Calibri"/>
+                          <a:ea typeface="Calibri"/>
+                          <a:cs typeface="Times New Roman"/>
+                        </a:rPr>
+                        <a:t>2.86</a:t>
+                      </a:r>
+                    </a:p>
+                  </a:txBody>
+                  <a:tcPr marL="63500" marR="63500" marT="63500" marB="63500"/>
+                </a:tc>
+              </a:tr>
+              <a:tr h="639609">
+                <a:tc>
+                  <a:txBody>
+                    <a:bodyPr/>
+                    <a:lstStyle/>
+                    <a:p>
+                      <a:pPr marL="0" marR="0" algn="ctr">
+                        <a:lnSpc>
+                          <a:spcPct val="107000"/>
+                        </a:lnSpc>
+                        <a:spcBef>
+                          <a:spcPts val="0"/>
+                        </a:spcBef>
+                        <a:spcAft>
+                          <a:spcPts val="800"/>
+                        </a:spcAft>
+                      </a:pPr>
+                      <a:r>
+                        <a:rPr lang="en-US" sz="2400">
+                          <a:effectLst/>
+                          <a:latin typeface="Calibri"/>
+                          <a:ea typeface="Calibri"/>
+                          <a:cs typeface="Times New Roman"/>
+                        </a:rPr>
+                        <a:t>Omni wheel</a:t>
+                      </a:r>
+                    </a:p>
+                  </a:txBody>
+                  <a:tcPr marL="63500" marR="63500" marT="63500" marB="63500"/>
+                </a:tc>
+                <a:tc>
+                  <a:txBody>
+                    <a:bodyPr/>
+                    <a:lstStyle/>
+                    <a:p>
+                      <a:pPr marL="0" marR="0" algn="ctr">
+                        <a:lnSpc>
+                          <a:spcPct val="107000"/>
+                        </a:lnSpc>
+                        <a:spcBef>
+                          <a:spcPts val="0"/>
+                        </a:spcBef>
+                        <a:spcAft>
+                          <a:spcPts val="800"/>
+                        </a:spcAft>
+                      </a:pPr>
+                      <a:r>
+                        <a:rPr lang="en-US" sz="2400">
+                          <a:effectLst/>
+                          <a:latin typeface="Calibri"/>
+                          <a:ea typeface="Calibri"/>
+                          <a:cs typeface="Times New Roman"/>
+                        </a:rPr>
+                        <a:t>3</a:t>
+                      </a:r>
+                    </a:p>
+                  </a:txBody>
+                  <a:tcPr marL="63500" marR="63500" marT="63500" marB="63500"/>
+                </a:tc>
+                <a:tc>
+                  <a:txBody>
+                    <a:bodyPr/>
+                    <a:lstStyle/>
+                    <a:p>
+                      <a:pPr marL="0" marR="0" algn="ctr">
+                        <a:lnSpc>
+                          <a:spcPct val="107000"/>
+                        </a:lnSpc>
+                        <a:spcBef>
+                          <a:spcPts val="0"/>
+                        </a:spcBef>
+                        <a:spcAft>
+                          <a:spcPts val="800"/>
+                        </a:spcAft>
+                      </a:pPr>
+                      <a:r>
+                        <a:rPr lang="en-US" sz="2400">
+                          <a:effectLst/>
+                          <a:latin typeface="Calibri"/>
+                          <a:ea typeface="Calibri"/>
+                          <a:cs typeface="Times New Roman"/>
+                        </a:rPr>
+                        <a:t>5.42</a:t>
+                      </a:r>
+                    </a:p>
+                  </a:txBody>
+                  <a:tcPr marL="63500" marR="63500" marT="63500" marB="63500"/>
+                </a:tc>
+                <a:tc>
+                  <a:txBody>
+                    <a:bodyPr/>
+                    <a:lstStyle/>
+                    <a:p>
+                      <a:pPr marL="0" marR="0" algn="ctr">
+                        <a:lnSpc>
+                          <a:spcPct val="107000"/>
+                        </a:lnSpc>
+                        <a:spcBef>
+                          <a:spcPts val="0"/>
+                        </a:spcBef>
+                        <a:spcAft>
+                          <a:spcPts val="800"/>
+                        </a:spcAft>
+                      </a:pPr>
+                      <a:r>
+                        <a:rPr lang="en-US" sz="2400" dirty="0">
+                          <a:effectLst/>
+                          <a:latin typeface="Calibri"/>
+                          <a:ea typeface="Calibri"/>
+                          <a:cs typeface="Times New Roman"/>
+                        </a:rPr>
+                        <a:t>16.27</a:t>
+                      </a:r>
+                    </a:p>
+                  </a:txBody>
+                  <a:tcPr marL="63500" marR="63500" marT="63500" marB="63500"/>
+                </a:tc>
+              </a:tr>
+              <a:tr h="639609">
+                <a:tc>
+                  <a:txBody>
+                    <a:bodyPr/>
+                    <a:lstStyle/>
+                    <a:p>
+                      <a:pPr marL="0" marR="0" algn="ctr">
+                        <a:lnSpc>
+                          <a:spcPct val="107000"/>
+                        </a:lnSpc>
+                        <a:spcBef>
+                          <a:spcPts val="0"/>
+                        </a:spcBef>
+                        <a:spcAft>
+                          <a:spcPts val="800"/>
+                        </a:spcAft>
+                      </a:pPr>
+                      <a:r>
+                        <a:rPr lang="en-US" sz="2400">
+                          <a:effectLst/>
+                          <a:latin typeface="Calibri"/>
+                          <a:ea typeface="Calibri"/>
+                          <a:cs typeface="Times New Roman"/>
+                        </a:rPr>
+                        <a:t>Solenoid</a:t>
+                      </a:r>
+                    </a:p>
+                  </a:txBody>
+                  <a:tcPr marL="63500" marR="63500" marT="63500" marB="63500"/>
+                </a:tc>
+                <a:tc>
+                  <a:txBody>
+                    <a:bodyPr/>
+                    <a:lstStyle/>
+                    <a:p>
+                      <a:pPr marL="0" marR="0" algn="ctr">
+                        <a:lnSpc>
+                          <a:spcPct val="107000"/>
+                        </a:lnSpc>
+                        <a:spcBef>
+                          <a:spcPts val="0"/>
+                        </a:spcBef>
+                        <a:spcAft>
+                          <a:spcPts val="800"/>
+                        </a:spcAft>
+                      </a:pPr>
+                      <a:r>
+                        <a:rPr lang="en-US" sz="2400">
+                          <a:effectLst/>
+                          <a:latin typeface="Calibri"/>
+                          <a:ea typeface="Calibri"/>
+                          <a:cs typeface="Times New Roman"/>
+                        </a:rPr>
+                        <a:t>1</a:t>
+                      </a:r>
+                    </a:p>
+                  </a:txBody>
+                  <a:tcPr marL="63500" marR="63500" marT="63500" marB="63500"/>
+                </a:tc>
+                <a:tc>
+                  <a:txBody>
+                    <a:bodyPr/>
+                    <a:lstStyle/>
+                    <a:p>
+                      <a:pPr marL="0" marR="0" algn="ctr">
+                        <a:lnSpc>
+                          <a:spcPct val="107000"/>
+                        </a:lnSpc>
+                        <a:spcBef>
+                          <a:spcPts val="0"/>
+                        </a:spcBef>
+                        <a:spcAft>
+                          <a:spcPts val="800"/>
+                        </a:spcAft>
+                      </a:pPr>
+                      <a:r>
+                        <a:rPr lang="en-US" sz="2400">
+                          <a:effectLst/>
+                          <a:latin typeface="Calibri"/>
+                          <a:ea typeface="Calibri"/>
+                          <a:cs typeface="Times New Roman"/>
+                        </a:rPr>
+                        <a:t>13.5</a:t>
+                      </a:r>
+                    </a:p>
+                  </a:txBody>
+                  <a:tcPr marL="63500" marR="63500" marT="63500" marB="63500"/>
+                </a:tc>
+                <a:tc>
+                  <a:txBody>
+                    <a:bodyPr/>
+                    <a:lstStyle/>
+                    <a:p>
+                      <a:pPr marL="0" marR="0" algn="ctr">
+                        <a:lnSpc>
+                          <a:spcPct val="107000"/>
+                        </a:lnSpc>
+                        <a:spcBef>
+                          <a:spcPts val="0"/>
+                        </a:spcBef>
+                        <a:spcAft>
+                          <a:spcPts val="800"/>
+                        </a:spcAft>
+                      </a:pPr>
+                      <a:r>
+                        <a:rPr lang="en-US" sz="2400" dirty="0">
+                          <a:effectLst/>
+                          <a:latin typeface="Calibri"/>
+                          <a:ea typeface="Calibri"/>
+                          <a:cs typeface="Times New Roman"/>
+                        </a:rPr>
+                        <a:t>13.5</a:t>
+                      </a:r>
+                    </a:p>
+                  </a:txBody>
+                  <a:tcPr marL="63500" marR="63500" marT="63500" marB="63500"/>
+                </a:tc>
+              </a:tr>
+              <a:tr h="639609">
+                <a:tc>
+                  <a:txBody>
+                    <a:bodyPr/>
+                    <a:lstStyle/>
+                    <a:p>
+                      <a:pPr marL="0" marR="0" algn="ctr">
+                        <a:lnSpc>
+                          <a:spcPct val="107000"/>
+                        </a:lnSpc>
+                        <a:spcBef>
+                          <a:spcPts val="0"/>
+                        </a:spcBef>
+                        <a:spcAft>
+                          <a:spcPts val="800"/>
+                        </a:spcAft>
+                      </a:pPr>
+                      <a:r>
+                        <a:rPr lang="en-US" sz="2400" dirty="0">
+                          <a:effectLst/>
+                          <a:latin typeface="Calibri"/>
+                          <a:ea typeface="Calibri"/>
+                          <a:cs typeface="Times New Roman"/>
+                        </a:rPr>
+                        <a:t>Connection Equipment and body</a:t>
+                      </a:r>
+                    </a:p>
+                  </a:txBody>
+                  <a:tcPr marL="63500" marR="63500" marT="63500" marB="63500"/>
+                </a:tc>
+                <a:tc>
+                  <a:txBody>
+                    <a:bodyPr/>
+                    <a:lstStyle/>
+                    <a:p>
+                      <a:pPr marL="0" marR="0" algn="ctr">
+                        <a:lnSpc>
+                          <a:spcPct val="107000"/>
+                        </a:lnSpc>
+                        <a:spcBef>
+                          <a:spcPts val="0"/>
+                        </a:spcBef>
+                        <a:spcAft>
+                          <a:spcPts val="800"/>
+                        </a:spcAft>
+                      </a:pPr>
+                      <a:r>
+                        <a:rPr lang="en-US" sz="2400">
+                          <a:effectLst/>
+                          <a:latin typeface="Calibri"/>
+                          <a:ea typeface="Calibri"/>
+                          <a:cs typeface="Times New Roman"/>
+                        </a:rPr>
+                        <a:t>1</a:t>
+                      </a:r>
+                    </a:p>
+                  </a:txBody>
+                  <a:tcPr marL="63500" marR="63500" marT="63500" marB="63500"/>
+                </a:tc>
+                <a:tc>
+                  <a:txBody>
+                    <a:bodyPr/>
+                    <a:lstStyle/>
+                    <a:p>
+                      <a:pPr marL="0" marR="0" algn="ctr">
+                        <a:lnSpc>
+                          <a:spcPct val="107000"/>
+                        </a:lnSpc>
+                        <a:spcBef>
+                          <a:spcPts val="0"/>
+                        </a:spcBef>
+                        <a:spcAft>
+                          <a:spcPts val="800"/>
+                        </a:spcAft>
+                      </a:pPr>
+                      <a:r>
+                        <a:rPr lang="en-US" sz="2400">
+                          <a:effectLst/>
+                          <a:latin typeface="Calibri"/>
+                          <a:ea typeface="Calibri"/>
+                          <a:cs typeface="Times New Roman"/>
+                        </a:rPr>
+                        <a:t>15</a:t>
+                      </a:r>
+                    </a:p>
+                  </a:txBody>
+                  <a:tcPr marL="63500" marR="63500" marT="63500" marB="63500"/>
+                </a:tc>
+                <a:tc>
+                  <a:txBody>
+                    <a:bodyPr/>
+                    <a:lstStyle/>
+                    <a:p>
+                      <a:pPr marL="0" marR="0" algn="ctr">
+                        <a:lnSpc>
+                          <a:spcPct val="107000"/>
+                        </a:lnSpc>
+                        <a:spcBef>
+                          <a:spcPts val="0"/>
+                        </a:spcBef>
+                        <a:spcAft>
+                          <a:spcPts val="800"/>
+                        </a:spcAft>
+                      </a:pPr>
+                      <a:r>
+                        <a:rPr lang="en-US" sz="2400" dirty="0">
+                          <a:effectLst/>
+                          <a:latin typeface="Calibri"/>
+                          <a:ea typeface="Calibri"/>
+                          <a:cs typeface="Times New Roman"/>
+                        </a:rPr>
+                        <a:t>15</a:t>
+                      </a:r>
+                    </a:p>
+                  </a:txBody>
+                  <a:tcPr marL="63500" marR="63500" marT="63500" marB="63500"/>
+                </a:tc>
+              </a:tr>
+              <a:tr h="639609">
+                <a:tc>
+                  <a:txBody>
+                    <a:bodyPr/>
+                    <a:lstStyle/>
+                    <a:p>
+                      <a:pPr marL="0" marR="0" algn="ctr">
+                        <a:lnSpc>
+                          <a:spcPct val="107000"/>
+                        </a:lnSpc>
+                        <a:spcBef>
+                          <a:spcPts val="0"/>
+                        </a:spcBef>
+                        <a:spcAft>
+                          <a:spcPts val="800"/>
+                        </a:spcAft>
+                      </a:pPr>
+                      <a:r>
+                        <a:rPr lang="en-US" sz="2400" b="1" dirty="0">
+                          <a:effectLst/>
+                          <a:latin typeface="Calibri"/>
+                          <a:ea typeface="Calibri"/>
+                          <a:cs typeface="Times New Roman"/>
+                        </a:rPr>
+                        <a:t>TOTAL</a:t>
+                      </a:r>
+                      <a:endParaRPr lang="en-US" sz="2400" dirty="0">
+                        <a:effectLst/>
+                        <a:latin typeface="Calibri"/>
+                        <a:ea typeface="Calibri"/>
+                        <a:cs typeface="Times New Roman"/>
+                      </a:endParaRPr>
+                    </a:p>
+                  </a:txBody>
+                  <a:tcPr marL="63500" marR="63500" marT="63500" marB="63500"/>
+                </a:tc>
+                <a:tc>
+                  <a:txBody>
+                    <a:bodyPr/>
+                    <a:lstStyle/>
+                    <a:p>
+                      <a:pPr marL="0" marR="0" algn="ctr">
+                        <a:lnSpc>
+                          <a:spcPct val="107000"/>
+                        </a:lnSpc>
+                        <a:spcBef>
+                          <a:spcPts val="0"/>
+                        </a:spcBef>
+                        <a:spcAft>
+                          <a:spcPts val="800"/>
+                        </a:spcAft>
+                      </a:pPr>
+                      <a:r>
+                        <a:rPr lang="en-US" sz="2400" b="1" dirty="0" smtClean="0">
+                          <a:effectLst/>
+                          <a:latin typeface="Calibri"/>
+                          <a:ea typeface="Calibri"/>
+                          <a:cs typeface="Times New Roman"/>
+                        </a:rPr>
+                        <a:t>21 </a:t>
+                      </a:r>
+                      <a:r>
+                        <a:rPr lang="en-US" sz="2400" b="1" dirty="0">
+                          <a:effectLst/>
+                          <a:latin typeface="Calibri"/>
+                          <a:ea typeface="Calibri"/>
+                          <a:cs typeface="Times New Roman"/>
+                        </a:rPr>
+                        <a:t>pcs</a:t>
+                      </a:r>
+                      <a:endParaRPr lang="en-US" sz="2400" dirty="0">
+                        <a:effectLst/>
+                        <a:latin typeface="Calibri"/>
+                        <a:ea typeface="Calibri"/>
+                        <a:cs typeface="Times New Roman"/>
+                      </a:endParaRPr>
+                    </a:p>
+                  </a:txBody>
+                  <a:tcPr marL="63500" marR="63500" marT="63500" marB="63500"/>
+                </a:tc>
+                <a:tc>
+                  <a:txBody>
+                    <a:bodyPr/>
+                    <a:lstStyle/>
+                    <a:p>
+                      <a:pPr marL="0" marR="0" algn="ctr">
+                        <a:lnSpc>
+                          <a:spcPct val="107000"/>
+                        </a:lnSpc>
+                        <a:spcBef>
+                          <a:spcPts val="0"/>
+                        </a:spcBef>
+                        <a:spcAft>
+                          <a:spcPts val="800"/>
+                        </a:spcAft>
+                      </a:pPr>
+                      <a:r>
+                        <a:rPr lang="en-US" sz="2400" b="1">
+                          <a:effectLst/>
+                          <a:latin typeface="Calibri"/>
+                          <a:ea typeface="Calibri"/>
+                          <a:cs typeface="Times New Roman"/>
+                        </a:rPr>
+                        <a:t> </a:t>
+                      </a:r>
+                      <a:endParaRPr lang="en-US" sz="2400">
+                        <a:effectLst/>
+                        <a:latin typeface="Calibri"/>
+                        <a:ea typeface="Calibri"/>
+                        <a:cs typeface="Times New Roman"/>
+                      </a:endParaRPr>
+                    </a:p>
+                  </a:txBody>
+                  <a:tcPr marL="63500" marR="63500" marT="63500" marB="63500"/>
+                </a:tc>
+                <a:tc>
+                  <a:txBody>
+                    <a:bodyPr/>
+                    <a:lstStyle/>
+                    <a:p>
+                      <a:pPr marL="0" marR="0" algn="ctr">
+                        <a:lnSpc>
+                          <a:spcPct val="107000"/>
+                        </a:lnSpc>
+                        <a:spcBef>
+                          <a:spcPts val="0"/>
+                        </a:spcBef>
+                        <a:spcAft>
+                          <a:spcPts val="800"/>
+                        </a:spcAft>
+                      </a:pPr>
+                      <a:r>
+                        <a:rPr lang="en-US" sz="2400" b="1" dirty="0">
+                          <a:effectLst/>
+                          <a:latin typeface="Calibri"/>
+                          <a:ea typeface="Calibri"/>
+                          <a:cs typeface="Times New Roman"/>
+                        </a:rPr>
+                        <a:t> </a:t>
+                      </a:r>
+                      <a:r>
+                        <a:rPr lang="en-US" sz="2400" b="1" dirty="0" smtClean="0">
+                          <a:effectLst/>
+                          <a:latin typeface="Calibri"/>
+                          <a:ea typeface="Calibri"/>
+                          <a:cs typeface="Times New Roman"/>
+                        </a:rPr>
+                        <a:t>145</a:t>
+                      </a:r>
+                      <a:endParaRPr lang="en-US" sz="2400" dirty="0">
+                        <a:effectLst/>
+                        <a:latin typeface="Calibri"/>
+                        <a:ea typeface="Calibri"/>
+                        <a:cs typeface="Times New Roman"/>
+                      </a:endParaRPr>
+                    </a:p>
+                  </a:txBody>
+                  <a:tcPr marL="63500" marR="63500" marT="63500" marB="63500"/>
                 </a:tc>
                 <a:extLst>
                   <a:ext uri="{0D108BD9-81ED-4DB2-BD59-A6C34878D82A}">
@@ -6818,152 +8919,6 @@
           </a:graphicData>
         </a:graphic>
       </p:graphicFrame>
-      <p:sp>
-        <p:nvSpPr>
-          <p:cNvPr id="46" name="TextBox 45"/>
-          <p:cNvSpPr txBox="1"/>
-          <p:nvPr/>
-        </p:nvSpPr>
-        <p:spPr>
-          <a:xfrm>
-            <a:off x="457198" y="12869586"/>
-            <a:ext cx="7962902" cy="5632311"/>
-          </a:xfrm>
-          <a:prstGeom prst="rect">
-            <a:avLst/>
-          </a:prstGeom>
-          <a:solidFill>
-            <a:schemeClr val="lt1"/>
-          </a:solidFill>
-        </p:spPr>
-        <p:style>
-          <a:lnRef idx="2">
-            <a:schemeClr val="accent5"/>
-          </a:lnRef>
-          <a:fillRef idx="1">
-            <a:schemeClr val="lt1"/>
-          </a:fillRef>
-          <a:effectRef idx="0">
-            <a:schemeClr val="accent5"/>
-          </a:effectRef>
-          <a:fontRef idx="minor">
-            <a:schemeClr val="dk1"/>
-          </a:fontRef>
-        </p:style>
-        <p:txBody>
-          <a:bodyPr wrap="square" rtlCol="0">
-            <a:spAutoFit/>
-          </a:bodyPr>
-          <a:lstStyle/>
-          <a:p>
-            <a:r>
-              <a:rPr lang="tr-TR" sz="3600" b="1" dirty="0" smtClean="0"/>
-              <a:t>System Operation:</a:t>
-            </a:r>
-            <a:endParaRPr lang="en-US" sz="3600" b="1" dirty="0" smtClean="0"/>
-          </a:p>
-          <a:p>
-            <a:endParaRPr lang="en-US" sz="3600" b="1" dirty="0"/>
-          </a:p>
-          <a:p>
-            <a:endParaRPr lang="en-US" sz="3600" b="1" dirty="0" smtClean="0"/>
-          </a:p>
-          <a:p>
-            <a:endParaRPr lang="en-US" sz="3600" b="1" dirty="0"/>
-          </a:p>
-          <a:p>
-            <a:endParaRPr lang="en-US" sz="3600" b="1" dirty="0" smtClean="0"/>
-          </a:p>
-          <a:p>
-            <a:endParaRPr lang="en-US" sz="3600" b="1" dirty="0"/>
-          </a:p>
-          <a:p>
-            <a:endParaRPr lang="en-US" sz="3600" b="1" dirty="0" smtClean="0"/>
-          </a:p>
-          <a:p>
-            <a:endParaRPr lang="en-US" sz="3600" b="1" dirty="0"/>
-          </a:p>
-          <a:p>
-            <a:endParaRPr lang="en-US" sz="3600" b="1" dirty="0" smtClean="0"/>
-          </a:p>
-          <a:p>
-            <a:endParaRPr lang="en-US" sz="3600" b="1" dirty="0"/>
-          </a:p>
-        </p:txBody>
-      </p:sp>
-      <p:sp>
-        <p:nvSpPr>
-          <p:cNvPr id="49" name="TextBox 48"/>
-          <p:cNvSpPr txBox="1"/>
-          <p:nvPr/>
-        </p:nvSpPr>
-        <p:spPr>
-          <a:xfrm>
-            <a:off x="14196805" y="21796465"/>
-            <a:ext cx="6652921" cy="6186309"/>
-          </a:xfrm>
-          <a:prstGeom prst="rect">
-            <a:avLst/>
-          </a:prstGeom>
-        </p:spPr>
-        <p:style>
-          <a:lnRef idx="2">
-            <a:schemeClr val="accent5"/>
-          </a:lnRef>
-          <a:fillRef idx="1">
-            <a:schemeClr val="lt1"/>
-          </a:fillRef>
-          <a:effectRef idx="0">
-            <a:schemeClr val="accent5"/>
-          </a:effectRef>
-          <a:fontRef idx="minor">
-            <a:schemeClr val="dk1"/>
-          </a:fontRef>
-        </p:style>
-        <p:txBody>
-          <a:bodyPr wrap="square" rtlCol="0">
-            <a:spAutoFit/>
-          </a:bodyPr>
-          <a:lstStyle/>
-          <a:p>
-            <a:r>
-              <a:rPr lang="tr-TR" sz="3600" b="1" dirty="0" smtClean="0"/>
-              <a:t>FLOWCHART:</a:t>
-            </a:r>
-            <a:endParaRPr lang="en-US" sz="3600" b="1" dirty="0" smtClean="0"/>
-          </a:p>
-          <a:p>
-            <a:endParaRPr lang="en-US" sz="3600" b="1" dirty="0"/>
-          </a:p>
-          <a:p>
-            <a:endParaRPr lang="en-US" sz="3600" b="1" dirty="0" smtClean="0"/>
-          </a:p>
-          <a:p>
-            <a:endParaRPr lang="en-US" sz="3600" b="1" dirty="0"/>
-          </a:p>
-          <a:p>
-            <a:endParaRPr lang="en-US" sz="3600" b="1" dirty="0" smtClean="0"/>
-          </a:p>
-          <a:p>
-            <a:endParaRPr lang="en-US" sz="3600" b="1" dirty="0"/>
-          </a:p>
-          <a:p>
-            <a:endParaRPr lang="en-US" sz="3600" b="1" dirty="0" smtClean="0"/>
-          </a:p>
-          <a:p>
-            <a:endParaRPr lang="en-US" sz="3600" b="1" dirty="0"/>
-          </a:p>
-          <a:p>
-            <a:endParaRPr lang="en-US" sz="3600" b="1" dirty="0" smtClean="0"/>
-          </a:p>
-          <a:p>
-            <a:endParaRPr lang="en-US" sz="3600" b="1" dirty="0"/>
-          </a:p>
-          <a:p>
-            <a:endParaRPr lang="en-US" sz="3600" b="1" dirty="0"/>
-          </a:p>
-        </p:txBody>
-      </p:sp>
       <p:pic>
         <p:nvPicPr>
           <p:cNvPr id="3" name="Picture 2"/>
@@ -6996,34 +8951,6 @@
       </p:pic>
       <p:pic>
         <p:nvPicPr>
-          <p:cNvPr id="16" name="Picture 15"/>
-          <p:cNvPicPr/>
-          <p:nvPr/>
-        </p:nvPicPr>
-        <p:blipFill>
-          <a:blip r:embed="rId3">
-            <a:extLst>
-              <a:ext uri="{28A0092B-C50C-407E-A947-70E740481C1C}">
-                <a14:useLocalDpi xmlns:a14="http://schemas.microsoft.com/office/drawing/2010/main" val="0"/>
-              </a:ext>
-            </a:extLst>
-          </a:blip>
-          <a:stretch>
-            <a:fillRect/>
-          </a:stretch>
-        </p:blipFill>
-        <p:spPr>
-          <a:xfrm>
-            <a:off x="6217919" y="5354127"/>
-            <a:ext cx="3657601" cy="5009074"/>
-          </a:xfrm>
-          <a:prstGeom prst="rect">
-            <a:avLst/>
-          </a:prstGeom>
-        </p:spPr>
-      </p:pic>
-      <p:pic>
-        <p:nvPicPr>
           <p:cNvPr id="1027" name="Picture 3"/>
           <p:cNvPicPr>
             <a:picLocks noChangeAspect="1" noChangeArrowheads="1"/>
@@ -7031,7 +8958,7 @@
           <p:nvPr/>
         </p:nvPicPr>
         <p:blipFill>
-          <a:blip r:embed="rId4">
+          <a:blip r:embed="rId3">
             <a:extLst>
               <a:ext uri="{28A0092B-C50C-407E-A947-70E740481C1C}">
                 <a14:useLocalDpi xmlns:a14="http://schemas.microsoft.com/office/drawing/2010/main" val="0"/>
@@ -7088,34 +9015,6 @@
       </p:pic>
       <p:pic>
         <p:nvPicPr>
-          <p:cNvPr id="15" name="Picture 14"/>
-          <p:cNvPicPr/>
-          <p:nvPr/>
-        </p:nvPicPr>
-        <p:blipFill>
-          <a:blip r:embed="rId5">
-            <a:extLst>
-              <a:ext uri="{28A0092B-C50C-407E-A947-70E740481C1C}">
-                <a14:useLocalDpi xmlns:a14="http://schemas.microsoft.com/office/drawing/2010/main" val="0"/>
-              </a:ext>
-            </a:extLst>
-          </a:blip>
-          <a:stretch>
-            <a:fillRect/>
-          </a:stretch>
-        </p:blipFill>
-        <p:spPr>
-          <a:xfrm>
-            <a:off x="228599" y="23867974"/>
-            <a:ext cx="13808461" cy="4114800"/>
-          </a:xfrm>
-          <a:prstGeom prst="rect">
-            <a:avLst/>
-          </a:prstGeom>
-        </p:spPr>
-      </p:pic>
-      <p:pic>
-        <p:nvPicPr>
           <p:cNvPr id="1026" name="Picture 2"/>
           <p:cNvPicPr>
             <a:picLocks noChangeAspect="1" noChangeArrowheads="1"/>
@@ -7123,7 +9022,7 @@
           <p:nvPr/>
         </p:nvPicPr>
         <p:blipFill>
-          <a:blip r:embed="rId6">
+          <a:blip r:embed="rId4">
             <a:extLst>
               <a:ext uri="{28A0092B-C50C-407E-A947-70E740481C1C}">
                 <a14:useLocalDpi xmlns:a14="http://schemas.microsoft.com/office/drawing/2010/main" val="0"/>
@@ -7137,8 +9036,8 @@
         </p:blipFill>
         <p:spPr bwMode="auto">
           <a:xfrm>
-            <a:off x="9065782" y="12740860"/>
-            <a:ext cx="4322763" cy="5761037"/>
+            <a:off x="7700225" y="6157828"/>
+            <a:ext cx="6554375" cy="7705743"/>
           </a:xfrm>
           <a:prstGeom prst="rect">
             <a:avLst/>
@@ -7178,6 +9077,4539 @@
           </a:extLst>
         </p:spPr>
       </p:pic>
+      <p:pic>
+        <p:nvPicPr>
+          <p:cNvPr id="14" name="İçerik Yer Tutucusu 5">
+            <a:extLst>
+              <a:ext uri="{FF2B5EF4-FFF2-40B4-BE49-F238E27FC236}">
+                <a16:creationId xmlns:a16="http://schemas.microsoft.com/office/drawing/2014/main" xmlns="" id="{720A2F19-6F5E-4229-897C-43E9480EF540}"/>
+              </a:ext>
+            </a:extLst>
+          </p:cNvPr>
+          <p:cNvPicPr>
+            <a:picLocks noChangeAspect="1"/>
+          </p:cNvPicPr>
+          <p:nvPr/>
+        </p:nvPicPr>
+        <p:blipFill>
+          <a:blip r:embed="rId5" cstate="print">
+            <a:extLst>
+              <a:ext uri="{28A0092B-C50C-407E-A947-70E740481C1C}">
+                <a14:useLocalDpi xmlns:a14="http://schemas.microsoft.com/office/drawing/2010/main" val="0"/>
+              </a:ext>
+            </a:extLst>
+          </a:blip>
+          <a:stretch>
+            <a:fillRect/>
+          </a:stretch>
+        </p:blipFill>
+        <p:spPr>
+          <a:xfrm>
+            <a:off x="251977" y="6728739"/>
+            <a:ext cx="1314851" cy="1525623"/>
+          </a:xfrm>
+          <a:prstGeom prst="roundRect">
+            <a:avLst>
+              <a:gd name="adj" fmla="val 8594"/>
+            </a:avLst>
+          </a:prstGeom>
+          <a:solidFill>
+            <a:srgbClr val="FFFFFF">
+              <a:shade val="85000"/>
+            </a:srgbClr>
+          </a:solidFill>
+          <a:ln>
+            <a:noFill/>
+          </a:ln>
+          <a:effectLst>
+            <a:reflection blurRad="12700" stA="38000" endPos="28000" dist="5000" dir="5400000" sy="-100000" algn="bl" rotWithShape="0"/>
+          </a:effectLst>
+        </p:spPr>
+      </p:pic>
+      <p:pic>
+        <p:nvPicPr>
+          <p:cNvPr id="16" name="Content Placeholder 4"/>
+          <p:cNvPicPr>
+            <a:picLocks noChangeAspect="1"/>
+          </p:cNvPicPr>
+          <p:nvPr/>
+        </p:nvPicPr>
+        <p:blipFill rotWithShape="1">
+          <a:blip r:embed="rId6" cstate="print">
+            <a:extLst>
+              <a:ext uri="{28A0092B-C50C-407E-A947-70E740481C1C}">
+                <a14:useLocalDpi xmlns:a14="http://schemas.microsoft.com/office/drawing/2010/main" val="0"/>
+              </a:ext>
+            </a:extLst>
+          </a:blip>
+          <a:srcRect t="12793" r="-1368" b="14395"/>
+          <a:stretch/>
+        </p:blipFill>
+        <p:spPr>
+          <a:xfrm>
+            <a:off x="1608344" y="6728741"/>
+            <a:ext cx="1557524" cy="1491687"/>
+          </a:xfrm>
+          <a:prstGeom prst="roundRect">
+            <a:avLst>
+              <a:gd name="adj" fmla="val 8594"/>
+            </a:avLst>
+          </a:prstGeom>
+          <a:solidFill>
+            <a:srgbClr val="FFFFFF">
+              <a:shade val="85000"/>
+            </a:srgbClr>
+          </a:solidFill>
+          <a:ln>
+            <a:noFill/>
+          </a:ln>
+          <a:effectLst>
+            <a:reflection blurRad="12700" stA="38000" endPos="28000" dist="5000" dir="5400000" sy="-100000" algn="bl" rotWithShape="0"/>
+          </a:effectLst>
+        </p:spPr>
+      </p:pic>
+      <p:pic>
+        <p:nvPicPr>
+          <p:cNvPr id="17" name="İçerik Yer Tutucusu 5">
+            <a:extLst>
+              <a:ext uri="{FF2B5EF4-FFF2-40B4-BE49-F238E27FC236}">
+                <a16:creationId xmlns:a16="http://schemas.microsoft.com/office/drawing/2014/main" xmlns="" id="{706AE0F8-2835-4FAB-B84C-28A09E49CC7E}"/>
+              </a:ext>
+            </a:extLst>
+          </p:cNvPr>
+          <p:cNvPicPr>
+            <a:picLocks noChangeAspect="1"/>
+          </p:cNvPicPr>
+          <p:nvPr/>
+        </p:nvPicPr>
+        <p:blipFill>
+          <a:blip r:embed="rId7" cstate="print">
+            <a:extLst>
+              <a:ext uri="{28A0092B-C50C-407E-A947-70E740481C1C}">
+                <a14:useLocalDpi xmlns:a14="http://schemas.microsoft.com/office/drawing/2010/main" val="0"/>
+              </a:ext>
+            </a:extLst>
+          </a:blip>
+          <a:stretch>
+            <a:fillRect/>
+          </a:stretch>
+        </p:blipFill>
+        <p:spPr>
+          <a:xfrm>
+            <a:off x="3165868" y="6728741"/>
+            <a:ext cx="1437732" cy="1491687"/>
+          </a:xfrm>
+          <a:prstGeom prst="roundRect">
+            <a:avLst>
+              <a:gd name="adj" fmla="val 8594"/>
+            </a:avLst>
+          </a:prstGeom>
+          <a:solidFill>
+            <a:srgbClr val="FFFFFF">
+              <a:shade val="85000"/>
+            </a:srgbClr>
+          </a:solidFill>
+          <a:ln>
+            <a:noFill/>
+          </a:ln>
+          <a:effectLst>
+            <a:reflection blurRad="12700" stA="38000" endPos="28000" dist="5000" dir="5400000" sy="-100000" algn="bl" rotWithShape="0"/>
+          </a:effectLst>
+        </p:spPr>
+      </p:pic>
+      <p:pic>
+        <p:nvPicPr>
+          <p:cNvPr id="18" name="İçerik Yer Tutucusu 12" descr="açık hava, gök, kişi, çayır içeren bir resim  Açıklama otomatik olarak oluşturuldu">
+            <a:extLst>
+              <a:ext uri="{FF2B5EF4-FFF2-40B4-BE49-F238E27FC236}">
+                <a16:creationId xmlns:a16="http://schemas.microsoft.com/office/drawing/2014/main" xmlns="" id="{49A4A624-65D8-4D5A-9921-5B8A91C21D61}"/>
+              </a:ext>
+            </a:extLst>
+          </p:cNvPr>
+          <p:cNvPicPr>
+            <a:picLocks noChangeAspect="1"/>
+          </p:cNvPicPr>
+          <p:nvPr/>
+        </p:nvPicPr>
+        <p:blipFill>
+          <a:blip r:embed="rId8">
+            <a:extLst>
+              <a:ext uri="{28A0092B-C50C-407E-A947-70E740481C1C}">
+                <a14:useLocalDpi xmlns:a14="http://schemas.microsoft.com/office/drawing/2010/main" val="0"/>
+              </a:ext>
+            </a:extLst>
+          </a:blip>
+          <a:stretch>
+            <a:fillRect/>
+          </a:stretch>
+        </p:blipFill>
+        <p:spPr>
+          <a:xfrm>
+            <a:off x="4649829" y="6728742"/>
+            <a:ext cx="1420653" cy="1491686"/>
+          </a:xfrm>
+          <a:prstGeom prst="roundRect">
+            <a:avLst>
+              <a:gd name="adj" fmla="val 8594"/>
+            </a:avLst>
+          </a:prstGeom>
+          <a:solidFill>
+            <a:srgbClr val="FFFFFF">
+              <a:shade val="85000"/>
+            </a:srgbClr>
+          </a:solidFill>
+          <a:ln>
+            <a:noFill/>
+          </a:ln>
+          <a:effectLst>
+            <a:reflection blurRad="12700" stA="38000" endPos="28000" dist="5000" dir="5400000" sy="-100000" algn="bl" rotWithShape="0"/>
+          </a:effectLst>
+        </p:spPr>
+      </p:pic>
+      <p:pic>
+        <p:nvPicPr>
+          <p:cNvPr id="19" name="Picture 18" descr="A person smiling for the camera  Description automatically generated">
+            <a:extLst>
+              <a:ext uri="{FF2B5EF4-FFF2-40B4-BE49-F238E27FC236}">
+                <a16:creationId xmlns:a16="http://schemas.microsoft.com/office/drawing/2014/main" xmlns="" id="{1642481B-9D83-4C22-AB79-CD3297849CC4}"/>
+              </a:ext>
+            </a:extLst>
+          </p:cNvPr>
+          <p:cNvPicPr>
+            <a:picLocks noChangeAspect="1"/>
+          </p:cNvPicPr>
+          <p:nvPr/>
+        </p:nvPicPr>
+        <p:blipFill>
+          <a:blip r:embed="rId9">
+            <a:extLst>
+              <a:ext uri="{28A0092B-C50C-407E-A947-70E740481C1C}">
+                <a14:useLocalDpi xmlns:a14="http://schemas.microsoft.com/office/drawing/2010/main" val="0"/>
+              </a:ext>
+            </a:extLst>
+          </a:blip>
+          <a:stretch>
+            <a:fillRect/>
+          </a:stretch>
+        </p:blipFill>
+        <p:spPr>
+          <a:xfrm>
+            <a:off x="6089041" y="6728742"/>
+            <a:ext cx="1485859" cy="1491686"/>
+          </a:xfrm>
+          <a:prstGeom prst="roundRect">
+            <a:avLst>
+              <a:gd name="adj" fmla="val 8594"/>
+            </a:avLst>
+          </a:prstGeom>
+          <a:solidFill>
+            <a:srgbClr val="FFFFFF">
+              <a:shade val="85000"/>
+            </a:srgbClr>
+          </a:solidFill>
+          <a:ln>
+            <a:noFill/>
+          </a:ln>
+          <a:effectLst>
+            <a:reflection blurRad="12700" stA="38000" endPos="28000" dist="5000" dir="5400000" sy="-100000" algn="bl" rotWithShape="0"/>
+          </a:effectLst>
+        </p:spPr>
+      </p:pic>
+      <p:sp>
+        <p:nvSpPr>
+          <p:cNvPr id="2" name="TextBox 1"/>
+          <p:cNvSpPr txBox="1"/>
+          <p:nvPr/>
+        </p:nvSpPr>
+        <p:spPr>
+          <a:xfrm>
+            <a:off x="251977" y="8491998"/>
+            <a:ext cx="1196773" cy="646331"/>
+          </a:xfrm>
+          <a:prstGeom prst="rect">
+            <a:avLst/>
+          </a:prstGeom>
+          <a:noFill/>
+        </p:spPr>
+        <p:txBody>
+          <a:bodyPr wrap="square" rtlCol="0">
+            <a:spAutoFit/>
+          </a:bodyPr>
+          <a:lstStyle/>
+          <a:p>
+            <a:pPr algn="ctr"/>
+            <a:r>
+              <a:rPr lang="en-US" dirty="0" err="1" smtClean="0">
+                <a:latin typeface="Calibri" pitchFamily="34" charset="0"/>
+                <a:cs typeface="Calibri" pitchFamily="34" charset="0"/>
+              </a:rPr>
+              <a:t>Hasan</a:t>
+            </a:r>
+            <a:r>
+              <a:rPr lang="en-US" dirty="0" smtClean="0">
+                <a:latin typeface="Calibri" pitchFamily="34" charset="0"/>
+                <a:cs typeface="Calibri" pitchFamily="34" charset="0"/>
+              </a:rPr>
+              <a:t> </a:t>
+            </a:r>
+            <a:r>
+              <a:rPr lang="en-US" dirty="0" err="1" smtClean="0">
+                <a:latin typeface="Calibri" pitchFamily="34" charset="0"/>
+                <a:cs typeface="Calibri" pitchFamily="34" charset="0"/>
+              </a:rPr>
+              <a:t>Özkara</a:t>
+            </a:r>
+            <a:endParaRPr lang="en-US" dirty="0">
+              <a:latin typeface="Calibri" pitchFamily="34" charset="0"/>
+              <a:cs typeface="Calibri" pitchFamily="34" charset="0"/>
+            </a:endParaRPr>
+          </a:p>
+        </p:txBody>
+      </p:sp>
+      <p:sp>
+        <p:nvSpPr>
+          <p:cNvPr id="20" name="TextBox 19"/>
+          <p:cNvSpPr txBox="1"/>
+          <p:nvPr/>
+        </p:nvSpPr>
+        <p:spPr>
+          <a:xfrm>
+            <a:off x="1788719" y="8491998"/>
+            <a:ext cx="1196773" cy="646331"/>
+          </a:xfrm>
+          <a:prstGeom prst="rect">
+            <a:avLst/>
+          </a:prstGeom>
+          <a:noFill/>
+        </p:spPr>
+        <p:txBody>
+          <a:bodyPr wrap="square" rtlCol="0">
+            <a:spAutoFit/>
+          </a:bodyPr>
+          <a:lstStyle/>
+          <a:p>
+            <a:pPr algn="ctr"/>
+            <a:r>
+              <a:rPr lang="en-US" dirty="0" err="1" smtClean="0">
+                <a:latin typeface="Calibri" pitchFamily="34" charset="0"/>
+                <a:cs typeface="Calibri" pitchFamily="34" charset="0"/>
+              </a:rPr>
+              <a:t>Mert</a:t>
+            </a:r>
+            <a:endParaRPr lang="en-US" dirty="0" smtClean="0">
+              <a:latin typeface="Calibri" pitchFamily="34" charset="0"/>
+              <a:cs typeface="Calibri" pitchFamily="34" charset="0"/>
+            </a:endParaRPr>
+          </a:p>
+          <a:p>
+            <a:pPr algn="ctr"/>
+            <a:r>
+              <a:rPr lang="en-US" dirty="0" smtClean="0">
+                <a:latin typeface="Calibri" pitchFamily="34" charset="0"/>
+                <a:cs typeface="Calibri" pitchFamily="34" charset="0"/>
+              </a:rPr>
+              <a:t> </a:t>
+            </a:r>
+            <a:r>
+              <a:rPr lang="en-US" dirty="0" err="1" smtClean="0">
+                <a:latin typeface="Calibri" pitchFamily="34" charset="0"/>
+                <a:cs typeface="Calibri" pitchFamily="34" charset="0"/>
+              </a:rPr>
+              <a:t>Kayış</a:t>
+            </a:r>
+            <a:endParaRPr lang="en-US" dirty="0">
+              <a:latin typeface="Calibri" pitchFamily="34" charset="0"/>
+              <a:cs typeface="Calibri" pitchFamily="34" charset="0"/>
+            </a:endParaRPr>
+          </a:p>
+        </p:txBody>
+      </p:sp>
+      <p:sp>
+        <p:nvSpPr>
+          <p:cNvPr id="22" name="TextBox 21"/>
+          <p:cNvSpPr txBox="1"/>
+          <p:nvPr/>
+        </p:nvSpPr>
+        <p:spPr>
+          <a:xfrm>
+            <a:off x="3339691" y="8491997"/>
+            <a:ext cx="1196773" cy="646331"/>
+          </a:xfrm>
+          <a:prstGeom prst="rect">
+            <a:avLst/>
+          </a:prstGeom>
+          <a:noFill/>
+        </p:spPr>
+        <p:txBody>
+          <a:bodyPr wrap="square" rtlCol="0">
+            <a:spAutoFit/>
+          </a:bodyPr>
+          <a:lstStyle/>
+          <a:p>
+            <a:pPr algn="ctr"/>
+            <a:r>
+              <a:rPr lang="en-US" dirty="0" err="1" smtClean="0">
+                <a:latin typeface="Calibri" pitchFamily="34" charset="0"/>
+                <a:cs typeface="Calibri" pitchFamily="34" charset="0"/>
+              </a:rPr>
+              <a:t>Kağan</a:t>
+            </a:r>
+            <a:r>
+              <a:rPr lang="en-US" dirty="0" smtClean="0">
+                <a:latin typeface="Calibri" pitchFamily="34" charset="0"/>
+                <a:cs typeface="Calibri" pitchFamily="34" charset="0"/>
+              </a:rPr>
+              <a:t> </a:t>
+            </a:r>
+            <a:r>
+              <a:rPr lang="en-US" dirty="0" err="1" smtClean="0">
+                <a:latin typeface="Calibri" pitchFamily="34" charset="0"/>
+                <a:cs typeface="Calibri" pitchFamily="34" charset="0"/>
+              </a:rPr>
+              <a:t>Özaslan</a:t>
+            </a:r>
+            <a:endParaRPr lang="en-US" dirty="0">
+              <a:latin typeface="Calibri" pitchFamily="34" charset="0"/>
+              <a:cs typeface="Calibri" pitchFamily="34" charset="0"/>
+            </a:endParaRPr>
+          </a:p>
+        </p:txBody>
+      </p:sp>
+      <p:sp>
+        <p:nvSpPr>
+          <p:cNvPr id="23" name="TextBox 22"/>
+          <p:cNvSpPr txBox="1"/>
+          <p:nvPr/>
+        </p:nvSpPr>
+        <p:spPr>
+          <a:xfrm>
+            <a:off x="4761768" y="8491996"/>
+            <a:ext cx="1196773" cy="646331"/>
+          </a:xfrm>
+          <a:prstGeom prst="rect">
+            <a:avLst/>
+          </a:prstGeom>
+          <a:noFill/>
+        </p:spPr>
+        <p:txBody>
+          <a:bodyPr wrap="square" rtlCol="0">
+            <a:spAutoFit/>
+          </a:bodyPr>
+          <a:lstStyle/>
+          <a:p>
+            <a:pPr algn="ctr"/>
+            <a:r>
+              <a:rPr lang="en-US" dirty="0" smtClean="0">
+                <a:latin typeface="Calibri" pitchFamily="34" charset="0"/>
+                <a:cs typeface="Calibri" pitchFamily="34" charset="0"/>
+              </a:rPr>
+              <a:t>Caner </a:t>
+            </a:r>
+            <a:r>
+              <a:rPr lang="en-US" dirty="0" err="1" smtClean="0">
+                <a:latin typeface="Calibri" pitchFamily="34" charset="0"/>
+                <a:cs typeface="Calibri" pitchFamily="34" charset="0"/>
+              </a:rPr>
+              <a:t>Potur</a:t>
+            </a:r>
+            <a:endParaRPr lang="en-US" dirty="0" smtClean="0">
+              <a:latin typeface="Calibri" pitchFamily="34" charset="0"/>
+              <a:cs typeface="Calibri" pitchFamily="34" charset="0"/>
+            </a:endParaRPr>
+          </a:p>
+        </p:txBody>
+      </p:sp>
+      <p:sp>
+        <p:nvSpPr>
+          <p:cNvPr id="24" name="TextBox 23"/>
+          <p:cNvSpPr txBox="1"/>
+          <p:nvPr/>
+        </p:nvSpPr>
+        <p:spPr>
+          <a:xfrm>
+            <a:off x="6233583" y="8491998"/>
+            <a:ext cx="1196773" cy="646331"/>
+          </a:xfrm>
+          <a:prstGeom prst="rect">
+            <a:avLst/>
+          </a:prstGeom>
+          <a:noFill/>
+        </p:spPr>
+        <p:txBody>
+          <a:bodyPr wrap="square" rtlCol="0">
+            <a:spAutoFit/>
+          </a:bodyPr>
+          <a:lstStyle/>
+          <a:p>
+            <a:pPr algn="ctr"/>
+            <a:r>
+              <a:rPr lang="en-US" dirty="0" err="1" smtClean="0">
+                <a:latin typeface="Calibri" pitchFamily="34" charset="0"/>
+                <a:cs typeface="Calibri" pitchFamily="34" charset="0"/>
+              </a:rPr>
+              <a:t>Ercan</a:t>
+            </a:r>
+            <a:r>
+              <a:rPr lang="en-US" dirty="0" smtClean="0">
+                <a:latin typeface="Calibri" pitchFamily="34" charset="0"/>
+                <a:cs typeface="Calibri" pitchFamily="34" charset="0"/>
+              </a:rPr>
+              <a:t> </a:t>
+            </a:r>
+            <a:r>
+              <a:rPr lang="en-US" dirty="0" err="1" smtClean="0">
+                <a:latin typeface="Calibri" pitchFamily="34" charset="0"/>
+                <a:cs typeface="Calibri" pitchFamily="34" charset="0"/>
+              </a:rPr>
+              <a:t>Okatan</a:t>
+            </a:r>
+            <a:endParaRPr lang="en-US" dirty="0">
+              <a:latin typeface="Calibri" pitchFamily="34" charset="0"/>
+              <a:cs typeface="Calibri" pitchFamily="34" charset="0"/>
+            </a:endParaRPr>
+          </a:p>
+        </p:txBody>
+      </p:sp>
+      <p:sp>
+        <p:nvSpPr>
+          <p:cNvPr id="28" name="TextBox 27"/>
+          <p:cNvSpPr txBox="1"/>
+          <p:nvPr/>
+        </p:nvSpPr>
+        <p:spPr>
+          <a:xfrm>
+            <a:off x="14539715" y="6728742"/>
+            <a:ext cx="6675630" cy="7527727"/>
+          </a:xfrm>
+          <a:prstGeom prst="roundRect">
+            <a:avLst/>
+          </a:prstGeom>
+          <a:solidFill>
+            <a:schemeClr val="accent2">
+              <a:lumMod val="20000"/>
+              <a:lumOff val="80000"/>
+            </a:schemeClr>
+          </a:solidFill>
+          <a:ln/>
+        </p:spPr>
+        <p:style>
+          <a:lnRef idx="2">
+            <a:schemeClr val="accent1"/>
+          </a:lnRef>
+          <a:fillRef idx="1">
+            <a:schemeClr val="lt1"/>
+          </a:fillRef>
+          <a:effectRef idx="0">
+            <a:schemeClr val="accent1"/>
+          </a:effectRef>
+          <a:fontRef idx="minor">
+            <a:schemeClr val="dk1"/>
+          </a:fontRef>
+        </p:style>
+        <p:txBody>
+          <a:bodyPr wrap="square" rtlCol="0">
+            <a:spAutoFit/>
+          </a:bodyPr>
+          <a:lstStyle/>
+          <a:p>
+            <a:r>
+              <a:rPr lang="en-US" sz="4200" b="1" dirty="0" smtClean="0">
+                <a:latin typeface="Arial" pitchFamily="34" charset="0"/>
+                <a:cs typeface="Arial" pitchFamily="34" charset="0"/>
+              </a:rPr>
+              <a:t>Outstanding Features</a:t>
+            </a:r>
+            <a:r>
+              <a:rPr lang="bs-Latn-BA" sz="4200" b="1" dirty="0" smtClean="0">
+                <a:latin typeface="Arial" pitchFamily="34" charset="0"/>
+                <a:cs typeface="Arial" pitchFamily="34" charset="0"/>
+              </a:rPr>
+              <a:t>:</a:t>
+            </a:r>
+          </a:p>
+          <a:p>
+            <a:pPr marL="571500" indent="-571500">
+              <a:buFont typeface="Arial" panose="020B0604020202020204" pitchFamily="34" charset="0"/>
+              <a:buChar char="•"/>
+            </a:pPr>
+            <a:r>
+              <a:rPr lang="en-US" sz="3000" dirty="0" smtClean="0">
+                <a:latin typeface="Arial" pitchFamily="34" charset="0"/>
+                <a:cs typeface="Arial" pitchFamily="34" charset="0"/>
+              </a:rPr>
+              <a:t>Holonomic Control</a:t>
+            </a:r>
+          </a:p>
+          <a:p>
+            <a:pPr marL="571500" indent="-571500">
+              <a:buFont typeface="Arial" panose="020B0604020202020204" pitchFamily="34" charset="0"/>
+              <a:buChar char="•"/>
+            </a:pPr>
+            <a:endParaRPr lang="en-US" sz="3000" dirty="0" smtClean="0">
+              <a:latin typeface="Arial" pitchFamily="34" charset="0"/>
+              <a:cs typeface="Arial" pitchFamily="34" charset="0"/>
+            </a:endParaRPr>
+          </a:p>
+          <a:p>
+            <a:pPr marL="571500" indent="-571500">
+              <a:buFont typeface="Arial" panose="020B0604020202020204" pitchFamily="34" charset="0"/>
+              <a:buChar char="•"/>
+            </a:pPr>
+            <a:endParaRPr lang="en-US" sz="3000" dirty="0" smtClean="0">
+              <a:latin typeface="Arial" pitchFamily="34" charset="0"/>
+              <a:cs typeface="Arial" pitchFamily="34" charset="0"/>
+            </a:endParaRPr>
+          </a:p>
+          <a:p>
+            <a:pPr marL="571500" indent="-571500">
+              <a:buFont typeface="Arial" panose="020B0604020202020204" pitchFamily="34" charset="0"/>
+              <a:buChar char="•"/>
+            </a:pPr>
+            <a:endParaRPr lang="en-US" sz="3000" dirty="0" smtClean="0">
+              <a:latin typeface="Arial" pitchFamily="34" charset="0"/>
+              <a:cs typeface="Arial" pitchFamily="34" charset="0"/>
+            </a:endParaRPr>
+          </a:p>
+          <a:p>
+            <a:pPr marL="571500" indent="-571500">
+              <a:buFont typeface="Arial" panose="020B0604020202020204" pitchFamily="34" charset="0"/>
+              <a:buChar char="•"/>
+            </a:pPr>
+            <a:endParaRPr lang="en-US" sz="3000" dirty="0" smtClean="0">
+              <a:latin typeface="Arial" pitchFamily="34" charset="0"/>
+              <a:cs typeface="Arial" pitchFamily="34" charset="0"/>
+            </a:endParaRPr>
+          </a:p>
+          <a:p>
+            <a:pPr marL="571500" indent="-571500">
+              <a:buFont typeface="Arial" panose="020B0604020202020204" pitchFamily="34" charset="0"/>
+              <a:buChar char="•"/>
+            </a:pPr>
+            <a:endParaRPr lang="en-US" sz="3000" dirty="0" smtClean="0">
+              <a:latin typeface="Arial" pitchFamily="34" charset="0"/>
+              <a:cs typeface="Arial" pitchFamily="34" charset="0"/>
+            </a:endParaRPr>
+          </a:p>
+          <a:p>
+            <a:pPr marL="571500" indent="-571500">
+              <a:buFont typeface="Arial" panose="020B0604020202020204" pitchFamily="34" charset="0"/>
+              <a:buChar char="•"/>
+            </a:pPr>
+            <a:r>
+              <a:rPr lang="en-US" sz="3000" dirty="0" smtClean="0">
+                <a:latin typeface="Arial" pitchFamily="34" charset="0"/>
+                <a:cs typeface="Arial" pitchFamily="34" charset="0"/>
+              </a:rPr>
+              <a:t>Powerful shooting</a:t>
+            </a:r>
+          </a:p>
+          <a:p>
+            <a:pPr marL="571500" indent="-571500">
+              <a:buFont typeface="Arial" panose="020B0604020202020204" pitchFamily="34" charset="0"/>
+              <a:buChar char="•"/>
+            </a:pPr>
+            <a:endParaRPr lang="en-US" sz="3000" dirty="0" smtClean="0">
+              <a:latin typeface="Arial" pitchFamily="34" charset="0"/>
+              <a:cs typeface="Arial" pitchFamily="34" charset="0"/>
+            </a:endParaRPr>
+          </a:p>
+          <a:p>
+            <a:pPr marL="571500" indent="-571500">
+              <a:buFont typeface="Arial" panose="020B0604020202020204" pitchFamily="34" charset="0"/>
+              <a:buChar char="•"/>
+            </a:pPr>
+            <a:endParaRPr lang="en-US" sz="3000" dirty="0" smtClean="0">
+              <a:latin typeface="Arial" pitchFamily="34" charset="0"/>
+              <a:cs typeface="Arial" pitchFamily="34" charset="0"/>
+            </a:endParaRPr>
+          </a:p>
+          <a:p>
+            <a:pPr marL="571500" indent="-571500">
+              <a:buFont typeface="Arial" panose="020B0604020202020204" pitchFamily="34" charset="0"/>
+              <a:buChar char="•"/>
+            </a:pPr>
+            <a:endParaRPr lang="en-US" sz="3000" dirty="0" smtClean="0">
+              <a:latin typeface="Arial" pitchFamily="34" charset="0"/>
+              <a:cs typeface="Arial" pitchFamily="34" charset="0"/>
+            </a:endParaRPr>
+          </a:p>
+          <a:p>
+            <a:pPr marL="571500" indent="-571500">
+              <a:buFont typeface="Arial" panose="020B0604020202020204" pitchFamily="34" charset="0"/>
+              <a:buChar char="•"/>
+            </a:pPr>
+            <a:endParaRPr lang="en-US" sz="3000" dirty="0" smtClean="0">
+              <a:latin typeface="Arial" pitchFamily="34" charset="0"/>
+              <a:cs typeface="Arial" pitchFamily="34" charset="0"/>
+            </a:endParaRPr>
+          </a:p>
+          <a:p>
+            <a:pPr algn="just"/>
+            <a:endParaRPr lang="en-US" sz="3600" i="1" dirty="0" smtClean="0">
+              <a:latin typeface="Arial" pitchFamily="34" charset="0"/>
+              <a:cs typeface="Arial" pitchFamily="34" charset="0"/>
+            </a:endParaRPr>
+          </a:p>
+          <a:p>
+            <a:pPr algn="just"/>
+            <a:endParaRPr lang="en-US" sz="3600" i="1" dirty="0">
+              <a:latin typeface="Arial" pitchFamily="34" charset="0"/>
+              <a:cs typeface="Arial" pitchFamily="34" charset="0"/>
+            </a:endParaRPr>
+          </a:p>
+        </p:txBody>
+      </p:sp>
+      <p:pic>
+        <p:nvPicPr>
+          <p:cNvPr id="15" name="Picture 14"/>
+          <p:cNvPicPr/>
+          <p:nvPr/>
+        </p:nvPicPr>
+        <p:blipFill>
+          <a:blip r:embed="rId10">
+            <a:extLst>
+              <a:ext uri="{28A0092B-C50C-407E-A947-70E740481C1C}">
+                <a14:useLocalDpi xmlns:a14="http://schemas.microsoft.com/office/drawing/2010/main" val="0"/>
+              </a:ext>
+            </a:extLst>
+          </a:blip>
+          <a:stretch>
+            <a:fillRect/>
+          </a:stretch>
+        </p:blipFill>
+        <p:spPr>
+          <a:xfrm>
+            <a:off x="14793570" y="8342159"/>
+            <a:ext cx="6421775" cy="2191980"/>
+          </a:xfrm>
+          <a:prstGeom prst="rect">
+            <a:avLst/>
+          </a:prstGeom>
+        </p:spPr>
+      </p:pic>
+      <p:pic>
+        <p:nvPicPr>
+          <p:cNvPr id="5" name="Picture 4"/>
+          <p:cNvPicPr>
+            <a:picLocks noChangeAspect="1"/>
+          </p:cNvPicPr>
+          <p:nvPr/>
+        </p:nvPicPr>
+        <p:blipFill>
+          <a:blip r:embed="rId11" cstate="print">
+            <a:extLst>
+              <a:ext uri="{28A0092B-C50C-407E-A947-70E740481C1C}">
+                <a14:useLocalDpi xmlns:a14="http://schemas.microsoft.com/office/drawing/2010/main" val="0"/>
+              </a:ext>
+            </a:extLst>
+          </a:blip>
+          <a:stretch>
+            <a:fillRect/>
+          </a:stretch>
+        </p:blipFill>
+        <p:spPr>
+          <a:xfrm rot="10800000">
+            <a:off x="15814324" y="11275176"/>
+            <a:ext cx="1719736" cy="1289802"/>
+          </a:xfrm>
+          <a:prstGeom prst="rect">
+            <a:avLst/>
+          </a:prstGeom>
+        </p:spPr>
+      </p:pic>
+      <p:graphicFrame>
+        <p:nvGraphicFramePr>
+          <p:cNvPr id="13" name="Table 12"/>
+          <p:cNvGraphicFramePr>
+            <a:graphicFrameLocks noGrp="1"/>
+          </p:cNvGraphicFramePr>
+          <p:nvPr>
+            <p:extLst>
+              <p:ext uri="{D42A27DB-BD31-4B8C-83A1-F6EECF244321}">
+                <p14:modId xmlns:p14="http://schemas.microsoft.com/office/powerpoint/2010/main" val="974769704"/>
+              </p:ext>
+            </p:extLst>
+          </p:nvPr>
+        </p:nvGraphicFramePr>
+        <p:xfrm>
+          <a:off x="7574900" y="22787397"/>
+          <a:ext cx="6154427" cy="4333621"/>
+        </p:xfrm>
+        <a:graphic>
+          <a:graphicData uri="http://schemas.openxmlformats.org/drawingml/2006/table">
+            <a:tbl>
+              <a:tblPr firstRow="1" firstCol="1" bandRow="1">
+                <a:tableStyleId>{69012ECD-51FC-41F1-AA8D-1B2483CD663E}</a:tableStyleId>
+              </a:tblPr>
+              <a:tblGrid>
+                <a:gridCol w="2979829"/>
+                <a:gridCol w="3174598"/>
+              </a:tblGrid>
+              <a:tr h="0">
+                <a:tc gridSpan="2">
+                  <a:txBody>
+                    <a:bodyPr/>
+                    <a:lstStyle/>
+                    <a:p>
+                      <a:pPr marL="0" marR="0" algn="ctr">
+                        <a:lnSpc>
+                          <a:spcPct val="107000"/>
+                        </a:lnSpc>
+                        <a:spcBef>
+                          <a:spcPts val="0"/>
+                        </a:spcBef>
+                        <a:spcAft>
+                          <a:spcPts val="0"/>
+                        </a:spcAft>
+                      </a:pPr>
+                      <a:r>
+                        <a:rPr lang="en-US" sz="2800" dirty="0">
+                          <a:effectLst/>
+                          <a:latin typeface="Arial" pitchFamily="34" charset="0"/>
+                          <a:cs typeface="Arial" pitchFamily="34" charset="0"/>
+                        </a:rPr>
+                        <a:t>Test Results</a:t>
+                      </a:r>
+                      <a:endParaRPr lang="en-US" sz="2800" dirty="0">
+                        <a:effectLst/>
+                        <a:latin typeface="Arial" pitchFamily="34" charset="0"/>
+                        <a:ea typeface="Calibri"/>
+                        <a:cs typeface="Arial" pitchFamily="34" charset="0"/>
+                      </a:endParaRPr>
+                    </a:p>
+                  </a:txBody>
+                  <a:tcPr marL="68580" marR="68580" marT="0" marB="0">
+                    <a:lnL w="12700" cap="flat" cmpd="sng" algn="ctr">
+                      <a:solidFill>
+                        <a:schemeClr val="tx1"/>
+                      </a:solidFill>
+                      <a:prstDash val="solid"/>
+                      <a:round/>
+                      <a:headEnd type="none" w="med" len="med"/>
+                      <a:tailEnd type="none" w="med" len="med"/>
+                    </a:lnL>
+                    <a:lnR w="12700" cap="flat" cmpd="sng" algn="ctr">
+                      <a:solidFill>
+                        <a:schemeClr val="tx1"/>
+                      </a:solidFill>
+                      <a:prstDash val="solid"/>
+                      <a:round/>
+                      <a:headEnd type="none" w="med" len="med"/>
+                      <a:tailEnd type="none" w="med" len="med"/>
+                    </a:lnR>
+                    <a:lnT w="12700" cap="flat" cmpd="sng" algn="ctr">
+                      <a:solidFill>
+                        <a:schemeClr val="tx1"/>
+                      </a:solidFill>
+                      <a:prstDash val="solid"/>
+                      <a:round/>
+                      <a:headEnd type="none" w="med" len="med"/>
+                      <a:tailEnd type="none" w="med" len="med"/>
+                    </a:lnT>
+                    <a:lnB w="12700" cap="flat" cmpd="sng" algn="ctr">
+                      <a:solidFill>
+                        <a:schemeClr val="tx1"/>
+                      </a:solidFill>
+                      <a:prstDash val="solid"/>
+                      <a:round/>
+                      <a:headEnd type="none" w="med" len="med"/>
+                      <a:tailEnd type="none" w="med" len="med"/>
+                    </a:lnB>
+                  </a:tcPr>
+                </a:tc>
+                <a:tc hMerge="1">
+                  <a:txBody>
+                    <a:bodyPr/>
+                    <a:lstStyle/>
+                    <a:p>
+                      <a:endParaRPr lang="en-US"/>
+                    </a:p>
+                  </a:txBody>
+                  <a:tcPr/>
+                </a:tc>
+              </a:tr>
+              <a:tr h="0">
+                <a:tc>
+                  <a:txBody>
+                    <a:bodyPr/>
+                    <a:lstStyle/>
+                    <a:p>
+                      <a:pPr marL="0" marR="0" algn="l">
+                        <a:lnSpc>
+                          <a:spcPct val="107000"/>
+                        </a:lnSpc>
+                        <a:spcBef>
+                          <a:spcPts val="0"/>
+                        </a:spcBef>
+                        <a:spcAft>
+                          <a:spcPts val="0"/>
+                        </a:spcAft>
+                      </a:pPr>
+                      <a:r>
+                        <a:rPr lang="en-US" sz="2800">
+                          <a:effectLst/>
+                          <a:latin typeface="Arial" pitchFamily="34" charset="0"/>
+                          <a:cs typeface="Arial" pitchFamily="34" charset="0"/>
+                        </a:rPr>
+                        <a:t>Outdoor Range</a:t>
+                      </a:r>
+                      <a:endParaRPr lang="en-US" sz="2800">
+                        <a:solidFill>
+                          <a:schemeClr val="tx1"/>
+                        </a:solidFill>
+                        <a:effectLst/>
+                        <a:latin typeface="Arial" pitchFamily="34" charset="0"/>
+                        <a:ea typeface="Calibri"/>
+                        <a:cs typeface="Arial" pitchFamily="34" charset="0"/>
+                      </a:endParaRPr>
+                    </a:p>
+                  </a:txBody>
+                  <a:tcPr marL="68580" marR="68580" marT="0" marB="0">
+                    <a:lnL w="12700" cap="flat" cmpd="sng" algn="ctr">
+                      <a:solidFill>
+                        <a:schemeClr val="tx1"/>
+                      </a:solidFill>
+                      <a:prstDash val="solid"/>
+                      <a:round/>
+                      <a:headEnd type="none" w="med" len="med"/>
+                      <a:tailEnd type="none" w="med" len="med"/>
+                    </a:lnL>
+                    <a:lnR w="12700" cap="flat" cmpd="sng" algn="ctr">
+                      <a:solidFill>
+                        <a:schemeClr val="tx1"/>
+                      </a:solidFill>
+                      <a:prstDash val="solid"/>
+                      <a:round/>
+                      <a:headEnd type="none" w="med" len="med"/>
+                      <a:tailEnd type="none" w="med" len="med"/>
+                    </a:lnR>
+                    <a:lnT w="12700" cap="flat" cmpd="sng" algn="ctr">
+                      <a:solidFill>
+                        <a:schemeClr val="tx1"/>
+                      </a:solidFill>
+                      <a:prstDash val="solid"/>
+                      <a:round/>
+                      <a:headEnd type="none" w="med" len="med"/>
+                      <a:tailEnd type="none" w="med" len="med"/>
+                    </a:lnT>
+                    <a:lnB w="12700" cap="flat" cmpd="sng" algn="ctr">
+                      <a:solidFill>
+                        <a:schemeClr val="tx1"/>
+                      </a:solidFill>
+                      <a:prstDash val="solid"/>
+                      <a:round/>
+                      <a:headEnd type="none" w="med" len="med"/>
+                      <a:tailEnd type="none" w="med" len="med"/>
+                    </a:lnB>
+                    <a:solidFill>
+                      <a:schemeClr val="bg1"/>
+                    </a:solidFill>
+                  </a:tcPr>
+                </a:tc>
+                <a:tc>
+                  <a:txBody>
+                    <a:bodyPr/>
+                    <a:lstStyle/>
+                    <a:p>
+                      <a:pPr marL="0" marR="0" algn="l">
+                        <a:lnSpc>
+                          <a:spcPct val="107000"/>
+                        </a:lnSpc>
+                        <a:spcBef>
+                          <a:spcPts val="0"/>
+                        </a:spcBef>
+                        <a:spcAft>
+                          <a:spcPts val="0"/>
+                        </a:spcAft>
+                      </a:pPr>
+                      <a:r>
+                        <a:rPr lang="en-US" sz="2800">
+                          <a:effectLst/>
+                          <a:latin typeface="Arial" pitchFamily="34" charset="0"/>
+                          <a:cs typeface="Arial" pitchFamily="34" charset="0"/>
+                        </a:rPr>
+                        <a:t>237 m</a:t>
+                      </a:r>
+                      <a:endParaRPr lang="en-US" sz="2800">
+                        <a:solidFill>
+                          <a:schemeClr val="tx1"/>
+                        </a:solidFill>
+                        <a:effectLst/>
+                        <a:latin typeface="Arial" pitchFamily="34" charset="0"/>
+                        <a:ea typeface="Calibri"/>
+                        <a:cs typeface="Arial" pitchFamily="34" charset="0"/>
+                      </a:endParaRPr>
+                    </a:p>
+                  </a:txBody>
+                  <a:tcPr marL="68580" marR="68580" marT="0" marB="0">
+                    <a:lnL w="12700" cap="flat" cmpd="sng" algn="ctr">
+                      <a:solidFill>
+                        <a:schemeClr val="tx1"/>
+                      </a:solidFill>
+                      <a:prstDash val="solid"/>
+                      <a:round/>
+                      <a:headEnd type="none" w="med" len="med"/>
+                      <a:tailEnd type="none" w="med" len="med"/>
+                    </a:lnL>
+                    <a:lnR w="12700" cap="flat" cmpd="sng" algn="ctr">
+                      <a:solidFill>
+                        <a:schemeClr val="tx1"/>
+                      </a:solidFill>
+                      <a:prstDash val="solid"/>
+                      <a:round/>
+                      <a:headEnd type="none" w="med" len="med"/>
+                      <a:tailEnd type="none" w="med" len="med"/>
+                    </a:lnR>
+                    <a:lnT w="12700" cap="flat" cmpd="sng" algn="ctr">
+                      <a:solidFill>
+                        <a:schemeClr val="tx1"/>
+                      </a:solidFill>
+                      <a:prstDash val="solid"/>
+                      <a:round/>
+                      <a:headEnd type="none" w="med" len="med"/>
+                      <a:tailEnd type="none" w="med" len="med"/>
+                    </a:lnT>
+                    <a:lnB w="12700" cap="flat" cmpd="sng" algn="ctr">
+                      <a:solidFill>
+                        <a:schemeClr val="tx1"/>
+                      </a:solidFill>
+                      <a:prstDash val="solid"/>
+                      <a:round/>
+                      <a:headEnd type="none" w="med" len="med"/>
+                      <a:tailEnd type="none" w="med" len="med"/>
+                    </a:lnB>
+                    <a:solidFill>
+                      <a:schemeClr val="bg1"/>
+                    </a:solidFill>
+                  </a:tcPr>
+                </a:tc>
+              </a:tr>
+              <a:tr h="0">
+                <a:tc>
+                  <a:txBody>
+                    <a:bodyPr/>
+                    <a:lstStyle/>
+                    <a:p>
+                      <a:pPr marL="0" marR="0" algn="l">
+                        <a:lnSpc>
+                          <a:spcPct val="107000"/>
+                        </a:lnSpc>
+                        <a:spcBef>
+                          <a:spcPts val="0"/>
+                        </a:spcBef>
+                        <a:spcAft>
+                          <a:spcPts val="0"/>
+                        </a:spcAft>
+                      </a:pPr>
+                      <a:r>
+                        <a:rPr lang="en-US" sz="2800" dirty="0">
+                          <a:effectLst/>
+                          <a:latin typeface="Arial" pitchFamily="34" charset="0"/>
+                          <a:cs typeface="Arial" pitchFamily="34" charset="0"/>
+                        </a:rPr>
+                        <a:t>Indoor Range</a:t>
+                      </a:r>
+                      <a:endParaRPr lang="en-US" sz="2800" dirty="0">
+                        <a:solidFill>
+                          <a:schemeClr val="tx1"/>
+                        </a:solidFill>
+                        <a:effectLst/>
+                        <a:latin typeface="Arial" pitchFamily="34" charset="0"/>
+                        <a:ea typeface="Calibri"/>
+                        <a:cs typeface="Arial" pitchFamily="34" charset="0"/>
+                      </a:endParaRPr>
+                    </a:p>
+                  </a:txBody>
+                  <a:tcPr marL="68580" marR="68580" marT="0" marB="0">
+                    <a:lnL w="12700" cap="flat" cmpd="sng" algn="ctr">
+                      <a:solidFill>
+                        <a:schemeClr val="tx1"/>
+                      </a:solidFill>
+                      <a:prstDash val="solid"/>
+                      <a:round/>
+                      <a:headEnd type="none" w="med" len="med"/>
+                      <a:tailEnd type="none" w="med" len="med"/>
+                    </a:lnL>
+                    <a:lnR w="12700" cap="flat" cmpd="sng" algn="ctr">
+                      <a:solidFill>
+                        <a:schemeClr val="tx1"/>
+                      </a:solidFill>
+                      <a:prstDash val="solid"/>
+                      <a:round/>
+                      <a:headEnd type="none" w="med" len="med"/>
+                      <a:tailEnd type="none" w="med" len="med"/>
+                    </a:lnR>
+                    <a:lnT w="12700" cap="flat" cmpd="sng" algn="ctr">
+                      <a:solidFill>
+                        <a:schemeClr val="tx1"/>
+                      </a:solidFill>
+                      <a:prstDash val="solid"/>
+                      <a:round/>
+                      <a:headEnd type="none" w="med" len="med"/>
+                      <a:tailEnd type="none" w="med" len="med"/>
+                    </a:lnT>
+                    <a:lnB w="12700" cap="flat" cmpd="sng" algn="ctr">
+                      <a:solidFill>
+                        <a:schemeClr val="tx1"/>
+                      </a:solidFill>
+                      <a:prstDash val="solid"/>
+                      <a:round/>
+                      <a:headEnd type="none" w="med" len="med"/>
+                      <a:tailEnd type="none" w="med" len="med"/>
+                    </a:lnB>
+                    <a:solidFill>
+                      <a:schemeClr val="bg1"/>
+                    </a:solidFill>
+                  </a:tcPr>
+                </a:tc>
+                <a:tc>
+                  <a:txBody>
+                    <a:bodyPr/>
+                    <a:lstStyle/>
+                    <a:p>
+                      <a:pPr marL="0" marR="0" algn="l">
+                        <a:lnSpc>
+                          <a:spcPct val="107000"/>
+                        </a:lnSpc>
+                        <a:spcBef>
+                          <a:spcPts val="0"/>
+                        </a:spcBef>
+                        <a:spcAft>
+                          <a:spcPts val="0"/>
+                        </a:spcAft>
+                      </a:pPr>
+                      <a:r>
+                        <a:rPr lang="en-US" sz="2800" dirty="0">
+                          <a:effectLst/>
+                          <a:latin typeface="Arial" pitchFamily="34" charset="0"/>
+                          <a:cs typeface="Arial" pitchFamily="34" charset="0"/>
+                        </a:rPr>
+                        <a:t>67.58 m</a:t>
+                      </a:r>
+                      <a:endParaRPr lang="en-US" sz="2800" dirty="0">
+                        <a:solidFill>
+                          <a:schemeClr val="tx1"/>
+                        </a:solidFill>
+                        <a:effectLst/>
+                        <a:latin typeface="Arial" pitchFamily="34" charset="0"/>
+                        <a:ea typeface="Calibri"/>
+                        <a:cs typeface="Arial" pitchFamily="34" charset="0"/>
+                      </a:endParaRPr>
+                    </a:p>
+                  </a:txBody>
+                  <a:tcPr marL="68580" marR="68580" marT="0" marB="0">
+                    <a:lnL w="12700" cap="flat" cmpd="sng" algn="ctr">
+                      <a:solidFill>
+                        <a:schemeClr val="tx1"/>
+                      </a:solidFill>
+                      <a:prstDash val="solid"/>
+                      <a:round/>
+                      <a:headEnd type="none" w="med" len="med"/>
+                      <a:tailEnd type="none" w="med" len="med"/>
+                    </a:lnL>
+                    <a:lnR w="12700" cap="flat" cmpd="sng" algn="ctr">
+                      <a:solidFill>
+                        <a:schemeClr val="tx1"/>
+                      </a:solidFill>
+                      <a:prstDash val="solid"/>
+                      <a:round/>
+                      <a:headEnd type="none" w="med" len="med"/>
+                      <a:tailEnd type="none" w="med" len="med"/>
+                    </a:lnR>
+                    <a:lnT w="12700" cap="flat" cmpd="sng" algn="ctr">
+                      <a:solidFill>
+                        <a:schemeClr val="tx1"/>
+                      </a:solidFill>
+                      <a:prstDash val="solid"/>
+                      <a:round/>
+                      <a:headEnd type="none" w="med" len="med"/>
+                      <a:tailEnd type="none" w="med" len="med"/>
+                    </a:lnT>
+                    <a:lnB w="12700" cap="flat" cmpd="sng" algn="ctr">
+                      <a:solidFill>
+                        <a:schemeClr val="tx1"/>
+                      </a:solidFill>
+                      <a:prstDash val="solid"/>
+                      <a:round/>
+                      <a:headEnd type="none" w="med" len="med"/>
+                      <a:tailEnd type="none" w="med" len="med"/>
+                    </a:lnB>
+                    <a:solidFill>
+                      <a:schemeClr val="bg1"/>
+                    </a:solidFill>
+                  </a:tcPr>
+                </a:tc>
+              </a:tr>
+              <a:tr h="0">
+                <a:tc>
+                  <a:txBody>
+                    <a:bodyPr/>
+                    <a:lstStyle/>
+                    <a:p>
+                      <a:pPr marL="0" marR="0" algn="l">
+                        <a:lnSpc>
+                          <a:spcPct val="107000"/>
+                        </a:lnSpc>
+                        <a:spcBef>
+                          <a:spcPts val="0"/>
+                        </a:spcBef>
+                        <a:spcAft>
+                          <a:spcPts val="0"/>
+                        </a:spcAft>
+                      </a:pPr>
+                      <a:r>
+                        <a:rPr lang="en-US" sz="2800" dirty="0">
+                          <a:effectLst/>
+                          <a:latin typeface="Arial" pitchFamily="34" charset="0"/>
+                          <a:cs typeface="Arial" pitchFamily="34" charset="0"/>
+                        </a:rPr>
+                        <a:t>Robot Speed at Gear 1</a:t>
+                      </a:r>
+                      <a:endParaRPr lang="en-US" sz="2800" dirty="0">
+                        <a:solidFill>
+                          <a:schemeClr val="tx1"/>
+                        </a:solidFill>
+                        <a:effectLst/>
+                        <a:latin typeface="Arial" pitchFamily="34" charset="0"/>
+                        <a:ea typeface="Calibri"/>
+                        <a:cs typeface="Arial" pitchFamily="34" charset="0"/>
+                      </a:endParaRPr>
+                    </a:p>
+                  </a:txBody>
+                  <a:tcPr marL="68580" marR="68580" marT="0" marB="0">
+                    <a:lnL w="12700" cap="flat" cmpd="sng" algn="ctr">
+                      <a:solidFill>
+                        <a:schemeClr val="tx1"/>
+                      </a:solidFill>
+                      <a:prstDash val="solid"/>
+                      <a:round/>
+                      <a:headEnd type="none" w="med" len="med"/>
+                      <a:tailEnd type="none" w="med" len="med"/>
+                    </a:lnL>
+                    <a:lnR w="12700" cap="flat" cmpd="sng" algn="ctr">
+                      <a:solidFill>
+                        <a:schemeClr val="tx1"/>
+                      </a:solidFill>
+                      <a:prstDash val="solid"/>
+                      <a:round/>
+                      <a:headEnd type="none" w="med" len="med"/>
+                      <a:tailEnd type="none" w="med" len="med"/>
+                    </a:lnR>
+                    <a:lnT w="12700" cap="flat" cmpd="sng" algn="ctr">
+                      <a:solidFill>
+                        <a:schemeClr val="tx1"/>
+                      </a:solidFill>
+                      <a:prstDash val="solid"/>
+                      <a:round/>
+                      <a:headEnd type="none" w="med" len="med"/>
+                      <a:tailEnd type="none" w="med" len="med"/>
+                    </a:lnT>
+                    <a:lnB w="12700" cap="flat" cmpd="sng" algn="ctr">
+                      <a:solidFill>
+                        <a:schemeClr val="tx1"/>
+                      </a:solidFill>
+                      <a:prstDash val="solid"/>
+                      <a:round/>
+                      <a:headEnd type="none" w="med" len="med"/>
+                      <a:tailEnd type="none" w="med" len="med"/>
+                    </a:lnB>
+                    <a:solidFill>
+                      <a:schemeClr val="bg1"/>
+                    </a:solidFill>
+                  </a:tcPr>
+                </a:tc>
+                <a:tc>
+                  <a:txBody>
+                    <a:bodyPr/>
+                    <a:lstStyle/>
+                    <a:p>
+                      <a:pPr marL="0" marR="0" algn="l">
+                        <a:lnSpc>
+                          <a:spcPct val="107000"/>
+                        </a:lnSpc>
+                        <a:spcBef>
+                          <a:spcPts val="0"/>
+                        </a:spcBef>
+                        <a:spcAft>
+                          <a:spcPts val="0"/>
+                        </a:spcAft>
+                      </a:pPr>
+                      <a:r>
+                        <a:rPr lang="en-US" sz="2800">
+                          <a:effectLst/>
+                          <a:latin typeface="Arial" pitchFamily="34" charset="0"/>
+                          <a:cs typeface="Arial" pitchFamily="34" charset="0"/>
+                        </a:rPr>
+                        <a:t>10.35 cm/s</a:t>
+                      </a:r>
+                      <a:endParaRPr lang="en-US" sz="2800">
+                        <a:solidFill>
+                          <a:schemeClr val="tx1"/>
+                        </a:solidFill>
+                        <a:effectLst/>
+                        <a:latin typeface="Arial" pitchFamily="34" charset="0"/>
+                        <a:ea typeface="Calibri"/>
+                        <a:cs typeface="Arial" pitchFamily="34" charset="0"/>
+                      </a:endParaRPr>
+                    </a:p>
+                  </a:txBody>
+                  <a:tcPr marL="68580" marR="68580" marT="0" marB="0">
+                    <a:lnL w="12700" cap="flat" cmpd="sng" algn="ctr">
+                      <a:solidFill>
+                        <a:schemeClr val="tx1"/>
+                      </a:solidFill>
+                      <a:prstDash val="solid"/>
+                      <a:round/>
+                      <a:headEnd type="none" w="med" len="med"/>
+                      <a:tailEnd type="none" w="med" len="med"/>
+                    </a:lnL>
+                    <a:lnR w="12700" cap="flat" cmpd="sng" algn="ctr">
+                      <a:solidFill>
+                        <a:schemeClr val="tx1"/>
+                      </a:solidFill>
+                      <a:prstDash val="solid"/>
+                      <a:round/>
+                      <a:headEnd type="none" w="med" len="med"/>
+                      <a:tailEnd type="none" w="med" len="med"/>
+                    </a:lnR>
+                    <a:lnT w="12700" cap="flat" cmpd="sng" algn="ctr">
+                      <a:solidFill>
+                        <a:schemeClr val="tx1"/>
+                      </a:solidFill>
+                      <a:prstDash val="solid"/>
+                      <a:round/>
+                      <a:headEnd type="none" w="med" len="med"/>
+                      <a:tailEnd type="none" w="med" len="med"/>
+                    </a:lnT>
+                    <a:lnB w="12700" cap="flat" cmpd="sng" algn="ctr">
+                      <a:solidFill>
+                        <a:schemeClr val="tx1"/>
+                      </a:solidFill>
+                      <a:prstDash val="solid"/>
+                      <a:round/>
+                      <a:headEnd type="none" w="med" len="med"/>
+                      <a:tailEnd type="none" w="med" len="med"/>
+                    </a:lnB>
+                    <a:solidFill>
+                      <a:schemeClr val="bg1"/>
+                    </a:solidFill>
+                  </a:tcPr>
+                </a:tc>
+              </a:tr>
+              <a:tr h="0">
+                <a:tc>
+                  <a:txBody>
+                    <a:bodyPr/>
+                    <a:lstStyle/>
+                    <a:p>
+                      <a:pPr marL="0" marR="0" algn="l">
+                        <a:lnSpc>
+                          <a:spcPct val="107000"/>
+                        </a:lnSpc>
+                        <a:spcBef>
+                          <a:spcPts val="0"/>
+                        </a:spcBef>
+                        <a:spcAft>
+                          <a:spcPts val="0"/>
+                        </a:spcAft>
+                      </a:pPr>
+                      <a:r>
+                        <a:rPr lang="en-US" sz="2800" dirty="0">
+                          <a:effectLst/>
+                          <a:latin typeface="Arial" pitchFamily="34" charset="0"/>
+                          <a:cs typeface="Arial" pitchFamily="34" charset="0"/>
+                        </a:rPr>
+                        <a:t>Robot Speed at Gear 2</a:t>
+                      </a:r>
+                      <a:endParaRPr lang="en-US" sz="2800" dirty="0">
+                        <a:solidFill>
+                          <a:schemeClr val="tx1"/>
+                        </a:solidFill>
+                        <a:effectLst/>
+                        <a:latin typeface="Arial" pitchFamily="34" charset="0"/>
+                        <a:ea typeface="Calibri"/>
+                        <a:cs typeface="Arial" pitchFamily="34" charset="0"/>
+                      </a:endParaRPr>
+                    </a:p>
+                  </a:txBody>
+                  <a:tcPr marL="68580" marR="68580" marT="0" marB="0">
+                    <a:lnL w="12700" cap="flat" cmpd="sng" algn="ctr">
+                      <a:solidFill>
+                        <a:schemeClr val="tx1"/>
+                      </a:solidFill>
+                      <a:prstDash val="solid"/>
+                      <a:round/>
+                      <a:headEnd type="none" w="med" len="med"/>
+                      <a:tailEnd type="none" w="med" len="med"/>
+                    </a:lnL>
+                    <a:lnR w="12700" cap="flat" cmpd="sng" algn="ctr">
+                      <a:solidFill>
+                        <a:schemeClr val="tx1"/>
+                      </a:solidFill>
+                      <a:prstDash val="solid"/>
+                      <a:round/>
+                      <a:headEnd type="none" w="med" len="med"/>
+                      <a:tailEnd type="none" w="med" len="med"/>
+                    </a:lnR>
+                    <a:lnT w="12700" cap="flat" cmpd="sng" algn="ctr">
+                      <a:solidFill>
+                        <a:schemeClr val="tx1"/>
+                      </a:solidFill>
+                      <a:prstDash val="solid"/>
+                      <a:round/>
+                      <a:headEnd type="none" w="med" len="med"/>
+                      <a:tailEnd type="none" w="med" len="med"/>
+                    </a:lnT>
+                    <a:lnB w="12700" cap="flat" cmpd="sng" algn="ctr">
+                      <a:solidFill>
+                        <a:schemeClr val="tx1"/>
+                      </a:solidFill>
+                      <a:prstDash val="solid"/>
+                      <a:round/>
+                      <a:headEnd type="none" w="med" len="med"/>
+                      <a:tailEnd type="none" w="med" len="med"/>
+                    </a:lnB>
+                    <a:solidFill>
+                      <a:schemeClr val="bg1"/>
+                    </a:solidFill>
+                  </a:tcPr>
+                </a:tc>
+                <a:tc>
+                  <a:txBody>
+                    <a:bodyPr/>
+                    <a:lstStyle/>
+                    <a:p>
+                      <a:pPr marL="0" marR="0" algn="l">
+                        <a:lnSpc>
+                          <a:spcPct val="107000"/>
+                        </a:lnSpc>
+                        <a:spcBef>
+                          <a:spcPts val="0"/>
+                        </a:spcBef>
+                        <a:spcAft>
+                          <a:spcPts val="0"/>
+                        </a:spcAft>
+                      </a:pPr>
+                      <a:r>
+                        <a:rPr lang="en-US" sz="2800" dirty="0">
+                          <a:effectLst/>
+                          <a:latin typeface="Arial" pitchFamily="34" charset="0"/>
+                          <a:cs typeface="Arial" pitchFamily="34" charset="0"/>
+                        </a:rPr>
+                        <a:t>30 cm/s</a:t>
+                      </a:r>
+                      <a:endParaRPr lang="en-US" sz="2800" dirty="0">
+                        <a:solidFill>
+                          <a:schemeClr val="tx1"/>
+                        </a:solidFill>
+                        <a:effectLst/>
+                        <a:latin typeface="Arial" pitchFamily="34" charset="0"/>
+                        <a:ea typeface="Calibri"/>
+                        <a:cs typeface="Arial" pitchFamily="34" charset="0"/>
+                      </a:endParaRPr>
+                    </a:p>
+                  </a:txBody>
+                  <a:tcPr marL="68580" marR="68580" marT="0" marB="0">
+                    <a:lnL w="12700" cap="flat" cmpd="sng" algn="ctr">
+                      <a:solidFill>
+                        <a:schemeClr val="tx1"/>
+                      </a:solidFill>
+                      <a:prstDash val="solid"/>
+                      <a:round/>
+                      <a:headEnd type="none" w="med" len="med"/>
+                      <a:tailEnd type="none" w="med" len="med"/>
+                    </a:lnL>
+                    <a:lnR w="12700" cap="flat" cmpd="sng" algn="ctr">
+                      <a:solidFill>
+                        <a:schemeClr val="tx1"/>
+                      </a:solidFill>
+                      <a:prstDash val="solid"/>
+                      <a:round/>
+                      <a:headEnd type="none" w="med" len="med"/>
+                      <a:tailEnd type="none" w="med" len="med"/>
+                    </a:lnR>
+                    <a:lnT w="12700" cap="flat" cmpd="sng" algn="ctr">
+                      <a:solidFill>
+                        <a:schemeClr val="tx1"/>
+                      </a:solidFill>
+                      <a:prstDash val="solid"/>
+                      <a:round/>
+                      <a:headEnd type="none" w="med" len="med"/>
+                      <a:tailEnd type="none" w="med" len="med"/>
+                    </a:lnT>
+                    <a:lnB w="12700" cap="flat" cmpd="sng" algn="ctr">
+                      <a:solidFill>
+                        <a:schemeClr val="tx1"/>
+                      </a:solidFill>
+                      <a:prstDash val="solid"/>
+                      <a:round/>
+                      <a:headEnd type="none" w="med" len="med"/>
+                      <a:tailEnd type="none" w="med" len="med"/>
+                    </a:lnB>
+                    <a:solidFill>
+                      <a:schemeClr val="bg1"/>
+                    </a:solidFill>
+                  </a:tcPr>
+                </a:tc>
+              </a:tr>
+              <a:tr h="0">
+                <a:tc>
+                  <a:txBody>
+                    <a:bodyPr/>
+                    <a:lstStyle/>
+                    <a:p>
+                      <a:pPr marL="0" marR="0" algn="l">
+                        <a:lnSpc>
+                          <a:spcPct val="107000"/>
+                        </a:lnSpc>
+                        <a:spcBef>
+                          <a:spcPts val="0"/>
+                        </a:spcBef>
+                        <a:spcAft>
+                          <a:spcPts val="0"/>
+                        </a:spcAft>
+                      </a:pPr>
+                      <a:r>
+                        <a:rPr lang="en-US" sz="2800" dirty="0">
+                          <a:effectLst/>
+                          <a:latin typeface="Arial" pitchFamily="34" charset="0"/>
+                          <a:cs typeface="Arial" pitchFamily="34" charset="0"/>
+                        </a:rPr>
+                        <a:t>Average Speed of the Ball</a:t>
+                      </a:r>
+                      <a:endParaRPr lang="en-US" sz="2800" dirty="0">
+                        <a:solidFill>
+                          <a:schemeClr val="tx1"/>
+                        </a:solidFill>
+                        <a:effectLst/>
+                        <a:latin typeface="Arial" pitchFamily="34" charset="0"/>
+                        <a:ea typeface="Calibri"/>
+                        <a:cs typeface="Arial" pitchFamily="34" charset="0"/>
+                      </a:endParaRPr>
+                    </a:p>
+                  </a:txBody>
+                  <a:tcPr marL="68580" marR="68580" marT="0" marB="0">
+                    <a:lnL w="12700" cap="flat" cmpd="sng" algn="ctr">
+                      <a:solidFill>
+                        <a:schemeClr val="tx1"/>
+                      </a:solidFill>
+                      <a:prstDash val="solid"/>
+                      <a:round/>
+                      <a:headEnd type="none" w="med" len="med"/>
+                      <a:tailEnd type="none" w="med" len="med"/>
+                    </a:lnL>
+                    <a:lnR w="12700" cap="flat" cmpd="sng" algn="ctr">
+                      <a:solidFill>
+                        <a:schemeClr val="tx1"/>
+                      </a:solidFill>
+                      <a:prstDash val="solid"/>
+                      <a:round/>
+                      <a:headEnd type="none" w="med" len="med"/>
+                      <a:tailEnd type="none" w="med" len="med"/>
+                    </a:lnR>
+                    <a:lnT w="12700" cap="flat" cmpd="sng" algn="ctr">
+                      <a:solidFill>
+                        <a:schemeClr val="tx1"/>
+                      </a:solidFill>
+                      <a:prstDash val="solid"/>
+                      <a:round/>
+                      <a:headEnd type="none" w="med" len="med"/>
+                      <a:tailEnd type="none" w="med" len="med"/>
+                    </a:lnT>
+                    <a:lnB w="12700" cap="flat" cmpd="sng" algn="ctr">
+                      <a:solidFill>
+                        <a:schemeClr val="tx1"/>
+                      </a:solidFill>
+                      <a:prstDash val="solid"/>
+                      <a:round/>
+                      <a:headEnd type="none" w="med" len="med"/>
+                      <a:tailEnd type="none" w="med" len="med"/>
+                    </a:lnB>
+                    <a:solidFill>
+                      <a:schemeClr val="bg1"/>
+                    </a:solidFill>
+                  </a:tcPr>
+                </a:tc>
+                <a:tc>
+                  <a:txBody>
+                    <a:bodyPr/>
+                    <a:lstStyle/>
+                    <a:p>
+                      <a:pPr marL="0" marR="0" algn="l">
+                        <a:lnSpc>
+                          <a:spcPct val="107000"/>
+                        </a:lnSpc>
+                        <a:spcBef>
+                          <a:spcPts val="0"/>
+                        </a:spcBef>
+                        <a:spcAft>
+                          <a:spcPts val="0"/>
+                        </a:spcAft>
+                      </a:pPr>
+                      <a:r>
+                        <a:rPr lang="en-US" sz="2800" dirty="0">
+                          <a:effectLst/>
+                          <a:latin typeface="Arial" pitchFamily="34" charset="0"/>
+                          <a:cs typeface="Arial" pitchFamily="34" charset="0"/>
+                        </a:rPr>
+                        <a:t>204.54 cm/s</a:t>
+                      </a:r>
+                      <a:endParaRPr lang="en-US" sz="2800" dirty="0">
+                        <a:solidFill>
+                          <a:schemeClr val="tx1"/>
+                        </a:solidFill>
+                        <a:effectLst/>
+                        <a:latin typeface="Arial" pitchFamily="34" charset="0"/>
+                        <a:ea typeface="Calibri"/>
+                        <a:cs typeface="Arial" pitchFamily="34" charset="0"/>
+                      </a:endParaRPr>
+                    </a:p>
+                  </a:txBody>
+                  <a:tcPr marL="68580" marR="68580" marT="0" marB="0">
+                    <a:lnL w="12700" cap="flat" cmpd="sng" algn="ctr">
+                      <a:solidFill>
+                        <a:schemeClr val="tx1"/>
+                      </a:solidFill>
+                      <a:prstDash val="solid"/>
+                      <a:round/>
+                      <a:headEnd type="none" w="med" len="med"/>
+                      <a:tailEnd type="none" w="med" len="med"/>
+                    </a:lnL>
+                    <a:lnR w="12700" cap="flat" cmpd="sng" algn="ctr">
+                      <a:solidFill>
+                        <a:schemeClr val="tx1"/>
+                      </a:solidFill>
+                      <a:prstDash val="solid"/>
+                      <a:round/>
+                      <a:headEnd type="none" w="med" len="med"/>
+                      <a:tailEnd type="none" w="med" len="med"/>
+                    </a:lnR>
+                    <a:lnT w="12700" cap="flat" cmpd="sng" algn="ctr">
+                      <a:solidFill>
+                        <a:schemeClr val="tx1"/>
+                      </a:solidFill>
+                      <a:prstDash val="solid"/>
+                      <a:round/>
+                      <a:headEnd type="none" w="med" len="med"/>
+                      <a:tailEnd type="none" w="med" len="med"/>
+                    </a:lnT>
+                    <a:lnB w="12700" cap="flat" cmpd="sng" algn="ctr">
+                      <a:solidFill>
+                        <a:schemeClr val="tx1"/>
+                      </a:solidFill>
+                      <a:prstDash val="solid"/>
+                      <a:round/>
+                      <a:headEnd type="none" w="med" len="med"/>
+                      <a:tailEnd type="none" w="med" len="med"/>
+                    </a:lnB>
+                    <a:solidFill>
+                      <a:schemeClr val="bg1"/>
+                    </a:solidFill>
+                  </a:tcPr>
+                </a:tc>
+              </a:tr>
+              <a:tr h="0">
+                <a:tc>
+                  <a:txBody>
+                    <a:bodyPr/>
+                    <a:lstStyle/>
+                    <a:p>
+                      <a:pPr marL="0" marR="0" algn="l">
+                        <a:lnSpc>
+                          <a:spcPct val="107000"/>
+                        </a:lnSpc>
+                        <a:spcBef>
+                          <a:spcPts val="0"/>
+                        </a:spcBef>
+                        <a:spcAft>
+                          <a:spcPts val="0"/>
+                        </a:spcAft>
+                      </a:pPr>
+                      <a:r>
+                        <a:rPr lang="en-US" sz="2800" dirty="0">
+                          <a:effectLst/>
+                          <a:latin typeface="Arial" pitchFamily="34" charset="0"/>
+                          <a:cs typeface="Arial" pitchFamily="34" charset="0"/>
+                        </a:rPr>
+                        <a:t>Shooting Range</a:t>
+                      </a:r>
+                      <a:endParaRPr lang="en-US" sz="2800" dirty="0">
+                        <a:solidFill>
+                          <a:schemeClr val="tx1"/>
+                        </a:solidFill>
+                        <a:effectLst/>
+                        <a:latin typeface="Arial" pitchFamily="34" charset="0"/>
+                        <a:ea typeface="Calibri"/>
+                        <a:cs typeface="Arial" pitchFamily="34" charset="0"/>
+                      </a:endParaRPr>
+                    </a:p>
+                  </a:txBody>
+                  <a:tcPr marL="68580" marR="68580" marT="0" marB="0">
+                    <a:lnL w="12700" cap="flat" cmpd="sng" algn="ctr">
+                      <a:solidFill>
+                        <a:schemeClr val="tx1"/>
+                      </a:solidFill>
+                      <a:prstDash val="solid"/>
+                      <a:round/>
+                      <a:headEnd type="none" w="med" len="med"/>
+                      <a:tailEnd type="none" w="med" len="med"/>
+                    </a:lnL>
+                    <a:lnR w="12700" cap="flat" cmpd="sng" algn="ctr">
+                      <a:solidFill>
+                        <a:schemeClr val="tx1"/>
+                      </a:solidFill>
+                      <a:prstDash val="solid"/>
+                      <a:round/>
+                      <a:headEnd type="none" w="med" len="med"/>
+                      <a:tailEnd type="none" w="med" len="med"/>
+                    </a:lnR>
+                    <a:lnT w="12700" cap="flat" cmpd="sng" algn="ctr">
+                      <a:solidFill>
+                        <a:schemeClr val="tx1"/>
+                      </a:solidFill>
+                      <a:prstDash val="solid"/>
+                      <a:round/>
+                      <a:headEnd type="none" w="med" len="med"/>
+                      <a:tailEnd type="none" w="med" len="med"/>
+                    </a:lnT>
+                    <a:lnB w="12700" cap="flat" cmpd="sng" algn="ctr">
+                      <a:solidFill>
+                        <a:schemeClr val="tx1"/>
+                      </a:solidFill>
+                      <a:prstDash val="solid"/>
+                      <a:round/>
+                      <a:headEnd type="none" w="med" len="med"/>
+                      <a:tailEnd type="none" w="med" len="med"/>
+                    </a:lnB>
+                    <a:solidFill>
+                      <a:schemeClr val="bg1"/>
+                    </a:solidFill>
+                  </a:tcPr>
+                </a:tc>
+                <a:tc>
+                  <a:txBody>
+                    <a:bodyPr/>
+                    <a:lstStyle/>
+                    <a:p>
+                      <a:pPr marL="0" marR="0" algn="l">
+                        <a:lnSpc>
+                          <a:spcPct val="107000"/>
+                        </a:lnSpc>
+                        <a:spcBef>
+                          <a:spcPts val="0"/>
+                        </a:spcBef>
+                        <a:spcAft>
+                          <a:spcPts val="0"/>
+                        </a:spcAft>
+                      </a:pPr>
+                      <a:r>
+                        <a:rPr lang="en-US" sz="2800" dirty="0">
+                          <a:effectLst/>
+                          <a:latin typeface="Arial" pitchFamily="34" charset="0"/>
+                          <a:cs typeface="Arial" pitchFamily="34" charset="0"/>
+                        </a:rPr>
+                        <a:t>&gt; 6 m </a:t>
+                      </a:r>
+                      <a:endParaRPr lang="en-US" sz="2800" dirty="0">
+                        <a:solidFill>
+                          <a:schemeClr val="tx1"/>
+                        </a:solidFill>
+                        <a:effectLst/>
+                        <a:latin typeface="Arial" pitchFamily="34" charset="0"/>
+                        <a:ea typeface="Calibri"/>
+                        <a:cs typeface="Arial" pitchFamily="34" charset="0"/>
+                      </a:endParaRPr>
+                    </a:p>
+                  </a:txBody>
+                  <a:tcPr marL="68580" marR="68580" marT="0" marB="0">
+                    <a:lnL w="12700" cap="flat" cmpd="sng" algn="ctr">
+                      <a:solidFill>
+                        <a:schemeClr val="tx1"/>
+                      </a:solidFill>
+                      <a:prstDash val="solid"/>
+                      <a:round/>
+                      <a:headEnd type="none" w="med" len="med"/>
+                      <a:tailEnd type="none" w="med" len="med"/>
+                    </a:lnL>
+                    <a:lnR w="12700" cap="flat" cmpd="sng" algn="ctr">
+                      <a:solidFill>
+                        <a:schemeClr val="tx1"/>
+                      </a:solidFill>
+                      <a:prstDash val="solid"/>
+                      <a:round/>
+                      <a:headEnd type="none" w="med" len="med"/>
+                      <a:tailEnd type="none" w="med" len="med"/>
+                    </a:lnR>
+                    <a:lnT w="12700" cap="flat" cmpd="sng" algn="ctr">
+                      <a:solidFill>
+                        <a:schemeClr val="tx1"/>
+                      </a:solidFill>
+                      <a:prstDash val="solid"/>
+                      <a:round/>
+                      <a:headEnd type="none" w="med" len="med"/>
+                      <a:tailEnd type="none" w="med" len="med"/>
+                    </a:lnT>
+                    <a:lnB w="12700" cap="flat" cmpd="sng" algn="ctr">
+                      <a:solidFill>
+                        <a:schemeClr val="tx1"/>
+                      </a:solidFill>
+                      <a:prstDash val="solid"/>
+                      <a:round/>
+                      <a:headEnd type="none" w="med" len="med"/>
+                      <a:tailEnd type="none" w="med" len="med"/>
+                    </a:lnB>
+                    <a:solidFill>
+                      <a:schemeClr val="bg1"/>
+                    </a:solidFill>
+                  </a:tcPr>
+                </a:tc>
+              </a:tr>
+            </a:tbl>
+          </a:graphicData>
+        </a:graphic>
+      </p:graphicFrame>
+      <p:graphicFrame>
+        <p:nvGraphicFramePr>
+          <p:cNvPr id="35" name="Table 34"/>
+          <p:cNvGraphicFramePr>
+            <a:graphicFrameLocks noGrp="1"/>
+          </p:cNvGraphicFramePr>
+          <p:nvPr>
+            <p:extLst>
+              <p:ext uri="{D42A27DB-BD31-4B8C-83A1-F6EECF244321}">
+                <p14:modId xmlns:p14="http://schemas.microsoft.com/office/powerpoint/2010/main" val="2319534427"/>
+              </p:ext>
+            </p:extLst>
+          </p:nvPr>
+        </p:nvGraphicFramePr>
+        <p:xfrm>
+          <a:off x="1233678" y="14952834"/>
+          <a:ext cx="12425172" cy="7084968"/>
+        </p:xfrm>
+        <a:graphic>
+          <a:graphicData uri="http://schemas.openxmlformats.org/drawingml/2006/table">
+            <a:tbl>
+              <a:tblPr firstRow="1" firstCol="1" bandRow="1">
+                <a:tableStyleId>{69012ECD-51FC-41F1-AA8D-1B2483CD663E}</a:tableStyleId>
+              </a:tblPr>
+              <a:tblGrid>
+                <a:gridCol w="2857640"/>
+                <a:gridCol w="1556385"/>
+                <a:gridCol w="2009333"/>
+                <a:gridCol w="6001814"/>
+              </a:tblGrid>
+              <a:tr h="534816">
+                <a:tc gridSpan="4">
+                  <a:txBody>
+                    <a:bodyPr/>
+                    <a:lstStyle/>
+                    <a:p>
+                      <a:pPr marL="0" marR="0" algn="ctr">
+                        <a:lnSpc>
+                          <a:spcPct val="107000"/>
+                        </a:lnSpc>
+                        <a:spcBef>
+                          <a:spcPts val="0"/>
+                        </a:spcBef>
+                        <a:spcAft>
+                          <a:spcPts val="0"/>
+                        </a:spcAft>
+                      </a:pPr>
+                      <a:r>
+                        <a:rPr lang="en-US" sz="2800" dirty="0">
+                          <a:solidFill>
+                            <a:schemeClr val="tx1"/>
+                          </a:solidFill>
+                          <a:effectLst/>
+                          <a:latin typeface="Arial" pitchFamily="34" charset="0"/>
+                          <a:cs typeface="Arial" pitchFamily="34" charset="0"/>
+                        </a:rPr>
+                        <a:t>Technical Specifications</a:t>
+                      </a:r>
+                      <a:endParaRPr lang="en-US" sz="2800" dirty="0">
+                        <a:solidFill>
+                          <a:schemeClr val="tx1"/>
+                        </a:solidFill>
+                        <a:effectLst/>
+                        <a:latin typeface="Arial" pitchFamily="34" charset="0"/>
+                        <a:ea typeface="Calibri"/>
+                        <a:cs typeface="Arial" pitchFamily="34" charset="0"/>
+                      </a:endParaRPr>
+                    </a:p>
+                  </a:txBody>
+                  <a:tcPr marL="68580" marR="68580" marT="0" marB="0">
+                    <a:lnL w="12700" cap="flat" cmpd="sng" algn="ctr">
+                      <a:solidFill>
+                        <a:schemeClr val="tx1"/>
+                      </a:solidFill>
+                      <a:prstDash val="solid"/>
+                      <a:round/>
+                      <a:headEnd type="none" w="med" len="med"/>
+                      <a:tailEnd type="none" w="med" len="med"/>
+                    </a:lnL>
+                    <a:lnR w="12700" cap="flat" cmpd="sng" algn="ctr">
+                      <a:solidFill>
+                        <a:schemeClr val="tx1"/>
+                      </a:solidFill>
+                      <a:prstDash val="solid"/>
+                      <a:round/>
+                      <a:headEnd type="none" w="med" len="med"/>
+                      <a:tailEnd type="none" w="med" len="med"/>
+                    </a:lnR>
+                    <a:lnT w="12700" cap="flat" cmpd="sng" algn="ctr">
+                      <a:solidFill>
+                        <a:schemeClr val="tx1"/>
+                      </a:solidFill>
+                      <a:prstDash val="solid"/>
+                      <a:round/>
+                      <a:headEnd type="none" w="med" len="med"/>
+                      <a:tailEnd type="none" w="med" len="med"/>
+                    </a:lnT>
+                    <a:lnB w="12700" cap="flat" cmpd="sng" algn="ctr">
+                      <a:solidFill>
+                        <a:schemeClr val="tx1"/>
+                      </a:solidFill>
+                      <a:prstDash val="solid"/>
+                      <a:round/>
+                      <a:headEnd type="none" w="med" len="med"/>
+                      <a:tailEnd type="none" w="med" len="med"/>
+                    </a:lnB>
+                    <a:solidFill>
+                      <a:srgbClr val="FFC000"/>
+                    </a:solidFill>
+                  </a:tcPr>
+                </a:tc>
+                <a:tc hMerge="1">
+                  <a:txBody>
+                    <a:bodyPr/>
+                    <a:lstStyle/>
+                    <a:p>
+                      <a:endParaRPr lang="en-US"/>
+                    </a:p>
+                  </a:txBody>
+                  <a:tcPr/>
+                </a:tc>
+                <a:tc hMerge="1">
+                  <a:txBody>
+                    <a:bodyPr/>
+                    <a:lstStyle/>
+                    <a:p>
+                      <a:endParaRPr lang="en-US"/>
+                    </a:p>
+                  </a:txBody>
+                  <a:tcPr/>
+                </a:tc>
+                <a:tc hMerge="1">
+                  <a:txBody>
+                    <a:bodyPr/>
+                    <a:lstStyle/>
+                    <a:p>
+                      <a:endParaRPr lang="en-US"/>
+                    </a:p>
+                  </a:txBody>
+                  <a:tcPr/>
+                </a:tc>
+              </a:tr>
+              <a:tr h="0">
+                <a:tc gridSpan="2">
+                  <a:txBody>
+                    <a:bodyPr/>
+                    <a:lstStyle/>
+                    <a:p>
+                      <a:pPr marL="0" marR="0" algn="ctr">
+                        <a:lnSpc>
+                          <a:spcPct val="107000"/>
+                        </a:lnSpc>
+                        <a:spcBef>
+                          <a:spcPts val="0"/>
+                        </a:spcBef>
+                        <a:spcAft>
+                          <a:spcPts val="0"/>
+                        </a:spcAft>
+                      </a:pPr>
+                      <a:r>
+                        <a:rPr lang="en-US" sz="2800" dirty="0">
+                          <a:solidFill>
+                            <a:schemeClr val="bg1"/>
+                          </a:solidFill>
+                          <a:effectLst/>
+                          <a:latin typeface="Arial" pitchFamily="34" charset="0"/>
+                          <a:cs typeface="Arial" pitchFamily="34" charset="0"/>
+                        </a:rPr>
+                        <a:t>Robot Part</a:t>
+                      </a:r>
+                      <a:endParaRPr lang="en-US" sz="2800" dirty="0">
+                        <a:solidFill>
+                          <a:schemeClr val="bg1"/>
+                        </a:solidFill>
+                        <a:effectLst/>
+                        <a:latin typeface="Arial" pitchFamily="34" charset="0"/>
+                        <a:ea typeface="Calibri"/>
+                        <a:cs typeface="Arial" pitchFamily="34" charset="0"/>
+                      </a:endParaRPr>
+                    </a:p>
+                  </a:txBody>
+                  <a:tcPr marL="68580" marR="68580" marT="0" marB="0">
+                    <a:lnL w="12700" cap="flat" cmpd="sng" algn="ctr">
+                      <a:solidFill>
+                        <a:schemeClr val="tx1"/>
+                      </a:solidFill>
+                      <a:prstDash val="solid"/>
+                      <a:round/>
+                      <a:headEnd type="none" w="med" len="med"/>
+                      <a:tailEnd type="none" w="med" len="med"/>
+                    </a:lnL>
+                    <a:lnR w="12700" cap="flat" cmpd="sng" algn="ctr">
+                      <a:solidFill>
+                        <a:schemeClr val="tx1"/>
+                      </a:solidFill>
+                      <a:prstDash val="solid"/>
+                      <a:round/>
+                      <a:headEnd type="none" w="med" len="med"/>
+                      <a:tailEnd type="none" w="med" len="med"/>
+                    </a:lnR>
+                    <a:lnT w="12700" cap="flat" cmpd="sng" algn="ctr">
+                      <a:solidFill>
+                        <a:schemeClr val="tx1"/>
+                      </a:solidFill>
+                      <a:prstDash val="solid"/>
+                      <a:round/>
+                      <a:headEnd type="none" w="med" len="med"/>
+                      <a:tailEnd type="none" w="med" len="med"/>
+                    </a:lnT>
+                    <a:lnB w="12700" cap="flat" cmpd="sng" algn="ctr">
+                      <a:solidFill>
+                        <a:schemeClr val="tx1"/>
+                      </a:solidFill>
+                      <a:prstDash val="solid"/>
+                      <a:round/>
+                      <a:headEnd type="none" w="med" len="med"/>
+                      <a:tailEnd type="none" w="med" len="med"/>
+                    </a:lnB>
+                    <a:solidFill>
+                      <a:schemeClr val="tx1"/>
+                    </a:solidFill>
+                  </a:tcPr>
+                </a:tc>
+                <a:tc hMerge="1">
+                  <a:txBody>
+                    <a:bodyPr/>
+                    <a:lstStyle/>
+                    <a:p>
+                      <a:endParaRPr lang="en-US"/>
+                    </a:p>
+                  </a:txBody>
+                  <a:tcPr/>
+                </a:tc>
+                <a:tc gridSpan="2">
+                  <a:txBody>
+                    <a:bodyPr/>
+                    <a:lstStyle/>
+                    <a:p>
+                      <a:pPr marL="0" marR="0" algn="ctr">
+                        <a:lnSpc>
+                          <a:spcPct val="107000"/>
+                        </a:lnSpc>
+                        <a:spcBef>
+                          <a:spcPts val="0"/>
+                        </a:spcBef>
+                        <a:spcAft>
+                          <a:spcPts val="0"/>
+                        </a:spcAft>
+                      </a:pPr>
+                      <a:r>
+                        <a:rPr lang="en-US" sz="2800" b="1" dirty="0">
+                          <a:solidFill>
+                            <a:schemeClr val="bg1"/>
+                          </a:solidFill>
+                          <a:effectLst/>
+                          <a:latin typeface="Arial" pitchFamily="34" charset="0"/>
+                          <a:cs typeface="Arial" pitchFamily="34" charset="0"/>
+                        </a:rPr>
+                        <a:t>Controller Part</a:t>
+                      </a:r>
+                      <a:endParaRPr lang="en-US" sz="2800" b="1" dirty="0">
+                        <a:solidFill>
+                          <a:schemeClr val="bg1"/>
+                        </a:solidFill>
+                        <a:effectLst/>
+                        <a:latin typeface="Arial" pitchFamily="34" charset="0"/>
+                        <a:ea typeface="Calibri"/>
+                        <a:cs typeface="Arial" pitchFamily="34" charset="0"/>
+                      </a:endParaRPr>
+                    </a:p>
+                  </a:txBody>
+                  <a:tcPr marL="68580" marR="68580" marT="0" marB="0">
+                    <a:lnL w="12700" cap="flat" cmpd="sng" algn="ctr">
+                      <a:solidFill>
+                        <a:schemeClr val="tx1"/>
+                      </a:solidFill>
+                      <a:prstDash val="solid"/>
+                      <a:round/>
+                      <a:headEnd type="none" w="med" len="med"/>
+                      <a:tailEnd type="none" w="med" len="med"/>
+                    </a:lnL>
+                    <a:lnR w="12700" cap="flat" cmpd="sng" algn="ctr">
+                      <a:solidFill>
+                        <a:schemeClr val="tx1"/>
+                      </a:solidFill>
+                      <a:prstDash val="solid"/>
+                      <a:round/>
+                      <a:headEnd type="none" w="med" len="med"/>
+                      <a:tailEnd type="none" w="med" len="med"/>
+                    </a:lnR>
+                    <a:lnT w="12700" cap="flat" cmpd="sng" algn="ctr">
+                      <a:solidFill>
+                        <a:schemeClr val="tx1"/>
+                      </a:solidFill>
+                      <a:prstDash val="solid"/>
+                      <a:round/>
+                      <a:headEnd type="none" w="med" len="med"/>
+                      <a:tailEnd type="none" w="med" len="med"/>
+                    </a:lnT>
+                    <a:lnB w="12700" cap="flat" cmpd="sng" algn="ctr">
+                      <a:solidFill>
+                        <a:schemeClr val="tx1"/>
+                      </a:solidFill>
+                      <a:prstDash val="solid"/>
+                      <a:round/>
+                      <a:headEnd type="none" w="med" len="med"/>
+                      <a:tailEnd type="none" w="med" len="med"/>
+                    </a:lnB>
+                    <a:solidFill>
+                      <a:schemeClr val="tx1"/>
+                    </a:solidFill>
+                  </a:tcPr>
+                </a:tc>
+                <a:tc hMerge="1">
+                  <a:txBody>
+                    <a:bodyPr/>
+                    <a:lstStyle/>
+                    <a:p>
+                      <a:endParaRPr lang="en-US"/>
+                    </a:p>
+                  </a:txBody>
+                  <a:tcPr/>
+                </a:tc>
+              </a:tr>
+              <a:tr h="0">
+                <a:tc gridSpan="2">
+                  <a:txBody>
+                    <a:bodyPr/>
+                    <a:lstStyle/>
+                    <a:p>
+                      <a:pPr marL="0" marR="0" algn="ctr">
+                        <a:lnSpc>
+                          <a:spcPct val="107000"/>
+                        </a:lnSpc>
+                        <a:spcBef>
+                          <a:spcPts val="0"/>
+                        </a:spcBef>
+                        <a:spcAft>
+                          <a:spcPts val="0"/>
+                        </a:spcAft>
+                      </a:pPr>
+                      <a:r>
+                        <a:rPr lang="en-US" sz="2800" dirty="0">
+                          <a:effectLst/>
+                          <a:latin typeface="Arial" pitchFamily="34" charset="0"/>
+                          <a:cs typeface="Arial" pitchFamily="34" charset="0"/>
+                        </a:rPr>
+                        <a:t>Physical Specification</a:t>
+                      </a:r>
+                      <a:endParaRPr lang="en-US" sz="2800" dirty="0">
+                        <a:effectLst/>
+                        <a:latin typeface="Arial" pitchFamily="34" charset="0"/>
+                        <a:ea typeface="Calibri"/>
+                        <a:cs typeface="Arial" pitchFamily="34" charset="0"/>
+                      </a:endParaRPr>
+                    </a:p>
+                  </a:txBody>
+                  <a:tcPr marL="68580" marR="68580" marT="0" marB="0">
+                    <a:lnL w="12700" cap="flat" cmpd="sng" algn="ctr">
+                      <a:solidFill>
+                        <a:schemeClr val="tx1"/>
+                      </a:solidFill>
+                      <a:prstDash val="solid"/>
+                      <a:round/>
+                      <a:headEnd type="none" w="med" len="med"/>
+                      <a:tailEnd type="none" w="med" len="med"/>
+                    </a:lnL>
+                    <a:lnR w="12700" cap="flat" cmpd="sng" algn="ctr">
+                      <a:solidFill>
+                        <a:schemeClr val="tx1"/>
+                      </a:solidFill>
+                      <a:prstDash val="solid"/>
+                      <a:round/>
+                      <a:headEnd type="none" w="med" len="med"/>
+                      <a:tailEnd type="none" w="med" len="med"/>
+                    </a:lnR>
+                    <a:lnT w="12700" cap="flat" cmpd="sng" algn="ctr">
+                      <a:solidFill>
+                        <a:schemeClr val="tx1"/>
+                      </a:solidFill>
+                      <a:prstDash val="solid"/>
+                      <a:round/>
+                      <a:headEnd type="none" w="med" len="med"/>
+                      <a:tailEnd type="none" w="med" len="med"/>
+                    </a:lnT>
+                    <a:lnB w="12700" cap="flat" cmpd="sng" algn="ctr">
+                      <a:solidFill>
+                        <a:schemeClr val="tx1"/>
+                      </a:solidFill>
+                      <a:prstDash val="solid"/>
+                      <a:round/>
+                      <a:headEnd type="none" w="med" len="med"/>
+                      <a:tailEnd type="none" w="med" len="med"/>
+                    </a:lnB>
+                    <a:solidFill>
+                      <a:schemeClr val="bg1"/>
+                    </a:solidFill>
+                  </a:tcPr>
+                </a:tc>
+                <a:tc hMerge="1">
+                  <a:txBody>
+                    <a:bodyPr/>
+                    <a:lstStyle/>
+                    <a:p>
+                      <a:endParaRPr lang="en-US"/>
+                    </a:p>
+                  </a:txBody>
+                  <a:tcPr/>
+                </a:tc>
+                <a:tc gridSpan="2">
+                  <a:txBody>
+                    <a:bodyPr/>
+                    <a:lstStyle/>
+                    <a:p>
+                      <a:pPr marL="0" marR="0" algn="ctr">
+                        <a:lnSpc>
+                          <a:spcPct val="107000"/>
+                        </a:lnSpc>
+                        <a:spcBef>
+                          <a:spcPts val="0"/>
+                        </a:spcBef>
+                        <a:spcAft>
+                          <a:spcPts val="0"/>
+                        </a:spcAft>
+                      </a:pPr>
+                      <a:r>
+                        <a:rPr lang="en-US" sz="2800" dirty="0">
+                          <a:effectLst/>
+                          <a:latin typeface="Arial" pitchFamily="34" charset="0"/>
+                          <a:cs typeface="Arial" pitchFamily="34" charset="0"/>
+                        </a:rPr>
+                        <a:t>Physical Specification</a:t>
+                      </a:r>
+                      <a:endParaRPr lang="en-US" sz="2800" dirty="0">
+                        <a:effectLst/>
+                        <a:latin typeface="Arial" pitchFamily="34" charset="0"/>
+                        <a:ea typeface="Calibri"/>
+                        <a:cs typeface="Arial" pitchFamily="34" charset="0"/>
+                      </a:endParaRPr>
+                    </a:p>
+                  </a:txBody>
+                  <a:tcPr marL="68580" marR="68580" marT="0" marB="0">
+                    <a:lnL w="12700" cap="flat" cmpd="sng" algn="ctr">
+                      <a:solidFill>
+                        <a:schemeClr val="tx1"/>
+                      </a:solidFill>
+                      <a:prstDash val="solid"/>
+                      <a:round/>
+                      <a:headEnd type="none" w="med" len="med"/>
+                      <a:tailEnd type="none" w="med" len="med"/>
+                    </a:lnL>
+                    <a:lnR w="12700" cap="flat" cmpd="sng" algn="ctr">
+                      <a:solidFill>
+                        <a:schemeClr val="tx1"/>
+                      </a:solidFill>
+                      <a:prstDash val="solid"/>
+                      <a:round/>
+                      <a:headEnd type="none" w="med" len="med"/>
+                      <a:tailEnd type="none" w="med" len="med"/>
+                    </a:lnR>
+                    <a:lnT w="12700" cap="flat" cmpd="sng" algn="ctr">
+                      <a:solidFill>
+                        <a:schemeClr val="tx1"/>
+                      </a:solidFill>
+                      <a:prstDash val="solid"/>
+                      <a:round/>
+                      <a:headEnd type="none" w="med" len="med"/>
+                      <a:tailEnd type="none" w="med" len="med"/>
+                    </a:lnT>
+                    <a:lnB w="12700" cap="flat" cmpd="sng" algn="ctr">
+                      <a:solidFill>
+                        <a:schemeClr val="tx1"/>
+                      </a:solidFill>
+                      <a:prstDash val="solid"/>
+                      <a:round/>
+                      <a:headEnd type="none" w="med" len="med"/>
+                      <a:tailEnd type="none" w="med" len="med"/>
+                    </a:lnB>
+                    <a:solidFill>
+                      <a:schemeClr val="bg1"/>
+                    </a:solidFill>
+                  </a:tcPr>
+                </a:tc>
+                <a:tc hMerge="1">
+                  <a:txBody>
+                    <a:bodyPr/>
+                    <a:lstStyle/>
+                    <a:p>
+                      <a:endParaRPr lang="en-US"/>
+                    </a:p>
+                  </a:txBody>
+                  <a:tcPr/>
+                </a:tc>
+              </a:tr>
+              <a:tr h="0">
+                <a:tc>
+                  <a:txBody>
+                    <a:bodyPr/>
+                    <a:lstStyle/>
+                    <a:p>
+                      <a:pPr marL="0" marR="0">
+                        <a:lnSpc>
+                          <a:spcPct val="107000"/>
+                        </a:lnSpc>
+                        <a:spcBef>
+                          <a:spcPts val="0"/>
+                        </a:spcBef>
+                        <a:spcAft>
+                          <a:spcPts val="0"/>
+                        </a:spcAft>
+                      </a:pPr>
+                      <a:r>
+                        <a:rPr lang="en-US" sz="2800">
+                          <a:effectLst/>
+                          <a:latin typeface="Arial" pitchFamily="34" charset="0"/>
+                          <a:cs typeface="Arial" pitchFamily="34" charset="0"/>
+                        </a:rPr>
+                        <a:t>Height</a:t>
+                      </a:r>
+                      <a:endParaRPr lang="en-US" sz="2800">
+                        <a:effectLst/>
+                        <a:latin typeface="Arial" pitchFamily="34" charset="0"/>
+                        <a:ea typeface="Calibri"/>
+                        <a:cs typeface="Arial" pitchFamily="34" charset="0"/>
+                      </a:endParaRPr>
+                    </a:p>
+                  </a:txBody>
+                  <a:tcPr marL="68580" marR="68580" marT="0" marB="0">
+                    <a:lnL w="12700" cap="flat" cmpd="sng" algn="ctr">
+                      <a:solidFill>
+                        <a:schemeClr val="tx1"/>
+                      </a:solidFill>
+                      <a:prstDash val="solid"/>
+                      <a:round/>
+                      <a:headEnd type="none" w="med" len="med"/>
+                      <a:tailEnd type="none" w="med" len="med"/>
+                    </a:lnL>
+                    <a:lnR w="12700" cap="flat" cmpd="sng" algn="ctr">
+                      <a:solidFill>
+                        <a:schemeClr val="tx1"/>
+                      </a:solidFill>
+                      <a:prstDash val="solid"/>
+                      <a:round/>
+                      <a:headEnd type="none" w="med" len="med"/>
+                      <a:tailEnd type="none" w="med" len="med"/>
+                    </a:lnR>
+                    <a:lnT w="12700" cap="flat" cmpd="sng" algn="ctr">
+                      <a:solidFill>
+                        <a:schemeClr val="tx1"/>
+                      </a:solidFill>
+                      <a:prstDash val="solid"/>
+                      <a:round/>
+                      <a:headEnd type="none" w="med" len="med"/>
+                      <a:tailEnd type="none" w="med" len="med"/>
+                    </a:lnT>
+                    <a:lnB w="12700" cap="flat" cmpd="sng" algn="ctr">
+                      <a:solidFill>
+                        <a:schemeClr val="tx1"/>
+                      </a:solidFill>
+                      <a:prstDash val="solid"/>
+                      <a:round/>
+                      <a:headEnd type="none" w="med" len="med"/>
+                      <a:tailEnd type="none" w="med" len="med"/>
+                    </a:lnB>
+                    <a:solidFill>
+                      <a:schemeClr val="bg1"/>
+                    </a:solidFill>
+                  </a:tcPr>
+                </a:tc>
+                <a:tc>
+                  <a:txBody>
+                    <a:bodyPr/>
+                    <a:lstStyle/>
+                    <a:p>
+                      <a:pPr marL="0" marR="0">
+                        <a:lnSpc>
+                          <a:spcPct val="107000"/>
+                        </a:lnSpc>
+                        <a:spcBef>
+                          <a:spcPts val="0"/>
+                        </a:spcBef>
+                        <a:spcAft>
+                          <a:spcPts val="0"/>
+                        </a:spcAft>
+                      </a:pPr>
+                      <a:r>
+                        <a:rPr lang="en-US" sz="2800">
+                          <a:effectLst/>
+                          <a:latin typeface="Arial" pitchFamily="34" charset="0"/>
+                          <a:cs typeface="Arial" pitchFamily="34" charset="0"/>
+                        </a:rPr>
+                        <a:t>21 cm</a:t>
+                      </a:r>
+                      <a:endParaRPr lang="en-US" sz="2800">
+                        <a:effectLst/>
+                        <a:latin typeface="Arial" pitchFamily="34" charset="0"/>
+                        <a:ea typeface="Calibri"/>
+                        <a:cs typeface="Arial" pitchFamily="34" charset="0"/>
+                      </a:endParaRPr>
+                    </a:p>
+                  </a:txBody>
+                  <a:tcPr marL="68580" marR="68580" marT="0" marB="0">
+                    <a:lnL w="12700" cap="flat" cmpd="sng" algn="ctr">
+                      <a:solidFill>
+                        <a:schemeClr val="tx1"/>
+                      </a:solidFill>
+                      <a:prstDash val="solid"/>
+                      <a:round/>
+                      <a:headEnd type="none" w="med" len="med"/>
+                      <a:tailEnd type="none" w="med" len="med"/>
+                    </a:lnL>
+                    <a:lnR w="12700" cap="flat" cmpd="sng" algn="ctr">
+                      <a:solidFill>
+                        <a:schemeClr val="tx1"/>
+                      </a:solidFill>
+                      <a:prstDash val="solid"/>
+                      <a:round/>
+                      <a:headEnd type="none" w="med" len="med"/>
+                      <a:tailEnd type="none" w="med" len="med"/>
+                    </a:lnR>
+                    <a:lnT w="12700" cap="flat" cmpd="sng" algn="ctr">
+                      <a:solidFill>
+                        <a:schemeClr val="tx1"/>
+                      </a:solidFill>
+                      <a:prstDash val="solid"/>
+                      <a:round/>
+                      <a:headEnd type="none" w="med" len="med"/>
+                      <a:tailEnd type="none" w="med" len="med"/>
+                    </a:lnT>
+                    <a:lnB w="12700" cap="flat" cmpd="sng" algn="ctr">
+                      <a:solidFill>
+                        <a:schemeClr val="tx1"/>
+                      </a:solidFill>
+                      <a:prstDash val="solid"/>
+                      <a:round/>
+                      <a:headEnd type="none" w="med" len="med"/>
+                      <a:tailEnd type="none" w="med" len="med"/>
+                    </a:lnB>
+                    <a:solidFill>
+                      <a:schemeClr val="bg1"/>
+                    </a:solidFill>
+                  </a:tcPr>
+                </a:tc>
+                <a:tc>
+                  <a:txBody>
+                    <a:bodyPr/>
+                    <a:lstStyle/>
+                    <a:p>
+                      <a:pPr marL="0" marR="0">
+                        <a:lnSpc>
+                          <a:spcPct val="107000"/>
+                        </a:lnSpc>
+                        <a:spcBef>
+                          <a:spcPts val="0"/>
+                        </a:spcBef>
+                        <a:spcAft>
+                          <a:spcPts val="0"/>
+                        </a:spcAft>
+                      </a:pPr>
+                      <a:r>
+                        <a:rPr lang="en-US" sz="2800" b="1" dirty="0">
+                          <a:effectLst/>
+                          <a:latin typeface="Arial" pitchFamily="34" charset="0"/>
+                          <a:cs typeface="Arial" pitchFamily="34" charset="0"/>
+                        </a:rPr>
+                        <a:t>Size</a:t>
+                      </a:r>
+                      <a:r>
+                        <a:rPr lang="en-US" sz="2800" dirty="0">
+                          <a:effectLst/>
+                          <a:latin typeface="Arial" pitchFamily="34" charset="0"/>
+                          <a:cs typeface="Arial" pitchFamily="34" charset="0"/>
+                        </a:rPr>
+                        <a:t> (height x length x width)</a:t>
+                      </a:r>
+                      <a:endParaRPr lang="en-US" sz="2800" dirty="0">
+                        <a:effectLst/>
+                        <a:latin typeface="Arial" pitchFamily="34" charset="0"/>
+                        <a:ea typeface="Calibri"/>
+                        <a:cs typeface="Arial" pitchFamily="34" charset="0"/>
+                      </a:endParaRPr>
+                    </a:p>
+                  </a:txBody>
+                  <a:tcPr marL="68580" marR="68580" marT="0" marB="0">
+                    <a:lnL w="12700" cap="flat" cmpd="sng" algn="ctr">
+                      <a:solidFill>
+                        <a:schemeClr val="tx1"/>
+                      </a:solidFill>
+                      <a:prstDash val="solid"/>
+                      <a:round/>
+                      <a:headEnd type="none" w="med" len="med"/>
+                      <a:tailEnd type="none" w="med" len="med"/>
+                    </a:lnL>
+                    <a:lnR w="12700" cap="flat" cmpd="sng" algn="ctr">
+                      <a:solidFill>
+                        <a:schemeClr val="tx1"/>
+                      </a:solidFill>
+                      <a:prstDash val="solid"/>
+                      <a:round/>
+                      <a:headEnd type="none" w="med" len="med"/>
+                      <a:tailEnd type="none" w="med" len="med"/>
+                    </a:lnR>
+                    <a:lnT w="12700" cap="flat" cmpd="sng" algn="ctr">
+                      <a:solidFill>
+                        <a:schemeClr val="tx1"/>
+                      </a:solidFill>
+                      <a:prstDash val="solid"/>
+                      <a:round/>
+                      <a:headEnd type="none" w="med" len="med"/>
+                      <a:tailEnd type="none" w="med" len="med"/>
+                    </a:lnT>
+                    <a:lnB w="12700" cap="flat" cmpd="sng" algn="ctr">
+                      <a:solidFill>
+                        <a:schemeClr val="tx1"/>
+                      </a:solidFill>
+                      <a:prstDash val="solid"/>
+                      <a:round/>
+                      <a:headEnd type="none" w="med" len="med"/>
+                      <a:tailEnd type="none" w="med" len="med"/>
+                    </a:lnB>
+                    <a:solidFill>
+                      <a:schemeClr val="bg1"/>
+                    </a:solidFill>
+                  </a:tcPr>
+                </a:tc>
+                <a:tc>
+                  <a:txBody>
+                    <a:bodyPr/>
+                    <a:lstStyle/>
+                    <a:p>
+                      <a:pPr marL="0" marR="0">
+                        <a:lnSpc>
+                          <a:spcPct val="107000"/>
+                        </a:lnSpc>
+                        <a:spcBef>
+                          <a:spcPts val="0"/>
+                        </a:spcBef>
+                        <a:spcAft>
+                          <a:spcPts val="0"/>
+                        </a:spcAft>
+                      </a:pPr>
+                      <a:r>
+                        <a:rPr lang="en-US" sz="2800" dirty="0">
+                          <a:effectLst/>
+                          <a:latin typeface="Arial" pitchFamily="34" charset="0"/>
+                          <a:cs typeface="Arial" pitchFamily="34" charset="0"/>
+                        </a:rPr>
+                        <a:t>50 x 26.5 x 17 cm</a:t>
+                      </a:r>
+                      <a:endParaRPr lang="en-US" sz="2800" dirty="0">
+                        <a:effectLst/>
+                        <a:latin typeface="Arial" pitchFamily="34" charset="0"/>
+                        <a:ea typeface="Calibri"/>
+                        <a:cs typeface="Arial" pitchFamily="34" charset="0"/>
+                      </a:endParaRPr>
+                    </a:p>
+                  </a:txBody>
+                  <a:tcPr marL="68580" marR="68580" marT="0" marB="0">
+                    <a:lnL w="12700" cap="flat" cmpd="sng" algn="ctr">
+                      <a:solidFill>
+                        <a:schemeClr val="tx1"/>
+                      </a:solidFill>
+                      <a:prstDash val="solid"/>
+                      <a:round/>
+                      <a:headEnd type="none" w="med" len="med"/>
+                      <a:tailEnd type="none" w="med" len="med"/>
+                    </a:lnL>
+                    <a:lnR w="12700" cap="flat" cmpd="sng" algn="ctr">
+                      <a:solidFill>
+                        <a:schemeClr val="tx1"/>
+                      </a:solidFill>
+                      <a:prstDash val="solid"/>
+                      <a:round/>
+                      <a:headEnd type="none" w="med" len="med"/>
+                      <a:tailEnd type="none" w="med" len="med"/>
+                    </a:lnR>
+                    <a:lnT w="12700" cap="flat" cmpd="sng" algn="ctr">
+                      <a:solidFill>
+                        <a:schemeClr val="tx1"/>
+                      </a:solidFill>
+                      <a:prstDash val="solid"/>
+                      <a:round/>
+                      <a:headEnd type="none" w="med" len="med"/>
+                      <a:tailEnd type="none" w="med" len="med"/>
+                    </a:lnT>
+                    <a:lnB w="12700" cap="flat" cmpd="sng" algn="ctr">
+                      <a:solidFill>
+                        <a:schemeClr val="tx1"/>
+                      </a:solidFill>
+                      <a:prstDash val="solid"/>
+                      <a:round/>
+                      <a:headEnd type="none" w="med" len="med"/>
+                      <a:tailEnd type="none" w="med" len="med"/>
+                    </a:lnB>
+                    <a:solidFill>
+                      <a:schemeClr val="bg1"/>
+                    </a:solidFill>
+                  </a:tcPr>
+                </a:tc>
+              </a:tr>
+              <a:tr h="0">
+                <a:tc>
+                  <a:txBody>
+                    <a:bodyPr/>
+                    <a:lstStyle/>
+                    <a:p>
+                      <a:pPr marL="0" marR="0">
+                        <a:lnSpc>
+                          <a:spcPct val="107000"/>
+                        </a:lnSpc>
+                        <a:spcBef>
+                          <a:spcPts val="0"/>
+                        </a:spcBef>
+                        <a:spcAft>
+                          <a:spcPts val="0"/>
+                        </a:spcAft>
+                      </a:pPr>
+                      <a:r>
+                        <a:rPr lang="en-US" sz="2800">
+                          <a:effectLst/>
+                          <a:latin typeface="Arial" pitchFamily="34" charset="0"/>
+                          <a:cs typeface="Arial" pitchFamily="34" charset="0"/>
+                        </a:rPr>
+                        <a:t>Diameter</a:t>
+                      </a:r>
+                      <a:endParaRPr lang="en-US" sz="2800">
+                        <a:effectLst/>
+                        <a:latin typeface="Arial" pitchFamily="34" charset="0"/>
+                        <a:ea typeface="Calibri"/>
+                        <a:cs typeface="Arial" pitchFamily="34" charset="0"/>
+                      </a:endParaRPr>
+                    </a:p>
+                  </a:txBody>
+                  <a:tcPr marL="68580" marR="68580" marT="0" marB="0">
+                    <a:lnL w="12700" cap="flat" cmpd="sng" algn="ctr">
+                      <a:solidFill>
+                        <a:schemeClr val="tx1"/>
+                      </a:solidFill>
+                      <a:prstDash val="solid"/>
+                      <a:round/>
+                      <a:headEnd type="none" w="med" len="med"/>
+                      <a:tailEnd type="none" w="med" len="med"/>
+                    </a:lnL>
+                    <a:lnR w="12700" cap="flat" cmpd="sng" algn="ctr">
+                      <a:solidFill>
+                        <a:schemeClr val="tx1"/>
+                      </a:solidFill>
+                      <a:prstDash val="solid"/>
+                      <a:round/>
+                      <a:headEnd type="none" w="med" len="med"/>
+                      <a:tailEnd type="none" w="med" len="med"/>
+                    </a:lnR>
+                    <a:lnT w="12700" cap="flat" cmpd="sng" algn="ctr">
+                      <a:solidFill>
+                        <a:schemeClr val="tx1"/>
+                      </a:solidFill>
+                      <a:prstDash val="solid"/>
+                      <a:round/>
+                      <a:headEnd type="none" w="med" len="med"/>
+                      <a:tailEnd type="none" w="med" len="med"/>
+                    </a:lnT>
+                    <a:lnB w="12700" cap="flat" cmpd="sng" algn="ctr">
+                      <a:solidFill>
+                        <a:schemeClr val="tx1"/>
+                      </a:solidFill>
+                      <a:prstDash val="solid"/>
+                      <a:round/>
+                      <a:headEnd type="none" w="med" len="med"/>
+                      <a:tailEnd type="none" w="med" len="med"/>
+                    </a:lnB>
+                    <a:solidFill>
+                      <a:schemeClr val="bg1"/>
+                    </a:solidFill>
+                  </a:tcPr>
+                </a:tc>
+                <a:tc>
+                  <a:txBody>
+                    <a:bodyPr/>
+                    <a:lstStyle/>
+                    <a:p>
+                      <a:pPr marL="0" marR="0">
+                        <a:lnSpc>
+                          <a:spcPct val="107000"/>
+                        </a:lnSpc>
+                        <a:spcBef>
+                          <a:spcPts val="0"/>
+                        </a:spcBef>
+                        <a:spcAft>
+                          <a:spcPts val="0"/>
+                        </a:spcAft>
+                      </a:pPr>
+                      <a:r>
+                        <a:rPr lang="en-US" sz="2800">
+                          <a:effectLst/>
+                          <a:latin typeface="Arial" pitchFamily="34" charset="0"/>
+                          <a:cs typeface="Arial" pitchFamily="34" charset="0"/>
+                        </a:rPr>
+                        <a:t>29 cm </a:t>
+                      </a:r>
+                      <a:endParaRPr lang="en-US" sz="2800">
+                        <a:effectLst/>
+                        <a:latin typeface="Arial" pitchFamily="34" charset="0"/>
+                        <a:ea typeface="Calibri"/>
+                        <a:cs typeface="Arial" pitchFamily="34" charset="0"/>
+                      </a:endParaRPr>
+                    </a:p>
+                  </a:txBody>
+                  <a:tcPr marL="68580" marR="68580" marT="0" marB="0">
+                    <a:lnL w="12700" cap="flat" cmpd="sng" algn="ctr">
+                      <a:solidFill>
+                        <a:schemeClr val="tx1"/>
+                      </a:solidFill>
+                      <a:prstDash val="solid"/>
+                      <a:round/>
+                      <a:headEnd type="none" w="med" len="med"/>
+                      <a:tailEnd type="none" w="med" len="med"/>
+                    </a:lnL>
+                    <a:lnR w="12700" cap="flat" cmpd="sng" algn="ctr">
+                      <a:solidFill>
+                        <a:schemeClr val="tx1"/>
+                      </a:solidFill>
+                      <a:prstDash val="solid"/>
+                      <a:round/>
+                      <a:headEnd type="none" w="med" len="med"/>
+                      <a:tailEnd type="none" w="med" len="med"/>
+                    </a:lnR>
+                    <a:lnT w="12700" cap="flat" cmpd="sng" algn="ctr">
+                      <a:solidFill>
+                        <a:schemeClr val="tx1"/>
+                      </a:solidFill>
+                      <a:prstDash val="solid"/>
+                      <a:round/>
+                      <a:headEnd type="none" w="med" len="med"/>
+                      <a:tailEnd type="none" w="med" len="med"/>
+                    </a:lnT>
+                    <a:lnB w="12700" cap="flat" cmpd="sng" algn="ctr">
+                      <a:solidFill>
+                        <a:schemeClr val="tx1"/>
+                      </a:solidFill>
+                      <a:prstDash val="solid"/>
+                      <a:round/>
+                      <a:headEnd type="none" w="med" len="med"/>
+                      <a:tailEnd type="none" w="med" len="med"/>
+                    </a:lnB>
+                    <a:solidFill>
+                      <a:schemeClr val="bg1"/>
+                    </a:solidFill>
+                  </a:tcPr>
+                </a:tc>
+                <a:tc>
+                  <a:txBody>
+                    <a:bodyPr/>
+                    <a:lstStyle/>
+                    <a:p>
+                      <a:pPr marL="0" marR="0">
+                        <a:lnSpc>
+                          <a:spcPct val="107000"/>
+                        </a:lnSpc>
+                        <a:spcBef>
+                          <a:spcPts val="0"/>
+                        </a:spcBef>
+                        <a:spcAft>
+                          <a:spcPts val="0"/>
+                        </a:spcAft>
+                      </a:pPr>
+                      <a:r>
+                        <a:rPr lang="en-US" sz="2800" b="1" dirty="0">
+                          <a:effectLst/>
+                          <a:latin typeface="Arial" pitchFamily="34" charset="0"/>
+                          <a:cs typeface="Arial" pitchFamily="34" charset="0"/>
+                        </a:rPr>
+                        <a:t>Weight</a:t>
+                      </a:r>
+                      <a:endParaRPr lang="en-US" sz="2800" b="1" dirty="0">
+                        <a:effectLst/>
+                        <a:latin typeface="Arial" pitchFamily="34" charset="0"/>
+                        <a:ea typeface="Calibri"/>
+                        <a:cs typeface="Arial" pitchFamily="34" charset="0"/>
+                      </a:endParaRPr>
+                    </a:p>
+                  </a:txBody>
+                  <a:tcPr marL="68580" marR="68580" marT="0" marB="0">
+                    <a:lnL w="12700" cap="flat" cmpd="sng" algn="ctr">
+                      <a:solidFill>
+                        <a:schemeClr val="tx1"/>
+                      </a:solidFill>
+                      <a:prstDash val="solid"/>
+                      <a:round/>
+                      <a:headEnd type="none" w="med" len="med"/>
+                      <a:tailEnd type="none" w="med" len="med"/>
+                    </a:lnL>
+                    <a:lnR w="12700" cap="flat" cmpd="sng" algn="ctr">
+                      <a:solidFill>
+                        <a:schemeClr val="tx1"/>
+                      </a:solidFill>
+                      <a:prstDash val="solid"/>
+                      <a:round/>
+                      <a:headEnd type="none" w="med" len="med"/>
+                      <a:tailEnd type="none" w="med" len="med"/>
+                    </a:lnR>
+                    <a:lnT w="12700" cap="flat" cmpd="sng" algn="ctr">
+                      <a:solidFill>
+                        <a:schemeClr val="tx1"/>
+                      </a:solidFill>
+                      <a:prstDash val="solid"/>
+                      <a:round/>
+                      <a:headEnd type="none" w="med" len="med"/>
+                      <a:tailEnd type="none" w="med" len="med"/>
+                    </a:lnT>
+                    <a:lnB w="12700" cap="flat" cmpd="sng" algn="ctr">
+                      <a:solidFill>
+                        <a:schemeClr val="tx1"/>
+                      </a:solidFill>
+                      <a:prstDash val="solid"/>
+                      <a:round/>
+                      <a:headEnd type="none" w="med" len="med"/>
+                      <a:tailEnd type="none" w="med" len="med"/>
+                    </a:lnB>
+                    <a:solidFill>
+                      <a:schemeClr val="bg1"/>
+                    </a:solidFill>
+                  </a:tcPr>
+                </a:tc>
+                <a:tc>
+                  <a:txBody>
+                    <a:bodyPr/>
+                    <a:lstStyle/>
+                    <a:p>
+                      <a:pPr marL="0" marR="0">
+                        <a:lnSpc>
+                          <a:spcPct val="107000"/>
+                        </a:lnSpc>
+                        <a:spcBef>
+                          <a:spcPts val="0"/>
+                        </a:spcBef>
+                        <a:spcAft>
+                          <a:spcPts val="0"/>
+                        </a:spcAft>
+                      </a:pPr>
+                      <a:r>
+                        <a:rPr lang="en-US" sz="2800" dirty="0">
+                          <a:effectLst/>
+                          <a:latin typeface="Arial" pitchFamily="34" charset="0"/>
+                          <a:cs typeface="Arial" pitchFamily="34" charset="0"/>
+                        </a:rPr>
+                        <a:t>0.8 kg</a:t>
+                      </a:r>
+                      <a:endParaRPr lang="en-US" sz="2800" dirty="0">
+                        <a:effectLst/>
+                        <a:latin typeface="Arial" pitchFamily="34" charset="0"/>
+                        <a:ea typeface="Calibri"/>
+                        <a:cs typeface="Arial" pitchFamily="34" charset="0"/>
+                      </a:endParaRPr>
+                    </a:p>
+                  </a:txBody>
+                  <a:tcPr marL="68580" marR="68580" marT="0" marB="0">
+                    <a:lnL w="12700" cap="flat" cmpd="sng" algn="ctr">
+                      <a:solidFill>
+                        <a:schemeClr val="tx1"/>
+                      </a:solidFill>
+                      <a:prstDash val="solid"/>
+                      <a:round/>
+                      <a:headEnd type="none" w="med" len="med"/>
+                      <a:tailEnd type="none" w="med" len="med"/>
+                    </a:lnL>
+                    <a:lnR w="12700" cap="flat" cmpd="sng" algn="ctr">
+                      <a:solidFill>
+                        <a:schemeClr val="tx1"/>
+                      </a:solidFill>
+                      <a:prstDash val="solid"/>
+                      <a:round/>
+                      <a:headEnd type="none" w="med" len="med"/>
+                      <a:tailEnd type="none" w="med" len="med"/>
+                    </a:lnR>
+                    <a:lnT w="12700" cap="flat" cmpd="sng" algn="ctr">
+                      <a:solidFill>
+                        <a:schemeClr val="tx1"/>
+                      </a:solidFill>
+                      <a:prstDash val="solid"/>
+                      <a:round/>
+                      <a:headEnd type="none" w="med" len="med"/>
+                      <a:tailEnd type="none" w="med" len="med"/>
+                    </a:lnT>
+                    <a:lnB w="12700" cap="flat" cmpd="sng" algn="ctr">
+                      <a:solidFill>
+                        <a:schemeClr val="tx1"/>
+                      </a:solidFill>
+                      <a:prstDash val="solid"/>
+                      <a:round/>
+                      <a:headEnd type="none" w="med" len="med"/>
+                      <a:tailEnd type="none" w="med" len="med"/>
+                    </a:lnB>
+                    <a:solidFill>
+                      <a:schemeClr val="bg1"/>
+                    </a:solidFill>
+                  </a:tcPr>
+                </a:tc>
+              </a:tr>
+              <a:tr h="0">
+                <a:tc>
+                  <a:txBody>
+                    <a:bodyPr/>
+                    <a:lstStyle/>
+                    <a:p>
+                      <a:pPr marL="0" marR="0">
+                        <a:lnSpc>
+                          <a:spcPct val="107000"/>
+                        </a:lnSpc>
+                        <a:spcBef>
+                          <a:spcPts val="0"/>
+                        </a:spcBef>
+                        <a:spcAft>
+                          <a:spcPts val="0"/>
+                        </a:spcAft>
+                      </a:pPr>
+                      <a:r>
+                        <a:rPr lang="en-US" sz="2800">
+                          <a:effectLst/>
+                          <a:latin typeface="Arial" pitchFamily="34" charset="0"/>
+                          <a:cs typeface="Arial" pitchFamily="34" charset="0"/>
+                        </a:rPr>
+                        <a:t>Weight</a:t>
+                      </a:r>
+                      <a:endParaRPr lang="en-US" sz="2800">
+                        <a:effectLst/>
+                        <a:latin typeface="Arial" pitchFamily="34" charset="0"/>
+                        <a:ea typeface="Calibri"/>
+                        <a:cs typeface="Arial" pitchFamily="34" charset="0"/>
+                      </a:endParaRPr>
+                    </a:p>
+                  </a:txBody>
+                  <a:tcPr marL="68580" marR="68580" marT="0" marB="0">
+                    <a:lnL w="12700" cap="flat" cmpd="sng" algn="ctr">
+                      <a:solidFill>
+                        <a:schemeClr val="tx1"/>
+                      </a:solidFill>
+                      <a:prstDash val="solid"/>
+                      <a:round/>
+                      <a:headEnd type="none" w="med" len="med"/>
+                      <a:tailEnd type="none" w="med" len="med"/>
+                    </a:lnL>
+                    <a:lnR w="12700" cap="flat" cmpd="sng" algn="ctr">
+                      <a:solidFill>
+                        <a:schemeClr val="tx1"/>
+                      </a:solidFill>
+                      <a:prstDash val="solid"/>
+                      <a:round/>
+                      <a:headEnd type="none" w="med" len="med"/>
+                      <a:tailEnd type="none" w="med" len="med"/>
+                    </a:lnR>
+                    <a:lnT w="12700" cap="flat" cmpd="sng" algn="ctr">
+                      <a:solidFill>
+                        <a:schemeClr val="tx1"/>
+                      </a:solidFill>
+                      <a:prstDash val="solid"/>
+                      <a:round/>
+                      <a:headEnd type="none" w="med" len="med"/>
+                      <a:tailEnd type="none" w="med" len="med"/>
+                    </a:lnT>
+                    <a:lnB w="12700" cap="flat" cmpd="sng" algn="ctr">
+                      <a:solidFill>
+                        <a:schemeClr val="tx1"/>
+                      </a:solidFill>
+                      <a:prstDash val="solid"/>
+                      <a:round/>
+                      <a:headEnd type="none" w="med" len="med"/>
+                      <a:tailEnd type="none" w="med" len="med"/>
+                    </a:lnB>
+                    <a:solidFill>
+                      <a:schemeClr val="bg1"/>
+                    </a:solidFill>
+                  </a:tcPr>
+                </a:tc>
+                <a:tc>
+                  <a:txBody>
+                    <a:bodyPr/>
+                    <a:lstStyle/>
+                    <a:p>
+                      <a:pPr marL="0" marR="0">
+                        <a:lnSpc>
+                          <a:spcPct val="107000"/>
+                        </a:lnSpc>
+                        <a:spcBef>
+                          <a:spcPts val="0"/>
+                        </a:spcBef>
+                        <a:spcAft>
+                          <a:spcPts val="0"/>
+                        </a:spcAft>
+                      </a:pPr>
+                      <a:r>
+                        <a:rPr lang="en-US" sz="2800">
+                          <a:effectLst/>
+                          <a:latin typeface="Arial" pitchFamily="34" charset="0"/>
+                          <a:cs typeface="Arial" pitchFamily="34" charset="0"/>
+                        </a:rPr>
+                        <a:t>2.6 kg</a:t>
+                      </a:r>
+                      <a:endParaRPr lang="en-US" sz="2800">
+                        <a:effectLst/>
+                        <a:latin typeface="Arial" pitchFamily="34" charset="0"/>
+                        <a:ea typeface="Calibri"/>
+                        <a:cs typeface="Arial" pitchFamily="34" charset="0"/>
+                      </a:endParaRPr>
+                    </a:p>
+                  </a:txBody>
+                  <a:tcPr marL="68580" marR="68580" marT="0" marB="0">
+                    <a:lnL w="12700" cap="flat" cmpd="sng" algn="ctr">
+                      <a:solidFill>
+                        <a:schemeClr val="tx1"/>
+                      </a:solidFill>
+                      <a:prstDash val="solid"/>
+                      <a:round/>
+                      <a:headEnd type="none" w="med" len="med"/>
+                      <a:tailEnd type="none" w="med" len="med"/>
+                    </a:lnL>
+                    <a:lnR w="12700" cap="flat" cmpd="sng" algn="ctr">
+                      <a:solidFill>
+                        <a:schemeClr val="tx1"/>
+                      </a:solidFill>
+                      <a:prstDash val="solid"/>
+                      <a:round/>
+                      <a:headEnd type="none" w="med" len="med"/>
+                      <a:tailEnd type="none" w="med" len="med"/>
+                    </a:lnR>
+                    <a:lnT w="12700" cap="flat" cmpd="sng" algn="ctr">
+                      <a:solidFill>
+                        <a:schemeClr val="tx1"/>
+                      </a:solidFill>
+                      <a:prstDash val="solid"/>
+                      <a:round/>
+                      <a:headEnd type="none" w="med" len="med"/>
+                      <a:tailEnd type="none" w="med" len="med"/>
+                    </a:lnT>
+                    <a:lnB w="12700" cap="flat" cmpd="sng" algn="ctr">
+                      <a:solidFill>
+                        <a:schemeClr val="tx1"/>
+                      </a:solidFill>
+                      <a:prstDash val="solid"/>
+                      <a:round/>
+                      <a:headEnd type="none" w="med" len="med"/>
+                      <a:tailEnd type="none" w="med" len="med"/>
+                    </a:lnB>
+                    <a:solidFill>
+                      <a:schemeClr val="bg1"/>
+                    </a:solidFill>
+                  </a:tcPr>
+                </a:tc>
+                <a:tc gridSpan="2">
+                  <a:txBody>
+                    <a:bodyPr/>
+                    <a:lstStyle/>
+                    <a:p>
+                      <a:pPr marL="0" marR="0">
+                        <a:lnSpc>
+                          <a:spcPct val="107000"/>
+                        </a:lnSpc>
+                        <a:spcBef>
+                          <a:spcPts val="0"/>
+                        </a:spcBef>
+                        <a:spcAft>
+                          <a:spcPts val="0"/>
+                        </a:spcAft>
+                      </a:pPr>
+                      <a:r>
+                        <a:rPr lang="en-US" sz="2800">
+                          <a:effectLst/>
+                          <a:latin typeface="Arial" pitchFamily="34" charset="0"/>
+                          <a:cs typeface="Arial" pitchFamily="34" charset="0"/>
+                        </a:rPr>
+                        <a:t> </a:t>
+                      </a:r>
+                      <a:endParaRPr lang="en-US" sz="2800">
+                        <a:effectLst/>
+                        <a:latin typeface="Arial" pitchFamily="34" charset="0"/>
+                        <a:ea typeface="Calibri"/>
+                        <a:cs typeface="Arial" pitchFamily="34" charset="0"/>
+                      </a:endParaRPr>
+                    </a:p>
+                  </a:txBody>
+                  <a:tcPr marL="68580" marR="68580" marT="0" marB="0">
+                    <a:lnL w="12700" cap="flat" cmpd="sng" algn="ctr">
+                      <a:solidFill>
+                        <a:schemeClr val="tx1"/>
+                      </a:solidFill>
+                      <a:prstDash val="solid"/>
+                      <a:round/>
+                      <a:headEnd type="none" w="med" len="med"/>
+                      <a:tailEnd type="none" w="med" len="med"/>
+                    </a:lnL>
+                    <a:lnR w="12700" cap="flat" cmpd="sng" algn="ctr">
+                      <a:solidFill>
+                        <a:schemeClr val="tx1"/>
+                      </a:solidFill>
+                      <a:prstDash val="solid"/>
+                      <a:round/>
+                      <a:headEnd type="none" w="med" len="med"/>
+                      <a:tailEnd type="none" w="med" len="med"/>
+                    </a:lnR>
+                    <a:lnT w="12700" cap="flat" cmpd="sng" algn="ctr">
+                      <a:solidFill>
+                        <a:schemeClr val="tx1"/>
+                      </a:solidFill>
+                      <a:prstDash val="solid"/>
+                      <a:round/>
+                      <a:headEnd type="none" w="med" len="med"/>
+                      <a:tailEnd type="none" w="med" len="med"/>
+                    </a:lnT>
+                    <a:lnB w="12700" cap="flat" cmpd="sng" algn="ctr">
+                      <a:solidFill>
+                        <a:schemeClr val="tx1"/>
+                      </a:solidFill>
+                      <a:prstDash val="solid"/>
+                      <a:round/>
+                      <a:headEnd type="none" w="med" len="med"/>
+                      <a:tailEnd type="none" w="med" len="med"/>
+                    </a:lnB>
+                    <a:solidFill>
+                      <a:schemeClr val="bg1"/>
+                    </a:solidFill>
+                  </a:tcPr>
+                </a:tc>
+                <a:tc hMerge="1">
+                  <a:txBody>
+                    <a:bodyPr/>
+                    <a:lstStyle/>
+                    <a:p>
+                      <a:endParaRPr lang="en-US"/>
+                    </a:p>
+                  </a:txBody>
+                  <a:tcPr/>
+                </a:tc>
+              </a:tr>
+              <a:tr h="0">
+                <a:tc gridSpan="2">
+                  <a:txBody>
+                    <a:bodyPr/>
+                    <a:lstStyle/>
+                    <a:p>
+                      <a:pPr marL="0" marR="0" algn="ctr">
+                        <a:lnSpc>
+                          <a:spcPct val="107000"/>
+                        </a:lnSpc>
+                        <a:spcBef>
+                          <a:spcPts val="0"/>
+                        </a:spcBef>
+                        <a:spcAft>
+                          <a:spcPts val="0"/>
+                        </a:spcAft>
+                      </a:pPr>
+                      <a:r>
+                        <a:rPr lang="en-US" sz="2800">
+                          <a:effectLst/>
+                          <a:latin typeface="Arial" pitchFamily="34" charset="0"/>
+                          <a:cs typeface="Arial" pitchFamily="34" charset="0"/>
+                        </a:rPr>
+                        <a:t>Power Specifications</a:t>
+                      </a:r>
+                      <a:endParaRPr lang="en-US" sz="2800">
+                        <a:effectLst/>
+                        <a:latin typeface="Arial" pitchFamily="34" charset="0"/>
+                        <a:ea typeface="Calibri"/>
+                        <a:cs typeface="Arial" pitchFamily="34" charset="0"/>
+                      </a:endParaRPr>
+                    </a:p>
+                  </a:txBody>
+                  <a:tcPr marL="68580" marR="68580" marT="0" marB="0">
+                    <a:lnL w="12700" cap="flat" cmpd="sng" algn="ctr">
+                      <a:solidFill>
+                        <a:schemeClr val="tx1"/>
+                      </a:solidFill>
+                      <a:prstDash val="solid"/>
+                      <a:round/>
+                      <a:headEnd type="none" w="med" len="med"/>
+                      <a:tailEnd type="none" w="med" len="med"/>
+                    </a:lnL>
+                    <a:lnR w="12700" cap="flat" cmpd="sng" algn="ctr">
+                      <a:solidFill>
+                        <a:schemeClr val="tx1"/>
+                      </a:solidFill>
+                      <a:prstDash val="solid"/>
+                      <a:round/>
+                      <a:headEnd type="none" w="med" len="med"/>
+                      <a:tailEnd type="none" w="med" len="med"/>
+                    </a:lnR>
+                    <a:lnT w="12700" cap="flat" cmpd="sng" algn="ctr">
+                      <a:solidFill>
+                        <a:schemeClr val="tx1"/>
+                      </a:solidFill>
+                      <a:prstDash val="solid"/>
+                      <a:round/>
+                      <a:headEnd type="none" w="med" len="med"/>
+                      <a:tailEnd type="none" w="med" len="med"/>
+                    </a:lnT>
+                    <a:lnB w="12700" cap="flat" cmpd="sng" algn="ctr">
+                      <a:solidFill>
+                        <a:schemeClr val="tx1"/>
+                      </a:solidFill>
+                      <a:prstDash val="solid"/>
+                      <a:round/>
+                      <a:headEnd type="none" w="med" len="med"/>
+                      <a:tailEnd type="none" w="med" len="med"/>
+                    </a:lnB>
+                    <a:solidFill>
+                      <a:schemeClr val="bg1"/>
+                    </a:solidFill>
+                  </a:tcPr>
+                </a:tc>
+                <a:tc hMerge="1">
+                  <a:txBody>
+                    <a:bodyPr/>
+                    <a:lstStyle/>
+                    <a:p>
+                      <a:endParaRPr lang="en-US"/>
+                    </a:p>
+                  </a:txBody>
+                  <a:tcPr/>
+                </a:tc>
+                <a:tc gridSpan="2">
+                  <a:txBody>
+                    <a:bodyPr/>
+                    <a:lstStyle/>
+                    <a:p>
+                      <a:pPr marL="0" marR="0" algn="ctr">
+                        <a:lnSpc>
+                          <a:spcPct val="107000"/>
+                        </a:lnSpc>
+                        <a:spcBef>
+                          <a:spcPts val="0"/>
+                        </a:spcBef>
+                        <a:spcAft>
+                          <a:spcPts val="0"/>
+                        </a:spcAft>
+                      </a:pPr>
+                      <a:r>
+                        <a:rPr lang="en-US" sz="2800" b="1" dirty="0">
+                          <a:effectLst/>
+                          <a:latin typeface="Arial" pitchFamily="34" charset="0"/>
+                          <a:cs typeface="Arial" pitchFamily="34" charset="0"/>
+                        </a:rPr>
+                        <a:t>Power Specifications</a:t>
+                      </a:r>
+                      <a:endParaRPr lang="en-US" sz="2800" b="1" dirty="0">
+                        <a:effectLst/>
+                        <a:latin typeface="Arial" pitchFamily="34" charset="0"/>
+                        <a:ea typeface="Calibri"/>
+                        <a:cs typeface="Arial" pitchFamily="34" charset="0"/>
+                      </a:endParaRPr>
+                    </a:p>
+                  </a:txBody>
+                  <a:tcPr marL="68580" marR="68580" marT="0" marB="0">
+                    <a:lnL w="12700" cap="flat" cmpd="sng" algn="ctr">
+                      <a:solidFill>
+                        <a:schemeClr val="tx1"/>
+                      </a:solidFill>
+                      <a:prstDash val="solid"/>
+                      <a:round/>
+                      <a:headEnd type="none" w="med" len="med"/>
+                      <a:tailEnd type="none" w="med" len="med"/>
+                    </a:lnL>
+                    <a:lnR w="12700" cap="flat" cmpd="sng" algn="ctr">
+                      <a:solidFill>
+                        <a:schemeClr val="tx1"/>
+                      </a:solidFill>
+                      <a:prstDash val="solid"/>
+                      <a:round/>
+                      <a:headEnd type="none" w="med" len="med"/>
+                      <a:tailEnd type="none" w="med" len="med"/>
+                    </a:lnR>
+                    <a:lnT w="12700" cap="flat" cmpd="sng" algn="ctr">
+                      <a:solidFill>
+                        <a:schemeClr val="tx1"/>
+                      </a:solidFill>
+                      <a:prstDash val="solid"/>
+                      <a:round/>
+                      <a:headEnd type="none" w="med" len="med"/>
+                      <a:tailEnd type="none" w="med" len="med"/>
+                    </a:lnT>
+                    <a:lnB w="12700" cap="flat" cmpd="sng" algn="ctr">
+                      <a:solidFill>
+                        <a:schemeClr val="tx1"/>
+                      </a:solidFill>
+                      <a:prstDash val="solid"/>
+                      <a:round/>
+                      <a:headEnd type="none" w="med" len="med"/>
+                      <a:tailEnd type="none" w="med" len="med"/>
+                    </a:lnB>
+                    <a:solidFill>
+                      <a:schemeClr val="bg1"/>
+                    </a:solidFill>
+                  </a:tcPr>
+                </a:tc>
+                <a:tc hMerge="1">
+                  <a:txBody>
+                    <a:bodyPr/>
+                    <a:lstStyle/>
+                    <a:p>
+                      <a:endParaRPr lang="en-US"/>
+                    </a:p>
+                  </a:txBody>
+                  <a:tcPr/>
+                </a:tc>
+              </a:tr>
+              <a:tr h="0">
+                <a:tc>
+                  <a:txBody>
+                    <a:bodyPr/>
+                    <a:lstStyle/>
+                    <a:p>
+                      <a:pPr marL="0" marR="0">
+                        <a:lnSpc>
+                          <a:spcPct val="107000"/>
+                        </a:lnSpc>
+                        <a:spcBef>
+                          <a:spcPts val="0"/>
+                        </a:spcBef>
+                        <a:spcAft>
+                          <a:spcPts val="0"/>
+                        </a:spcAft>
+                      </a:pPr>
+                      <a:r>
+                        <a:rPr lang="en-US" sz="2800">
+                          <a:effectLst/>
+                          <a:latin typeface="Arial" pitchFamily="34" charset="0"/>
+                          <a:cs typeface="Arial" pitchFamily="34" charset="0"/>
+                        </a:rPr>
+                        <a:t>Stand-by power</a:t>
+                      </a:r>
+                      <a:endParaRPr lang="en-US" sz="2800">
+                        <a:effectLst/>
+                        <a:latin typeface="Arial" pitchFamily="34" charset="0"/>
+                        <a:ea typeface="Calibri"/>
+                        <a:cs typeface="Arial" pitchFamily="34" charset="0"/>
+                      </a:endParaRPr>
+                    </a:p>
+                  </a:txBody>
+                  <a:tcPr marL="68580" marR="68580" marT="0" marB="0">
+                    <a:lnL w="12700" cap="flat" cmpd="sng" algn="ctr">
+                      <a:solidFill>
+                        <a:schemeClr val="tx1"/>
+                      </a:solidFill>
+                      <a:prstDash val="solid"/>
+                      <a:round/>
+                      <a:headEnd type="none" w="med" len="med"/>
+                      <a:tailEnd type="none" w="med" len="med"/>
+                    </a:lnL>
+                    <a:lnR w="12700" cap="flat" cmpd="sng" algn="ctr">
+                      <a:solidFill>
+                        <a:schemeClr val="tx1"/>
+                      </a:solidFill>
+                      <a:prstDash val="solid"/>
+                      <a:round/>
+                      <a:headEnd type="none" w="med" len="med"/>
+                      <a:tailEnd type="none" w="med" len="med"/>
+                    </a:lnR>
+                    <a:lnT w="12700" cap="flat" cmpd="sng" algn="ctr">
+                      <a:solidFill>
+                        <a:schemeClr val="tx1"/>
+                      </a:solidFill>
+                      <a:prstDash val="solid"/>
+                      <a:round/>
+                      <a:headEnd type="none" w="med" len="med"/>
+                      <a:tailEnd type="none" w="med" len="med"/>
+                    </a:lnT>
+                    <a:lnB w="12700" cap="flat" cmpd="sng" algn="ctr">
+                      <a:solidFill>
+                        <a:schemeClr val="tx1"/>
+                      </a:solidFill>
+                      <a:prstDash val="solid"/>
+                      <a:round/>
+                      <a:headEnd type="none" w="med" len="med"/>
+                      <a:tailEnd type="none" w="med" len="med"/>
+                    </a:lnB>
+                    <a:solidFill>
+                      <a:schemeClr val="bg1"/>
+                    </a:solidFill>
+                  </a:tcPr>
+                </a:tc>
+                <a:tc>
+                  <a:txBody>
+                    <a:bodyPr/>
+                    <a:lstStyle/>
+                    <a:p>
+                      <a:pPr marL="0" marR="0">
+                        <a:lnSpc>
+                          <a:spcPct val="107000"/>
+                        </a:lnSpc>
+                        <a:spcBef>
+                          <a:spcPts val="0"/>
+                        </a:spcBef>
+                        <a:spcAft>
+                          <a:spcPts val="0"/>
+                        </a:spcAft>
+                      </a:pPr>
+                      <a:r>
+                        <a:rPr lang="en-US" sz="2800" dirty="0">
+                          <a:effectLst/>
+                          <a:latin typeface="Arial" pitchFamily="34" charset="0"/>
+                          <a:cs typeface="Arial" pitchFamily="34" charset="0"/>
+                        </a:rPr>
+                        <a:t>4.8 W</a:t>
+                      </a:r>
+                      <a:endParaRPr lang="en-US" sz="2800" dirty="0">
+                        <a:effectLst/>
+                        <a:latin typeface="Arial" pitchFamily="34" charset="0"/>
+                        <a:ea typeface="Calibri"/>
+                        <a:cs typeface="Arial" pitchFamily="34" charset="0"/>
+                      </a:endParaRPr>
+                    </a:p>
+                  </a:txBody>
+                  <a:tcPr marL="68580" marR="68580" marT="0" marB="0">
+                    <a:lnL w="12700" cap="flat" cmpd="sng" algn="ctr">
+                      <a:solidFill>
+                        <a:schemeClr val="tx1"/>
+                      </a:solidFill>
+                      <a:prstDash val="solid"/>
+                      <a:round/>
+                      <a:headEnd type="none" w="med" len="med"/>
+                      <a:tailEnd type="none" w="med" len="med"/>
+                    </a:lnL>
+                    <a:lnR w="12700" cap="flat" cmpd="sng" algn="ctr">
+                      <a:solidFill>
+                        <a:schemeClr val="tx1"/>
+                      </a:solidFill>
+                      <a:prstDash val="solid"/>
+                      <a:round/>
+                      <a:headEnd type="none" w="med" len="med"/>
+                      <a:tailEnd type="none" w="med" len="med"/>
+                    </a:lnR>
+                    <a:lnT w="12700" cap="flat" cmpd="sng" algn="ctr">
+                      <a:solidFill>
+                        <a:schemeClr val="tx1"/>
+                      </a:solidFill>
+                      <a:prstDash val="solid"/>
+                      <a:round/>
+                      <a:headEnd type="none" w="med" len="med"/>
+                      <a:tailEnd type="none" w="med" len="med"/>
+                    </a:lnT>
+                    <a:lnB w="12700" cap="flat" cmpd="sng" algn="ctr">
+                      <a:solidFill>
+                        <a:schemeClr val="tx1"/>
+                      </a:solidFill>
+                      <a:prstDash val="solid"/>
+                      <a:round/>
+                      <a:headEnd type="none" w="med" len="med"/>
+                      <a:tailEnd type="none" w="med" len="med"/>
+                    </a:lnB>
+                    <a:solidFill>
+                      <a:schemeClr val="bg1"/>
+                    </a:solidFill>
+                  </a:tcPr>
+                </a:tc>
+                <a:tc>
+                  <a:txBody>
+                    <a:bodyPr/>
+                    <a:lstStyle/>
+                    <a:p>
+                      <a:pPr marL="0" marR="0">
+                        <a:lnSpc>
+                          <a:spcPct val="107000"/>
+                        </a:lnSpc>
+                        <a:spcBef>
+                          <a:spcPts val="0"/>
+                        </a:spcBef>
+                        <a:spcAft>
+                          <a:spcPts val="0"/>
+                        </a:spcAft>
+                      </a:pPr>
+                      <a:r>
+                        <a:rPr lang="en-US" sz="2800" dirty="0">
+                          <a:effectLst/>
+                          <a:latin typeface="Arial" pitchFamily="34" charset="0"/>
+                          <a:cs typeface="Arial" pitchFamily="34" charset="0"/>
+                        </a:rPr>
+                        <a:t>Stand-by power</a:t>
+                      </a:r>
+                      <a:endParaRPr lang="en-US" sz="2800" dirty="0">
+                        <a:effectLst/>
+                        <a:latin typeface="Arial" pitchFamily="34" charset="0"/>
+                        <a:ea typeface="Calibri"/>
+                        <a:cs typeface="Arial" pitchFamily="34" charset="0"/>
+                      </a:endParaRPr>
+                    </a:p>
+                  </a:txBody>
+                  <a:tcPr marL="68580" marR="68580" marT="0" marB="0">
+                    <a:lnL w="12700" cap="flat" cmpd="sng" algn="ctr">
+                      <a:solidFill>
+                        <a:schemeClr val="tx1"/>
+                      </a:solidFill>
+                      <a:prstDash val="solid"/>
+                      <a:round/>
+                      <a:headEnd type="none" w="med" len="med"/>
+                      <a:tailEnd type="none" w="med" len="med"/>
+                    </a:lnL>
+                    <a:lnR w="12700" cap="flat" cmpd="sng" algn="ctr">
+                      <a:solidFill>
+                        <a:schemeClr val="tx1"/>
+                      </a:solidFill>
+                      <a:prstDash val="solid"/>
+                      <a:round/>
+                      <a:headEnd type="none" w="med" len="med"/>
+                      <a:tailEnd type="none" w="med" len="med"/>
+                    </a:lnR>
+                    <a:lnT w="12700" cap="flat" cmpd="sng" algn="ctr">
+                      <a:solidFill>
+                        <a:schemeClr val="tx1"/>
+                      </a:solidFill>
+                      <a:prstDash val="solid"/>
+                      <a:round/>
+                      <a:headEnd type="none" w="med" len="med"/>
+                      <a:tailEnd type="none" w="med" len="med"/>
+                    </a:lnT>
+                    <a:lnB w="12700" cap="flat" cmpd="sng" algn="ctr">
+                      <a:solidFill>
+                        <a:schemeClr val="tx1"/>
+                      </a:solidFill>
+                      <a:prstDash val="solid"/>
+                      <a:round/>
+                      <a:headEnd type="none" w="med" len="med"/>
+                      <a:tailEnd type="none" w="med" len="med"/>
+                    </a:lnB>
+                    <a:solidFill>
+                      <a:schemeClr val="bg1"/>
+                    </a:solidFill>
+                  </a:tcPr>
+                </a:tc>
+                <a:tc>
+                  <a:txBody>
+                    <a:bodyPr/>
+                    <a:lstStyle/>
+                    <a:p>
+                      <a:pPr marL="0" marR="0">
+                        <a:lnSpc>
+                          <a:spcPct val="107000"/>
+                        </a:lnSpc>
+                        <a:spcBef>
+                          <a:spcPts val="0"/>
+                        </a:spcBef>
+                        <a:spcAft>
+                          <a:spcPts val="0"/>
+                        </a:spcAft>
+                      </a:pPr>
+                      <a:r>
+                        <a:rPr lang="en-US" sz="2800">
+                          <a:effectLst/>
+                          <a:latin typeface="Arial" pitchFamily="34" charset="0"/>
+                          <a:cs typeface="Arial" pitchFamily="34" charset="0"/>
+                        </a:rPr>
+                        <a:t>1.56 W</a:t>
+                      </a:r>
+                      <a:endParaRPr lang="en-US" sz="2800">
+                        <a:effectLst/>
+                        <a:latin typeface="Arial" pitchFamily="34" charset="0"/>
+                        <a:ea typeface="Calibri"/>
+                        <a:cs typeface="Arial" pitchFamily="34" charset="0"/>
+                      </a:endParaRPr>
+                    </a:p>
+                  </a:txBody>
+                  <a:tcPr marL="68580" marR="68580" marT="0" marB="0">
+                    <a:lnL w="12700" cap="flat" cmpd="sng" algn="ctr">
+                      <a:solidFill>
+                        <a:schemeClr val="tx1"/>
+                      </a:solidFill>
+                      <a:prstDash val="solid"/>
+                      <a:round/>
+                      <a:headEnd type="none" w="med" len="med"/>
+                      <a:tailEnd type="none" w="med" len="med"/>
+                    </a:lnL>
+                    <a:lnR w="12700" cap="flat" cmpd="sng" algn="ctr">
+                      <a:solidFill>
+                        <a:schemeClr val="tx1"/>
+                      </a:solidFill>
+                      <a:prstDash val="solid"/>
+                      <a:round/>
+                      <a:headEnd type="none" w="med" len="med"/>
+                      <a:tailEnd type="none" w="med" len="med"/>
+                    </a:lnR>
+                    <a:lnT w="12700" cap="flat" cmpd="sng" algn="ctr">
+                      <a:solidFill>
+                        <a:schemeClr val="tx1"/>
+                      </a:solidFill>
+                      <a:prstDash val="solid"/>
+                      <a:round/>
+                      <a:headEnd type="none" w="med" len="med"/>
+                      <a:tailEnd type="none" w="med" len="med"/>
+                    </a:lnT>
+                    <a:lnB w="12700" cap="flat" cmpd="sng" algn="ctr">
+                      <a:solidFill>
+                        <a:schemeClr val="tx1"/>
+                      </a:solidFill>
+                      <a:prstDash val="solid"/>
+                      <a:round/>
+                      <a:headEnd type="none" w="med" len="med"/>
+                      <a:tailEnd type="none" w="med" len="med"/>
+                    </a:lnB>
+                    <a:solidFill>
+                      <a:schemeClr val="bg1"/>
+                    </a:solidFill>
+                  </a:tcPr>
+                </a:tc>
+              </a:tr>
+              <a:tr h="0">
+                <a:tc>
+                  <a:txBody>
+                    <a:bodyPr/>
+                    <a:lstStyle/>
+                    <a:p>
+                      <a:pPr marL="0" marR="0">
+                        <a:lnSpc>
+                          <a:spcPct val="107000"/>
+                        </a:lnSpc>
+                        <a:spcBef>
+                          <a:spcPts val="0"/>
+                        </a:spcBef>
+                        <a:spcAft>
+                          <a:spcPts val="0"/>
+                        </a:spcAft>
+                      </a:pPr>
+                      <a:r>
+                        <a:rPr lang="en-US" sz="2800">
+                          <a:effectLst/>
+                          <a:latin typeface="Arial" pitchFamily="34" charset="0"/>
+                          <a:cs typeface="Arial" pitchFamily="34" charset="0"/>
+                        </a:rPr>
+                        <a:t>Operating power</a:t>
+                      </a:r>
+                      <a:endParaRPr lang="en-US" sz="2800">
+                        <a:effectLst/>
+                        <a:latin typeface="Arial" pitchFamily="34" charset="0"/>
+                        <a:ea typeface="Calibri"/>
+                        <a:cs typeface="Arial" pitchFamily="34" charset="0"/>
+                      </a:endParaRPr>
+                    </a:p>
+                  </a:txBody>
+                  <a:tcPr marL="68580" marR="68580" marT="0" marB="0">
+                    <a:lnL w="12700" cap="flat" cmpd="sng" algn="ctr">
+                      <a:solidFill>
+                        <a:schemeClr val="tx1"/>
+                      </a:solidFill>
+                      <a:prstDash val="solid"/>
+                      <a:round/>
+                      <a:headEnd type="none" w="med" len="med"/>
+                      <a:tailEnd type="none" w="med" len="med"/>
+                    </a:lnL>
+                    <a:lnR w="12700" cap="flat" cmpd="sng" algn="ctr">
+                      <a:solidFill>
+                        <a:schemeClr val="tx1"/>
+                      </a:solidFill>
+                      <a:prstDash val="solid"/>
+                      <a:round/>
+                      <a:headEnd type="none" w="med" len="med"/>
+                      <a:tailEnd type="none" w="med" len="med"/>
+                    </a:lnR>
+                    <a:lnT w="12700" cap="flat" cmpd="sng" algn="ctr">
+                      <a:solidFill>
+                        <a:schemeClr val="tx1"/>
+                      </a:solidFill>
+                      <a:prstDash val="solid"/>
+                      <a:round/>
+                      <a:headEnd type="none" w="med" len="med"/>
+                      <a:tailEnd type="none" w="med" len="med"/>
+                    </a:lnT>
+                    <a:lnB w="12700" cap="flat" cmpd="sng" algn="ctr">
+                      <a:solidFill>
+                        <a:schemeClr val="tx1"/>
+                      </a:solidFill>
+                      <a:prstDash val="solid"/>
+                      <a:round/>
+                      <a:headEnd type="none" w="med" len="med"/>
+                      <a:tailEnd type="none" w="med" len="med"/>
+                    </a:lnB>
+                    <a:solidFill>
+                      <a:schemeClr val="bg1"/>
+                    </a:solidFill>
+                  </a:tcPr>
+                </a:tc>
+                <a:tc>
+                  <a:txBody>
+                    <a:bodyPr/>
+                    <a:lstStyle/>
+                    <a:p>
+                      <a:pPr marL="0" marR="0">
+                        <a:lnSpc>
+                          <a:spcPct val="107000"/>
+                        </a:lnSpc>
+                        <a:spcBef>
+                          <a:spcPts val="0"/>
+                        </a:spcBef>
+                        <a:spcAft>
+                          <a:spcPts val="0"/>
+                        </a:spcAft>
+                      </a:pPr>
+                      <a:r>
+                        <a:rPr lang="en-US" sz="2800">
+                          <a:effectLst/>
+                          <a:latin typeface="Arial" pitchFamily="34" charset="0"/>
+                          <a:cs typeface="Arial" pitchFamily="34" charset="0"/>
+                        </a:rPr>
+                        <a:t>49.5 W</a:t>
+                      </a:r>
+                      <a:endParaRPr lang="en-US" sz="2800">
+                        <a:effectLst/>
+                        <a:latin typeface="Arial" pitchFamily="34" charset="0"/>
+                        <a:ea typeface="Calibri"/>
+                        <a:cs typeface="Arial" pitchFamily="34" charset="0"/>
+                      </a:endParaRPr>
+                    </a:p>
+                  </a:txBody>
+                  <a:tcPr marL="68580" marR="68580" marT="0" marB="0">
+                    <a:lnL w="12700" cap="flat" cmpd="sng" algn="ctr">
+                      <a:solidFill>
+                        <a:schemeClr val="tx1"/>
+                      </a:solidFill>
+                      <a:prstDash val="solid"/>
+                      <a:round/>
+                      <a:headEnd type="none" w="med" len="med"/>
+                      <a:tailEnd type="none" w="med" len="med"/>
+                    </a:lnL>
+                    <a:lnR w="12700" cap="flat" cmpd="sng" algn="ctr">
+                      <a:solidFill>
+                        <a:schemeClr val="tx1"/>
+                      </a:solidFill>
+                      <a:prstDash val="solid"/>
+                      <a:round/>
+                      <a:headEnd type="none" w="med" len="med"/>
+                      <a:tailEnd type="none" w="med" len="med"/>
+                    </a:lnR>
+                    <a:lnT w="12700" cap="flat" cmpd="sng" algn="ctr">
+                      <a:solidFill>
+                        <a:schemeClr val="tx1"/>
+                      </a:solidFill>
+                      <a:prstDash val="solid"/>
+                      <a:round/>
+                      <a:headEnd type="none" w="med" len="med"/>
+                      <a:tailEnd type="none" w="med" len="med"/>
+                    </a:lnT>
+                    <a:lnB w="12700" cap="flat" cmpd="sng" algn="ctr">
+                      <a:solidFill>
+                        <a:schemeClr val="tx1"/>
+                      </a:solidFill>
+                      <a:prstDash val="solid"/>
+                      <a:round/>
+                      <a:headEnd type="none" w="med" len="med"/>
+                      <a:tailEnd type="none" w="med" len="med"/>
+                    </a:lnB>
+                    <a:solidFill>
+                      <a:schemeClr val="bg1"/>
+                    </a:solidFill>
+                  </a:tcPr>
+                </a:tc>
+                <a:tc>
+                  <a:txBody>
+                    <a:bodyPr/>
+                    <a:lstStyle/>
+                    <a:p>
+                      <a:pPr marL="0" marR="0">
+                        <a:lnSpc>
+                          <a:spcPct val="107000"/>
+                        </a:lnSpc>
+                        <a:spcBef>
+                          <a:spcPts val="0"/>
+                        </a:spcBef>
+                        <a:spcAft>
+                          <a:spcPts val="0"/>
+                        </a:spcAft>
+                      </a:pPr>
+                      <a:r>
+                        <a:rPr lang="en-US" sz="2800">
+                          <a:effectLst/>
+                          <a:latin typeface="Arial" pitchFamily="34" charset="0"/>
+                          <a:cs typeface="Arial" pitchFamily="34" charset="0"/>
+                        </a:rPr>
+                        <a:t>Operating power</a:t>
+                      </a:r>
+                      <a:endParaRPr lang="en-US" sz="2800">
+                        <a:effectLst/>
+                        <a:latin typeface="Arial" pitchFamily="34" charset="0"/>
+                        <a:ea typeface="Calibri"/>
+                        <a:cs typeface="Arial" pitchFamily="34" charset="0"/>
+                      </a:endParaRPr>
+                    </a:p>
+                  </a:txBody>
+                  <a:tcPr marL="68580" marR="68580" marT="0" marB="0">
+                    <a:lnL w="12700" cap="flat" cmpd="sng" algn="ctr">
+                      <a:solidFill>
+                        <a:schemeClr val="tx1"/>
+                      </a:solidFill>
+                      <a:prstDash val="solid"/>
+                      <a:round/>
+                      <a:headEnd type="none" w="med" len="med"/>
+                      <a:tailEnd type="none" w="med" len="med"/>
+                    </a:lnL>
+                    <a:lnR w="12700" cap="flat" cmpd="sng" algn="ctr">
+                      <a:solidFill>
+                        <a:schemeClr val="tx1"/>
+                      </a:solidFill>
+                      <a:prstDash val="solid"/>
+                      <a:round/>
+                      <a:headEnd type="none" w="med" len="med"/>
+                      <a:tailEnd type="none" w="med" len="med"/>
+                    </a:lnR>
+                    <a:lnT w="12700" cap="flat" cmpd="sng" algn="ctr">
+                      <a:solidFill>
+                        <a:schemeClr val="tx1"/>
+                      </a:solidFill>
+                      <a:prstDash val="solid"/>
+                      <a:round/>
+                      <a:headEnd type="none" w="med" len="med"/>
+                      <a:tailEnd type="none" w="med" len="med"/>
+                    </a:lnT>
+                    <a:lnB w="12700" cap="flat" cmpd="sng" algn="ctr">
+                      <a:solidFill>
+                        <a:schemeClr val="tx1"/>
+                      </a:solidFill>
+                      <a:prstDash val="solid"/>
+                      <a:round/>
+                      <a:headEnd type="none" w="med" len="med"/>
+                      <a:tailEnd type="none" w="med" len="med"/>
+                    </a:lnB>
+                    <a:solidFill>
+                      <a:schemeClr val="bg1"/>
+                    </a:solidFill>
+                  </a:tcPr>
+                </a:tc>
+                <a:tc>
+                  <a:txBody>
+                    <a:bodyPr/>
+                    <a:lstStyle/>
+                    <a:p>
+                      <a:pPr marL="0" marR="0">
+                        <a:lnSpc>
+                          <a:spcPct val="107000"/>
+                        </a:lnSpc>
+                        <a:spcBef>
+                          <a:spcPts val="0"/>
+                        </a:spcBef>
+                        <a:spcAft>
+                          <a:spcPts val="0"/>
+                        </a:spcAft>
+                      </a:pPr>
+                      <a:r>
+                        <a:rPr lang="en-US" sz="2800">
+                          <a:effectLst/>
+                          <a:latin typeface="Arial" pitchFamily="34" charset="0"/>
+                          <a:cs typeface="Arial" pitchFamily="34" charset="0"/>
+                        </a:rPr>
+                        <a:t>1.56 W</a:t>
+                      </a:r>
+                      <a:endParaRPr lang="en-US" sz="2800">
+                        <a:effectLst/>
+                        <a:latin typeface="Arial" pitchFamily="34" charset="0"/>
+                        <a:ea typeface="Calibri"/>
+                        <a:cs typeface="Arial" pitchFamily="34" charset="0"/>
+                      </a:endParaRPr>
+                    </a:p>
+                  </a:txBody>
+                  <a:tcPr marL="68580" marR="68580" marT="0" marB="0">
+                    <a:lnL w="12700" cap="flat" cmpd="sng" algn="ctr">
+                      <a:solidFill>
+                        <a:schemeClr val="tx1"/>
+                      </a:solidFill>
+                      <a:prstDash val="solid"/>
+                      <a:round/>
+                      <a:headEnd type="none" w="med" len="med"/>
+                      <a:tailEnd type="none" w="med" len="med"/>
+                    </a:lnL>
+                    <a:lnR w="12700" cap="flat" cmpd="sng" algn="ctr">
+                      <a:solidFill>
+                        <a:schemeClr val="tx1"/>
+                      </a:solidFill>
+                      <a:prstDash val="solid"/>
+                      <a:round/>
+                      <a:headEnd type="none" w="med" len="med"/>
+                      <a:tailEnd type="none" w="med" len="med"/>
+                    </a:lnR>
+                    <a:lnT w="12700" cap="flat" cmpd="sng" algn="ctr">
+                      <a:solidFill>
+                        <a:schemeClr val="tx1"/>
+                      </a:solidFill>
+                      <a:prstDash val="solid"/>
+                      <a:round/>
+                      <a:headEnd type="none" w="med" len="med"/>
+                      <a:tailEnd type="none" w="med" len="med"/>
+                    </a:lnT>
+                    <a:lnB w="12700" cap="flat" cmpd="sng" algn="ctr">
+                      <a:solidFill>
+                        <a:schemeClr val="tx1"/>
+                      </a:solidFill>
+                      <a:prstDash val="solid"/>
+                      <a:round/>
+                      <a:headEnd type="none" w="med" len="med"/>
+                      <a:tailEnd type="none" w="med" len="med"/>
+                    </a:lnB>
+                    <a:solidFill>
+                      <a:schemeClr val="bg1"/>
+                    </a:solidFill>
+                  </a:tcPr>
+                </a:tc>
+              </a:tr>
+              <a:tr h="0">
+                <a:tc>
+                  <a:txBody>
+                    <a:bodyPr/>
+                    <a:lstStyle/>
+                    <a:p>
+                      <a:pPr marL="0" marR="0">
+                        <a:lnSpc>
+                          <a:spcPct val="107000"/>
+                        </a:lnSpc>
+                        <a:spcBef>
+                          <a:spcPts val="0"/>
+                        </a:spcBef>
+                        <a:spcAft>
+                          <a:spcPts val="0"/>
+                        </a:spcAft>
+                      </a:pPr>
+                      <a:r>
+                        <a:rPr lang="en-US" sz="2800" dirty="0">
+                          <a:effectLst/>
+                          <a:latin typeface="Arial" pitchFamily="34" charset="0"/>
+                          <a:cs typeface="Arial" pitchFamily="34" charset="0"/>
+                        </a:rPr>
+                        <a:t>Operating time</a:t>
+                      </a:r>
+                      <a:endParaRPr lang="en-US" sz="2800" dirty="0">
+                        <a:effectLst/>
+                        <a:latin typeface="Arial" pitchFamily="34" charset="0"/>
+                        <a:ea typeface="Calibri"/>
+                        <a:cs typeface="Arial" pitchFamily="34" charset="0"/>
+                      </a:endParaRPr>
+                    </a:p>
+                  </a:txBody>
+                  <a:tcPr marL="68580" marR="68580" marT="0" marB="0">
+                    <a:lnL w="12700" cap="flat" cmpd="sng" algn="ctr">
+                      <a:solidFill>
+                        <a:schemeClr val="tx1"/>
+                      </a:solidFill>
+                      <a:prstDash val="solid"/>
+                      <a:round/>
+                      <a:headEnd type="none" w="med" len="med"/>
+                      <a:tailEnd type="none" w="med" len="med"/>
+                    </a:lnL>
+                    <a:lnR w="12700" cap="flat" cmpd="sng" algn="ctr">
+                      <a:solidFill>
+                        <a:schemeClr val="tx1"/>
+                      </a:solidFill>
+                      <a:prstDash val="solid"/>
+                      <a:round/>
+                      <a:headEnd type="none" w="med" len="med"/>
+                      <a:tailEnd type="none" w="med" len="med"/>
+                    </a:lnR>
+                    <a:lnT w="12700" cap="flat" cmpd="sng" algn="ctr">
+                      <a:solidFill>
+                        <a:schemeClr val="tx1"/>
+                      </a:solidFill>
+                      <a:prstDash val="solid"/>
+                      <a:round/>
+                      <a:headEnd type="none" w="med" len="med"/>
+                      <a:tailEnd type="none" w="med" len="med"/>
+                    </a:lnT>
+                    <a:lnB w="12700" cap="flat" cmpd="sng" algn="ctr">
+                      <a:solidFill>
+                        <a:schemeClr val="tx1"/>
+                      </a:solidFill>
+                      <a:prstDash val="solid"/>
+                      <a:round/>
+                      <a:headEnd type="none" w="med" len="med"/>
+                      <a:tailEnd type="none" w="med" len="med"/>
+                    </a:lnB>
+                    <a:solidFill>
+                      <a:schemeClr val="bg1"/>
+                    </a:solidFill>
+                  </a:tcPr>
+                </a:tc>
+                <a:tc>
+                  <a:txBody>
+                    <a:bodyPr/>
+                    <a:lstStyle/>
+                    <a:p>
+                      <a:pPr marL="0" marR="0">
+                        <a:lnSpc>
+                          <a:spcPct val="107000"/>
+                        </a:lnSpc>
+                        <a:spcBef>
+                          <a:spcPts val="0"/>
+                        </a:spcBef>
+                        <a:spcAft>
+                          <a:spcPts val="0"/>
+                        </a:spcAft>
+                      </a:pPr>
+                      <a:r>
+                        <a:rPr lang="en-US" sz="2800">
+                          <a:effectLst/>
+                          <a:latin typeface="Arial" pitchFamily="34" charset="0"/>
+                          <a:cs typeface="Arial" pitchFamily="34" charset="0"/>
+                        </a:rPr>
+                        <a:t>~45 min</a:t>
+                      </a:r>
+                      <a:endParaRPr lang="en-US" sz="2800">
+                        <a:effectLst/>
+                        <a:latin typeface="Arial" pitchFamily="34" charset="0"/>
+                        <a:ea typeface="Calibri"/>
+                        <a:cs typeface="Arial" pitchFamily="34" charset="0"/>
+                      </a:endParaRPr>
+                    </a:p>
+                  </a:txBody>
+                  <a:tcPr marL="68580" marR="68580" marT="0" marB="0">
+                    <a:lnL w="12700" cap="flat" cmpd="sng" algn="ctr">
+                      <a:solidFill>
+                        <a:schemeClr val="tx1"/>
+                      </a:solidFill>
+                      <a:prstDash val="solid"/>
+                      <a:round/>
+                      <a:headEnd type="none" w="med" len="med"/>
+                      <a:tailEnd type="none" w="med" len="med"/>
+                    </a:lnL>
+                    <a:lnR w="12700" cap="flat" cmpd="sng" algn="ctr">
+                      <a:solidFill>
+                        <a:schemeClr val="tx1"/>
+                      </a:solidFill>
+                      <a:prstDash val="solid"/>
+                      <a:round/>
+                      <a:headEnd type="none" w="med" len="med"/>
+                      <a:tailEnd type="none" w="med" len="med"/>
+                    </a:lnR>
+                    <a:lnT w="12700" cap="flat" cmpd="sng" algn="ctr">
+                      <a:solidFill>
+                        <a:schemeClr val="tx1"/>
+                      </a:solidFill>
+                      <a:prstDash val="solid"/>
+                      <a:round/>
+                      <a:headEnd type="none" w="med" len="med"/>
+                      <a:tailEnd type="none" w="med" len="med"/>
+                    </a:lnT>
+                    <a:lnB w="12700" cap="flat" cmpd="sng" algn="ctr">
+                      <a:solidFill>
+                        <a:schemeClr val="tx1"/>
+                      </a:solidFill>
+                      <a:prstDash val="solid"/>
+                      <a:round/>
+                      <a:headEnd type="none" w="med" len="med"/>
+                      <a:tailEnd type="none" w="med" len="med"/>
+                    </a:lnB>
+                    <a:solidFill>
+                      <a:schemeClr val="bg1"/>
+                    </a:solidFill>
+                  </a:tcPr>
+                </a:tc>
+                <a:tc>
+                  <a:txBody>
+                    <a:bodyPr/>
+                    <a:lstStyle/>
+                    <a:p>
+                      <a:pPr marL="0" marR="0">
+                        <a:lnSpc>
+                          <a:spcPct val="107000"/>
+                        </a:lnSpc>
+                        <a:spcBef>
+                          <a:spcPts val="0"/>
+                        </a:spcBef>
+                        <a:spcAft>
+                          <a:spcPts val="0"/>
+                        </a:spcAft>
+                      </a:pPr>
+                      <a:r>
+                        <a:rPr lang="en-US" sz="2800">
+                          <a:effectLst/>
+                          <a:latin typeface="Arial" pitchFamily="34" charset="0"/>
+                          <a:cs typeface="Arial" pitchFamily="34" charset="0"/>
+                        </a:rPr>
+                        <a:t>Operating time</a:t>
+                      </a:r>
+                      <a:endParaRPr lang="en-US" sz="2800">
+                        <a:effectLst/>
+                        <a:latin typeface="Arial" pitchFamily="34" charset="0"/>
+                        <a:ea typeface="Calibri"/>
+                        <a:cs typeface="Arial" pitchFamily="34" charset="0"/>
+                      </a:endParaRPr>
+                    </a:p>
+                  </a:txBody>
+                  <a:tcPr marL="68580" marR="68580" marT="0" marB="0">
+                    <a:lnL w="12700" cap="flat" cmpd="sng" algn="ctr">
+                      <a:solidFill>
+                        <a:schemeClr val="tx1"/>
+                      </a:solidFill>
+                      <a:prstDash val="solid"/>
+                      <a:round/>
+                      <a:headEnd type="none" w="med" len="med"/>
+                      <a:tailEnd type="none" w="med" len="med"/>
+                    </a:lnL>
+                    <a:lnR w="12700" cap="flat" cmpd="sng" algn="ctr">
+                      <a:solidFill>
+                        <a:schemeClr val="tx1"/>
+                      </a:solidFill>
+                      <a:prstDash val="solid"/>
+                      <a:round/>
+                      <a:headEnd type="none" w="med" len="med"/>
+                      <a:tailEnd type="none" w="med" len="med"/>
+                    </a:lnR>
+                    <a:lnT w="12700" cap="flat" cmpd="sng" algn="ctr">
+                      <a:solidFill>
+                        <a:schemeClr val="tx1"/>
+                      </a:solidFill>
+                      <a:prstDash val="solid"/>
+                      <a:round/>
+                      <a:headEnd type="none" w="med" len="med"/>
+                      <a:tailEnd type="none" w="med" len="med"/>
+                    </a:lnT>
+                    <a:lnB w="12700" cap="flat" cmpd="sng" algn="ctr">
+                      <a:solidFill>
+                        <a:schemeClr val="tx1"/>
+                      </a:solidFill>
+                      <a:prstDash val="solid"/>
+                      <a:round/>
+                      <a:headEnd type="none" w="med" len="med"/>
+                      <a:tailEnd type="none" w="med" len="med"/>
+                    </a:lnB>
+                    <a:solidFill>
+                      <a:schemeClr val="bg1"/>
+                    </a:solidFill>
+                  </a:tcPr>
+                </a:tc>
+                <a:tc>
+                  <a:txBody>
+                    <a:bodyPr/>
+                    <a:lstStyle/>
+                    <a:p>
+                      <a:pPr marL="0" marR="0">
+                        <a:lnSpc>
+                          <a:spcPct val="107000"/>
+                        </a:lnSpc>
+                        <a:spcBef>
+                          <a:spcPts val="0"/>
+                        </a:spcBef>
+                        <a:spcAft>
+                          <a:spcPts val="0"/>
+                        </a:spcAft>
+                      </a:pPr>
+                      <a:r>
+                        <a:rPr lang="en-US" sz="2800" dirty="0">
+                          <a:effectLst/>
+                          <a:latin typeface="Arial" pitchFamily="34" charset="0"/>
+                          <a:cs typeface="Arial" pitchFamily="34" charset="0"/>
+                        </a:rPr>
+                        <a:t>~5 hour</a:t>
+                      </a:r>
+                      <a:endParaRPr lang="en-US" sz="2800" dirty="0">
+                        <a:effectLst/>
+                        <a:latin typeface="Arial" pitchFamily="34" charset="0"/>
+                        <a:ea typeface="Calibri"/>
+                        <a:cs typeface="Arial" pitchFamily="34" charset="0"/>
+                      </a:endParaRPr>
+                    </a:p>
+                  </a:txBody>
+                  <a:tcPr marL="68580" marR="68580" marT="0" marB="0">
+                    <a:lnL w="12700" cap="flat" cmpd="sng" algn="ctr">
+                      <a:solidFill>
+                        <a:schemeClr val="tx1"/>
+                      </a:solidFill>
+                      <a:prstDash val="solid"/>
+                      <a:round/>
+                      <a:headEnd type="none" w="med" len="med"/>
+                      <a:tailEnd type="none" w="med" len="med"/>
+                    </a:lnL>
+                    <a:lnR w="12700" cap="flat" cmpd="sng" algn="ctr">
+                      <a:solidFill>
+                        <a:schemeClr val="tx1"/>
+                      </a:solidFill>
+                      <a:prstDash val="solid"/>
+                      <a:round/>
+                      <a:headEnd type="none" w="med" len="med"/>
+                      <a:tailEnd type="none" w="med" len="med"/>
+                    </a:lnR>
+                    <a:lnT w="12700" cap="flat" cmpd="sng" algn="ctr">
+                      <a:solidFill>
+                        <a:schemeClr val="tx1"/>
+                      </a:solidFill>
+                      <a:prstDash val="solid"/>
+                      <a:round/>
+                      <a:headEnd type="none" w="med" len="med"/>
+                      <a:tailEnd type="none" w="med" len="med"/>
+                    </a:lnT>
+                    <a:lnB w="12700" cap="flat" cmpd="sng" algn="ctr">
+                      <a:solidFill>
+                        <a:schemeClr val="tx1"/>
+                      </a:solidFill>
+                      <a:prstDash val="solid"/>
+                      <a:round/>
+                      <a:headEnd type="none" w="med" len="med"/>
+                      <a:tailEnd type="none" w="med" len="med"/>
+                    </a:lnB>
+                    <a:solidFill>
+                      <a:schemeClr val="bg1"/>
+                    </a:solidFill>
+                  </a:tcPr>
+                </a:tc>
+              </a:tr>
+            </a:tbl>
+          </a:graphicData>
+        </a:graphic>
+      </p:graphicFrame>
+      <p:graphicFrame>
+        <p:nvGraphicFramePr>
+          <p:cNvPr id="36" name="Table 35"/>
+          <p:cNvGraphicFramePr>
+            <a:graphicFrameLocks noGrp="1"/>
+          </p:cNvGraphicFramePr>
+          <p:nvPr>
+            <p:extLst>
+              <p:ext uri="{D42A27DB-BD31-4B8C-83A1-F6EECF244321}">
+                <p14:modId xmlns:p14="http://schemas.microsoft.com/office/powerpoint/2010/main" val="3457638879"/>
+              </p:ext>
+            </p:extLst>
+          </p:nvPr>
+        </p:nvGraphicFramePr>
+        <p:xfrm>
+          <a:off x="1053946" y="22790644"/>
+          <a:ext cx="6520954" cy="5769610"/>
+        </p:xfrm>
+        <a:graphic>
+          <a:graphicData uri="http://schemas.openxmlformats.org/drawingml/2006/table">
+            <a:tbl>
+              <a:tblPr firstRow="1" firstCol="1" bandRow="1">
+                <a:tableStyleId>{69012ECD-51FC-41F1-AA8D-1B2483CD663E}</a:tableStyleId>
+              </a:tblPr>
+              <a:tblGrid>
+                <a:gridCol w="6520954"/>
+              </a:tblGrid>
+              <a:tr h="0">
+                <a:tc>
+                  <a:txBody>
+                    <a:bodyPr/>
+                    <a:lstStyle/>
+                    <a:p>
+                      <a:pPr marL="0" marR="0" algn="ctr">
+                        <a:lnSpc>
+                          <a:spcPct val="107000"/>
+                        </a:lnSpc>
+                        <a:spcBef>
+                          <a:spcPts val="0"/>
+                        </a:spcBef>
+                        <a:spcAft>
+                          <a:spcPts val="0"/>
+                        </a:spcAft>
+                      </a:pPr>
+                      <a:r>
+                        <a:rPr lang="en-US" sz="2800" dirty="0">
+                          <a:effectLst/>
+                          <a:latin typeface="Arial" pitchFamily="34" charset="0"/>
+                          <a:cs typeface="Arial" pitchFamily="34" charset="0"/>
+                        </a:rPr>
+                        <a:t>Subsystems</a:t>
+                      </a:r>
+                      <a:endParaRPr lang="en-US" sz="2800" dirty="0">
+                        <a:effectLst/>
+                        <a:latin typeface="Arial" pitchFamily="34" charset="0"/>
+                        <a:ea typeface="Calibri"/>
+                        <a:cs typeface="Arial" pitchFamily="34" charset="0"/>
+                      </a:endParaRPr>
+                    </a:p>
+                  </a:txBody>
+                  <a:tcPr marL="68580" marR="68580" marT="0" marB="0"/>
+                </a:tc>
+              </a:tr>
+              <a:tr h="0">
+                <a:tc>
+                  <a:txBody>
+                    <a:bodyPr/>
+                    <a:lstStyle/>
+                    <a:p>
+                      <a:pPr marL="0" marR="0">
+                        <a:lnSpc>
+                          <a:spcPct val="107000"/>
+                        </a:lnSpc>
+                        <a:spcBef>
+                          <a:spcPts val="0"/>
+                        </a:spcBef>
+                        <a:spcAft>
+                          <a:spcPts val="0"/>
+                        </a:spcAft>
+                      </a:pPr>
+                      <a:r>
+                        <a:rPr lang="en-US" sz="2800" dirty="0">
+                          <a:effectLst/>
+                          <a:latin typeface="Arial" pitchFamily="34" charset="0"/>
+                          <a:cs typeface="Arial" pitchFamily="34" charset="0"/>
+                        </a:rPr>
+                        <a:t>Video transfer sub-system</a:t>
+                      </a:r>
+                    </a:p>
+                    <a:p>
+                      <a:pPr marL="342900" marR="0" lvl="0" indent="-342900">
+                        <a:lnSpc>
+                          <a:spcPct val="107000"/>
+                        </a:lnSpc>
+                        <a:spcBef>
+                          <a:spcPts val="0"/>
+                        </a:spcBef>
+                        <a:spcAft>
+                          <a:spcPts val="0"/>
+                        </a:spcAft>
+                        <a:buFont typeface="Wingdings"/>
+                        <a:buChar char=""/>
+                      </a:pPr>
+                      <a:r>
+                        <a:rPr lang="en-US" sz="2800" b="0" dirty="0">
+                          <a:effectLst/>
+                          <a:latin typeface="Arial" pitchFamily="34" charset="0"/>
+                          <a:cs typeface="Arial" pitchFamily="34" charset="0"/>
+                        </a:rPr>
+                        <a:t>40CH 5.8G 600MW transmitter</a:t>
+                      </a:r>
+                    </a:p>
+                    <a:p>
+                      <a:pPr marL="342900" marR="0" lvl="0" indent="-342900">
+                        <a:lnSpc>
+                          <a:spcPct val="107000"/>
+                        </a:lnSpc>
+                        <a:spcBef>
+                          <a:spcPts val="0"/>
+                        </a:spcBef>
+                        <a:spcAft>
+                          <a:spcPts val="0"/>
+                        </a:spcAft>
+                        <a:buFont typeface="Wingdings"/>
+                        <a:buChar char=""/>
+                      </a:pPr>
+                      <a:r>
+                        <a:rPr lang="en-US" sz="2800" b="0" dirty="0">
+                          <a:effectLst/>
+                          <a:latin typeface="Arial" pitchFamily="34" charset="0"/>
+                          <a:cs typeface="Arial" pitchFamily="34" charset="0"/>
+                        </a:rPr>
+                        <a:t>150CH Dual Antenna Audio FPV Receiver</a:t>
+                      </a:r>
+                      <a:endParaRPr lang="en-US" sz="2800" b="0" dirty="0">
+                        <a:effectLst/>
+                        <a:latin typeface="Arial" pitchFamily="34" charset="0"/>
+                        <a:ea typeface="Calibri"/>
+                        <a:cs typeface="Arial" pitchFamily="34" charset="0"/>
+                      </a:endParaRPr>
+                    </a:p>
+                  </a:txBody>
+                  <a:tcPr marL="68580" marR="68580" marT="0" marB="0">
+                    <a:solidFill>
+                      <a:schemeClr val="bg1"/>
+                    </a:solidFill>
+                  </a:tcPr>
+                </a:tc>
+              </a:tr>
+              <a:tr h="0">
+                <a:tc>
+                  <a:txBody>
+                    <a:bodyPr/>
+                    <a:lstStyle/>
+                    <a:p>
+                      <a:pPr marL="0" marR="0">
+                        <a:lnSpc>
+                          <a:spcPct val="107000"/>
+                        </a:lnSpc>
+                        <a:spcBef>
+                          <a:spcPts val="0"/>
+                        </a:spcBef>
+                        <a:spcAft>
+                          <a:spcPts val="0"/>
+                        </a:spcAft>
+                      </a:pPr>
+                      <a:r>
+                        <a:rPr lang="en-US" sz="2800" dirty="0">
+                          <a:effectLst/>
+                          <a:latin typeface="Arial" pitchFamily="34" charset="0"/>
+                          <a:cs typeface="Arial" pitchFamily="34" charset="0"/>
+                        </a:rPr>
+                        <a:t>Command Transmission sub-system</a:t>
+                      </a:r>
+                    </a:p>
+                    <a:p>
+                      <a:pPr marL="342900" marR="0" lvl="0" indent="-342900">
+                        <a:lnSpc>
+                          <a:spcPct val="107000"/>
+                        </a:lnSpc>
+                        <a:spcBef>
+                          <a:spcPts val="0"/>
+                        </a:spcBef>
+                        <a:spcAft>
+                          <a:spcPts val="0"/>
+                        </a:spcAft>
+                        <a:buFont typeface="Wingdings"/>
+                        <a:buChar char=""/>
+                      </a:pPr>
+                      <a:r>
+                        <a:rPr lang="en-US" sz="2800" b="0" dirty="0">
+                          <a:effectLst/>
+                          <a:latin typeface="Arial" pitchFamily="34" charset="0"/>
+                          <a:cs typeface="Arial" pitchFamily="34" charset="0"/>
+                        </a:rPr>
+                        <a:t>NRF24L01 2.4G Communication Module</a:t>
+                      </a:r>
+                      <a:endParaRPr lang="en-US" sz="2800" b="0" dirty="0">
+                        <a:effectLst/>
+                        <a:latin typeface="Arial" pitchFamily="34" charset="0"/>
+                        <a:ea typeface="Calibri"/>
+                        <a:cs typeface="Arial" pitchFamily="34" charset="0"/>
+                      </a:endParaRPr>
+                    </a:p>
+                  </a:txBody>
+                  <a:tcPr marL="68580" marR="68580" marT="0" marB="0">
+                    <a:solidFill>
+                      <a:schemeClr val="bg1"/>
+                    </a:solidFill>
+                  </a:tcPr>
+                </a:tc>
+              </a:tr>
+              <a:tr h="0">
+                <a:tc>
+                  <a:txBody>
+                    <a:bodyPr/>
+                    <a:lstStyle/>
+                    <a:p>
+                      <a:pPr marL="0" marR="0">
+                        <a:lnSpc>
+                          <a:spcPct val="107000"/>
+                        </a:lnSpc>
+                        <a:spcBef>
+                          <a:spcPts val="0"/>
+                        </a:spcBef>
+                        <a:spcAft>
+                          <a:spcPts val="0"/>
+                        </a:spcAft>
+                      </a:pPr>
+                      <a:r>
+                        <a:rPr lang="en-US" sz="2800" dirty="0">
+                          <a:effectLst/>
+                          <a:latin typeface="Arial" pitchFamily="34" charset="0"/>
+                          <a:cs typeface="Arial" pitchFamily="34" charset="0"/>
+                        </a:rPr>
+                        <a:t>Motor-drive sub-system</a:t>
+                      </a:r>
+                    </a:p>
+                    <a:p>
+                      <a:pPr marL="342900" marR="0" lvl="0" indent="-342900">
+                        <a:lnSpc>
+                          <a:spcPct val="107000"/>
+                        </a:lnSpc>
+                        <a:spcBef>
+                          <a:spcPts val="0"/>
+                        </a:spcBef>
+                        <a:spcAft>
+                          <a:spcPts val="0"/>
+                        </a:spcAft>
+                        <a:buFont typeface="Wingdings"/>
+                        <a:buChar char=""/>
+                      </a:pPr>
+                      <a:r>
+                        <a:rPr lang="en-US" sz="2800" b="0" dirty="0">
+                          <a:effectLst/>
+                          <a:latin typeface="Arial" pitchFamily="34" charset="0"/>
+                          <a:cs typeface="Arial" pitchFamily="34" charset="0"/>
+                        </a:rPr>
+                        <a:t>Holonomic Control</a:t>
+                      </a:r>
+                      <a:endParaRPr lang="en-US" sz="2800" b="0" dirty="0">
+                        <a:effectLst/>
+                        <a:latin typeface="Arial" pitchFamily="34" charset="0"/>
+                        <a:ea typeface="Calibri"/>
+                        <a:cs typeface="Arial" pitchFamily="34" charset="0"/>
+                      </a:endParaRPr>
+                    </a:p>
+                  </a:txBody>
+                  <a:tcPr marL="68580" marR="68580" marT="0" marB="0">
+                    <a:solidFill>
+                      <a:schemeClr val="bg1"/>
+                    </a:solidFill>
+                  </a:tcPr>
+                </a:tc>
+              </a:tr>
+              <a:tr h="0">
+                <a:tc>
+                  <a:txBody>
+                    <a:bodyPr/>
+                    <a:lstStyle/>
+                    <a:p>
+                      <a:pPr marL="0" marR="0">
+                        <a:lnSpc>
+                          <a:spcPct val="107000"/>
+                        </a:lnSpc>
+                        <a:spcBef>
+                          <a:spcPts val="0"/>
+                        </a:spcBef>
+                        <a:spcAft>
+                          <a:spcPts val="0"/>
+                        </a:spcAft>
+                      </a:pPr>
+                      <a:r>
+                        <a:rPr lang="en-US" sz="2800" dirty="0">
+                          <a:effectLst/>
+                          <a:latin typeface="Arial" pitchFamily="34" charset="0"/>
+                          <a:cs typeface="Arial" pitchFamily="34" charset="0"/>
+                        </a:rPr>
+                        <a:t>Shooting sub-system</a:t>
+                      </a:r>
+                    </a:p>
+                    <a:p>
+                      <a:pPr marL="342900" marR="0" lvl="0" indent="-342900">
+                        <a:lnSpc>
+                          <a:spcPct val="107000"/>
+                        </a:lnSpc>
+                        <a:spcBef>
+                          <a:spcPts val="0"/>
+                        </a:spcBef>
+                        <a:spcAft>
+                          <a:spcPts val="0"/>
+                        </a:spcAft>
+                        <a:buFont typeface="Wingdings"/>
+                        <a:buChar char=""/>
+                      </a:pPr>
+                      <a:r>
+                        <a:rPr lang="en-US" sz="2800" b="0" dirty="0">
+                          <a:effectLst/>
+                          <a:latin typeface="Arial" pitchFamily="34" charset="0"/>
+                          <a:cs typeface="Arial" pitchFamily="34" charset="0"/>
+                        </a:rPr>
+                        <a:t>Push-pull solenoid with 35V Capacitors</a:t>
+                      </a:r>
+                      <a:endParaRPr lang="en-US" sz="2800" b="0" dirty="0">
+                        <a:effectLst/>
+                        <a:latin typeface="Arial" pitchFamily="34" charset="0"/>
+                        <a:ea typeface="Calibri"/>
+                        <a:cs typeface="Arial" pitchFamily="34" charset="0"/>
+                      </a:endParaRPr>
+                    </a:p>
+                  </a:txBody>
+                  <a:tcPr marL="68580" marR="68580" marT="0" marB="0">
+                    <a:solidFill>
+                      <a:schemeClr val="bg1"/>
+                    </a:solidFill>
+                  </a:tcPr>
+                </a:tc>
+              </a:tr>
+            </a:tbl>
+          </a:graphicData>
+        </a:graphic>
+      </p:graphicFrame>
     </p:spTree>
     <p:extLst>
       <p:ext uri="{BB962C8B-B14F-4D97-AF65-F5344CB8AC3E}">

--- a/Troy Tech - Poster/Troy Tech-Poster.pptx
+++ b/Troy Tech - Poster/Troy Tech-Poster.pptx
@@ -106,7 +106,7 @@
   </p:defaultTextStyle>
   <p:extLst>
     <p:ext uri="{EFAFB233-063F-42B5-8137-9DF3F51BA10A}">
-      <p15:sldGuideLst xmlns:p15="http://schemas.microsoft.com/office/powerpoint/2012/main" xmlns="">
+      <p15:sldGuideLst xmlns:p15="http://schemas.microsoft.com/office/powerpoint/2012/main">
         <p15:guide id="1" orient="horz" pos="9533">
           <p15:clr>
             <a:srgbClr val="A4A3A4"/>
@@ -121,10 +121,6 @@
     </p:ext>
   </p:extLst>
 </p:presentation>
-</file>
-
-<file path=ppt/revisionInfo.xml><?xml version="1.0" encoding="utf-8"?>
-<p1510:revInfo xmlns:a="http://schemas.openxmlformats.org/drawingml/2006/main" xmlns:r="http://schemas.openxmlformats.org/officeDocument/2006/relationships" xmlns:p1510="http://schemas.microsoft.com/office/powerpoint/2015/10/main"/>
 </file>
 
 <file path=ppt/slideLayouts/slideLayout1.xml><?xml version="1.0" encoding="utf-8"?>
@@ -298,7 +294,7 @@
           <a:p>
             <a:fld id="{EEECA47C-1249-49D5-9847-60999EC23D75}" type="datetimeFigureOut">
               <a:rPr lang="en-US" smtClean="0"/>
-              <a:t>5/13/2019</a:t>
+              <a:t>5/14/2019</a:t>
             </a:fld>
             <a:endParaRPr lang="en-US"/>
           </a:p>
@@ -613,7 +609,7 @@
           <a:p>
             <a:fld id="{EEECA47C-1249-49D5-9847-60999EC23D75}" type="datetimeFigureOut">
               <a:rPr lang="en-US" smtClean="0"/>
-              <a:t>5/13/2019</a:t>
+              <a:t>5/14/2019</a:t>
             </a:fld>
             <a:endParaRPr lang="en-US"/>
           </a:p>
@@ -835,7 +831,7 @@
           <a:p>
             <a:fld id="{EEECA47C-1249-49D5-9847-60999EC23D75}" type="datetimeFigureOut">
               <a:rPr lang="en-US" smtClean="0"/>
-              <a:t>5/13/2019</a:t>
+              <a:t>5/14/2019</a:t>
             </a:fld>
             <a:endParaRPr lang="en-US"/>
           </a:p>
@@ -1126,7 +1122,7 @@
           <a:p>
             <a:fld id="{EEECA47C-1249-49D5-9847-60999EC23D75}" type="datetimeFigureOut">
               <a:rPr lang="en-US" smtClean="0"/>
-              <a:t>5/13/2019</a:t>
+              <a:t>5/14/2019</a:t>
             </a:fld>
             <a:endParaRPr lang="en-US"/>
           </a:p>
@@ -1580,7 +1576,7 @@
           <a:p>
             <a:fld id="{EEECA47C-1249-49D5-9847-60999EC23D75}" type="datetimeFigureOut">
               <a:rPr lang="en-US" smtClean="0"/>
-              <a:t>5/13/2019</a:t>
+              <a:t>5/14/2019</a:t>
             </a:fld>
             <a:endParaRPr lang="en-US"/>
           </a:p>
@@ -2156,7 +2152,7 @@
           <a:p>
             <a:fld id="{EEECA47C-1249-49D5-9847-60999EC23D75}" type="datetimeFigureOut">
               <a:rPr lang="en-US" smtClean="0"/>
-              <a:t>5/13/2019</a:t>
+              <a:t>5/14/2019</a:t>
             </a:fld>
             <a:endParaRPr lang="en-US"/>
           </a:p>
@@ -3017,7 +3013,7 @@
           <a:p>
             <a:fld id="{EEECA47C-1249-49D5-9847-60999EC23D75}" type="datetimeFigureOut">
               <a:rPr lang="en-US" smtClean="0"/>
-              <a:t>5/13/2019</a:t>
+              <a:t>5/14/2019</a:t>
             </a:fld>
             <a:endParaRPr lang="en-US"/>
           </a:p>
@@ -3222,7 +3218,7 @@
           <a:p>
             <a:fld id="{EEECA47C-1249-49D5-9847-60999EC23D75}" type="datetimeFigureOut">
               <a:rPr lang="en-US" smtClean="0"/>
-              <a:t>5/13/2019</a:t>
+              <a:t>5/14/2019</a:t>
             </a:fld>
             <a:endParaRPr lang="en-US"/>
           </a:p>
@@ -3436,7 +3432,7 @@
           <a:p>
             <a:fld id="{EEECA47C-1249-49D5-9847-60999EC23D75}" type="datetimeFigureOut">
               <a:rPr lang="en-US" smtClean="0"/>
-              <a:t>5/13/2019</a:t>
+              <a:t>5/14/2019</a:t>
             </a:fld>
             <a:endParaRPr lang="en-US"/>
           </a:p>
@@ -3641,7 +3637,7 @@
           <a:p>
             <a:fld id="{EEECA47C-1249-49D5-9847-60999EC23D75}" type="datetimeFigureOut">
               <a:rPr lang="en-US" smtClean="0"/>
-              <a:t>5/13/2019</a:t>
+              <a:t>5/14/2019</a:t>
             </a:fld>
             <a:endParaRPr lang="en-US"/>
           </a:p>
@@ -3921,7 +3917,7 @@
           <a:p>
             <a:fld id="{EEECA47C-1249-49D5-9847-60999EC23D75}" type="datetimeFigureOut">
               <a:rPr lang="en-US" smtClean="0"/>
-              <a:t>5/13/2019</a:t>
+              <a:t>5/14/2019</a:t>
             </a:fld>
             <a:endParaRPr lang="en-US"/>
           </a:p>
@@ -4188,7 +4184,7 @@
           <a:p>
             <a:fld id="{EEECA47C-1249-49D5-9847-60999EC23D75}" type="datetimeFigureOut">
               <a:rPr lang="en-US" smtClean="0"/>
-              <a:t>5/13/2019</a:t>
+              <a:t>5/14/2019</a:t>
             </a:fld>
             <a:endParaRPr lang="en-US"/>
           </a:p>
@@ -4603,7 +4599,7 @@
           <a:p>
             <a:fld id="{EEECA47C-1249-49D5-9847-60999EC23D75}" type="datetimeFigureOut">
               <a:rPr lang="en-US" smtClean="0"/>
-              <a:t>5/13/2019</a:t>
+              <a:t>5/14/2019</a:t>
             </a:fld>
             <a:endParaRPr lang="en-US"/>
           </a:p>
@@ -4751,7 +4747,7 @@
           <a:p>
             <a:fld id="{EEECA47C-1249-49D5-9847-60999EC23D75}" type="datetimeFigureOut">
               <a:rPr lang="en-US" smtClean="0"/>
-              <a:t>5/13/2019</a:t>
+              <a:t>5/14/2019</a:t>
             </a:fld>
             <a:endParaRPr lang="en-US"/>
           </a:p>
@@ -4876,7 +4872,7 @@
           <a:p>
             <a:fld id="{EEECA47C-1249-49D5-9847-60999EC23D75}" type="datetimeFigureOut">
               <a:rPr lang="en-US" smtClean="0"/>
-              <a:t>5/13/2019</a:t>
+              <a:t>5/14/2019</a:t>
             </a:fld>
             <a:endParaRPr lang="en-US"/>
           </a:p>
@@ -5155,7 +5151,7 @@
           <a:p>
             <a:fld id="{EEECA47C-1249-49D5-9847-60999EC23D75}" type="datetimeFigureOut">
               <a:rPr lang="en-US" smtClean="0"/>
-              <a:t>5/13/2019</a:t>
+              <a:t>5/14/2019</a:t>
             </a:fld>
             <a:endParaRPr lang="en-US"/>
           </a:p>
@@ -5470,7 +5466,7 @@
           <a:p>
             <a:fld id="{EEECA47C-1249-49D5-9847-60999EC23D75}" type="datetimeFigureOut">
               <a:rPr lang="en-US" smtClean="0"/>
-              <a:t>5/13/2019</a:t>
+              <a:t>5/14/2019</a:t>
             </a:fld>
             <a:endParaRPr lang="en-US"/>
           </a:p>
@@ -5726,7 +5722,7 @@
           <a:p>
             <a:fld id="{EEECA47C-1249-49D5-9847-60999EC23D75}" type="datetimeFigureOut">
               <a:rPr lang="en-US" smtClean="0"/>
-              <a:t>5/13/2019</a:t>
+              <a:t>5/14/2019</a:t>
             </a:fld>
             <a:endParaRPr lang="en-US"/>
           </a:p>
@@ -6185,7 +6181,7 @@
             <a:avLst/>
           </a:prstGeom>
           <a:solidFill>
-            <a:srgbClr val="FFC000"/>
+            <a:srgbClr val="FFFFFF"/>
           </a:solidFill>
         </p:spPr>
         <p:style>
@@ -6210,31 +6206,17 @@
           <a:p>
             <a:pPr algn="ctr"/>
             <a:r>
-              <a:rPr lang="en-US" sz="11500" b="1" dirty="0" smtClean="0">
+              <a:rPr lang="en-US" sz="11500" b="1" dirty="0">
                 <a:solidFill>
-                  <a:schemeClr val="bg1"/>
+                  <a:srgbClr val="217EBE"/>
                 </a:solidFill>
-                <a:effectLst>
-                  <a:outerShdw blurRad="38100" dist="38100" dir="2700000" algn="tl">
-                    <a:srgbClr val="000000">
-                      <a:alpha val="43137"/>
-                    </a:srgbClr>
-                  </a:outerShdw>
-                </a:effectLst>
               </a:rPr>
               <a:t>HELEN-V</a:t>
             </a:r>
-            <a:endParaRPr lang="tr-TR" sz="11500" b="1" dirty="0" smtClean="0">
+            <a:endParaRPr lang="tr-TR" sz="11500" b="1" dirty="0">
               <a:solidFill>
-                <a:schemeClr val="bg1"/>
+                <a:srgbClr val="217EBE"/>
               </a:solidFill>
-              <a:effectLst>
-                <a:outerShdw blurRad="38100" dist="38100" dir="2700000" algn="tl">
-                  <a:srgbClr val="000000">
-                    <a:alpha val="43137"/>
-                  </a:srgbClr>
-                </a:outerShdw>
-              </a:effectLst>
             </a:endParaRPr>
           </a:p>
         </p:txBody>
@@ -6247,7 +6229,7 @@
         </p:nvSpPr>
         <p:spPr>
           <a:xfrm>
-            <a:off x="102531" y="6157828"/>
+            <a:off x="85835" y="6369097"/>
             <a:ext cx="7564406" cy="3024000"/>
           </a:xfrm>
           <a:prstGeom prst="rect">
@@ -6275,27 +6257,23 @@
           <a:lstStyle/>
           <a:p>
             <a:r>
-              <a:rPr lang="en-US" sz="3600" b="1" dirty="0" smtClean="0"/>
+              <a:rPr lang="en-US" sz="3600" b="1" dirty="0"/>
               <a:t>  </a:t>
             </a:r>
             <a:r>
-              <a:rPr lang="bs-Latn-BA" sz="3600" b="1" dirty="0" smtClean="0"/>
-              <a:t>SHAREHOLDERS</a:t>
+              <a:rPr lang="bs-Latn-BA" sz="3600" b="1" dirty="0"/>
+              <a:t>SHAREHOLDERS:</a:t>
             </a:r>
-            <a:r>
-              <a:rPr lang="bs-Latn-BA" sz="3600" b="1" dirty="0" smtClean="0"/>
-              <a:t>:</a:t>
-            </a:r>
-            <a:endParaRPr lang="en-US" sz="3600" b="1" dirty="0" smtClean="0"/>
-          </a:p>
-          <a:p>
-            <a:endParaRPr lang="en-US" sz="3600" b="1" dirty="0" smtClean="0"/>
-          </a:p>
-          <a:p>
             <a:endParaRPr lang="en-US" sz="3600" b="1" dirty="0"/>
           </a:p>
           <a:p>
-            <a:endParaRPr lang="en-US" sz="3600" b="1" dirty="0" smtClean="0"/>
+            <a:endParaRPr lang="en-US" sz="3600" b="1" dirty="0"/>
+          </a:p>
+          <a:p>
+            <a:endParaRPr lang="en-US" sz="3600" b="1" dirty="0"/>
+          </a:p>
+          <a:p>
+            <a:endParaRPr lang="en-US" sz="3600" b="1" dirty="0"/>
           </a:p>
           <a:p>
             <a:endParaRPr lang="en-US" sz="3600" b="1" dirty="0"/>
@@ -6314,11 +6292,14 @@
         <p:spPr>
           <a:xfrm>
             <a:off x="530223" y="10422913"/>
-            <a:ext cx="6675630" cy="2592000"/>
+            <a:ext cx="6675630" cy="3024000"/>
           </a:xfrm>
-          <a:prstGeom prst="rect">
+          <a:prstGeom prst="roundRect">
             <a:avLst/>
           </a:prstGeom>
+          <a:solidFill>
+            <a:srgbClr val="E0EBF6"/>
+          </a:solidFill>
         </p:spPr>
         <p:style>
           <a:lnRef idx="2">
@@ -6354,7 +6335,7 @@
               <a:buChar char="§"/>
             </a:pPr>
             <a:r>
-              <a:rPr lang="en-US" sz="3000" dirty="0" smtClean="0">
+              <a:rPr lang="en-US" sz="3000" dirty="0">
                 <a:latin typeface="Arial" pitchFamily="34" charset="0"/>
                 <a:cs typeface="Arial" pitchFamily="34" charset="0"/>
               </a:rPr>
@@ -6367,25 +6348,24 @@
               <a:buChar char="§"/>
             </a:pPr>
             <a:r>
-              <a:rPr lang="en-US" sz="3000" dirty="0" smtClean="0">
+              <a:rPr lang="en-US" sz="3000" dirty="0">
                 <a:latin typeface="Arial" pitchFamily="34" charset="0"/>
                 <a:cs typeface="Arial" pitchFamily="34" charset="0"/>
               </a:rPr>
-              <a:t>Eachine </a:t>
+              <a:t>Eachine ROTG02 FPV Receiver</a:t>
             </a:r>
+          </a:p>
+          <a:p>
+            <a:pPr marL="457200" indent="-457200">
+              <a:buFont typeface="Wingdings" pitchFamily="2" charset="2"/>
+              <a:buChar char="§"/>
+            </a:pPr>
             <a:r>
               <a:rPr lang="en-US" sz="3000" dirty="0">
                 <a:latin typeface="Arial" pitchFamily="34" charset="0"/>
                 <a:cs typeface="Arial" pitchFamily="34" charset="0"/>
               </a:rPr>
-              <a:t>ROTG02 FPV </a:t>
-            </a:r>
-            <a:r>
-              <a:rPr lang="en-US" sz="3000" dirty="0" smtClean="0">
-                <a:latin typeface="Arial" pitchFamily="34" charset="0"/>
-                <a:cs typeface="Arial" pitchFamily="34" charset="0"/>
-              </a:rPr>
-              <a:t>Receiver</a:t>
+              <a:t>Command Transmitter Module</a:t>
             </a:r>
           </a:p>
           <a:p>
@@ -6394,50 +6374,12 @@
               <a:buChar char="§"/>
             </a:pPr>
             <a:r>
-              <a:rPr lang="en-US" sz="3000" dirty="0" smtClean="0">
-                <a:latin typeface="Arial" pitchFamily="34" charset="0"/>
-                <a:cs typeface="Arial" pitchFamily="34" charset="0"/>
-              </a:rPr>
-              <a:t>Command </a:t>
-            </a:r>
-            <a:r>
               <a:rPr lang="en-US" sz="3000" dirty="0">
                 <a:latin typeface="Arial" pitchFamily="34" charset="0"/>
                 <a:cs typeface="Arial" pitchFamily="34" charset="0"/>
               </a:rPr>
-              <a:t>Transmitter </a:t>
+              <a:t>Artengo beach volley ball</a:t>
             </a:r>
-            <a:r>
-              <a:rPr lang="en-US" sz="3000" dirty="0" smtClean="0">
-                <a:latin typeface="Arial" pitchFamily="34" charset="0"/>
-                <a:cs typeface="Arial" pitchFamily="34" charset="0"/>
-              </a:rPr>
-              <a:t>Module</a:t>
-            </a:r>
-          </a:p>
-          <a:p>
-            <a:pPr marL="457200" indent="-457200">
-              <a:buFont typeface="Wingdings" pitchFamily="2" charset="2"/>
-              <a:buChar char="§"/>
-            </a:pPr>
-            <a:r>
-              <a:rPr lang="en-US" sz="3000" dirty="0" smtClean="0">
-                <a:latin typeface="Arial" pitchFamily="34" charset="0"/>
-                <a:cs typeface="Arial" pitchFamily="34" charset="0"/>
-              </a:rPr>
-              <a:t>Artengo </a:t>
-            </a:r>
-            <a:r>
-              <a:rPr lang="en-US" sz="3000" dirty="0">
-                <a:latin typeface="Arial" pitchFamily="34" charset="0"/>
-                <a:cs typeface="Arial" pitchFamily="34" charset="0"/>
-              </a:rPr>
-              <a:t>beach volley ball</a:t>
-            </a:r>
-            <a:endParaRPr lang="en-US" sz="3000" dirty="0">
-              <a:latin typeface="Arial" pitchFamily="34" charset="0"/>
-              <a:cs typeface="Arial" pitchFamily="34" charset="0"/>
-            </a:endParaRPr>
           </a:p>
           <a:p>
             <a:endParaRPr lang="en-US" sz="3000" dirty="0">
@@ -6516,7 +6458,7 @@
           <a:p>
             <a:pPr algn="ctr"/>
             <a:r>
-              <a:rPr lang="bs-Latn-BA" sz="3600" b="1" dirty="0" smtClean="0"/>
+              <a:rPr lang="bs-Latn-BA" sz="3600" b="1" dirty="0"/>
               <a:t>BUDGET</a:t>
             </a:r>
             <a:endParaRPr lang="en-US" sz="3600" b="1" dirty="0"/>
@@ -6532,13 +6474,13 @@
         <p:spPr>
           <a:xfrm>
             <a:off x="355286" y="2333271"/>
-            <a:ext cx="20860059" cy="3492000"/>
+            <a:ext cx="20860059" cy="3816000"/>
           </a:xfrm>
-          <a:prstGeom prst="rect">
+          <a:prstGeom prst="roundRect">
             <a:avLst/>
           </a:prstGeom>
           <a:solidFill>
-            <a:schemeClr val="bg1"/>
+            <a:srgbClr val="E0EBF6"/>
           </a:solidFill>
         </p:spPr>
         <p:style>
@@ -6562,60 +6504,41 @@
           <a:lstStyle/>
           <a:p>
             <a:r>
-              <a:rPr lang="en-US" sz="4200" b="1" dirty="0" smtClean="0">
+              <a:rPr lang="en-US" sz="4200" b="1" dirty="0">
                 <a:latin typeface="Arial" pitchFamily="34" charset="0"/>
                 <a:cs typeface="Arial" pitchFamily="34" charset="0"/>
               </a:rPr>
               <a:t>Project Description</a:t>
             </a:r>
             <a:r>
-              <a:rPr lang="bs-Latn-BA" sz="4200" b="1" dirty="0" smtClean="0">
+              <a:rPr lang="bs-Latn-BA" sz="4200" b="1" dirty="0">
                 <a:latin typeface="Arial" pitchFamily="34" charset="0"/>
                 <a:cs typeface="Arial" pitchFamily="34" charset="0"/>
               </a:rPr>
               <a:t>:</a:t>
             </a:r>
-            <a:endParaRPr lang="bs-Latn-BA" sz="4200" b="1" dirty="0">
-              <a:latin typeface="Arial" pitchFamily="34" charset="0"/>
-              <a:cs typeface="Arial" pitchFamily="34" charset="0"/>
-            </a:endParaRPr>
           </a:p>
           <a:p>
             <a:pPr algn="ctr"/>
-            <a:r>
-              <a:rPr lang="en-US" sz="3000" dirty="0" smtClean="0">
-                <a:latin typeface="Arial" pitchFamily="34" charset="0"/>
-                <a:cs typeface="Arial" pitchFamily="34" charset="0"/>
-              </a:rPr>
-              <a:t>“Design </a:t>
-            </a:r>
             <a:r>
               <a:rPr lang="en-US" sz="3000" dirty="0">
                 <a:latin typeface="Arial" pitchFamily="34" charset="0"/>
                 <a:cs typeface="Arial" pitchFamily="34" charset="0"/>
               </a:rPr>
-              <a:t>and </a:t>
+              <a:t>“Design and construct one of the two teleoperated robots trying to shoot and score in opponent’s goal.”</a:t>
             </a:r>
-            <a:r>
-              <a:rPr lang="en-US" sz="3000" dirty="0" smtClean="0">
-                <a:latin typeface="Arial" pitchFamily="34" charset="0"/>
-                <a:cs typeface="Arial" pitchFamily="34" charset="0"/>
-              </a:rPr>
-              <a:t>construct </a:t>
-            </a:r>
+          </a:p>
+          <a:p>
+            <a:pPr marL="457200" indent="-457200" algn="just">
+              <a:buFont typeface="Wingdings" pitchFamily="2" charset="2"/>
+              <a:buChar char="§"/>
+            </a:pPr>
             <a:r>
               <a:rPr lang="en-US" sz="3000" dirty="0">
                 <a:latin typeface="Arial" pitchFamily="34" charset="0"/>
                 <a:cs typeface="Arial" pitchFamily="34" charset="0"/>
               </a:rPr>
-              <a:t>one of the two teleoperated robots trying to shoot and score in opponent’s goal</a:t>
-            </a:r>
-            <a:r>
-              <a:rPr lang="en-US" sz="3000" dirty="0" smtClean="0">
-                <a:latin typeface="Arial" pitchFamily="34" charset="0"/>
-                <a:cs typeface="Arial" pitchFamily="34" charset="0"/>
-              </a:rPr>
-              <a:t>.”</a:t>
+              <a:t>Robots can hit, push or otherwise drive the ball but not grasp, scoop or otherwise carry it.</a:t>
             </a:r>
           </a:p>
           <a:p>
@@ -6624,62 +6547,24 @@
               <a:buChar char="§"/>
             </a:pPr>
             <a:r>
-              <a:rPr lang="en-US" sz="3000" dirty="0" smtClean="0">
+              <a:rPr lang="en-US" sz="3000" dirty="0">
                 <a:latin typeface="Arial" pitchFamily="34" charset="0"/>
                 <a:cs typeface="Arial" pitchFamily="34" charset="0"/>
               </a:rPr>
-              <a:t>Robots </a:t>
+              <a:t>Successive contacts with the ball are allowed but the ball must be transferred to opponent’s half-field in no more than 20 seconds. </a:t>
             </a:r>
+          </a:p>
+          <a:p>
+            <a:pPr marL="457200" indent="-457200" algn="just">
+              <a:buFont typeface="Wingdings" pitchFamily="2" charset="2"/>
+              <a:buChar char="§"/>
+            </a:pPr>
             <a:r>
               <a:rPr lang="en-US" sz="3000" dirty="0">
                 <a:latin typeface="Arial" pitchFamily="34" charset="0"/>
                 <a:cs typeface="Arial" pitchFamily="34" charset="0"/>
               </a:rPr>
-              <a:t>can hit, push or otherwise drive the ball but not grasp, scoop or otherwise carry it.</a:t>
-            </a:r>
-          </a:p>
-          <a:p>
-            <a:pPr marL="457200" indent="-457200" algn="just">
-              <a:buFont typeface="Wingdings" pitchFamily="2" charset="2"/>
-              <a:buChar char="§"/>
-            </a:pPr>
-            <a:r>
-              <a:rPr lang="en-US" sz="3000" dirty="0" smtClean="0">
-                <a:latin typeface="Arial" pitchFamily="34" charset="0"/>
-                <a:cs typeface="Arial" pitchFamily="34" charset="0"/>
-              </a:rPr>
-              <a:t>Successive </a:t>
-            </a:r>
-            <a:r>
-              <a:rPr lang="en-US" sz="3000" dirty="0">
-                <a:latin typeface="Arial" pitchFamily="34" charset="0"/>
-                <a:cs typeface="Arial" pitchFamily="34" charset="0"/>
-              </a:rPr>
-              <a:t>contacts with the ball are allowed but the ball must be transferred to opponent’s half-field in no more than 20 seconds. </a:t>
-            </a:r>
-            <a:endParaRPr lang="en-US" sz="3000" dirty="0" smtClean="0">
-              <a:latin typeface="Arial" pitchFamily="34" charset="0"/>
-              <a:cs typeface="Arial" pitchFamily="34" charset="0"/>
-            </a:endParaRPr>
-          </a:p>
-          <a:p>
-            <a:pPr marL="457200" indent="-457200" algn="just">
-              <a:buFont typeface="Wingdings" pitchFamily="2" charset="2"/>
-              <a:buChar char="§"/>
-            </a:pPr>
-            <a:r>
-              <a:rPr lang="en-US" sz="3000" dirty="0" smtClean="0">
-                <a:latin typeface="Arial" pitchFamily="34" charset="0"/>
-                <a:cs typeface="Arial" pitchFamily="34" charset="0"/>
-              </a:rPr>
-              <a:t>The </a:t>
-            </a:r>
-            <a:r>
-              <a:rPr lang="en-US" sz="3000" dirty="0">
-                <a:latin typeface="Arial" pitchFamily="34" charset="0"/>
-                <a:cs typeface="Arial" pitchFamily="34" charset="0"/>
-              </a:rPr>
-              <a:t>player scoring 2 goals more than the opponent wins the game.</a:t>
+              <a:t>The player scoring 2 goals more than the opponent wins the game.</a:t>
             </a:r>
           </a:p>
           <a:p>
@@ -6698,7 +6583,7 @@
           <a:p>
             <a:pPr algn="just"/>
             <a:r>
-              <a:rPr lang="en-US" sz="3000" dirty="0" smtClean="0">
+              <a:rPr lang="en-US" sz="3000" dirty="0">
                 <a:latin typeface="Arial" pitchFamily="34" charset="0"/>
                 <a:cs typeface="Arial" pitchFamily="34" charset="0"/>
               </a:rPr>
@@ -6711,7 +6596,7 @@
           </a:p>
           <a:p>
             <a:pPr algn="just"/>
-            <a:endParaRPr lang="en-US" sz="3600" i="1" dirty="0" smtClean="0">
+            <a:endParaRPr lang="en-US" sz="3600" i="1" dirty="0">
               <a:latin typeface="Arial" pitchFamily="34" charset="0"/>
               <a:cs typeface="Arial" pitchFamily="34" charset="0"/>
             </a:endParaRPr>
@@ -6753,16 +6638,28 @@
                 <a:gridCol w="2065989">
                   <a:extLst>
                     <a:ext uri="{9D8B030D-6E8A-4147-A177-3AD203B41FA5}">
-                      <a16:colId xmlns="" xmlns:a16="http://schemas.microsoft.com/office/drawing/2014/main" val="3936429932"/>
+                      <a16:colId xmlns:a16="http://schemas.microsoft.com/office/drawing/2014/main" val="3936429932"/>
                     </a:ext>
                   </a:extLst>
                 </a:gridCol>
-                <a:gridCol w="1435216"/>
-                <a:gridCol w="1790700"/>
+                <a:gridCol w="1435216">
+                  <a:extLst>
+                    <a:ext uri="{9D8B030D-6E8A-4147-A177-3AD203B41FA5}">
+                      <a16:colId xmlns:a16="http://schemas.microsoft.com/office/drawing/2014/main" val="20001"/>
+                    </a:ext>
+                  </a:extLst>
+                </a:gridCol>
+                <a:gridCol w="1790700">
+                  <a:extLst>
+                    <a:ext uri="{9D8B030D-6E8A-4147-A177-3AD203B41FA5}">
+                      <a16:colId xmlns:a16="http://schemas.microsoft.com/office/drawing/2014/main" val="20002"/>
+                    </a:ext>
+                  </a:extLst>
+                </a:gridCol>
                 <a:gridCol w="1457325">
                   <a:extLst>
                     <a:ext uri="{9D8B030D-6E8A-4147-A177-3AD203B41FA5}">
-                      <a16:colId xmlns="" xmlns:a16="http://schemas.microsoft.com/office/drawing/2014/main" val="2306221773"/>
+                      <a16:colId xmlns:a16="http://schemas.microsoft.com/office/drawing/2014/main" val="2306221773"/>
                     </a:ext>
                   </a:extLst>
                 </a:gridCol>
@@ -6822,7 +6719,7 @@
                 </a:tc>
                 <a:extLst>
                   <a:ext uri="{0D108BD9-81ED-4DB2-BD59-A6C34878D82A}">
-                    <a16:rowId xmlns="" xmlns:a16="http://schemas.microsoft.com/office/drawing/2014/main" val="2765878302"/>
+                    <a16:rowId xmlns:a16="http://schemas.microsoft.com/office/drawing/2014/main" val="2765878302"/>
                   </a:ext>
                 </a:extLst>
               </a:tr>
@@ -6967,6 +6864,11 @@
                   </a:txBody>
                   <a:tcPr marL="63500" marR="63500" marT="63500" marB="63500"/>
                 </a:tc>
+                <a:extLst>
+                  <a:ext uri="{0D108BD9-81ED-4DB2-BD59-A6C34878D82A}">
+                    <a16:rowId xmlns:a16="http://schemas.microsoft.com/office/drawing/2014/main" val="10001"/>
+                  </a:ext>
+                </a:extLst>
               </a:tr>
               <a:tr h="639609">
                 <a:tc>
@@ -7073,7 +6975,7 @@
                         </a:spcAft>
                       </a:pPr>
                       <a:r>
-                        <a:rPr lang="en-US" sz="2400">
+                        <a:rPr lang="en-US" sz="2400" dirty="0">
                           <a:effectLst/>
                           <a:latin typeface="Calibri"/>
                           <a:ea typeface="Calibri"/>
@@ -7085,6 +6987,11 @@
                   </a:txBody>
                   <a:tcPr marL="63500" marR="63500" marT="63500" marB="63500"/>
                 </a:tc>
+                <a:extLst>
+                  <a:ext uri="{0D108BD9-81ED-4DB2-BD59-A6C34878D82A}">
+                    <a16:rowId xmlns:a16="http://schemas.microsoft.com/office/drawing/2014/main" val="10002"/>
+                  </a:ext>
+                </a:extLst>
               </a:tr>
               <a:tr h="639609">
                 <a:tc>
@@ -7203,6 +7110,11 @@
                   </a:txBody>
                   <a:tcPr marL="63500" marR="63500" marT="63500" marB="63500"/>
                 </a:tc>
+                <a:extLst>
+                  <a:ext uri="{0D108BD9-81ED-4DB2-BD59-A6C34878D82A}">
+                    <a16:rowId xmlns:a16="http://schemas.microsoft.com/office/drawing/2014/main" val="10003"/>
+                  </a:ext>
+                </a:extLst>
               </a:tr>
               <a:tr h="639609">
                 <a:tc>
@@ -7321,6 +7233,11 @@
                   </a:txBody>
                   <a:tcPr marL="63500" marR="63500" marT="63500" marB="63500"/>
                 </a:tc>
+                <a:extLst>
+                  <a:ext uri="{0D108BD9-81ED-4DB2-BD59-A6C34878D82A}">
+                    <a16:rowId xmlns:a16="http://schemas.microsoft.com/office/drawing/2014/main" val="10004"/>
+                  </a:ext>
+                </a:extLst>
               </a:tr>
               <a:tr h="639609">
                 <a:tc>
@@ -7439,6 +7356,11 @@
                   </a:txBody>
                   <a:tcPr marL="63500" marR="63500" marT="63500" marB="63500"/>
                 </a:tc>
+                <a:extLst>
+                  <a:ext uri="{0D108BD9-81ED-4DB2-BD59-A6C34878D82A}">
+                    <a16:rowId xmlns:a16="http://schemas.microsoft.com/office/drawing/2014/main" val="10005"/>
+                  </a:ext>
+                </a:extLst>
               </a:tr>
               <a:tr h="639609">
                 <a:tc>
@@ -7458,7 +7380,7 @@
                         </a:spcAft>
                       </a:pPr>
                       <a:r>
-                        <a:rPr lang="en-US" sz="2400" dirty="0" smtClean="0">
+                        <a:rPr lang="en-US" sz="2400" dirty="0">
                           <a:effectLst/>
                           <a:latin typeface="Calibri"/>
                           <a:ea typeface="Calibri"/>
@@ -7466,12 +7388,6 @@
                         </a:rPr>
                         <a:t>Arduino Uno</a:t>
                       </a:r>
-                      <a:endParaRPr lang="en-US" sz="2400" dirty="0">
-                        <a:effectLst/>
-                        <a:latin typeface="Calibri"/>
-                        <a:ea typeface="Calibri"/>
-                        <a:cs typeface="Times New Roman"/>
-                      </a:endParaRPr>
                     </a:p>
                   </a:txBody>
                   <a:tcPr marL="63500" marR="63500" marT="63500" marB="63500"/>
@@ -7493,7 +7409,7 @@
                         </a:spcAft>
                       </a:pPr>
                       <a:r>
-                        <a:rPr lang="en-US" sz="2400" dirty="0" smtClean="0">
+                        <a:rPr lang="en-US" sz="2400" dirty="0">
                           <a:effectLst/>
                           <a:latin typeface="Calibri"/>
                           <a:ea typeface="Calibri"/>
@@ -7501,12 +7417,6 @@
                         </a:rPr>
                         <a:t>1</a:t>
                       </a:r>
-                      <a:endParaRPr lang="en-US" sz="2400" dirty="0">
-                        <a:effectLst/>
-                        <a:latin typeface="Calibri"/>
-                        <a:ea typeface="Calibri"/>
-                        <a:cs typeface="Times New Roman"/>
-                      </a:endParaRPr>
                     </a:p>
                   </a:txBody>
                   <a:tcPr marL="63500" marR="63500" marT="63500" marB="63500"/>
@@ -7569,6 +7479,11 @@
                   </a:txBody>
                   <a:tcPr marL="63500" marR="63500" marT="63500" marB="63500"/>
                 </a:tc>
+                <a:extLst>
+                  <a:ext uri="{0D108BD9-81ED-4DB2-BD59-A6C34878D82A}">
+                    <a16:rowId xmlns:a16="http://schemas.microsoft.com/office/drawing/2014/main" val="10006"/>
+                  </a:ext>
+                </a:extLst>
               </a:tr>
               <a:tr h="639609">
                 <a:tc>
@@ -7687,6 +7602,11 @@
                   </a:txBody>
                   <a:tcPr marL="63500" marR="63500" marT="63500" marB="63500"/>
                 </a:tc>
+                <a:extLst>
+                  <a:ext uri="{0D108BD9-81ED-4DB2-BD59-A6C34878D82A}">
+                    <a16:rowId xmlns:a16="http://schemas.microsoft.com/office/drawing/2014/main" val="10007"/>
+                  </a:ext>
+                </a:extLst>
               </a:tr>
               <a:tr h="639609">
                 <a:tc>
@@ -7805,6 +7725,11 @@
                   </a:txBody>
                   <a:tcPr marL="63500" marR="63500" marT="63500" marB="63500"/>
                 </a:tc>
+                <a:extLst>
+                  <a:ext uri="{0D108BD9-81ED-4DB2-BD59-A6C34878D82A}">
+                    <a16:rowId xmlns:a16="http://schemas.microsoft.com/office/drawing/2014/main" val="10008"/>
+                  </a:ext>
+                </a:extLst>
               </a:tr>
               <a:tr h="639609">
                 <a:tc>
@@ -7923,6 +7848,11 @@
                   </a:txBody>
                   <a:tcPr marL="63500" marR="63500" marT="63500" marB="63500"/>
                 </a:tc>
+                <a:extLst>
+                  <a:ext uri="{0D108BD9-81ED-4DB2-BD59-A6C34878D82A}">
+                    <a16:rowId xmlns:a16="http://schemas.microsoft.com/office/drawing/2014/main" val="10009"/>
+                  </a:ext>
+                </a:extLst>
               </a:tr>
               <a:tr h="639609">
                 <a:tc>
@@ -8041,6 +7971,11 @@
                   </a:txBody>
                   <a:tcPr marL="63500" marR="63500" marT="63500" marB="63500"/>
                 </a:tc>
+                <a:extLst>
+                  <a:ext uri="{0D108BD9-81ED-4DB2-BD59-A6C34878D82A}">
+                    <a16:rowId xmlns:a16="http://schemas.microsoft.com/office/drawing/2014/main" val="10010"/>
+                  </a:ext>
+                </a:extLst>
               </a:tr>
               <a:tr h="639609">
                 <a:tc>
@@ -8159,6 +8094,11 @@
                   </a:txBody>
                   <a:tcPr marL="63500" marR="63500" marT="63500" marB="63500"/>
                 </a:tc>
+                <a:extLst>
+                  <a:ext uri="{0D108BD9-81ED-4DB2-BD59-A6C34878D82A}">
+                    <a16:rowId xmlns:a16="http://schemas.microsoft.com/office/drawing/2014/main" val="10011"/>
+                  </a:ext>
+                </a:extLst>
               </a:tr>
               <a:tr h="639609">
                 <a:tc>
@@ -8277,6 +8217,11 @@
                   </a:txBody>
                   <a:tcPr marL="63500" marR="63500" marT="63500" marB="63500"/>
                 </a:tc>
+                <a:extLst>
+                  <a:ext uri="{0D108BD9-81ED-4DB2-BD59-A6C34878D82A}">
+                    <a16:rowId xmlns:a16="http://schemas.microsoft.com/office/drawing/2014/main" val="10012"/>
+                  </a:ext>
+                </a:extLst>
               </a:tr>
               <a:tr h="639609">
                 <a:tc>
@@ -8395,6 +8340,11 @@
                   </a:txBody>
                   <a:tcPr marL="63500" marR="63500" marT="63500" marB="63500"/>
                 </a:tc>
+                <a:extLst>
+                  <a:ext uri="{0D108BD9-81ED-4DB2-BD59-A6C34878D82A}">
+                    <a16:rowId xmlns:a16="http://schemas.microsoft.com/office/drawing/2014/main" val="10013"/>
+                  </a:ext>
+                </a:extLst>
               </a:tr>
               <a:tr h="639609">
                 <a:tc>
@@ -8513,6 +8463,11 @@
                   </a:txBody>
                   <a:tcPr marL="63500" marR="63500" marT="63500" marB="63500"/>
                 </a:tc>
+                <a:extLst>
+                  <a:ext uri="{0D108BD9-81ED-4DB2-BD59-A6C34878D82A}">
+                    <a16:rowId xmlns:a16="http://schemas.microsoft.com/office/drawing/2014/main" val="10014"/>
+                  </a:ext>
+                </a:extLst>
               </a:tr>
               <a:tr h="639609">
                 <a:tc>
@@ -8631,6 +8586,11 @@
                   </a:txBody>
                   <a:tcPr marL="63500" marR="63500" marT="63500" marB="63500"/>
                 </a:tc>
+                <a:extLst>
+                  <a:ext uri="{0D108BD9-81ED-4DB2-BD59-A6C34878D82A}">
+                    <a16:rowId xmlns:a16="http://schemas.microsoft.com/office/drawing/2014/main" val="10015"/>
+                  </a:ext>
+                </a:extLst>
               </a:tr>
               <a:tr h="639609">
                 <a:tc>
@@ -8749,6 +8709,11 @@
                   </a:txBody>
                   <a:tcPr marL="63500" marR="63500" marT="63500" marB="63500"/>
                 </a:tc>
+                <a:extLst>
+                  <a:ext uri="{0D108BD9-81ED-4DB2-BD59-A6C34878D82A}">
+                    <a16:rowId xmlns:a16="http://schemas.microsoft.com/office/drawing/2014/main" val="10016"/>
+                  </a:ext>
+                </a:extLst>
               </a:tr>
               <a:tr h="639609">
                 <a:tc>
@@ -8803,22 +8768,13 @@
                         </a:spcAft>
                       </a:pPr>
                       <a:r>
-                        <a:rPr lang="en-US" sz="2400" b="1" dirty="0" smtClean="0">
-                          <a:effectLst/>
-                          <a:latin typeface="Calibri"/>
-                          <a:ea typeface="Calibri"/>
-                          <a:cs typeface="Times New Roman"/>
-                        </a:rPr>
-                        <a:t>21 </a:t>
-                      </a:r>
-                      <a:r>
                         <a:rPr lang="en-US" sz="2400" b="1" dirty="0">
                           <a:effectLst/>
                           <a:latin typeface="Calibri"/>
                           <a:ea typeface="Calibri"/>
                           <a:cs typeface="Times New Roman"/>
                         </a:rPr>
-                        <a:t>pcs</a:t>
+                        <a:t>21 pcs</a:t>
                       </a:r>
                       <a:endParaRPr lang="en-US" sz="2400" dirty="0">
                         <a:effectLst/>
@@ -8888,16 +8844,7 @@
                           <a:ea typeface="Calibri"/>
                           <a:cs typeface="Times New Roman"/>
                         </a:rPr>
-                        <a:t> </a:t>
-                      </a:r>
-                      <a:r>
-                        <a:rPr lang="en-US" sz="2400" b="1" dirty="0" smtClean="0">
-                          <a:effectLst/>
-                          <a:latin typeface="Calibri"/>
-                          <a:ea typeface="Calibri"/>
-                          <a:cs typeface="Times New Roman"/>
-                        </a:rPr>
-                        <a:t>145</a:t>
+                        <a:t> 145</a:t>
                       </a:r>
                       <a:endParaRPr lang="en-US" sz="2400" dirty="0">
                         <a:effectLst/>
@@ -8911,7 +8858,7 @@
                 </a:tc>
                 <a:extLst>
                   <a:ext uri="{0D108BD9-81ED-4DB2-BD59-A6C34878D82A}">
-                    <a16:rowId xmlns="" xmlns:a16="http://schemas.microsoft.com/office/drawing/2014/main" val="3526536781"/>
+                    <a16:rowId xmlns:a16="http://schemas.microsoft.com/office/drawing/2014/main" val="3526536781"/>
                   </a:ext>
                 </a:extLst>
               </a:tr>
@@ -9036,7 +8983,7 @@
         </p:blipFill>
         <p:spPr bwMode="auto">
           <a:xfrm>
-            <a:off x="7700225" y="6157828"/>
+            <a:off x="7734817" y="6358728"/>
             <a:ext cx="6554375" cy="7705743"/>
           </a:xfrm>
           <a:prstGeom prst="rect">
@@ -9082,7 +9029,7 @@
           <p:cNvPr id="14" name="İçerik Yer Tutucusu 5">
             <a:extLst>
               <a:ext uri="{FF2B5EF4-FFF2-40B4-BE49-F238E27FC236}">
-                <a16:creationId xmlns:a16="http://schemas.microsoft.com/office/drawing/2014/main" xmlns="" id="{720A2F19-6F5E-4229-897C-43E9480EF540}"/>
+                <a16:creationId xmlns:a16="http://schemas.microsoft.com/office/drawing/2014/main" id="{720A2F19-6F5E-4229-897C-43E9480EF540}"/>
               </a:ext>
             </a:extLst>
           </p:cNvPr>
@@ -9105,7 +9052,7 @@
         </p:blipFill>
         <p:spPr>
           <a:xfrm>
-            <a:off x="251977" y="6728739"/>
+            <a:off x="235281" y="6940008"/>
             <a:ext cx="1314851" cy="1525623"/>
           </a:xfrm>
           <a:prstGeom prst="roundRect">
@@ -9147,7 +9094,7 @@
         </p:blipFill>
         <p:spPr>
           <a:xfrm>
-            <a:off x="1608344" y="6728741"/>
+            <a:off x="1591648" y="6940010"/>
             <a:ext cx="1557524" cy="1491687"/>
           </a:xfrm>
           <a:prstGeom prst="roundRect">
@@ -9173,7 +9120,7 @@
           <p:cNvPr id="17" name="İçerik Yer Tutucusu 5">
             <a:extLst>
               <a:ext uri="{FF2B5EF4-FFF2-40B4-BE49-F238E27FC236}">
-                <a16:creationId xmlns:a16="http://schemas.microsoft.com/office/drawing/2014/main" xmlns="" id="{706AE0F8-2835-4FAB-B84C-28A09E49CC7E}"/>
+                <a16:creationId xmlns:a16="http://schemas.microsoft.com/office/drawing/2014/main" id="{706AE0F8-2835-4FAB-B84C-28A09E49CC7E}"/>
               </a:ext>
             </a:extLst>
           </p:cNvPr>
@@ -9196,7 +9143,7 @@
         </p:blipFill>
         <p:spPr>
           <a:xfrm>
-            <a:off x="3165868" y="6728741"/>
+            <a:off x="3149172" y="6940010"/>
             <a:ext cx="1437732" cy="1491687"/>
           </a:xfrm>
           <a:prstGeom prst="roundRect">
@@ -9222,7 +9169,7 @@
           <p:cNvPr id="18" name="İçerik Yer Tutucusu 12" descr="açık hava, gök, kişi, çayır içeren bir resim  Açıklama otomatik olarak oluşturuldu">
             <a:extLst>
               <a:ext uri="{FF2B5EF4-FFF2-40B4-BE49-F238E27FC236}">
-                <a16:creationId xmlns:a16="http://schemas.microsoft.com/office/drawing/2014/main" xmlns="" id="{49A4A624-65D8-4D5A-9921-5B8A91C21D61}"/>
+                <a16:creationId xmlns:a16="http://schemas.microsoft.com/office/drawing/2014/main" id="{49A4A624-65D8-4D5A-9921-5B8A91C21D61}"/>
               </a:ext>
             </a:extLst>
           </p:cNvPr>
@@ -9245,7 +9192,7 @@
         </p:blipFill>
         <p:spPr>
           <a:xfrm>
-            <a:off x="4649829" y="6728742"/>
+            <a:off x="4633133" y="6940011"/>
             <a:ext cx="1420653" cy="1491686"/>
           </a:xfrm>
           <a:prstGeom prst="roundRect">
@@ -9271,7 +9218,7 @@
           <p:cNvPr id="19" name="Picture 18" descr="A person smiling for the camera  Description automatically generated">
             <a:extLst>
               <a:ext uri="{FF2B5EF4-FFF2-40B4-BE49-F238E27FC236}">
-                <a16:creationId xmlns:a16="http://schemas.microsoft.com/office/drawing/2014/main" xmlns="" id="{1642481B-9D83-4C22-AB79-CD3297849CC4}"/>
+                <a16:creationId xmlns:a16="http://schemas.microsoft.com/office/drawing/2014/main" id="{1642481B-9D83-4C22-AB79-CD3297849CC4}"/>
               </a:ext>
             </a:extLst>
           </p:cNvPr>
@@ -9294,7 +9241,7 @@
         </p:blipFill>
         <p:spPr>
           <a:xfrm>
-            <a:off x="6089041" y="6728742"/>
+            <a:off x="6072345" y="6940011"/>
             <a:ext cx="1485859" cy="1491686"/>
           </a:xfrm>
           <a:prstGeom prst="roundRect">
@@ -9339,21 +9286,21 @@
           <a:p>
             <a:pPr algn="ctr"/>
             <a:r>
-              <a:rPr lang="en-US" dirty="0" err="1" smtClean="0">
+              <a:rPr lang="en-US" dirty="0" err="1">
                 <a:latin typeface="Calibri" pitchFamily="34" charset="0"/>
                 <a:cs typeface="Calibri" pitchFamily="34" charset="0"/>
               </a:rPr>
               <a:t>Hasan</a:t>
             </a:r>
             <a:r>
-              <a:rPr lang="en-US" dirty="0" smtClean="0">
+              <a:rPr lang="en-US" dirty="0">
                 <a:latin typeface="Calibri" pitchFamily="34" charset="0"/>
                 <a:cs typeface="Calibri" pitchFamily="34" charset="0"/>
               </a:rPr>
               <a:t> </a:t>
             </a:r>
             <a:r>
-              <a:rPr lang="en-US" dirty="0" err="1" smtClean="0">
+              <a:rPr lang="en-US" dirty="0" err="1">
                 <a:latin typeface="Calibri" pitchFamily="34" charset="0"/>
                 <a:cs typeface="Calibri" pitchFamily="34" charset="0"/>
               </a:rPr>
@@ -9390,13 +9337,13 @@
           <a:p>
             <a:pPr algn="ctr"/>
             <a:r>
-              <a:rPr lang="en-US" dirty="0" err="1" smtClean="0">
+              <a:rPr lang="en-US" dirty="0" err="1">
                 <a:latin typeface="Calibri" pitchFamily="34" charset="0"/>
                 <a:cs typeface="Calibri" pitchFamily="34" charset="0"/>
               </a:rPr>
               <a:t>Mert</a:t>
             </a:r>
-            <a:endParaRPr lang="en-US" dirty="0" smtClean="0">
+            <a:endParaRPr lang="en-US" dirty="0">
               <a:latin typeface="Calibri" pitchFamily="34" charset="0"/>
               <a:cs typeface="Calibri" pitchFamily="34" charset="0"/>
             </a:endParaRPr>
@@ -9404,14 +9351,14 @@
           <a:p>
             <a:pPr algn="ctr"/>
             <a:r>
-              <a:rPr lang="en-US" dirty="0" smtClean="0">
+              <a:rPr lang="en-US" dirty="0">
                 <a:latin typeface="Calibri" pitchFamily="34" charset="0"/>
                 <a:cs typeface="Calibri" pitchFamily="34" charset="0"/>
               </a:rPr>
               <a:t> </a:t>
             </a:r>
             <a:r>
-              <a:rPr lang="en-US" dirty="0" err="1" smtClean="0">
+              <a:rPr lang="en-US" dirty="0" err="1">
                 <a:latin typeface="Calibri" pitchFamily="34" charset="0"/>
                 <a:cs typeface="Calibri" pitchFamily="34" charset="0"/>
               </a:rPr>
@@ -9448,21 +9395,21 @@
           <a:p>
             <a:pPr algn="ctr"/>
             <a:r>
-              <a:rPr lang="en-US" dirty="0" err="1" smtClean="0">
+              <a:rPr lang="en-US" dirty="0" err="1">
                 <a:latin typeface="Calibri" pitchFamily="34" charset="0"/>
                 <a:cs typeface="Calibri" pitchFamily="34" charset="0"/>
               </a:rPr>
               <a:t>Kağan</a:t>
             </a:r>
             <a:r>
-              <a:rPr lang="en-US" dirty="0" smtClean="0">
+              <a:rPr lang="en-US" dirty="0">
                 <a:latin typeface="Calibri" pitchFamily="34" charset="0"/>
                 <a:cs typeface="Calibri" pitchFamily="34" charset="0"/>
               </a:rPr>
               <a:t> </a:t>
             </a:r>
             <a:r>
-              <a:rPr lang="en-US" dirty="0" err="1" smtClean="0">
+              <a:rPr lang="en-US" dirty="0" err="1">
                 <a:latin typeface="Calibri" pitchFamily="34" charset="0"/>
                 <a:cs typeface="Calibri" pitchFamily="34" charset="0"/>
               </a:rPr>
@@ -9499,20 +9446,20 @@
           <a:p>
             <a:pPr algn="ctr"/>
             <a:r>
-              <a:rPr lang="en-US" dirty="0" smtClean="0">
+              <a:rPr lang="en-US" dirty="0">
                 <a:latin typeface="Calibri" pitchFamily="34" charset="0"/>
                 <a:cs typeface="Calibri" pitchFamily="34" charset="0"/>
               </a:rPr>
               <a:t>Caner </a:t>
             </a:r>
             <a:r>
-              <a:rPr lang="en-US" dirty="0" err="1" smtClean="0">
+              <a:rPr lang="en-US" dirty="0" err="1">
                 <a:latin typeface="Calibri" pitchFamily="34" charset="0"/>
                 <a:cs typeface="Calibri" pitchFamily="34" charset="0"/>
               </a:rPr>
               <a:t>Potur</a:t>
             </a:r>
-            <a:endParaRPr lang="en-US" dirty="0" smtClean="0">
+            <a:endParaRPr lang="en-US" dirty="0">
               <a:latin typeface="Calibri" pitchFamily="34" charset="0"/>
               <a:cs typeface="Calibri" pitchFamily="34" charset="0"/>
             </a:endParaRPr>
@@ -9543,21 +9490,21 @@
           <a:p>
             <a:pPr algn="ctr"/>
             <a:r>
-              <a:rPr lang="en-US" dirty="0" err="1" smtClean="0">
+              <a:rPr lang="en-US" dirty="0" err="1">
                 <a:latin typeface="Calibri" pitchFamily="34" charset="0"/>
                 <a:cs typeface="Calibri" pitchFamily="34" charset="0"/>
               </a:rPr>
               <a:t>Ercan</a:t>
             </a:r>
             <a:r>
-              <a:rPr lang="en-US" dirty="0" smtClean="0">
+              <a:rPr lang="en-US" dirty="0">
                 <a:latin typeface="Calibri" pitchFamily="34" charset="0"/>
                 <a:cs typeface="Calibri" pitchFamily="34" charset="0"/>
               </a:rPr>
               <a:t> </a:t>
             </a:r>
             <a:r>
-              <a:rPr lang="en-US" dirty="0" err="1" smtClean="0">
+              <a:rPr lang="en-US" dirty="0" err="1">
                 <a:latin typeface="Calibri" pitchFamily="34" charset="0"/>
                 <a:cs typeface="Calibri" pitchFamily="34" charset="0"/>
               </a:rPr>
@@ -9578,8 +9525,8 @@
         </p:nvSpPr>
         <p:spPr>
           <a:xfrm>
-            <a:off x="14539715" y="6728742"/>
-            <a:ext cx="6675630" cy="7527727"/>
+            <a:off x="14539715" y="6358728"/>
+            <a:ext cx="6675630" cy="7416000"/>
           </a:xfrm>
           <a:prstGeom prst="roundRect">
             <a:avLst/>
@@ -9613,14 +9560,14 @@
           <a:lstStyle/>
           <a:p>
             <a:r>
-              <a:rPr lang="en-US" sz="4200" b="1" dirty="0" smtClean="0">
+              <a:rPr lang="en-US" sz="4200" b="1" dirty="0">
                 <a:latin typeface="Arial" pitchFamily="34" charset="0"/>
                 <a:cs typeface="Arial" pitchFamily="34" charset="0"/>
               </a:rPr>
               <a:t>Outstanding Features</a:t>
             </a:r>
             <a:r>
-              <a:rPr lang="bs-Latn-BA" sz="4200" b="1" dirty="0" smtClean="0">
+              <a:rPr lang="bs-Latn-BA" sz="4200" b="1" dirty="0">
                 <a:latin typeface="Arial" pitchFamily="34" charset="0"/>
                 <a:cs typeface="Arial" pitchFamily="34" charset="0"/>
               </a:rPr>
@@ -9633,7 +9580,7 @@
               <a:buChar char="•"/>
             </a:pPr>
             <a:r>
-              <a:rPr lang="en-US" sz="3000" dirty="0" smtClean="0">
+              <a:rPr lang="en-US" sz="3000" dirty="0">
                 <a:latin typeface="Arial" pitchFamily="34" charset="0"/>
                 <a:cs typeface="Arial" pitchFamily="34" charset="0"/>
               </a:rPr>
@@ -9645,7 +9592,7 @@
               <a:buFont typeface="Arial" panose="020B0604020202020204" pitchFamily="34" charset="0"/>
               <a:buChar char="•"/>
             </a:pPr>
-            <a:endParaRPr lang="en-US" sz="3000" dirty="0" smtClean="0">
+            <a:endParaRPr lang="en-US" sz="3000" dirty="0">
               <a:latin typeface="Arial" pitchFamily="34" charset="0"/>
               <a:cs typeface="Arial" pitchFamily="34" charset="0"/>
             </a:endParaRPr>
@@ -9655,7 +9602,7 @@
               <a:buFont typeface="Arial" panose="020B0604020202020204" pitchFamily="34" charset="0"/>
               <a:buChar char="•"/>
             </a:pPr>
-            <a:endParaRPr lang="en-US" sz="3000" dirty="0" smtClean="0">
+            <a:endParaRPr lang="en-US" sz="3000" dirty="0">
               <a:latin typeface="Arial" pitchFamily="34" charset="0"/>
               <a:cs typeface="Arial" pitchFamily="34" charset="0"/>
             </a:endParaRPr>
@@ -9665,7 +9612,7 @@
               <a:buFont typeface="Arial" panose="020B0604020202020204" pitchFamily="34" charset="0"/>
               <a:buChar char="•"/>
             </a:pPr>
-            <a:endParaRPr lang="en-US" sz="3000" dirty="0" smtClean="0">
+            <a:endParaRPr lang="en-US" sz="3000" dirty="0">
               <a:latin typeface="Arial" pitchFamily="34" charset="0"/>
               <a:cs typeface="Arial" pitchFamily="34" charset="0"/>
             </a:endParaRPr>
@@ -9675,7 +9622,7 @@
               <a:buFont typeface="Arial" panose="020B0604020202020204" pitchFamily="34" charset="0"/>
               <a:buChar char="•"/>
             </a:pPr>
-            <a:endParaRPr lang="en-US" sz="3000" dirty="0" smtClean="0">
+            <a:endParaRPr lang="en-US" sz="3000" dirty="0">
               <a:latin typeface="Arial" pitchFamily="34" charset="0"/>
               <a:cs typeface="Arial" pitchFamily="34" charset="0"/>
             </a:endParaRPr>
@@ -9685,7 +9632,17 @@
               <a:buFont typeface="Arial" panose="020B0604020202020204" pitchFamily="34" charset="0"/>
               <a:buChar char="•"/>
             </a:pPr>
-            <a:endParaRPr lang="en-US" sz="3000" dirty="0" smtClean="0">
+            <a:endParaRPr lang="en-US" sz="3000" dirty="0">
+              <a:latin typeface="Arial" pitchFamily="34" charset="0"/>
+              <a:cs typeface="Arial" pitchFamily="34" charset="0"/>
+            </a:endParaRPr>
+          </a:p>
+          <a:p>
+            <a:pPr marL="571500" indent="-571500">
+              <a:buFont typeface="Arial" panose="020B0604020202020204" pitchFamily="34" charset="0"/>
+              <a:buChar char="•"/>
+            </a:pPr>
+            <a:endParaRPr lang="tr-TR" sz="3000" dirty="0">
               <a:latin typeface="Arial" pitchFamily="34" charset="0"/>
               <a:cs typeface="Arial" pitchFamily="34" charset="0"/>
             </a:endParaRPr>
@@ -9696,7 +9653,7 @@
               <a:buChar char="•"/>
             </a:pPr>
             <a:r>
-              <a:rPr lang="en-US" sz="3000" dirty="0" smtClean="0">
+              <a:rPr lang="en-US" sz="3000" dirty="0">
                 <a:latin typeface="Arial" pitchFamily="34" charset="0"/>
                 <a:cs typeface="Arial" pitchFamily="34" charset="0"/>
               </a:rPr>
@@ -9708,7 +9665,7 @@
               <a:buFont typeface="Arial" panose="020B0604020202020204" pitchFamily="34" charset="0"/>
               <a:buChar char="•"/>
             </a:pPr>
-            <a:endParaRPr lang="en-US" sz="3000" dirty="0" smtClean="0">
+            <a:endParaRPr lang="en-US" sz="3000" dirty="0">
               <a:latin typeface="Arial" pitchFamily="34" charset="0"/>
               <a:cs typeface="Arial" pitchFamily="34" charset="0"/>
             </a:endParaRPr>
@@ -9718,7 +9675,7 @@
               <a:buFont typeface="Arial" panose="020B0604020202020204" pitchFamily="34" charset="0"/>
               <a:buChar char="•"/>
             </a:pPr>
-            <a:endParaRPr lang="en-US" sz="3000" dirty="0" smtClean="0">
+            <a:endParaRPr lang="en-US" sz="3000" dirty="0">
               <a:latin typeface="Arial" pitchFamily="34" charset="0"/>
               <a:cs typeface="Arial" pitchFamily="34" charset="0"/>
             </a:endParaRPr>
@@ -9728,7 +9685,7 @@
               <a:buFont typeface="Arial" panose="020B0604020202020204" pitchFamily="34" charset="0"/>
               <a:buChar char="•"/>
             </a:pPr>
-            <a:endParaRPr lang="en-US" sz="3000" dirty="0" smtClean="0">
+            <a:endParaRPr lang="en-US" sz="3000" dirty="0">
               <a:latin typeface="Arial" pitchFamily="34" charset="0"/>
               <a:cs typeface="Arial" pitchFamily="34" charset="0"/>
             </a:endParaRPr>
@@ -9738,14 +9695,14 @@
               <a:buFont typeface="Arial" panose="020B0604020202020204" pitchFamily="34" charset="0"/>
               <a:buChar char="•"/>
             </a:pPr>
-            <a:endParaRPr lang="en-US" sz="3000" dirty="0" smtClean="0">
+            <a:endParaRPr lang="en-US" sz="3000" dirty="0">
               <a:latin typeface="Arial" pitchFamily="34" charset="0"/>
               <a:cs typeface="Arial" pitchFamily="34" charset="0"/>
             </a:endParaRPr>
           </a:p>
           <a:p>
             <a:pPr algn="just"/>
-            <a:endParaRPr lang="en-US" sz="3600" i="1" dirty="0" smtClean="0">
+            <a:endParaRPr lang="en-US" sz="3600" i="1" dirty="0">
               <a:latin typeface="Arial" pitchFamily="34" charset="0"/>
               <a:cs typeface="Arial" pitchFamily="34" charset="0"/>
             </a:endParaRPr>
@@ -9809,7 +9766,7 @@
         </p:blipFill>
         <p:spPr>
           <a:xfrm rot="10800000">
-            <a:off x="15814324" y="11275176"/>
+            <a:off x="15578350" y="11623703"/>
             <a:ext cx="1719736" cy="1289802"/>
           </a:xfrm>
           <a:prstGeom prst="rect">
@@ -9826,13 +9783,13 @@
           <p:nvPr>
             <p:extLst>
               <p:ext uri="{D42A27DB-BD31-4B8C-83A1-F6EECF244321}">
-                <p14:modId xmlns:p14="http://schemas.microsoft.com/office/powerpoint/2010/main" val="974769704"/>
+                <p14:modId xmlns:p14="http://schemas.microsoft.com/office/powerpoint/2010/main" val="1417575006"/>
               </p:ext>
             </p:extLst>
           </p:nvPr>
         </p:nvGraphicFramePr>
         <p:xfrm>
-          <a:off x="7574900" y="22787397"/>
+          <a:off x="7900198" y="22790644"/>
           <a:ext cx="6154427" cy="4333621"/>
         </p:xfrm>
         <a:graphic>
@@ -9842,8 +9799,20 @@
                 <a:tableStyleId>{69012ECD-51FC-41F1-AA8D-1B2483CD663E}</a:tableStyleId>
               </a:tblPr>
               <a:tblGrid>
-                <a:gridCol w="2979829"/>
-                <a:gridCol w="3174598"/>
+                <a:gridCol w="2979829">
+                  <a:extLst>
+                    <a:ext uri="{9D8B030D-6E8A-4147-A177-3AD203B41FA5}">
+                      <a16:colId xmlns:a16="http://schemas.microsoft.com/office/drawing/2014/main" val="20000"/>
+                    </a:ext>
+                  </a:extLst>
+                </a:gridCol>
+                <a:gridCol w="3174598">
+                  <a:extLst>
+                    <a:ext uri="{9D8B030D-6E8A-4147-A177-3AD203B41FA5}">
+                      <a16:colId xmlns:a16="http://schemas.microsoft.com/office/drawing/2014/main" val="20001"/>
+                    </a:ext>
+                  </a:extLst>
+                </a:gridCol>
               </a:tblGrid>
               <a:tr h="0">
                 <a:tc gridSpan="2">
@@ -9927,6 +9896,11 @@
                   </a:txBody>
                   <a:tcPr/>
                 </a:tc>
+                <a:extLst>
+                  <a:ext uri="{0D108BD9-81ED-4DB2-BD59-A6C34878D82A}">
+                    <a16:rowId xmlns:a16="http://schemas.microsoft.com/office/drawing/2014/main" val="10000"/>
+                  </a:ext>
+                </a:extLst>
               </a:tr>
               <a:tr h="0">
                 <a:tc>
@@ -10083,6 +10057,11 @@
                     </a:solidFill>
                   </a:tcPr>
                 </a:tc>
+                <a:extLst>
+                  <a:ext uri="{0D108BD9-81ED-4DB2-BD59-A6C34878D82A}">
+                    <a16:rowId xmlns:a16="http://schemas.microsoft.com/office/drawing/2014/main" val="10001"/>
+                  </a:ext>
+                </a:extLst>
               </a:tr>
               <a:tr h="0">
                 <a:tc>
@@ -10239,6 +10218,11 @@
                     </a:solidFill>
                   </a:tcPr>
                 </a:tc>
+                <a:extLst>
+                  <a:ext uri="{0D108BD9-81ED-4DB2-BD59-A6C34878D82A}">
+                    <a16:rowId xmlns:a16="http://schemas.microsoft.com/office/drawing/2014/main" val="10002"/>
+                  </a:ext>
+                </a:extLst>
               </a:tr>
               <a:tr h="0">
                 <a:tc>
@@ -10395,6 +10379,11 @@
                     </a:solidFill>
                   </a:tcPr>
                 </a:tc>
+                <a:extLst>
+                  <a:ext uri="{0D108BD9-81ED-4DB2-BD59-A6C34878D82A}">
+                    <a16:rowId xmlns:a16="http://schemas.microsoft.com/office/drawing/2014/main" val="10003"/>
+                  </a:ext>
+                </a:extLst>
               </a:tr>
               <a:tr h="0">
                 <a:tc>
@@ -10551,6 +10540,11 @@
                     </a:solidFill>
                   </a:tcPr>
                 </a:tc>
+                <a:extLst>
+                  <a:ext uri="{0D108BD9-81ED-4DB2-BD59-A6C34878D82A}">
+                    <a16:rowId xmlns:a16="http://schemas.microsoft.com/office/drawing/2014/main" val="10004"/>
+                  </a:ext>
+                </a:extLst>
               </a:tr>
               <a:tr h="0">
                 <a:tc>
@@ -10707,6 +10701,11 @@
                     </a:solidFill>
                   </a:tcPr>
                 </a:tc>
+                <a:extLst>
+                  <a:ext uri="{0D108BD9-81ED-4DB2-BD59-A6C34878D82A}">
+                    <a16:rowId xmlns:a16="http://schemas.microsoft.com/office/drawing/2014/main" val="10005"/>
+                  </a:ext>
+                </a:extLst>
               </a:tr>
               <a:tr h="0">
                 <a:tc>
@@ -10863,6 +10862,11 @@
                     </a:solidFill>
                   </a:tcPr>
                 </a:tc>
+                <a:extLst>
+                  <a:ext uri="{0D108BD9-81ED-4DB2-BD59-A6C34878D82A}">
+                    <a16:rowId xmlns:a16="http://schemas.microsoft.com/office/drawing/2014/main" val="10006"/>
+                  </a:ext>
+                </a:extLst>
               </a:tr>
             </a:tbl>
           </a:graphicData>
@@ -10877,14 +10881,14 @@
           <p:nvPr>
             <p:extLst>
               <p:ext uri="{D42A27DB-BD31-4B8C-83A1-F6EECF244321}">
-                <p14:modId xmlns:p14="http://schemas.microsoft.com/office/powerpoint/2010/main" val="2319534427"/>
+                <p14:modId xmlns:p14="http://schemas.microsoft.com/office/powerpoint/2010/main" val="3596219653"/>
               </p:ext>
             </p:extLst>
           </p:nvPr>
         </p:nvGraphicFramePr>
         <p:xfrm>
-          <a:off x="1233678" y="14952834"/>
-          <a:ext cx="12425172" cy="7084968"/>
+          <a:off x="1233678" y="15226925"/>
+          <a:ext cx="12382310" cy="4802143"/>
         </p:xfrm>
         <a:graphic>
           <a:graphicData uri="http://schemas.openxmlformats.org/drawingml/2006/table">
@@ -10893,10 +10897,34 @@
                 <a:tableStyleId>{69012ECD-51FC-41F1-AA8D-1B2483CD663E}</a:tableStyleId>
               </a:tblPr>
               <a:tblGrid>
-                <a:gridCol w="2857640"/>
-                <a:gridCol w="1556385"/>
-                <a:gridCol w="2009333"/>
-                <a:gridCol w="6001814"/>
+                <a:gridCol w="2857640">
+                  <a:extLst>
+                    <a:ext uri="{9D8B030D-6E8A-4147-A177-3AD203B41FA5}">
+                      <a16:colId xmlns:a16="http://schemas.microsoft.com/office/drawing/2014/main" val="20000"/>
+                    </a:ext>
+                  </a:extLst>
+                </a:gridCol>
+                <a:gridCol w="1424580">
+                  <a:extLst>
+                    <a:ext uri="{9D8B030D-6E8A-4147-A177-3AD203B41FA5}">
+                      <a16:colId xmlns:a16="http://schemas.microsoft.com/office/drawing/2014/main" val="20001"/>
+                    </a:ext>
+                  </a:extLst>
+                </a:gridCol>
+                <a:gridCol w="4912596">
+                  <a:extLst>
+                    <a:ext uri="{9D8B030D-6E8A-4147-A177-3AD203B41FA5}">
+                      <a16:colId xmlns:a16="http://schemas.microsoft.com/office/drawing/2014/main" val="20002"/>
+                    </a:ext>
+                  </a:extLst>
+                </a:gridCol>
+                <a:gridCol w="3187494">
+                  <a:extLst>
+                    <a:ext uri="{9D8B030D-6E8A-4147-A177-3AD203B41FA5}">
+                      <a16:colId xmlns:a16="http://schemas.microsoft.com/office/drawing/2014/main" val="3293870451"/>
+                    </a:ext>
+                  </a:extLst>
+                </a:gridCol>
               </a:tblGrid>
               <a:tr h="534816">
                 <a:tc gridSpan="4">
@@ -10975,7 +11003,7 @@
                       <a:tailEnd type="none" w="med" len="med"/>
                     </a:lnB>
                     <a:solidFill>
-                      <a:srgbClr val="FFC000"/>
+                      <a:srgbClr val="FFFFFF"/>
                     </a:solidFill>
                   </a:tcPr>
                 </a:tc>
@@ -10997,18 +11025,92 @@
                       <a:endParaRPr lang="en-US"/>
                     </a:p>
                   </a:txBody>
-                  <a:tcPr/>
+                  <a:tcPr>
+                    <a:lnL w="12700" cap="flat" cmpd="sng" algn="ctr">
+                      <a:solidFill>
+                        <a:schemeClr val="tx1"/>
+                      </a:solidFill>
+                      <a:prstDash val="solid"/>
+                      <a:round/>
+                      <a:headEnd type="none" w="med" len="med"/>
+                      <a:tailEnd type="none" w="med" len="med"/>
+                    </a:lnL>
+                  </a:tcPr>
                 </a:tc>
                 <a:tc hMerge="1">
                   <a:txBody>
                     <a:bodyPr/>
                     <a:lstStyle/>
                     <a:p>
-                      <a:endParaRPr lang="en-US"/>
+                      <a:pPr marL="0" marR="0" algn="ctr">
+                        <a:lnSpc>
+                          <a:spcPct val="107000"/>
+                        </a:lnSpc>
+                        <a:spcBef>
+                          <a:spcPts val="0"/>
+                        </a:spcBef>
+                        <a:spcAft>
+                          <a:spcPts val="0"/>
+                        </a:spcAft>
+                      </a:pPr>
+                      <a:endParaRPr lang="en-US" sz="2800" dirty="0">
+                        <a:solidFill>
+                          <a:schemeClr val="bg1"/>
+                        </a:solidFill>
+                        <a:effectLst/>
+                        <a:latin typeface="Arial" pitchFamily="34" charset="0"/>
+                        <a:ea typeface="Calibri"/>
+                        <a:cs typeface="Arial" pitchFamily="34" charset="0"/>
+                      </a:endParaRPr>
                     </a:p>
                   </a:txBody>
-                  <a:tcPr/>
+                  <a:tcPr marL="68580" marR="68580" marT="0" marB="0">
+                    <a:lnL w="12700" cap="flat" cmpd="sng" algn="ctr">
+                      <a:solidFill>
+                        <a:schemeClr val="tx1"/>
+                      </a:solidFill>
+                      <a:prstDash val="solid"/>
+                      <a:round/>
+                      <a:headEnd type="none" w="med" len="med"/>
+                      <a:tailEnd type="none" w="med" len="med"/>
+                    </a:lnL>
+                    <a:lnR w="12700" cap="flat" cmpd="sng" algn="ctr">
+                      <a:solidFill>
+                        <a:schemeClr val="tx1"/>
+                      </a:solidFill>
+                      <a:prstDash val="solid"/>
+                      <a:round/>
+                      <a:headEnd type="none" w="med" len="med"/>
+                      <a:tailEnd type="none" w="med" len="med"/>
+                    </a:lnR>
+                    <a:lnT w="12700" cap="flat" cmpd="sng" algn="ctr">
+                      <a:solidFill>
+                        <a:schemeClr val="tx1"/>
+                      </a:solidFill>
+                      <a:prstDash val="solid"/>
+                      <a:round/>
+                      <a:headEnd type="none" w="med" len="med"/>
+                      <a:tailEnd type="none" w="med" len="med"/>
+                    </a:lnT>
+                    <a:lnB w="12700" cap="flat" cmpd="sng" algn="ctr">
+                      <a:solidFill>
+                        <a:schemeClr val="tx1"/>
+                      </a:solidFill>
+                      <a:prstDash val="solid"/>
+                      <a:round/>
+                      <a:headEnd type="none" w="med" len="med"/>
+                      <a:tailEnd type="none" w="med" len="med"/>
+                    </a:lnB>
+                    <a:solidFill>
+                      <a:srgbClr val="4A66AC"/>
+                    </a:solidFill>
+                  </a:tcPr>
                 </a:tc>
+                <a:extLst>
+                  <a:ext uri="{0D108BD9-81ED-4DB2-BD59-A6C34878D82A}">
+                    <a16:rowId xmlns:a16="http://schemas.microsoft.com/office/drawing/2014/main" val="10000"/>
+                  </a:ext>
+                </a:extLst>
               </a:tr>
               <a:tr h="0">
                 <a:tc gridSpan="2">
@@ -11060,9 +11162,7 @@
                       <a:tailEnd type="none" w="med" len="med"/>
                     </a:lnL>
                     <a:lnR w="12700" cap="flat" cmpd="sng" algn="ctr">
-                      <a:solidFill>
-                        <a:schemeClr val="tx1"/>
-                      </a:solidFill>
+                      <a:noFill/>
                       <a:prstDash val="solid"/>
                       <a:round/>
                       <a:headEnd type="none" w="med" len="med"/>
@@ -11087,7 +11187,7 @@
                       <a:tailEnd type="none" w="med" len="med"/>
                     </a:lnB>
                     <a:solidFill>
-                      <a:schemeClr val="tx1"/>
+                      <a:srgbClr val="4A66AC"/>
                     </a:solidFill>
                   </a:tcPr>
                 </a:tc>
@@ -11139,16 +11239,7 @@
                       </a:endParaRPr>
                     </a:p>
                   </a:txBody>
-                  <a:tcPr marL="68580" marR="68580" marT="0" marB="0">
-                    <a:lnL w="12700" cap="flat" cmpd="sng" algn="ctr">
-                      <a:solidFill>
-                        <a:schemeClr val="tx1"/>
-                      </a:solidFill>
-                      <a:prstDash val="solid"/>
-                      <a:round/>
-                      <a:headEnd type="none" w="med" len="med"/>
-                      <a:tailEnd type="none" w="med" len="med"/>
-                    </a:lnL>
+                  <a:tcPr marL="36000" marR="68580" marT="0" marB="0">
                     <a:lnR w="12700" cap="flat" cmpd="sng" algn="ctr">
                       <a:solidFill>
                         <a:schemeClr val="tx1"/>
@@ -11158,15 +11249,6 @@
                       <a:headEnd type="none" w="med" len="med"/>
                       <a:tailEnd type="none" w="med" len="med"/>
                     </a:lnR>
-                    <a:lnT w="12700" cap="flat" cmpd="sng" algn="ctr">
-                      <a:solidFill>
-                        <a:schemeClr val="tx1"/>
-                      </a:solidFill>
-                      <a:prstDash val="solid"/>
-                      <a:round/>
-                      <a:headEnd type="none" w="med" len="med"/>
-                      <a:tailEnd type="none" w="med" len="med"/>
-                    </a:lnT>
                     <a:lnB w="12700" cap="flat" cmpd="sng" algn="ctr">
                       <a:solidFill>
                         <a:schemeClr val="tx1"/>
@@ -11177,7 +11259,7 @@
                       <a:tailEnd type="none" w="med" len="med"/>
                     </a:lnB>
                     <a:solidFill>
-                      <a:schemeClr val="tx1"/>
+                      <a:srgbClr val="4A66AC"/>
                     </a:solidFill>
                   </a:tcPr>
                 </a:tc>
@@ -11186,11 +11268,75 @@
                     <a:bodyPr/>
                     <a:lstStyle/>
                     <a:p>
-                      <a:endParaRPr lang="en-US"/>
+                      <a:pPr marL="0" marR="0" algn="ctr">
+                        <a:lnSpc>
+                          <a:spcPct val="107000"/>
+                        </a:lnSpc>
+                        <a:spcBef>
+                          <a:spcPts val="0"/>
+                        </a:spcBef>
+                        <a:spcAft>
+                          <a:spcPts val="0"/>
+                        </a:spcAft>
+                      </a:pPr>
+                      <a:endParaRPr lang="en-US" sz="2800" b="1" dirty="0">
+                        <a:solidFill>
+                          <a:schemeClr val="bg1"/>
+                        </a:solidFill>
+                        <a:effectLst/>
+                        <a:latin typeface="Arial" pitchFamily="34" charset="0"/>
+                        <a:ea typeface="Calibri"/>
+                        <a:cs typeface="Arial" pitchFamily="34" charset="0"/>
+                      </a:endParaRPr>
                     </a:p>
                   </a:txBody>
-                  <a:tcPr/>
+                  <a:tcPr marL="68580" marR="68580" marT="0" marB="0">
+                    <a:lnL w="12700" cap="flat" cmpd="sng" algn="ctr">
+                      <a:solidFill>
+                        <a:schemeClr val="tx1"/>
+                      </a:solidFill>
+                      <a:prstDash val="solid"/>
+                      <a:round/>
+                      <a:headEnd type="none" w="med" len="med"/>
+                      <a:tailEnd type="none" w="med" len="med"/>
+                    </a:lnL>
+                    <a:lnR w="12700" cap="flat" cmpd="sng" algn="ctr">
+                      <a:solidFill>
+                        <a:schemeClr val="tx1"/>
+                      </a:solidFill>
+                      <a:prstDash val="solid"/>
+                      <a:round/>
+                      <a:headEnd type="none" w="med" len="med"/>
+                      <a:tailEnd type="none" w="med" len="med"/>
+                    </a:lnR>
+                    <a:lnT w="12700" cap="flat" cmpd="sng" algn="ctr">
+                      <a:solidFill>
+                        <a:schemeClr val="tx1"/>
+                      </a:solidFill>
+                      <a:prstDash val="solid"/>
+                      <a:round/>
+                      <a:headEnd type="none" w="med" len="med"/>
+                      <a:tailEnd type="none" w="med" len="med"/>
+                    </a:lnT>
+                    <a:lnB w="12700" cap="flat" cmpd="sng" algn="ctr">
+                      <a:solidFill>
+                        <a:schemeClr val="tx1"/>
+                      </a:solidFill>
+                      <a:prstDash val="solid"/>
+                      <a:round/>
+                      <a:headEnd type="none" w="med" len="med"/>
+                      <a:tailEnd type="none" w="med" len="med"/>
+                    </a:lnB>
+                    <a:solidFill>
+                      <a:schemeClr val="tx1"/>
+                    </a:solidFill>
+                  </a:tcPr>
                 </a:tc>
+                <a:extLst>
+                  <a:ext uri="{0D108BD9-81ED-4DB2-BD59-A6C34878D82A}">
+                    <a16:rowId xmlns:a16="http://schemas.microsoft.com/office/drawing/2014/main" val="10001"/>
+                  </a:ext>
+                </a:extLst>
               </a:tr>
               <a:tr h="0">
                 <a:tc gridSpan="2">
@@ -11263,7 +11409,7 @@
                       <a:tailEnd type="none" w="med" len="med"/>
                     </a:lnB>
                     <a:solidFill>
-                      <a:schemeClr val="bg1"/>
+                      <a:srgbClr val="D0D3E3"/>
                     </a:solidFill>
                   </a:tcPr>
                 </a:tc>
@@ -11294,14 +11440,14 @@
                         </a:spcAft>
                       </a:pPr>
                       <a:r>
-                        <a:rPr lang="en-US" sz="2800" dirty="0">
+                        <a:rPr lang="en-US" sz="2800" b="1" dirty="0">
                           <a:effectLst/>
                           <a:latin typeface="Arial" pitchFamily="34" charset="0"/>
                           <a:cs typeface="Arial" pitchFamily="34" charset="0"/>
                         </a:rPr>
                         <a:t>Physical Specification</a:t>
                       </a:r>
-                      <a:endParaRPr lang="en-US" sz="2800" dirty="0">
+                      <a:endParaRPr lang="en-US" sz="2800" b="1" dirty="0">
                         <a:effectLst/>
                         <a:latin typeface="Arial" pitchFamily="34" charset="0"/>
                         <a:ea typeface="Calibri"/>
@@ -11347,7 +11493,7 @@
                       <a:tailEnd type="none" w="med" len="med"/>
                     </a:lnB>
                     <a:solidFill>
-                      <a:schemeClr val="bg1"/>
+                      <a:srgbClr val="D0D3E3"/>
                     </a:solidFill>
                   </a:tcPr>
                 </a:tc>
@@ -11356,13 +11502,74 @@
                     <a:bodyPr/>
                     <a:lstStyle/>
                     <a:p>
-                      <a:endParaRPr lang="en-US"/>
+                      <a:pPr marL="0" marR="0" algn="ctr">
+                        <a:lnSpc>
+                          <a:spcPct val="107000"/>
+                        </a:lnSpc>
+                        <a:spcBef>
+                          <a:spcPts val="0"/>
+                        </a:spcBef>
+                        <a:spcAft>
+                          <a:spcPts val="0"/>
+                        </a:spcAft>
+                      </a:pPr>
+                      <a:endParaRPr lang="en-US" sz="2800" b="1" dirty="0">
+                        <a:effectLst/>
+                        <a:latin typeface="Arial" pitchFamily="34" charset="0"/>
+                        <a:ea typeface="Calibri"/>
+                        <a:cs typeface="Arial" pitchFamily="34" charset="0"/>
+                      </a:endParaRPr>
                     </a:p>
                   </a:txBody>
-                  <a:tcPr/>
+                  <a:tcPr marL="68580" marR="68580" marT="0" marB="0">
+                    <a:lnL w="12700" cap="flat" cmpd="sng" algn="ctr">
+                      <a:solidFill>
+                        <a:schemeClr val="tx1"/>
+                      </a:solidFill>
+                      <a:prstDash val="solid"/>
+                      <a:round/>
+                      <a:headEnd type="none" w="med" len="med"/>
+                      <a:tailEnd type="none" w="med" len="med"/>
+                    </a:lnL>
+                    <a:lnR w="12700" cap="flat" cmpd="sng" algn="ctr">
+                      <a:solidFill>
+                        <a:schemeClr val="tx1"/>
+                      </a:solidFill>
+                      <a:prstDash val="solid"/>
+                      <a:round/>
+                      <a:headEnd type="none" w="med" len="med"/>
+                      <a:tailEnd type="none" w="med" len="med"/>
+                    </a:lnR>
+                    <a:lnT w="12700" cap="flat" cmpd="sng" algn="ctr">
+                      <a:solidFill>
+                        <a:schemeClr val="tx1"/>
+                      </a:solidFill>
+                      <a:prstDash val="solid"/>
+                      <a:round/>
+                      <a:headEnd type="none" w="med" len="med"/>
+                      <a:tailEnd type="none" w="med" len="med"/>
+                    </a:lnT>
+                    <a:lnB w="12700" cap="flat" cmpd="sng" algn="ctr">
+                      <a:solidFill>
+                        <a:schemeClr val="tx1"/>
+                      </a:solidFill>
+                      <a:prstDash val="solid"/>
+                      <a:round/>
+                      <a:headEnd type="none" w="med" len="med"/>
+                      <a:tailEnd type="none" w="med" len="med"/>
+                    </a:lnB>
+                    <a:solidFill>
+                      <a:srgbClr val="D0D3E3"/>
+                    </a:solidFill>
+                  </a:tcPr>
                 </a:tc>
+                <a:extLst>
+                  <a:ext uri="{0D108BD9-81ED-4DB2-BD59-A6C34878D82A}">
+                    <a16:rowId xmlns:a16="http://schemas.microsoft.com/office/drawing/2014/main" val="10002"/>
+                  </a:ext>
+                </a:extLst>
               </a:tr>
-              <a:tr h="0">
+              <a:tr h="223618">
                 <a:tc>
                   <a:txBody>
                     <a:bodyPr/>
@@ -11380,14 +11587,14 @@
                         </a:spcAft>
                       </a:pPr>
                       <a:r>
-                        <a:rPr lang="en-US" sz="2800">
+                        <a:rPr lang="en-US" sz="2800" dirty="0">
                           <a:effectLst/>
                           <a:latin typeface="Arial" pitchFamily="34" charset="0"/>
                           <a:cs typeface="Arial" pitchFamily="34" charset="0"/>
                         </a:rPr>
                         <a:t>Height</a:t>
                       </a:r>
-                      <a:endParaRPr lang="en-US" sz="2800">
+                      <a:endParaRPr lang="en-US" sz="2800" dirty="0">
                         <a:effectLst/>
                         <a:latin typeface="Arial" pitchFamily="34" charset="0"/>
                         <a:ea typeface="Calibri"/>
@@ -11610,7 +11817,7 @@
                         </a:spcAft>
                       </a:pPr>
                       <a:r>
-                        <a:rPr lang="en-US" sz="2800" dirty="0">
+                        <a:rPr lang="en-US" sz="2800">
                           <a:effectLst/>
                           <a:latin typeface="Arial" pitchFamily="34" charset="0"/>
                           <a:cs typeface="Arial" pitchFamily="34" charset="0"/>
@@ -11667,6 +11874,11 @@
                     </a:solidFill>
                   </a:tcPr>
                 </a:tc>
+                <a:extLst>
+                  <a:ext uri="{0D108BD9-81ED-4DB2-BD59-A6C34878D82A}">
+                    <a16:rowId xmlns:a16="http://schemas.microsoft.com/office/drawing/2014/main" val="10003"/>
+                  </a:ext>
+                </a:extLst>
               </a:tr>
               <a:tr h="0">
                 <a:tc>
@@ -11686,14 +11898,14 @@
                         </a:spcAft>
                       </a:pPr>
                       <a:r>
-                        <a:rPr lang="en-US" sz="2800">
+                        <a:rPr lang="en-US" sz="2800" dirty="0">
                           <a:effectLst/>
                           <a:latin typeface="Arial" pitchFamily="34" charset="0"/>
                           <a:cs typeface="Arial" pitchFamily="34" charset="0"/>
                         </a:rPr>
                         <a:t>Diameter</a:t>
                       </a:r>
-                      <a:endParaRPr lang="en-US" sz="2800">
+                      <a:endParaRPr lang="en-US" sz="2800" dirty="0">
                         <a:effectLst/>
                         <a:latin typeface="Arial" pitchFamily="34" charset="0"/>
                         <a:ea typeface="Calibri"/>
@@ -11760,14 +11972,14 @@
                         </a:spcAft>
                       </a:pPr>
                       <a:r>
-                        <a:rPr lang="en-US" sz="2800">
+                        <a:rPr lang="en-US" sz="2800" dirty="0">
                           <a:effectLst/>
                           <a:latin typeface="Arial" pitchFamily="34" charset="0"/>
                           <a:cs typeface="Arial" pitchFamily="34" charset="0"/>
                         </a:rPr>
                         <a:t>29 cm </a:t>
                       </a:r>
-                      <a:endParaRPr lang="en-US" sz="2800">
+                      <a:endParaRPr lang="en-US" sz="2800" dirty="0">
                         <a:effectLst/>
                         <a:latin typeface="Arial" pitchFamily="34" charset="0"/>
                         <a:ea typeface="Calibri"/>
@@ -11965,6 +12177,11 @@
                     </a:solidFill>
                   </a:tcPr>
                 </a:tc>
+                <a:extLst>
+                  <a:ext uri="{0D108BD9-81ED-4DB2-BD59-A6C34878D82A}">
+                    <a16:rowId xmlns:a16="http://schemas.microsoft.com/office/drawing/2014/main" val="10004"/>
+                  </a:ext>
+                </a:extLst>
               </a:tr>
               <a:tr h="0">
                 <a:tc>
@@ -12058,14 +12275,14 @@
                         </a:spcAft>
                       </a:pPr>
                       <a:r>
-                        <a:rPr lang="en-US" sz="2800">
+                        <a:rPr lang="en-US" sz="2800" dirty="0">
                           <a:effectLst/>
                           <a:latin typeface="Arial" pitchFamily="34" charset="0"/>
                           <a:cs typeface="Arial" pitchFamily="34" charset="0"/>
                         </a:rPr>
                         <a:t>2.6 kg</a:t>
                       </a:r>
-                      <a:endParaRPr lang="en-US" sz="2800">
+                      <a:endParaRPr lang="en-US" sz="2800" dirty="0">
                         <a:effectLst/>
                         <a:latin typeface="Arial" pitchFamily="34" charset="0"/>
                         <a:ea typeface="Calibri"/>
@@ -12194,11 +12411,72 @@
                     <a:bodyPr/>
                     <a:lstStyle/>
                     <a:p>
-                      <a:endParaRPr lang="en-US"/>
+                      <a:pPr marL="0" marR="0">
+                        <a:lnSpc>
+                          <a:spcPct val="107000"/>
+                        </a:lnSpc>
+                        <a:spcBef>
+                          <a:spcPts val="0"/>
+                        </a:spcBef>
+                        <a:spcAft>
+                          <a:spcPts val="0"/>
+                        </a:spcAft>
+                      </a:pPr>
+                      <a:endParaRPr lang="en-US" sz="2800">
+                        <a:effectLst/>
+                        <a:latin typeface="Arial" pitchFamily="34" charset="0"/>
+                        <a:ea typeface="Calibri"/>
+                        <a:cs typeface="Arial" pitchFamily="34" charset="0"/>
+                      </a:endParaRPr>
                     </a:p>
                   </a:txBody>
-                  <a:tcPr/>
+                  <a:tcPr marL="68580" marR="68580" marT="0" marB="0">
+                    <a:lnL w="12700" cap="flat" cmpd="sng" algn="ctr">
+                      <a:solidFill>
+                        <a:schemeClr val="tx1"/>
+                      </a:solidFill>
+                      <a:prstDash val="solid"/>
+                      <a:round/>
+                      <a:headEnd type="none" w="med" len="med"/>
+                      <a:tailEnd type="none" w="med" len="med"/>
+                    </a:lnL>
+                    <a:lnR w="12700" cap="flat" cmpd="sng" algn="ctr">
+                      <a:solidFill>
+                        <a:schemeClr val="tx1"/>
+                      </a:solidFill>
+                      <a:prstDash val="solid"/>
+                      <a:round/>
+                      <a:headEnd type="none" w="med" len="med"/>
+                      <a:tailEnd type="none" w="med" len="med"/>
+                    </a:lnR>
+                    <a:lnT w="12700" cap="flat" cmpd="sng" algn="ctr">
+                      <a:solidFill>
+                        <a:schemeClr val="tx1"/>
+                      </a:solidFill>
+                      <a:prstDash val="solid"/>
+                      <a:round/>
+                      <a:headEnd type="none" w="med" len="med"/>
+                      <a:tailEnd type="none" w="med" len="med"/>
+                    </a:lnT>
+                    <a:lnB w="12700" cap="flat" cmpd="sng" algn="ctr">
+                      <a:solidFill>
+                        <a:schemeClr val="tx1"/>
+                      </a:solidFill>
+                      <a:prstDash val="solid"/>
+                      <a:round/>
+                      <a:headEnd type="none" w="med" len="med"/>
+                      <a:tailEnd type="none" w="med" len="med"/>
+                    </a:lnB>
+                    <a:solidFill>
+                      <a:schemeClr val="bg1"/>
+                    </a:solidFill>
+                  </a:tcPr>
                 </a:tc>
+                <a:extLst>
+                  <a:ext uri="{0D108BD9-81ED-4DB2-BD59-A6C34878D82A}">
+                    <a16:rowId xmlns:a16="http://schemas.microsoft.com/office/drawing/2014/main" val="10005"/>
+                  </a:ext>
+                </a:extLst>
               </a:tr>
               <a:tr h="0">
                 <a:tc gridSpan="2">
@@ -12218,14 +12496,14 @@
                         </a:spcAft>
                       </a:pPr>
                       <a:r>
-                        <a:rPr lang="en-US" sz="2800">
+                        <a:rPr lang="en-US" sz="2800" dirty="0">
                           <a:effectLst/>
                           <a:latin typeface="Arial" pitchFamily="34" charset="0"/>
                           <a:cs typeface="Arial" pitchFamily="34" charset="0"/>
                         </a:rPr>
                         <a:t>Power Specifications</a:t>
                       </a:r>
-                      <a:endParaRPr lang="en-US" sz="2800">
+                      <a:endParaRPr lang="en-US" sz="2800" dirty="0">
                         <a:effectLst/>
                         <a:latin typeface="Arial" pitchFamily="34" charset="0"/>
                         <a:ea typeface="Calibri"/>
@@ -12271,7 +12549,7 @@
                       <a:tailEnd type="none" w="med" len="med"/>
                     </a:lnB>
                     <a:solidFill>
-                      <a:schemeClr val="bg1"/>
+                      <a:srgbClr val="D0D3E3"/>
                     </a:solidFill>
                   </a:tcPr>
                 </a:tc>
@@ -12355,7 +12633,7 @@
                       <a:tailEnd type="none" w="med" len="med"/>
                     </a:lnB>
                     <a:solidFill>
-                      <a:schemeClr val="bg1"/>
+                      <a:srgbClr val="D0D3E3"/>
                     </a:solidFill>
                   </a:tcPr>
                 </a:tc>
@@ -12364,11 +12642,72 @@
                     <a:bodyPr/>
                     <a:lstStyle/>
                     <a:p>
-                      <a:endParaRPr lang="en-US"/>
+                      <a:pPr marL="0" marR="0" algn="ctr">
+                        <a:lnSpc>
+                          <a:spcPct val="107000"/>
+                        </a:lnSpc>
+                        <a:spcBef>
+                          <a:spcPts val="0"/>
+                        </a:spcBef>
+                        <a:spcAft>
+                          <a:spcPts val="0"/>
+                        </a:spcAft>
+                      </a:pPr>
+                      <a:endParaRPr lang="en-US" sz="2800" b="1" dirty="0">
+                        <a:effectLst/>
+                        <a:latin typeface="Arial" pitchFamily="34" charset="0"/>
+                        <a:ea typeface="Calibri"/>
+                        <a:cs typeface="Arial" pitchFamily="34" charset="0"/>
+                      </a:endParaRPr>
                     </a:p>
                   </a:txBody>
-                  <a:tcPr/>
+                  <a:tcPr marL="68580" marR="68580" marT="0" marB="0">
+                    <a:lnL w="12700" cap="flat" cmpd="sng" algn="ctr">
+                      <a:solidFill>
+                        <a:schemeClr val="tx1"/>
+                      </a:solidFill>
+                      <a:prstDash val="solid"/>
+                      <a:round/>
+                      <a:headEnd type="none" w="med" len="med"/>
+                      <a:tailEnd type="none" w="med" len="med"/>
+                    </a:lnL>
+                    <a:lnR w="12700" cap="flat" cmpd="sng" algn="ctr">
+                      <a:solidFill>
+                        <a:schemeClr val="tx1"/>
+                      </a:solidFill>
+                      <a:prstDash val="solid"/>
+                      <a:round/>
+                      <a:headEnd type="none" w="med" len="med"/>
+                      <a:tailEnd type="none" w="med" len="med"/>
+                    </a:lnR>
+                    <a:lnT w="12700" cap="flat" cmpd="sng" algn="ctr">
+                      <a:solidFill>
+                        <a:schemeClr val="tx1"/>
+                      </a:solidFill>
+                      <a:prstDash val="solid"/>
+                      <a:round/>
+                      <a:headEnd type="none" w="med" len="med"/>
+                      <a:tailEnd type="none" w="med" len="med"/>
+                    </a:lnT>
+                    <a:lnB w="12700" cap="flat" cmpd="sng" algn="ctr">
+                      <a:solidFill>
+                        <a:schemeClr val="tx1"/>
+                      </a:solidFill>
+                      <a:prstDash val="solid"/>
+                      <a:round/>
+                      <a:headEnd type="none" w="med" len="med"/>
+                      <a:tailEnd type="none" w="med" len="med"/>
+                    </a:lnB>
+                    <a:solidFill>
+                      <a:srgbClr val="D0D3E3"/>
+                    </a:solidFill>
+                  </a:tcPr>
                 </a:tc>
+                <a:extLst>
+                  <a:ext uri="{0D108BD9-81ED-4DB2-BD59-A6C34878D82A}">
+                    <a16:rowId xmlns:a16="http://schemas.microsoft.com/office/drawing/2014/main" val="10006"/>
+                  </a:ext>
+                </a:extLst>
               </a:tr>
               <a:tr h="0">
                 <a:tc>
@@ -12667,6 +13006,11 @@
                     </a:solidFill>
                   </a:tcPr>
                 </a:tc>
+                <a:extLst>
+                  <a:ext uri="{0D108BD9-81ED-4DB2-BD59-A6C34878D82A}">
+                    <a16:rowId xmlns:a16="http://schemas.microsoft.com/office/drawing/2014/main" val="10007"/>
+                  </a:ext>
+                </a:extLst>
               </a:tr>
               <a:tr h="0">
                 <a:tc>
@@ -12760,14 +13104,14 @@
                         </a:spcAft>
                       </a:pPr>
                       <a:r>
-                        <a:rPr lang="en-US" sz="2800">
+                        <a:rPr lang="en-US" sz="2800" dirty="0">
                           <a:effectLst/>
                           <a:latin typeface="Arial" pitchFamily="34" charset="0"/>
                           <a:cs typeface="Arial" pitchFamily="34" charset="0"/>
                         </a:rPr>
                         <a:t>49.5 W</a:t>
                       </a:r>
-                      <a:endParaRPr lang="en-US" sz="2800">
+                      <a:endParaRPr lang="en-US" sz="2800" dirty="0">
                         <a:effectLst/>
                         <a:latin typeface="Arial" pitchFamily="34" charset="0"/>
                         <a:ea typeface="Calibri"/>
@@ -12908,14 +13252,14 @@
                         </a:spcAft>
                       </a:pPr>
                       <a:r>
-                        <a:rPr lang="en-US" sz="2800">
+                        <a:rPr lang="en-US" sz="2800" dirty="0">
                           <a:effectLst/>
                           <a:latin typeface="Arial" pitchFamily="34" charset="0"/>
                           <a:cs typeface="Arial" pitchFamily="34" charset="0"/>
                         </a:rPr>
                         <a:t>1.56 W</a:t>
                       </a:r>
-                      <a:endParaRPr lang="en-US" sz="2800">
+                      <a:endParaRPr lang="en-US" sz="2800" dirty="0">
                         <a:effectLst/>
                         <a:latin typeface="Arial" pitchFamily="34" charset="0"/>
                         <a:ea typeface="Calibri"/>
@@ -12965,6 +13309,11 @@
                     </a:solidFill>
                   </a:tcPr>
                 </a:tc>
+                <a:extLst>
+                  <a:ext uri="{0D108BD9-81ED-4DB2-BD59-A6C34878D82A}">
+                    <a16:rowId xmlns:a16="http://schemas.microsoft.com/office/drawing/2014/main" val="10008"/>
+                  </a:ext>
+                </a:extLst>
               </a:tr>
               <a:tr h="0">
                 <a:tc>
@@ -13058,14 +13407,14 @@
                         </a:spcAft>
                       </a:pPr>
                       <a:r>
-                        <a:rPr lang="en-US" sz="2800">
+                        <a:rPr lang="en-US" sz="2800" dirty="0">
                           <a:effectLst/>
                           <a:latin typeface="Arial" pitchFamily="34" charset="0"/>
                           <a:cs typeface="Arial" pitchFamily="34" charset="0"/>
                         </a:rPr>
                         <a:t>~45 min</a:t>
                       </a:r>
-                      <a:endParaRPr lang="en-US" sz="2800">
+                      <a:endParaRPr lang="en-US" sz="2800" dirty="0">
                         <a:effectLst/>
                         <a:latin typeface="Arial" pitchFamily="34" charset="0"/>
                         <a:ea typeface="Calibri"/>
@@ -13132,14 +13481,14 @@
                         </a:spcAft>
                       </a:pPr>
                       <a:r>
-                        <a:rPr lang="en-US" sz="2800">
+                        <a:rPr lang="en-US" sz="2800" dirty="0">
                           <a:effectLst/>
                           <a:latin typeface="Arial" pitchFamily="34" charset="0"/>
                           <a:cs typeface="Arial" pitchFamily="34" charset="0"/>
                         </a:rPr>
                         <a:t>Operating time</a:t>
                       </a:r>
-                      <a:endParaRPr lang="en-US" sz="2800">
+                      <a:endParaRPr lang="en-US" sz="2800" dirty="0">
                         <a:effectLst/>
                         <a:latin typeface="Arial" pitchFamily="34" charset="0"/>
                         <a:ea typeface="Calibri"/>
@@ -13263,6 +13612,11 @@
                     </a:solidFill>
                   </a:tcPr>
                 </a:tc>
+                <a:extLst>
+                  <a:ext uri="{0D108BD9-81ED-4DB2-BD59-A6C34878D82A}">
+                    <a16:rowId xmlns:a16="http://schemas.microsoft.com/office/drawing/2014/main" val="10009"/>
+                  </a:ext>
+                </a:extLst>
               </a:tr>
             </a:tbl>
           </a:graphicData>
@@ -13277,7 +13631,7 @@
           <p:nvPr>
             <p:extLst>
               <p:ext uri="{D42A27DB-BD31-4B8C-83A1-F6EECF244321}">
-                <p14:modId xmlns:p14="http://schemas.microsoft.com/office/powerpoint/2010/main" val="3457638879"/>
+                <p14:modId xmlns:p14="http://schemas.microsoft.com/office/powerpoint/2010/main" val="1523477823"/>
               </p:ext>
             </p:extLst>
           </p:nvPr>
@@ -13293,7 +13647,13 @@
                 <a:tableStyleId>{69012ECD-51FC-41F1-AA8D-1B2483CD663E}</a:tableStyleId>
               </a:tblPr>
               <a:tblGrid>
-                <a:gridCol w="6520954"/>
+                <a:gridCol w="6520954">
+                  <a:extLst>
+                    <a:ext uri="{9D8B030D-6E8A-4147-A177-3AD203B41FA5}">
+                      <a16:colId xmlns:a16="http://schemas.microsoft.com/office/drawing/2014/main" val="20000"/>
+                    </a:ext>
+                  </a:extLst>
+                </a:gridCol>
               </a:tblGrid>
               <a:tr h="0">
                 <a:tc>
@@ -13330,6 +13690,11 @@
                   </a:txBody>
                   <a:tcPr marL="68580" marR="68580" marT="0" marB="0"/>
                 </a:tc>
+                <a:extLst>
+                  <a:ext uri="{0D108BD9-81ED-4DB2-BD59-A6C34878D82A}">
+                    <a16:rowId xmlns:a16="http://schemas.microsoft.com/office/drawing/2014/main" val="10000"/>
+                  </a:ext>
+                </a:extLst>
               </a:tr>
               <a:tr h="0">
                 <a:tc>
@@ -13416,6 +13781,11 @@
                     </a:solidFill>
                   </a:tcPr>
                 </a:tc>
+                <a:extLst>
+                  <a:ext uri="{0D108BD9-81ED-4DB2-BD59-A6C34878D82A}">
+                    <a16:rowId xmlns:a16="http://schemas.microsoft.com/office/drawing/2014/main" val="10001"/>
+                  </a:ext>
+                </a:extLst>
               </a:tr>
               <a:tr h="0">
                 <a:tc>
@@ -13479,6 +13849,11 @@
                     </a:solidFill>
                   </a:tcPr>
                 </a:tc>
+                <a:extLst>
+                  <a:ext uri="{0D108BD9-81ED-4DB2-BD59-A6C34878D82A}">
+                    <a16:rowId xmlns:a16="http://schemas.microsoft.com/office/drawing/2014/main" val="10002"/>
+                  </a:ext>
+                </a:extLst>
               </a:tr>
               <a:tr h="0">
                 <a:tc>
@@ -13542,6 +13917,11 @@
                     </a:solidFill>
                   </a:tcPr>
                 </a:tc>
+                <a:extLst>
+                  <a:ext uri="{0D108BD9-81ED-4DB2-BD59-A6C34878D82A}">
+                    <a16:rowId xmlns:a16="http://schemas.microsoft.com/office/drawing/2014/main" val="10003"/>
+                  </a:ext>
+                </a:extLst>
               </a:tr>
               <a:tr h="0">
                 <a:tc>
@@ -13605,6 +13985,11 @@
                     </a:solidFill>
                   </a:tcPr>
                 </a:tc>
+                <a:extLst>
+                  <a:ext uri="{0D108BD9-81ED-4DB2-BD59-A6C34878D82A}">
+                    <a16:rowId xmlns:a16="http://schemas.microsoft.com/office/drawing/2014/main" val="10004"/>
+                  </a:ext>
+                </a:extLst>
               </a:tr>
             </a:tbl>
           </a:graphicData>
@@ -13620,13 +14005,6 @@
   <p:clrMapOvr>
     <a:masterClrMapping/>
   </p:clrMapOvr>
-  <p:timing>
-    <p:tnLst>
-      <p:par>
-        <p:cTn id="1" dur="indefinite" restart="never" nodeType="tmRoot"/>
-      </p:par>
-    </p:tnLst>
-  </p:timing>
 </p:sld>
 </file>
 
@@ -13888,7 +14266,7 @@
   <a:extraClrSchemeLst/>
   <a:extLst>
     <a:ext uri="{05A4C25C-085E-4340-85A3-A5531E510DB2}">
-      <thm15:themeFamily xmlns:thm15="http://schemas.microsoft.com/office/thememl/2012/main" xmlns="" name="Droplet" id="{8984A317-299A-4E50-B45D-BFC9EDE2337A}" vid="{DEB094D4-7FD8-4F86-93D5-B0F1341EF586}"/>
+      <thm15:themeFamily xmlns:thm15="http://schemas.microsoft.com/office/thememl/2012/main" name="Droplet" id="{8984A317-299A-4E50-B45D-BFC9EDE2337A}" vid="{DEB094D4-7FD8-4F86-93D5-B0F1341EF586}"/>
     </a:ext>
   </a:extLst>
 </a:theme>

--- a/Troy Tech - Poster/Troy Tech-Poster.pptx
+++ b/Troy Tech - Poster/Troy Tech-Poster.pptx
@@ -8962,70 +8962,6 @@
       </p:pic>
       <p:pic>
         <p:nvPicPr>
-          <p:cNvPr id="1026" name="Picture 2"/>
-          <p:cNvPicPr>
-            <a:picLocks noChangeAspect="1" noChangeArrowheads="1"/>
-          </p:cNvPicPr>
-          <p:nvPr/>
-        </p:nvPicPr>
-        <p:blipFill>
-          <a:blip r:embed="rId4">
-            <a:extLst>
-              <a:ext uri="{28A0092B-C50C-407E-A947-70E740481C1C}">
-                <a14:useLocalDpi xmlns:a14="http://schemas.microsoft.com/office/drawing/2010/main" val="0"/>
-              </a:ext>
-            </a:extLst>
-          </a:blip>
-          <a:srcRect/>
-          <a:stretch>
-            <a:fillRect/>
-          </a:stretch>
-        </p:blipFill>
-        <p:spPr bwMode="auto">
-          <a:xfrm>
-            <a:off x="7734817" y="6358728"/>
-            <a:ext cx="6554375" cy="7705743"/>
-          </a:xfrm>
-          <a:prstGeom prst="rect">
-            <a:avLst/>
-          </a:prstGeom>
-          <a:noFill/>
-          <a:ln>
-            <a:noFill/>
-          </a:ln>
-          <a:effectLst/>
-          <a:extLst>
-            <a:ext uri="{909E8E84-426E-40DD-AFC4-6F175D3DCCD1}">
-              <a14:hiddenFill xmlns:a14="http://schemas.microsoft.com/office/drawing/2010/main">
-                <a:solidFill>
-                  <a:schemeClr val="accent1"/>
-                </a:solidFill>
-              </a14:hiddenFill>
-            </a:ext>
-            <a:ext uri="{91240B29-F687-4F45-9708-019B960494DF}">
-              <a14:hiddenLine xmlns:a14="http://schemas.microsoft.com/office/drawing/2010/main" w="9525">
-                <a:solidFill>
-                  <a:schemeClr val="tx1"/>
-                </a:solidFill>
-                <a:miter lim="800000"/>
-                <a:headEnd/>
-                <a:tailEnd/>
-              </a14:hiddenLine>
-            </a:ext>
-            <a:ext uri="{AF507438-7753-43E0-B8FC-AC1667EBCBE1}">
-              <a14:hiddenEffects xmlns:a14="http://schemas.microsoft.com/office/drawing/2010/main">
-                <a:effectLst>
-                  <a:outerShdw dist="35921" dir="2700000" algn="ctr" rotWithShape="0">
-                    <a:schemeClr val="bg2"/>
-                  </a:outerShdw>
-                </a:effectLst>
-              </a14:hiddenEffects>
-            </a:ext>
-          </a:extLst>
-        </p:spPr>
-      </p:pic>
-      <p:pic>
-        <p:nvPicPr>
           <p:cNvPr id="14" name="İçerik Yer Tutucusu 5">
             <a:extLst>
               <a:ext uri="{FF2B5EF4-FFF2-40B4-BE49-F238E27FC236}">
@@ -9039,7 +8975,7 @@
           <p:nvPr/>
         </p:nvPicPr>
         <p:blipFill>
-          <a:blip r:embed="rId5" cstate="print">
+          <a:blip r:embed="rId4" cstate="print">
             <a:extLst>
               <a:ext uri="{28A0092B-C50C-407E-A947-70E740481C1C}">
                 <a14:useLocalDpi xmlns:a14="http://schemas.microsoft.com/office/drawing/2010/main" val="0"/>
@@ -9082,7 +9018,7 @@
           <p:nvPr/>
         </p:nvPicPr>
         <p:blipFill rotWithShape="1">
-          <a:blip r:embed="rId6" cstate="print">
+          <a:blip r:embed="rId5" cstate="print">
             <a:extLst>
               <a:ext uri="{28A0092B-C50C-407E-A947-70E740481C1C}">
                 <a14:useLocalDpi xmlns:a14="http://schemas.microsoft.com/office/drawing/2010/main" val="0"/>
@@ -9130,7 +9066,7 @@
           <p:nvPr/>
         </p:nvPicPr>
         <p:blipFill>
-          <a:blip r:embed="rId7" cstate="print">
+          <a:blip r:embed="rId6" cstate="print">
             <a:extLst>
               <a:ext uri="{28A0092B-C50C-407E-A947-70E740481C1C}">
                 <a14:useLocalDpi xmlns:a14="http://schemas.microsoft.com/office/drawing/2010/main" val="0"/>
@@ -9179,7 +9115,7 @@
           <p:nvPr/>
         </p:nvPicPr>
         <p:blipFill>
-          <a:blip r:embed="rId8">
+          <a:blip r:embed="rId7">
             <a:extLst>
               <a:ext uri="{28A0092B-C50C-407E-A947-70E740481C1C}">
                 <a14:useLocalDpi xmlns:a14="http://schemas.microsoft.com/office/drawing/2010/main" val="0"/>
@@ -9228,7 +9164,7 @@
           <p:nvPr/>
         </p:nvPicPr>
         <p:blipFill>
-          <a:blip r:embed="rId9">
+          <a:blip r:embed="rId8">
             <a:extLst>
               <a:ext uri="{28A0092B-C50C-407E-A947-70E740481C1C}">
                 <a14:useLocalDpi xmlns:a14="http://schemas.microsoft.com/office/drawing/2010/main" val="0"/>
@@ -9723,7 +9659,7 @@
           <p:nvPr/>
         </p:nvPicPr>
         <p:blipFill>
-          <a:blip r:embed="rId10">
+          <a:blip r:embed="rId9">
             <a:extLst>
               <a:ext uri="{28A0092B-C50C-407E-A947-70E740481C1C}">
                 <a14:useLocalDpi xmlns:a14="http://schemas.microsoft.com/office/drawing/2010/main" val="0"/>
@@ -9753,7 +9689,7 @@
           <p:nvPr/>
         </p:nvPicPr>
         <p:blipFill>
-          <a:blip r:embed="rId11" cstate="print">
+          <a:blip r:embed="rId10" cstate="print">
             <a:extLst>
               <a:ext uri="{28A0092B-C50C-407E-A947-70E740481C1C}">
                 <a14:useLocalDpi xmlns:a14="http://schemas.microsoft.com/office/drawing/2010/main" val="0"/>
@@ -11240,6 +11176,9 @@
                     </a:p>
                   </a:txBody>
                   <a:tcPr marL="36000" marR="68580" marT="0" marB="0">
+                    <a:lnL>
+                      <a:noFill/>
+                    </a:lnL>
                     <a:lnR w="12700" cap="flat" cmpd="sng" algn="ctr">
                       <a:solidFill>
                         <a:schemeClr val="tx1"/>
@@ -13995,6 +13934,42 @@
           </a:graphicData>
         </a:graphic>
       </p:graphicFrame>
+      <p:pic>
+        <p:nvPicPr>
+          <p:cNvPr id="9" name="Resim 8" descr="zemin, bina, açık hava, yer içeren bir resim&#10;&#10;Çok yüksek güvenilirlikle oluşturulmuş açıklama">
+            <a:extLst>
+              <a:ext uri="{FF2B5EF4-FFF2-40B4-BE49-F238E27FC236}">
+                <a16:creationId xmlns:a16="http://schemas.microsoft.com/office/drawing/2014/main" id="{F9F97E8A-0470-4C88-B160-3B3F21DA5623}"/>
+              </a:ext>
+            </a:extLst>
+          </p:cNvPr>
+          <p:cNvPicPr>
+            <a:picLocks noChangeAspect="1"/>
+          </p:cNvPicPr>
+          <p:nvPr/>
+        </p:nvPicPr>
+        <p:blipFill>
+          <a:blip r:embed="rId11">
+            <a:extLst>
+              <a:ext uri="{28A0092B-C50C-407E-A947-70E740481C1C}">
+                <a14:useLocalDpi xmlns:a14="http://schemas.microsoft.com/office/drawing/2010/main" val="0"/>
+              </a:ext>
+            </a:extLst>
+          </a:blip>
+          <a:stretch>
+            <a:fillRect/>
+          </a:stretch>
+        </p:blipFill>
+        <p:spPr>
+          <a:xfrm>
+            <a:off x="8052155" y="6369097"/>
+            <a:ext cx="6107328" cy="7308051"/>
+          </a:xfrm>
+          <a:prstGeom prst="rect">
+            <a:avLst/>
+          </a:prstGeom>
+        </p:spPr>
+      </p:pic>
     </p:spTree>
     <p:extLst>
       <p:ext uri="{BB962C8B-B14F-4D97-AF65-F5344CB8AC3E}">

--- a/Troy Tech - Poster/Troy Tech-Poster.pptx
+++ b/Troy Tech - Poster/Troy Tech-Poster.pptx
@@ -13962,8 +13962,8 @@
         </p:blipFill>
         <p:spPr>
           <a:xfrm>
-            <a:off x="8052155" y="6369097"/>
-            <a:ext cx="6107328" cy="7308051"/>
+            <a:off x="7925283" y="6369097"/>
+            <a:ext cx="6308283" cy="7548515"/>
           </a:xfrm>
           <a:prstGeom prst="rect">
             <a:avLst/>

--- a/Troy Tech - Poster/Troy Tech-Poster.pptx
+++ b/Troy Tech - Poster/Troy Tech-Poster.pptx
@@ -6291,8 +6291,8 @@
         </p:nvSpPr>
         <p:spPr>
           <a:xfrm>
-            <a:off x="530223" y="10422913"/>
-            <a:ext cx="6675630" cy="3024000"/>
+            <a:off x="457198" y="9909354"/>
+            <a:ext cx="6675630" cy="4801314"/>
           </a:xfrm>
           <a:prstGeom prst="roundRect">
             <a:avLst/>
@@ -6339,7 +6339,21 @@
                 <a:latin typeface="Arial" pitchFamily="34" charset="0"/>
                 <a:cs typeface="Arial" pitchFamily="34" charset="0"/>
               </a:rPr>
-              <a:t>HELEN V</a:t>
+              <a:t>HELEN</a:t>
+            </a:r>
+            <a:r>
+              <a:rPr lang="tr-TR" sz="3000" dirty="0">
+                <a:latin typeface="Arial" pitchFamily="34" charset="0"/>
+                <a:cs typeface="Arial" pitchFamily="34" charset="0"/>
+              </a:rPr>
+              <a:t>-</a:t>
+            </a:r>
+            <a:r>
+              <a:rPr lang="en-US" sz="3000" dirty="0">
+                <a:latin typeface="Arial" pitchFamily="34" charset="0"/>
+                <a:cs typeface="Arial" pitchFamily="34" charset="0"/>
+              </a:rPr>
+              <a:t>V</a:t>
             </a:r>
           </a:p>
           <a:p>
@@ -9462,7 +9476,7 @@
         <p:spPr>
           <a:xfrm>
             <a:off x="14539715" y="6358728"/>
-            <a:ext cx="6675630" cy="7416000"/>
+            <a:ext cx="6675630" cy="7236000"/>
           </a:xfrm>
           <a:prstGeom prst="roundRect">
             <a:avLst/>
@@ -9522,6 +9536,58 @@
               </a:rPr>
               <a:t>Holonomic Control</a:t>
             </a:r>
+            <a:endParaRPr lang="tr-TR" sz="3000" dirty="0">
+              <a:latin typeface="Arial" pitchFamily="34" charset="0"/>
+              <a:cs typeface="Arial" pitchFamily="34" charset="0"/>
+            </a:endParaRPr>
+          </a:p>
+          <a:p>
+            <a:r>
+              <a:rPr lang="tr-TR" sz="3000" dirty="0">
+                <a:latin typeface="Arial" pitchFamily="34" charset="0"/>
+                <a:cs typeface="Arial" pitchFamily="34" charset="0"/>
+              </a:rPr>
+              <a:t>	 </a:t>
+            </a:r>
+            <a:r>
+              <a:rPr lang="tr-TR" sz="3000" dirty="0" err="1">
+                <a:latin typeface="Arial" pitchFamily="34" charset="0"/>
+                <a:cs typeface="Arial" pitchFamily="34" charset="0"/>
+              </a:rPr>
+              <a:t>with</a:t>
+            </a:r>
+            <a:r>
+              <a:rPr lang="tr-TR" sz="3000" dirty="0">
+                <a:latin typeface="Arial" pitchFamily="34" charset="0"/>
+                <a:cs typeface="Arial" pitchFamily="34" charset="0"/>
+              </a:rPr>
+              <a:t> </a:t>
+            </a:r>
+            <a:r>
+              <a:rPr lang="tr-TR" sz="3000" dirty="0" err="1">
+                <a:latin typeface="Arial" pitchFamily="34" charset="0"/>
+                <a:cs typeface="Arial" pitchFamily="34" charset="0"/>
+              </a:rPr>
+              <a:t>omni</a:t>
+            </a:r>
+            <a:r>
+              <a:rPr lang="tr-TR" sz="3000" dirty="0">
+                <a:latin typeface="Arial" pitchFamily="34" charset="0"/>
+                <a:cs typeface="Arial" pitchFamily="34" charset="0"/>
+              </a:rPr>
+              <a:t> </a:t>
+            </a:r>
+            <a:r>
+              <a:rPr lang="tr-TR" sz="3000" dirty="0" err="1">
+                <a:latin typeface="Arial" pitchFamily="34" charset="0"/>
+                <a:cs typeface="Arial" pitchFamily="34" charset="0"/>
+              </a:rPr>
+              <a:t>wheels</a:t>
+            </a:r>
+            <a:endParaRPr lang="en-US" sz="3000" dirty="0">
+              <a:latin typeface="Arial" pitchFamily="34" charset="0"/>
+              <a:cs typeface="Arial" pitchFamily="34" charset="0"/>
+            </a:endParaRPr>
           </a:p>
           <a:p>
             <a:pPr marL="571500" indent="-571500">
@@ -9672,7 +9738,7 @@
         </p:blipFill>
         <p:spPr>
           <a:xfrm>
-            <a:off x="14793570" y="8342159"/>
+            <a:off x="14793570" y="8455521"/>
             <a:ext cx="6421775" cy="2191980"/>
           </a:xfrm>
           <a:prstGeom prst="rect">
@@ -9702,7 +9768,7 @@
         </p:blipFill>
         <p:spPr>
           <a:xfrm rot="10800000">
-            <a:off x="15578350" y="11623703"/>
+            <a:off x="17093578" y="11509532"/>
             <a:ext cx="1719736" cy="1289802"/>
           </a:xfrm>
           <a:prstGeom prst="rect">
@@ -9719,14 +9785,14 @@
           <p:nvPr>
             <p:extLst>
               <p:ext uri="{D42A27DB-BD31-4B8C-83A1-F6EECF244321}">
-                <p14:modId xmlns:p14="http://schemas.microsoft.com/office/powerpoint/2010/main" val="1417575006"/>
+                <p14:modId xmlns:p14="http://schemas.microsoft.com/office/powerpoint/2010/main" val="3615455408"/>
               </p:ext>
             </p:extLst>
           </p:nvPr>
         </p:nvGraphicFramePr>
         <p:xfrm>
-          <a:off x="7900198" y="22790644"/>
-          <a:ext cx="6154427" cy="4333621"/>
+          <a:off x="1065141" y="25500411"/>
+          <a:ext cx="10336884" cy="2963926"/>
         </p:xfrm>
         <a:graphic>
           <a:graphicData uri="http://schemas.openxmlformats.org/drawingml/2006/table">
@@ -9735,14 +9801,14 @@
                 <a:tableStyleId>{69012ECD-51FC-41F1-AA8D-1B2483CD663E}</a:tableStyleId>
               </a:tblPr>
               <a:tblGrid>
-                <a:gridCol w="2979829">
+                <a:gridCol w="5004876">
                   <a:extLst>
                     <a:ext uri="{9D8B030D-6E8A-4147-A177-3AD203B41FA5}">
                       <a16:colId xmlns:a16="http://schemas.microsoft.com/office/drawing/2014/main" val="20000"/>
                     </a:ext>
                   </a:extLst>
                 </a:gridCol>
-                <a:gridCol w="3174598">
+                <a:gridCol w="5332008">
                   <a:extLst>
                     <a:ext uri="{9D8B030D-6E8A-4147-A177-3AD203B41FA5}">
                       <a16:colId xmlns:a16="http://schemas.microsoft.com/office/drawing/2014/main" val="20001"/>
@@ -10817,13 +10883,13 @@
           <p:nvPr>
             <p:extLst>
               <p:ext uri="{D42A27DB-BD31-4B8C-83A1-F6EECF244321}">
-                <p14:modId xmlns:p14="http://schemas.microsoft.com/office/powerpoint/2010/main" val="3596219653"/>
+                <p14:modId xmlns:p14="http://schemas.microsoft.com/office/powerpoint/2010/main" val="2817290955"/>
               </p:ext>
             </p:extLst>
           </p:nvPr>
         </p:nvGraphicFramePr>
         <p:xfrm>
-          <a:off x="1233678" y="15226925"/>
+          <a:off x="608875" y="14973016"/>
           <a:ext cx="12382310" cy="4802143"/>
         </p:xfrm>
         <a:graphic>
@@ -11097,8 +11163,10 @@
                       <a:headEnd type="none" w="med" len="med"/>
                       <a:tailEnd type="none" w="med" len="med"/>
                     </a:lnL>
-                    <a:lnR w="12700" cap="flat" cmpd="sng" algn="ctr">
-                      <a:noFill/>
+                    <a:lnR w="9525" cap="flat" cmpd="sng" algn="ctr">
+                      <a:solidFill>
+                        <a:schemeClr val="bg1"/>
+                      </a:solidFill>
                       <a:prstDash val="solid"/>
                       <a:round/>
                       <a:headEnd type="none" w="med" len="med"/>
@@ -11176,8 +11244,14 @@
                     </a:p>
                   </a:txBody>
                   <a:tcPr marL="36000" marR="68580" marT="0" marB="0">
-                    <a:lnL>
-                      <a:noFill/>
+                    <a:lnL w="9525" cap="flat" cmpd="sng" algn="ctr">
+                      <a:solidFill>
+                        <a:schemeClr val="bg1"/>
+                      </a:solidFill>
+                      <a:prstDash val="solid"/>
+                      <a:round/>
+                      <a:headEnd type="none" w="med" len="med"/>
+                      <a:tailEnd type="none" w="med" len="med"/>
                     </a:lnL>
                     <a:lnR w="12700" cap="flat" cmpd="sng" algn="ctr">
                       <a:solidFill>
@@ -11188,6 +11262,15 @@
                       <a:headEnd type="none" w="med" len="med"/>
                       <a:tailEnd type="none" w="med" len="med"/>
                     </a:lnR>
+                    <a:lnT w="12700" cap="flat" cmpd="sng" algn="ctr">
+                      <a:solidFill>
+                        <a:schemeClr val="tx1"/>
+                      </a:solidFill>
+                      <a:prstDash val="solid"/>
+                      <a:round/>
+                      <a:headEnd type="none" w="med" len="med"/>
+                      <a:tailEnd type="none" w="med" len="med"/>
+                    </a:lnT>
                     <a:lnB w="12700" cap="flat" cmpd="sng" algn="ctr">
                       <a:solidFill>
                         <a:schemeClr val="tx1"/>
@@ -11197,6 +11280,14 @@
                       <a:headEnd type="none" w="med" len="med"/>
                       <a:tailEnd type="none" w="med" len="med"/>
                     </a:lnB>
+                    <a:lnTlToBr w="12700" cmpd="sng">
+                      <a:noFill/>
+                      <a:prstDash val="solid"/>
+                    </a:lnTlToBr>
+                    <a:lnBlToTr w="12700" cmpd="sng">
+                      <a:noFill/>
+                      <a:prstDash val="solid"/>
+                    </a:lnBlToTr>
                     <a:solidFill>
                       <a:srgbClr val="4A66AC"/>
                     </a:solidFill>
@@ -13570,14 +13661,14 @@
           <p:nvPr>
             <p:extLst>
               <p:ext uri="{D42A27DB-BD31-4B8C-83A1-F6EECF244321}">
-                <p14:modId xmlns:p14="http://schemas.microsoft.com/office/powerpoint/2010/main" val="1523477823"/>
+                <p14:modId xmlns:p14="http://schemas.microsoft.com/office/powerpoint/2010/main" val="1435994556"/>
               </p:ext>
             </p:extLst>
           </p:nvPr>
         </p:nvGraphicFramePr>
         <p:xfrm>
-          <a:off x="1053946" y="22790644"/>
-          <a:ext cx="6520954" cy="5769610"/>
+          <a:off x="608875" y="19969686"/>
+          <a:ext cx="9811245" cy="4399915"/>
         </p:xfrm>
         <a:graphic>
           <a:graphicData uri="http://schemas.openxmlformats.org/drawingml/2006/table">
@@ -13586,7 +13677,7 @@
                 <a:tableStyleId>{69012ECD-51FC-41F1-AA8D-1B2483CD663E}</a:tableStyleId>
               </a:tblPr>
               <a:tblGrid>
-                <a:gridCol w="6520954">
+                <a:gridCol w="9811245">
                   <a:extLst>
                     <a:ext uri="{9D8B030D-6E8A-4147-A177-3AD203B41FA5}">
                       <a16:colId xmlns:a16="http://schemas.microsoft.com/office/drawing/2014/main" val="20000"/>
